--- a/src/main/presentation/FinTechathon_2nd.pptx
+++ b/src/main/presentation/FinTechathon_2nd.pptx
@@ -200,7 +200,7 @@
             <a:fld id="{A7E699D2-5BE3-4458-9E0A-526F447E3C3B}" type="datetimeFigureOut">
               <a:rPr lang="en-GB" smtClean="0"/>
               <a:pPr/>
-              <a:t>02/01/2018</a:t>
+              <a:t>03/01/2018</a:t>
             </a:fld>
             <a:endParaRPr lang="en-GB"/>
           </a:p>
@@ -371,7 +371,7 @@
     </p:spTree>
     <p:extLst>
       <p:ext uri="{BB962C8B-B14F-4D97-AF65-F5344CB8AC3E}">
-        <p14:creationId xmlns:p14="http://schemas.microsoft.com/office/powerpoint/2010/main" xmlns="" val="2450056276"/>
+        <p14:creationId xmlns="" xmlns:p14="http://schemas.microsoft.com/office/powerpoint/2010/main" val="2450056276"/>
       </p:ext>
     </p:extLst>
   </p:cSld>
@@ -875,7 +875,7 @@
             <a:fld id="{1D8BD707-D9CF-40AE-B4C6-C98DA3205C09}" type="datetimeFigureOut">
               <a:rPr lang="en-US" smtClean="0"/>
               <a:pPr/>
-              <a:t>01/02/2018</a:t>
+              <a:t>01/03/2018</a:t>
             </a:fld>
             <a:endParaRPr lang="en-US"/>
           </a:p>
@@ -1042,7 +1042,7 @@
             <a:fld id="{1D8BD707-D9CF-40AE-B4C6-C98DA3205C09}" type="datetimeFigureOut">
               <a:rPr lang="en-US" smtClean="0"/>
               <a:pPr/>
-              <a:t>01/02/2018</a:t>
+              <a:t>01/03/2018</a:t>
             </a:fld>
             <a:endParaRPr lang="en-US"/>
           </a:p>
@@ -1219,7 +1219,7 @@
             <a:fld id="{1D8BD707-D9CF-40AE-B4C6-C98DA3205C09}" type="datetimeFigureOut">
               <a:rPr lang="en-US" smtClean="0"/>
               <a:pPr/>
-              <a:t>01/02/2018</a:t>
+              <a:t>01/03/2018</a:t>
             </a:fld>
             <a:endParaRPr lang="en-US"/>
           </a:p>
@@ -1386,7 +1386,7 @@
             <a:fld id="{1D8BD707-D9CF-40AE-B4C6-C98DA3205C09}" type="datetimeFigureOut">
               <a:rPr lang="en-US" smtClean="0"/>
               <a:pPr/>
-              <a:t>01/02/2018</a:t>
+              <a:t>01/03/2018</a:t>
             </a:fld>
             <a:endParaRPr lang="en-US"/>
           </a:p>
@@ -1629,7 +1629,7 @@
             <a:fld id="{1D8BD707-D9CF-40AE-B4C6-C98DA3205C09}" type="datetimeFigureOut">
               <a:rPr lang="en-US" smtClean="0"/>
               <a:pPr/>
-              <a:t>01/02/2018</a:t>
+              <a:t>01/03/2018</a:t>
             </a:fld>
             <a:endParaRPr lang="en-US"/>
           </a:p>
@@ -1914,7 +1914,7 @@
             <a:fld id="{1D8BD707-D9CF-40AE-B4C6-C98DA3205C09}" type="datetimeFigureOut">
               <a:rPr lang="en-US" smtClean="0"/>
               <a:pPr/>
-              <a:t>01/02/2018</a:t>
+              <a:t>01/03/2018</a:t>
             </a:fld>
             <a:endParaRPr lang="en-US"/>
           </a:p>
@@ -2333,7 +2333,7 @@
             <a:fld id="{1D8BD707-D9CF-40AE-B4C6-C98DA3205C09}" type="datetimeFigureOut">
               <a:rPr lang="en-US" smtClean="0"/>
               <a:pPr/>
-              <a:t>01/02/2018</a:t>
+              <a:t>01/03/2018</a:t>
             </a:fld>
             <a:endParaRPr lang="en-US"/>
           </a:p>
@@ -2448,7 +2448,7 @@
             <a:fld id="{1D8BD707-D9CF-40AE-B4C6-C98DA3205C09}" type="datetimeFigureOut">
               <a:rPr lang="en-US" smtClean="0"/>
               <a:pPr/>
-              <a:t>01/02/2018</a:t>
+              <a:t>01/03/2018</a:t>
             </a:fld>
             <a:endParaRPr lang="en-US"/>
           </a:p>
@@ -2540,7 +2540,7 @@
             <a:fld id="{1D8BD707-D9CF-40AE-B4C6-C98DA3205C09}" type="datetimeFigureOut">
               <a:rPr lang="en-US" smtClean="0"/>
               <a:pPr/>
-              <a:t>01/02/2018</a:t>
+              <a:t>01/03/2018</a:t>
             </a:fld>
             <a:endParaRPr lang="en-US"/>
           </a:p>
@@ -2814,7 +2814,7 @@
             <a:fld id="{1D8BD707-D9CF-40AE-B4C6-C98DA3205C09}" type="datetimeFigureOut">
               <a:rPr lang="en-US" smtClean="0"/>
               <a:pPr/>
-              <a:t>01/02/2018</a:t>
+              <a:t>01/03/2018</a:t>
             </a:fld>
             <a:endParaRPr lang="en-US"/>
           </a:p>
@@ -3064,7 +3064,7 @@
             <a:fld id="{1D8BD707-D9CF-40AE-B4C6-C98DA3205C09}" type="datetimeFigureOut">
               <a:rPr lang="en-US" smtClean="0"/>
               <a:pPr/>
-              <a:t>01/02/2018</a:t>
+              <a:t>01/03/2018</a:t>
             </a:fld>
             <a:endParaRPr lang="en-US"/>
           </a:p>
@@ -3274,7 +3274,7 @@
             <a:fld id="{1D8BD707-D9CF-40AE-B4C6-C98DA3205C09}" type="datetimeFigureOut">
               <a:rPr lang="en-US" smtClean="0"/>
               <a:pPr/>
-              <a:t>01/02/2018</a:t>
+              <a:t>01/03/2018</a:t>
             </a:fld>
             <a:endParaRPr lang="en-US"/>
           </a:p>
@@ -4090,7 +4090,7 @@
           <p:nvPr/>
         </p:nvPicPr>
         <p:blipFill>
-          <a:blip r:embed="rId3" cstate="print"/>
+          <a:blip r:embed="rId3" cstate="screen"/>
           <a:srcRect/>
           <a:stretch>
             <a:fillRect/>
@@ -4122,10 +4122,10 @@
           <p:nvPr/>
         </p:nvPicPr>
         <p:blipFill>
-          <a:blip r:embed="rId4" cstate="print">
+          <a:blip r:embed="rId4" cstate="screen">
             <a:extLst>
               <a:ext uri="{28A0092B-C50C-407E-A947-70E740481C1C}">
-                <a14:useLocalDpi xmlns:a14="http://schemas.microsoft.com/office/drawing/2010/main" xmlns="" val="0"/>
+                <a14:useLocalDpi xmlns="" xmlns:a14="http://schemas.microsoft.com/office/drawing/2010/main" val="0"/>
               </a:ext>
             </a:extLst>
           </a:blip>
@@ -4149,14 +4149,14 @@
           <a:effectLst/>
           <a:extLst>
             <a:ext uri="{909E8E84-426E-40DD-AFC4-6F175D3DCCD1}">
-              <a14:hiddenFill xmlns:a14="http://schemas.microsoft.com/office/drawing/2010/main" xmlns="">
+              <a14:hiddenFill xmlns="" xmlns:a14="http://schemas.microsoft.com/office/drawing/2010/main">
                 <a:solidFill>
                   <a:schemeClr val="accent1"/>
                 </a:solidFill>
               </a14:hiddenFill>
             </a:ext>
             <a:ext uri="{91240B29-F687-4F45-9708-019B960494DF}">
-              <a14:hiddenLine xmlns:a14="http://schemas.microsoft.com/office/drawing/2010/main" xmlns="" w="9525">
+              <a14:hiddenLine xmlns="" xmlns:a14="http://schemas.microsoft.com/office/drawing/2010/main" w="9525">
                 <a:solidFill>
                   <a:schemeClr val="tx1"/>
                 </a:solidFill>
@@ -4166,7 +4166,7 @@
               </a14:hiddenLine>
             </a:ext>
             <a:ext uri="{AF507438-7753-43E0-B8FC-AC1667EBCBE1}">
-              <a14:hiddenEffects xmlns:a14="http://schemas.microsoft.com/office/drawing/2010/main" xmlns="">
+              <a14:hiddenEffects xmlns="" xmlns:a14="http://schemas.microsoft.com/office/drawing/2010/main">
                 <a:effectLst>
                   <a:outerShdw dist="35921" dir="2700000" algn="ctr" rotWithShape="0">
                     <a:schemeClr val="bg2"/>
@@ -4376,7 +4376,7 @@
     <a:masterClrMapping/>
   </p:clrMapOvr>
   <mc:AlternateContent xmlns:mc="http://schemas.openxmlformats.org/markup-compatibility/2006">
-    <mc:Choice xmlns:p14="http://schemas.microsoft.com/office/powerpoint/2010/main" xmlns="" Requires="p14">
+    <mc:Choice xmlns="" xmlns:p14="http://schemas.microsoft.com/office/powerpoint/2010/main" Requires="p14">
       <p:transition p14:dur="0"/>
     </mc:Choice>
     <mc:Fallback>
@@ -4574,44 +4574,6 @@
           <a:chExt cx="0" cy="0"/>
         </a:xfrm>
       </p:grpSpPr>
-      <p:sp>
-        <p:nvSpPr>
-          <p:cNvPr id="4" name="Rectangle 2"/>
-          <p:cNvSpPr>
-            <a:spLocks noChangeArrowheads="1"/>
-          </p:cNvSpPr>
-          <p:nvPr/>
-        </p:nvSpPr>
-        <p:spPr bwMode="auto">
-          <a:xfrm>
-            <a:off x="233993" y="252042"/>
-            <a:ext cx="10214425" cy="714119"/>
-          </a:xfrm>
-          <a:prstGeom prst="rect">
-            <a:avLst/>
-          </a:prstGeom>
-          <a:noFill/>
-          <a:ln w="9525" algn="ctr">
-            <a:noFill/>
-            <a:miter lim="800000"/>
-            <a:headEnd/>
-            <a:tailEnd/>
-          </a:ln>
-        </p:spPr>
-        <p:txBody>
-          <a:bodyPr lIns="98122" tIns="49105" rIns="98122" bIns="49105" anchor="b"/>
-          <a:lstStyle/>
-          <a:p>
-            <a:pPr defTabSz="984185" latinLnBrk="0"/>
-            <a:endParaRPr lang="en-US" sz="2700" b="1" dirty="0">
-              <a:solidFill>
-                <a:srgbClr val="5F5F5F"/>
-              </a:solidFill>
-              <a:latin typeface="Helvetica"/>
-            </a:endParaRPr>
-          </a:p>
-        </p:txBody>
-      </p:sp>
       <p:pic>
         <p:nvPicPr>
           <p:cNvPr id="2050" name="Picture 2"/>
@@ -4621,10 +4583,10 @@
           <p:nvPr/>
         </p:nvPicPr>
         <p:blipFill>
-          <a:blip r:embed="rId2" cstate="print">
+          <a:blip r:embed="rId2" cstate="screen">
             <a:extLst>
               <a:ext uri="{28A0092B-C50C-407E-A947-70E740481C1C}">
-                <a14:useLocalDpi xmlns:a14="http://schemas.microsoft.com/office/drawing/2010/main" xmlns="" val="0"/>
+                <a14:useLocalDpi xmlns="" xmlns:a14="http://schemas.microsoft.com/office/drawing/2010/main" val="0"/>
               </a:ext>
             </a:extLst>
           </a:blip>
@@ -4648,14 +4610,14 @@
           <a:effectLst/>
           <a:extLst>
             <a:ext uri="{909E8E84-426E-40DD-AFC4-6F175D3DCCD1}">
-              <a14:hiddenFill xmlns:a14="http://schemas.microsoft.com/office/drawing/2010/main" xmlns="">
+              <a14:hiddenFill xmlns="" xmlns:a14="http://schemas.microsoft.com/office/drawing/2010/main">
                 <a:solidFill>
                   <a:schemeClr val="accent1"/>
                 </a:solidFill>
               </a14:hiddenFill>
             </a:ext>
             <a:ext uri="{91240B29-F687-4F45-9708-019B960494DF}">
-              <a14:hiddenLine xmlns:a14="http://schemas.microsoft.com/office/drawing/2010/main" xmlns="" w="9525">
+              <a14:hiddenLine xmlns="" xmlns:a14="http://schemas.microsoft.com/office/drawing/2010/main" w="9525">
                 <a:solidFill>
                   <a:schemeClr val="tx1"/>
                 </a:solidFill>
@@ -4665,7 +4627,7 @@
               </a14:hiddenLine>
             </a:ext>
             <a:ext uri="{AF507438-7753-43E0-B8FC-AC1667EBCBE1}">
-              <a14:hiddenEffects xmlns:a14="http://schemas.microsoft.com/office/drawing/2010/main" xmlns="">
+              <a14:hiddenEffects xmlns="" xmlns:a14="http://schemas.microsoft.com/office/drawing/2010/main">
                 <a:effectLst>
                   <a:outerShdw dist="35921" dir="2700000" algn="ctr" rotWithShape="0">
                     <a:schemeClr val="bg2"/>
@@ -4685,10 +4647,10 @@
           <p:nvPr/>
         </p:nvPicPr>
         <p:blipFill>
-          <a:blip r:embed="rId3" cstate="print">
+          <a:blip r:embed="rId3" cstate="screen">
             <a:extLst>
               <a:ext uri="{28A0092B-C50C-407E-A947-70E740481C1C}">
-                <a14:useLocalDpi xmlns:a14="http://schemas.microsoft.com/office/drawing/2010/main" xmlns="" val="0"/>
+                <a14:useLocalDpi xmlns="" xmlns:a14="http://schemas.microsoft.com/office/drawing/2010/main" val="0"/>
               </a:ext>
             </a:extLst>
           </a:blip>
@@ -4712,14 +4674,14 @@
           <a:effectLst/>
           <a:extLst>
             <a:ext uri="{909E8E84-426E-40DD-AFC4-6F175D3DCCD1}">
-              <a14:hiddenFill xmlns:a14="http://schemas.microsoft.com/office/drawing/2010/main" xmlns="">
+              <a14:hiddenFill xmlns="" xmlns:a14="http://schemas.microsoft.com/office/drawing/2010/main">
                 <a:solidFill>
                   <a:schemeClr val="accent1"/>
                 </a:solidFill>
               </a14:hiddenFill>
             </a:ext>
             <a:ext uri="{91240B29-F687-4F45-9708-019B960494DF}">
-              <a14:hiddenLine xmlns:a14="http://schemas.microsoft.com/office/drawing/2010/main" xmlns="" w="9525">
+              <a14:hiddenLine xmlns="" xmlns:a14="http://schemas.microsoft.com/office/drawing/2010/main" w="9525">
                 <a:solidFill>
                   <a:schemeClr val="tx1"/>
                 </a:solidFill>
@@ -4729,7 +4691,7 @@
               </a14:hiddenLine>
             </a:ext>
             <a:ext uri="{AF507438-7753-43E0-B8FC-AC1667EBCBE1}">
-              <a14:hiddenEffects xmlns:a14="http://schemas.microsoft.com/office/drawing/2010/main" xmlns="">
+              <a14:hiddenEffects xmlns="" xmlns:a14="http://schemas.microsoft.com/office/drawing/2010/main">
                 <a:effectLst>
                   <a:outerShdw dist="35921" dir="2700000" algn="ctr" rotWithShape="0">
                     <a:schemeClr val="bg2"/>
@@ -4749,10 +4711,10 @@
           <p:nvPr/>
         </p:nvPicPr>
         <p:blipFill>
-          <a:blip r:embed="rId4" cstate="print">
+          <a:blip r:embed="rId4" cstate="screen">
             <a:extLst>
               <a:ext uri="{28A0092B-C50C-407E-A947-70E740481C1C}">
-                <a14:useLocalDpi xmlns:a14="http://schemas.microsoft.com/office/drawing/2010/main" xmlns="" val="0"/>
+                <a14:useLocalDpi xmlns="" xmlns:a14="http://schemas.microsoft.com/office/drawing/2010/main" val="0"/>
               </a:ext>
             </a:extLst>
           </a:blip>
@@ -4776,14 +4738,14 @@
           <a:effectLst/>
           <a:extLst>
             <a:ext uri="{909E8E84-426E-40DD-AFC4-6F175D3DCCD1}">
-              <a14:hiddenFill xmlns:a14="http://schemas.microsoft.com/office/drawing/2010/main" xmlns="">
+              <a14:hiddenFill xmlns="" xmlns:a14="http://schemas.microsoft.com/office/drawing/2010/main">
                 <a:solidFill>
                   <a:schemeClr val="accent1"/>
                 </a:solidFill>
               </a14:hiddenFill>
             </a:ext>
             <a:ext uri="{91240B29-F687-4F45-9708-019B960494DF}">
-              <a14:hiddenLine xmlns:a14="http://schemas.microsoft.com/office/drawing/2010/main" xmlns="" w="9525">
+              <a14:hiddenLine xmlns="" xmlns:a14="http://schemas.microsoft.com/office/drawing/2010/main" w="9525">
                 <a:solidFill>
                   <a:schemeClr val="tx1"/>
                 </a:solidFill>
@@ -4793,7 +4755,7 @@
               </a14:hiddenLine>
             </a:ext>
             <a:ext uri="{AF507438-7753-43E0-B8FC-AC1667EBCBE1}">
-              <a14:hiddenEffects xmlns:a14="http://schemas.microsoft.com/office/drawing/2010/main" xmlns="">
+              <a14:hiddenEffects xmlns="" xmlns:a14="http://schemas.microsoft.com/office/drawing/2010/main">
                 <a:effectLst>
                   <a:outerShdw dist="35921" dir="2700000" algn="ctr" rotWithShape="0">
                     <a:schemeClr val="bg2"/>
@@ -4813,10 +4775,10 @@
           <p:nvPr/>
         </p:nvPicPr>
         <p:blipFill>
-          <a:blip r:embed="rId5" cstate="print">
+          <a:blip r:embed="rId5" cstate="screen">
             <a:extLst>
               <a:ext uri="{28A0092B-C50C-407E-A947-70E740481C1C}">
-                <a14:useLocalDpi xmlns:a14="http://schemas.microsoft.com/office/drawing/2010/main" xmlns="" val="0"/>
+                <a14:useLocalDpi xmlns="" xmlns:a14="http://schemas.microsoft.com/office/drawing/2010/main" val="0"/>
               </a:ext>
             </a:extLst>
           </a:blip>
@@ -4840,14 +4802,14 @@
           <a:effectLst/>
           <a:extLst>
             <a:ext uri="{909E8E84-426E-40DD-AFC4-6F175D3DCCD1}">
-              <a14:hiddenFill xmlns:a14="http://schemas.microsoft.com/office/drawing/2010/main" xmlns="">
+              <a14:hiddenFill xmlns="" xmlns:a14="http://schemas.microsoft.com/office/drawing/2010/main">
                 <a:solidFill>
                   <a:schemeClr val="accent1"/>
                 </a:solidFill>
               </a14:hiddenFill>
             </a:ext>
             <a:ext uri="{91240B29-F687-4F45-9708-019B960494DF}">
-              <a14:hiddenLine xmlns:a14="http://schemas.microsoft.com/office/drawing/2010/main" xmlns="" w="9525">
+              <a14:hiddenLine xmlns="" xmlns:a14="http://schemas.microsoft.com/office/drawing/2010/main" w="9525">
                 <a:solidFill>
                   <a:schemeClr val="tx1"/>
                 </a:solidFill>
@@ -4857,7 +4819,7 @@
               </a14:hiddenLine>
             </a:ext>
             <a:ext uri="{AF507438-7753-43E0-B8FC-AC1667EBCBE1}">
-              <a14:hiddenEffects xmlns:a14="http://schemas.microsoft.com/office/drawing/2010/main" xmlns="">
+              <a14:hiddenEffects xmlns="" xmlns:a14="http://schemas.microsoft.com/office/drawing/2010/main">
                 <a:effectLst>
                   <a:outerShdw dist="35921" dir="2700000" algn="ctr" rotWithShape="0">
                     <a:schemeClr val="bg2"/>
@@ -4877,10 +4839,10 @@
           <p:nvPr/>
         </p:nvPicPr>
         <p:blipFill>
-          <a:blip r:embed="rId6" cstate="print">
+          <a:blip r:embed="rId6" cstate="screen">
             <a:extLst>
               <a:ext uri="{28A0092B-C50C-407E-A947-70E740481C1C}">
-                <a14:useLocalDpi xmlns:a14="http://schemas.microsoft.com/office/drawing/2010/main" xmlns="" val="0"/>
+                <a14:useLocalDpi xmlns="" xmlns:a14="http://schemas.microsoft.com/office/drawing/2010/main" val="0"/>
               </a:ext>
             </a:extLst>
           </a:blip>
@@ -4904,14 +4866,14 @@
           <a:effectLst/>
           <a:extLst>
             <a:ext uri="{909E8E84-426E-40DD-AFC4-6F175D3DCCD1}">
-              <a14:hiddenFill xmlns:a14="http://schemas.microsoft.com/office/drawing/2010/main" xmlns="">
+              <a14:hiddenFill xmlns="" xmlns:a14="http://schemas.microsoft.com/office/drawing/2010/main">
                 <a:solidFill>
                   <a:schemeClr val="accent1"/>
                 </a:solidFill>
               </a14:hiddenFill>
             </a:ext>
             <a:ext uri="{91240B29-F687-4F45-9708-019B960494DF}">
-              <a14:hiddenLine xmlns:a14="http://schemas.microsoft.com/office/drawing/2010/main" xmlns="" w="9525">
+              <a14:hiddenLine xmlns="" xmlns:a14="http://schemas.microsoft.com/office/drawing/2010/main" w="9525">
                 <a:solidFill>
                   <a:schemeClr val="tx1"/>
                 </a:solidFill>
@@ -4921,7 +4883,7 @@
               </a14:hiddenLine>
             </a:ext>
             <a:ext uri="{AF507438-7753-43E0-B8FC-AC1667EBCBE1}">
-              <a14:hiddenEffects xmlns:a14="http://schemas.microsoft.com/office/drawing/2010/main" xmlns="">
+              <a14:hiddenEffects xmlns="" xmlns:a14="http://schemas.microsoft.com/office/drawing/2010/main">
                 <a:effectLst>
                   <a:outerShdw dist="35921" dir="2700000" algn="ctr" rotWithShape="0">
                     <a:schemeClr val="bg2"/>
@@ -5363,7 +5325,7 @@
           <a:lstStyle/>
           <a:p>
             <a:r>
-              <a:rPr lang="en-US" altLang="zh-CN" dirty="0">
+              <a:rPr lang="en-US" altLang="zh-CN">
                 <a:solidFill>
                   <a:schemeClr val="bg1"/>
                 </a:solidFill>
@@ -5371,12 +5333,12 @@
               <a:t>so </a:t>
             </a:r>
             <a:r>
-              <a:rPr lang="en-US" altLang="zh-CN" dirty="0" smtClean="0">
+              <a:rPr lang="en-US" altLang="zh-CN" smtClean="0">
                 <a:solidFill>
                   <a:schemeClr val="bg1"/>
                 </a:solidFill>
               </a:rPr>
-              <a:t>heave </a:t>
+              <a:t>heavy </a:t>
             </a:r>
             <a:r>
               <a:rPr lang="en-US" altLang="zh-CN" dirty="0">
@@ -5423,7 +5385,7 @@
     <a:masterClrMapping/>
   </p:clrMapOvr>
   <mc:AlternateContent xmlns:mc="http://schemas.openxmlformats.org/markup-compatibility/2006">
-    <mc:Choice xmlns:p14="http://schemas.microsoft.com/office/powerpoint/2010/main" xmlns="" Requires="p14">
+    <mc:Choice xmlns="" xmlns:p14="http://schemas.microsoft.com/office/powerpoint/2010/main" Requires="p14">
       <p:transition spd="slow" p14:dur="2000"/>
     </mc:Choice>
     <mc:Fallback>
@@ -5960,44 +5922,6 @@
       </p:grpSpPr>
       <p:sp>
         <p:nvSpPr>
-          <p:cNvPr id="4" name="Rectangle 2"/>
-          <p:cNvSpPr>
-            <a:spLocks noChangeArrowheads="1"/>
-          </p:cNvSpPr>
-          <p:nvPr/>
-        </p:nvSpPr>
-        <p:spPr bwMode="auto">
-          <a:xfrm>
-            <a:off x="233993" y="252042"/>
-            <a:ext cx="10214425" cy="714119"/>
-          </a:xfrm>
-          <a:prstGeom prst="rect">
-            <a:avLst/>
-          </a:prstGeom>
-          <a:noFill/>
-          <a:ln w="9525" algn="ctr">
-            <a:noFill/>
-            <a:miter lim="800000"/>
-            <a:headEnd/>
-            <a:tailEnd/>
-          </a:ln>
-        </p:spPr>
-        <p:txBody>
-          <a:bodyPr lIns="98122" tIns="49105" rIns="98122" bIns="49105" anchor="b"/>
-          <a:lstStyle/>
-          <a:p>
-            <a:pPr defTabSz="984185" latinLnBrk="0"/>
-            <a:endParaRPr lang="en-US" sz="2700" b="1" dirty="0">
-              <a:solidFill>
-                <a:srgbClr val="5F5F5F"/>
-              </a:solidFill>
-              <a:latin typeface="Helvetica"/>
-            </a:endParaRPr>
-          </a:p>
-        </p:txBody>
-      </p:sp>
-      <p:sp>
-        <p:nvSpPr>
           <p:cNvPr id="5" name="Rectangle 4"/>
           <p:cNvSpPr/>
           <p:nvPr/>
@@ -6104,10 +6028,10 @@
           <p:nvPr/>
         </p:nvPicPr>
         <p:blipFill>
-          <a:blip r:embed="rId3" cstate="print">
+          <a:blip r:embed="rId3" cstate="screen">
             <a:extLst>
               <a:ext uri="{28A0092B-C50C-407E-A947-70E740481C1C}">
-                <a14:useLocalDpi xmlns:a14="http://schemas.microsoft.com/office/drawing/2010/main" xmlns="" val="0"/>
+                <a14:useLocalDpi xmlns="" xmlns:a14="http://schemas.microsoft.com/office/drawing/2010/main" val="0"/>
               </a:ext>
             </a:extLst>
           </a:blip>
@@ -6127,7 +6051,7 @@
           <a:noFill/>
           <a:extLst>
             <a:ext uri="{909E8E84-426E-40DD-AFC4-6F175D3DCCD1}">
-              <a14:hiddenFill xmlns:a14="http://schemas.microsoft.com/office/drawing/2010/main" xmlns="">
+              <a14:hiddenFill xmlns="" xmlns:a14="http://schemas.microsoft.com/office/drawing/2010/main">
                 <a:solidFill>
                   <a:srgbClr val="FFFFFF"/>
                 </a:solidFill>
@@ -6145,10 +6069,10 @@
           <p:nvPr/>
         </p:nvPicPr>
         <p:blipFill>
-          <a:blip r:embed="rId4" cstate="print">
+          <a:blip r:embed="rId4" cstate="screen">
             <a:extLst>
               <a:ext uri="{28A0092B-C50C-407E-A947-70E740481C1C}">
-                <a14:useLocalDpi xmlns:a14="http://schemas.microsoft.com/office/drawing/2010/main" xmlns="" val="0"/>
+                <a14:useLocalDpi xmlns="" xmlns:a14="http://schemas.microsoft.com/office/drawing/2010/main" val="0"/>
               </a:ext>
             </a:extLst>
           </a:blip>
@@ -6168,7 +6092,7 @@
           <a:noFill/>
           <a:extLst>
             <a:ext uri="{909E8E84-426E-40DD-AFC4-6F175D3DCCD1}">
-              <a14:hiddenFill xmlns:a14="http://schemas.microsoft.com/office/drawing/2010/main" xmlns="">
+              <a14:hiddenFill xmlns="" xmlns:a14="http://schemas.microsoft.com/office/drawing/2010/main">
                 <a:solidFill>
                   <a:srgbClr val="FFFFFF"/>
                 </a:solidFill>
@@ -6226,10 +6150,10 @@
           <p:nvPr/>
         </p:nvPicPr>
         <p:blipFill>
-          <a:blip r:embed="rId5" cstate="print">
+          <a:blip r:embed="rId5" cstate="screen">
             <a:extLst>
               <a:ext uri="{28A0092B-C50C-407E-A947-70E740481C1C}">
-                <a14:useLocalDpi xmlns:a14="http://schemas.microsoft.com/office/drawing/2010/main" xmlns="" val="0"/>
+                <a14:useLocalDpi xmlns="" xmlns:a14="http://schemas.microsoft.com/office/drawing/2010/main" val="0"/>
               </a:ext>
             </a:extLst>
           </a:blip>
@@ -6249,7 +6173,7 @@
           <a:noFill/>
           <a:extLst>
             <a:ext uri="{909E8E84-426E-40DD-AFC4-6F175D3DCCD1}">
-              <a14:hiddenFill xmlns:a14="http://schemas.microsoft.com/office/drawing/2010/main" xmlns="">
+              <a14:hiddenFill xmlns="" xmlns:a14="http://schemas.microsoft.com/office/drawing/2010/main">
                 <a:solidFill>
                   <a:srgbClr val="FFFFFF"/>
                 </a:solidFill>
@@ -6320,10 +6244,10 @@
           <p:nvPr/>
         </p:nvPicPr>
         <p:blipFill>
-          <a:blip r:embed="rId6" cstate="print">
+          <a:blip r:embed="rId6" cstate="screen">
             <a:extLst>
               <a:ext uri="{28A0092B-C50C-407E-A947-70E740481C1C}">
-                <a14:useLocalDpi xmlns:a14="http://schemas.microsoft.com/office/drawing/2010/main" xmlns="" val="0"/>
+                <a14:useLocalDpi xmlns="" xmlns:a14="http://schemas.microsoft.com/office/drawing/2010/main" val="0"/>
               </a:ext>
             </a:extLst>
           </a:blip>
@@ -6343,7 +6267,7 @@
           <a:noFill/>
           <a:extLst>
             <a:ext uri="{909E8E84-426E-40DD-AFC4-6F175D3DCCD1}">
-              <a14:hiddenFill xmlns:a14="http://schemas.microsoft.com/office/drawing/2010/main" xmlns="">
+              <a14:hiddenFill xmlns="" xmlns:a14="http://schemas.microsoft.com/office/drawing/2010/main">
                 <a:solidFill>
                   <a:srgbClr val="FFFFFF"/>
                 </a:solidFill>
@@ -6387,7 +6311,23 @@
                   <a:schemeClr val="bg1"/>
                 </a:solidFill>
               </a:rPr>
-              <a:t>needs to reject ineffective invoice request  and communicate to related stakeholder by </a:t>
+              <a:t>needs to reject ineffective invoice request </a:t>
+            </a:r>
+            <a:r>
+              <a:rPr lang="en-US" altLang="zh-CN" dirty="0" smtClean="0">
+                <a:solidFill>
+                  <a:schemeClr val="bg1"/>
+                </a:solidFill>
+              </a:rPr>
+              <a:t>and </a:t>
+            </a:r>
+            <a:r>
+              <a:rPr lang="en-US" altLang="zh-CN" dirty="0">
+                <a:solidFill>
+                  <a:schemeClr val="bg1"/>
+                </a:solidFill>
+              </a:rPr>
+              <a:t>communicate to related stakeholder by </a:t>
             </a:r>
           </a:p>
           <a:p>
@@ -6424,10 +6364,10 @@
           <p:nvPr/>
         </p:nvPicPr>
         <p:blipFill>
-          <a:blip r:embed="rId7" cstate="print">
+          <a:blip r:embed="rId7" cstate="screen">
             <a:extLst>
               <a:ext uri="{28A0092B-C50C-407E-A947-70E740481C1C}">
-                <a14:useLocalDpi xmlns:a14="http://schemas.microsoft.com/office/drawing/2010/main" xmlns="" val="0"/>
+                <a14:useLocalDpi xmlns="" xmlns:a14="http://schemas.microsoft.com/office/drawing/2010/main" val="0"/>
               </a:ext>
             </a:extLst>
           </a:blip>
@@ -6447,7 +6387,7 @@
           <a:noFill/>
           <a:extLst>
             <a:ext uri="{909E8E84-426E-40DD-AFC4-6F175D3DCCD1}">
-              <a14:hiddenFill xmlns:a14="http://schemas.microsoft.com/office/drawing/2010/main" xmlns="">
+              <a14:hiddenFill xmlns="" xmlns:a14="http://schemas.microsoft.com/office/drawing/2010/main">
                 <a:solidFill>
                   <a:srgbClr val="FFFFFF"/>
                 </a:solidFill>
@@ -6505,10 +6445,10 @@
           <p:nvPr/>
         </p:nvPicPr>
         <p:blipFill>
-          <a:blip r:embed="rId5" cstate="print">
+          <a:blip r:embed="rId5" cstate="screen">
             <a:extLst>
               <a:ext uri="{28A0092B-C50C-407E-A947-70E740481C1C}">
-                <a14:useLocalDpi xmlns:a14="http://schemas.microsoft.com/office/drawing/2010/main" xmlns="" val="0"/>
+                <a14:useLocalDpi xmlns="" xmlns:a14="http://schemas.microsoft.com/office/drawing/2010/main" val="0"/>
               </a:ext>
             </a:extLst>
           </a:blip>
@@ -6528,7 +6468,7 @@
           <a:noFill/>
           <a:extLst>
             <a:ext uri="{909E8E84-426E-40DD-AFC4-6F175D3DCCD1}">
-              <a14:hiddenFill xmlns:a14="http://schemas.microsoft.com/office/drawing/2010/main" xmlns="">
+              <a14:hiddenFill xmlns="" xmlns:a14="http://schemas.microsoft.com/office/drawing/2010/main">
                 <a:solidFill>
                   <a:srgbClr val="FFFFFF"/>
                 </a:solidFill>
@@ -6837,7 +6777,7 @@
     </p:spTree>
     <p:extLst>
       <p:ext uri="{BB962C8B-B14F-4D97-AF65-F5344CB8AC3E}">
-        <p14:creationId xmlns:p14="http://schemas.microsoft.com/office/powerpoint/2010/main" xmlns="" val="1598486284"/>
+        <p14:creationId xmlns="" xmlns:p14="http://schemas.microsoft.com/office/powerpoint/2010/main" val="1598486284"/>
       </p:ext>
     </p:extLst>
   </p:cSld>
@@ -6845,7 +6785,7 @@
     <a:masterClrMapping/>
   </p:clrMapOvr>
   <mc:AlternateContent xmlns:mc="http://schemas.openxmlformats.org/markup-compatibility/2006">
-    <mc:Choice xmlns:p14="http://schemas.microsoft.com/office/powerpoint/2010/main" xmlns="" Requires="p14">
+    <mc:Choice xmlns="" xmlns:p14="http://schemas.microsoft.com/office/powerpoint/2010/main" Requires="p14">
       <p:transition spd="slow" p14:dur="2000"/>
     </mc:Choice>
     <mc:Fallback>
@@ -7659,44 +7599,6 @@
       </p:grpSpPr>
       <p:sp>
         <p:nvSpPr>
-          <p:cNvPr id="4" name="Rectangle 2"/>
-          <p:cNvSpPr>
-            <a:spLocks noChangeArrowheads="1"/>
-          </p:cNvSpPr>
-          <p:nvPr/>
-        </p:nvSpPr>
-        <p:spPr bwMode="auto">
-          <a:xfrm>
-            <a:off x="233993" y="252042"/>
-            <a:ext cx="10214425" cy="714119"/>
-          </a:xfrm>
-          <a:prstGeom prst="rect">
-            <a:avLst/>
-          </a:prstGeom>
-          <a:noFill/>
-          <a:ln w="9525" algn="ctr">
-            <a:noFill/>
-            <a:miter lim="800000"/>
-            <a:headEnd/>
-            <a:tailEnd/>
-          </a:ln>
-        </p:spPr>
-        <p:txBody>
-          <a:bodyPr lIns="98122" tIns="49105" rIns="98122" bIns="49105" anchor="b"/>
-          <a:lstStyle/>
-          <a:p>
-            <a:pPr defTabSz="984185" latinLnBrk="0"/>
-            <a:endParaRPr lang="en-US" sz="2700" b="1" dirty="0">
-              <a:solidFill>
-                <a:srgbClr val="5F5F5F"/>
-              </a:solidFill>
-              <a:latin typeface="Helvetica"/>
-            </a:endParaRPr>
-          </a:p>
-        </p:txBody>
-      </p:sp>
-      <p:sp>
-        <p:nvSpPr>
           <p:cNvPr id="6" name="Rectangle 5"/>
           <p:cNvSpPr/>
           <p:nvPr/>
@@ -7796,14 +7698,14 @@
       </p:sp>
       <p:pic>
         <p:nvPicPr>
-          <p:cNvPr id="1026" name="Picture 2"/>
+          <p:cNvPr id="2051" name="Picture 3"/>
           <p:cNvPicPr>
             <a:picLocks noChangeAspect="1" noChangeArrowheads="1"/>
           </p:cNvPicPr>
           <p:nvPr/>
         </p:nvPicPr>
         <p:blipFill>
-          <a:blip r:embed="rId2" cstate="print"/>
+          <a:blip r:embed="rId2" cstate="screen"/>
           <a:srcRect/>
           <a:stretch>
             <a:fillRect/>
@@ -7811,8 +7713,8 @@
         </p:blipFill>
         <p:spPr bwMode="auto">
           <a:xfrm>
-            <a:off x="772319" y="1495425"/>
-            <a:ext cx="9017000" cy="4451350"/>
+            <a:off x="543719" y="1190625"/>
+            <a:ext cx="9385300" cy="4337050"/>
           </a:xfrm>
           <a:prstGeom prst="rect">
             <a:avLst/>
@@ -7829,7 +7731,7 @@
     </p:spTree>
     <p:extLst>
       <p:ext uri="{BB962C8B-B14F-4D97-AF65-F5344CB8AC3E}">
-        <p14:creationId xmlns:p14="http://schemas.microsoft.com/office/powerpoint/2010/main" xmlns="" val="3577936536"/>
+        <p14:creationId xmlns="" xmlns:p14="http://schemas.microsoft.com/office/powerpoint/2010/main" val="3577936536"/>
       </p:ext>
     </p:extLst>
   </p:cSld>
@@ -7837,7 +7739,7 @@
     <a:masterClrMapping/>
   </p:clrMapOvr>
   <mc:AlternateContent xmlns:mc="http://schemas.openxmlformats.org/markup-compatibility/2006">
-    <mc:Choice xmlns:p14="http://schemas.microsoft.com/office/powerpoint/2010/main" xmlns="" Requires="p14">
+    <mc:Choice xmlns="" xmlns:p14="http://schemas.microsoft.com/office/powerpoint/2010/main" Requires="p14">
       <p:transition spd="slow" p14:dur="2000"/>
     </mc:Choice>
     <mc:Fallback>
@@ -7925,10 +7827,10 @@
           <p:nvPr/>
         </p:nvPicPr>
         <p:blipFill>
-          <a:blip r:embed="rId2" cstate="print">
+          <a:blip r:embed="rId2" cstate="screen">
             <a:extLst>
               <a:ext uri="{28A0092B-C50C-407E-A947-70E740481C1C}">
-                <a14:useLocalDpi xmlns:a14="http://schemas.microsoft.com/office/drawing/2010/main" xmlns="" val="0"/>
+                <a14:useLocalDpi xmlns="" xmlns:a14="http://schemas.microsoft.com/office/drawing/2010/main" val="0"/>
               </a:ext>
             </a:extLst>
           </a:blip>
@@ -7952,14 +7854,14 @@
           <a:effectLst/>
           <a:extLst>
             <a:ext uri="{909E8E84-426E-40DD-AFC4-6F175D3DCCD1}">
-              <a14:hiddenFill xmlns:a14="http://schemas.microsoft.com/office/drawing/2010/main" xmlns="">
+              <a14:hiddenFill xmlns="" xmlns:a14="http://schemas.microsoft.com/office/drawing/2010/main">
                 <a:solidFill>
                   <a:schemeClr val="accent1"/>
                 </a:solidFill>
               </a14:hiddenFill>
             </a:ext>
             <a:ext uri="{91240B29-F687-4F45-9708-019B960494DF}">
-              <a14:hiddenLine xmlns:a14="http://schemas.microsoft.com/office/drawing/2010/main" xmlns="" w="9525">
+              <a14:hiddenLine xmlns="" xmlns:a14="http://schemas.microsoft.com/office/drawing/2010/main" w="9525">
                 <a:solidFill>
                   <a:schemeClr val="tx1"/>
                 </a:solidFill>
@@ -7969,7 +7871,7 @@
               </a14:hiddenLine>
             </a:ext>
             <a:ext uri="{AF507438-7753-43E0-B8FC-AC1667EBCBE1}">
-              <a14:hiddenEffects xmlns:a14="http://schemas.microsoft.com/office/drawing/2010/main" xmlns="">
+              <a14:hiddenEffects xmlns="" xmlns:a14="http://schemas.microsoft.com/office/drawing/2010/main">
                 <a:effectLst>
                   <a:outerShdw dist="35921" dir="2700000" algn="ctr" rotWithShape="0">
                     <a:schemeClr val="bg2"/>
@@ -8041,39 +7943,7 @@
                   <a:schemeClr val="bg1"/>
                 </a:solidFill>
               </a:rPr>
-              <a:t>We will provide a hardware to scan </a:t>
-            </a:r>
-            <a:r>
-              <a:rPr lang="en-GB" dirty="0" smtClean="0">
-                <a:solidFill>
-                  <a:schemeClr val="bg1"/>
-                </a:solidFill>
-              </a:rPr>
-              <a:t>invoice </a:t>
-            </a:r>
-            <a:r>
-              <a:rPr lang="en-GB" dirty="0" smtClean="0">
-                <a:solidFill>
-                  <a:schemeClr val="bg1"/>
-                </a:solidFill>
-              </a:rPr>
-              <a:t>information </a:t>
-            </a:r>
-            <a:r>
-              <a:rPr lang="en-GB" dirty="0" smtClean="0">
-                <a:solidFill>
-                  <a:schemeClr val="bg1"/>
-                </a:solidFill>
-              </a:rPr>
-              <a:t>and then the information will be input </a:t>
-            </a:r>
-            <a:r>
-              <a:rPr lang="en-GB" dirty="0" smtClean="0">
-                <a:solidFill>
-                  <a:schemeClr val="bg1"/>
-                </a:solidFill>
-              </a:rPr>
-              <a:t>into system automatically.</a:t>
+              <a:t>We will provide a hardware to scan invoice information and then the information will be input into system automatically.</a:t>
             </a:r>
             <a:endParaRPr lang="en-GB" dirty="0">
               <a:solidFill>
@@ -8121,7 +7991,7 @@
           <p:nvPr/>
         </p:nvPicPr>
         <p:blipFill>
-          <a:blip r:embed="rId3" cstate="print"/>
+          <a:blip r:embed="rId3" cstate="screen"/>
           <a:srcRect/>
           <a:stretch>
             <a:fillRect/>
@@ -8154,7 +8024,7 @@
           <p:nvPr/>
         </p:nvPicPr>
         <p:blipFill>
-          <a:blip r:embed="rId4" cstate="print"/>
+          <a:blip r:embed="rId4" cstate="screen"/>
           <a:srcRect/>
           <a:stretch>
             <a:fillRect/>
@@ -8181,7 +8051,7 @@
     </p:spTree>
     <p:extLst>
       <p:ext uri="{BB962C8B-B14F-4D97-AF65-F5344CB8AC3E}">
-        <p14:creationId xmlns:p14="http://schemas.microsoft.com/office/powerpoint/2010/main" xmlns="" val="4154159414"/>
+        <p14:creationId xmlns="" xmlns:p14="http://schemas.microsoft.com/office/powerpoint/2010/main" val="4154159414"/>
       </p:ext>
     </p:extLst>
   </p:cSld>
@@ -8189,7 +8059,7 @@
     <a:masterClrMapping/>
   </p:clrMapOvr>
   <mc:AlternateContent xmlns:mc="http://schemas.openxmlformats.org/markup-compatibility/2006">
-    <mc:Choice xmlns:p14="http://schemas.microsoft.com/office/powerpoint/2010/main" xmlns="" Requires="p14">
+    <mc:Choice xmlns="" xmlns:p14="http://schemas.microsoft.com/office/powerpoint/2010/main" Requires="p14">
       <p:transition spd="slow" p14:dur="2000"/>
     </mc:Choice>
     <mc:Fallback>
@@ -8508,45 +8378,7 @@
       </p:grpSpPr>
       <p:sp>
         <p:nvSpPr>
-          <p:cNvPr id="4" name="Rectangle 2"/>
-          <p:cNvSpPr>
-            <a:spLocks noChangeArrowheads="1"/>
-          </p:cNvSpPr>
-          <p:nvPr/>
-        </p:nvSpPr>
-        <p:spPr bwMode="auto">
-          <a:xfrm>
-            <a:off x="233993" y="252042"/>
-            <a:ext cx="10214425" cy="714119"/>
-          </a:xfrm>
-          <a:prstGeom prst="rect">
-            <a:avLst/>
-          </a:prstGeom>
-          <a:noFill/>
-          <a:ln w="9525" algn="ctr">
-            <a:noFill/>
-            <a:miter lim="800000"/>
-            <a:headEnd/>
-            <a:tailEnd/>
-          </a:ln>
-        </p:spPr>
-        <p:txBody>
-          <a:bodyPr lIns="98122" tIns="49105" rIns="98122" bIns="49105" anchor="b"/>
-          <a:lstStyle/>
-          <a:p>
-            <a:pPr defTabSz="984185" latinLnBrk="0"/>
-            <a:endParaRPr lang="en-US" sz="2700" b="1" dirty="0">
-              <a:solidFill>
-                <a:srgbClr val="5F5F5F"/>
-              </a:solidFill>
-              <a:latin typeface="Helvetica"/>
-            </a:endParaRPr>
-          </a:p>
-        </p:txBody>
-      </p:sp>
-      <p:sp>
-        <p:nvSpPr>
-          <p:cNvPr id="5" name="Rectangle 4"/>
+          <p:cNvPr id="5" name="font bg"/>
           <p:cNvSpPr/>
           <p:nvPr/>
         </p:nvSpPr>
@@ -8591,7 +8423,7 @@
       </p:sp>
       <p:sp>
         <p:nvSpPr>
-          <p:cNvPr id="2" name="Rectangle 1"/>
+          <p:cNvPr id="2" name="word - in future"/>
           <p:cNvSpPr/>
           <p:nvPr/>
         </p:nvSpPr>
@@ -8616,7 +8448,23 @@
                   <a:schemeClr val="bg1"/>
                 </a:solidFill>
               </a:rPr>
-              <a:t>In future, the requestor will use website or mobile app to submit his/her reimbursement within the electronic invoice.</a:t>
+              <a:t>In future, the requestor will use website or mobile app to submit </a:t>
+            </a:r>
+            <a:r>
+              <a:rPr lang="en-US" altLang="zh-CN" dirty="0" smtClean="0">
+                <a:solidFill>
+                  <a:schemeClr val="bg1"/>
+                </a:solidFill>
+              </a:rPr>
+              <a:t>reimbursement </a:t>
+            </a:r>
+            <a:r>
+              <a:rPr lang="en-US" altLang="zh-CN" dirty="0">
+                <a:solidFill>
+                  <a:schemeClr val="bg1"/>
+                </a:solidFill>
+              </a:rPr>
+              <a:t>within the electronic invoice.</a:t>
             </a:r>
             <a:endParaRPr lang="zh-CN" altLang="en-US" dirty="0">
               <a:solidFill>
@@ -8628,14 +8476,14 @@
       </p:sp>
       <p:pic>
         <p:nvPicPr>
-          <p:cNvPr id="2051" name="Picture 3" descr="C:\git\auto-scan\src\main\presentation\img\logo.jpg"/>
+          <p:cNvPr id="1031" name="folder 3" descr="C:\Users\1464202\Downloads\globe_folder_72px_1145715_easyicon.net.png"/>
           <p:cNvPicPr>
             <a:picLocks noChangeAspect="1" noChangeArrowheads="1"/>
           </p:cNvPicPr>
           <p:nvPr/>
         </p:nvPicPr>
         <p:blipFill>
-          <a:blip r:embed="rId2" cstate="print"/>
+          <a:blip r:embed="rId2" cstate="screen"/>
           <a:srcRect/>
           <a:stretch>
             <a:fillRect/>
@@ -8643,7 +8491,33 @@
         </p:blipFill>
         <p:spPr bwMode="auto">
           <a:xfrm>
-            <a:off x="8544719" y="1343025"/>
+            <a:off x="8087519" y="1647825"/>
+            <a:ext cx="685800" cy="685800"/>
+          </a:xfrm>
+          <a:prstGeom prst="rect">
+            <a:avLst/>
+          </a:prstGeom>
+          <a:noFill/>
+        </p:spPr>
+      </p:pic>
+      <p:pic>
+        <p:nvPicPr>
+          <p:cNvPr id="2051" name="tax pic" descr="C:\git\auto-scan\src\main\presentation\img\logo.jpg"/>
+          <p:cNvPicPr>
+            <a:picLocks noChangeAspect="1" noChangeArrowheads="1"/>
+          </p:cNvPicPr>
+          <p:nvPr/>
+        </p:nvPicPr>
+        <p:blipFill>
+          <a:blip r:embed="rId3" cstate="screen"/>
+          <a:srcRect/>
+          <a:stretch>
+            <a:fillRect/>
+          </a:stretch>
+        </p:blipFill>
+        <p:spPr bwMode="auto">
+          <a:xfrm>
+            <a:off x="7858919" y="1419225"/>
             <a:ext cx="1143000" cy="1334530"/>
           </a:xfrm>
           <a:prstGeom prst="rect">
@@ -8654,14 +8528,14 @@
       </p:pic>
       <p:pic>
         <p:nvPicPr>
-          <p:cNvPr id="2052" name="Picture 4"/>
+          <p:cNvPr id="1027" name="folder" descr="C:\Users\1464202\Downloads\globe_folder_72px_1145715_easyicon.net.png"/>
           <p:cNvPicPr>
             <a:picLocks noChangeAspect="1" noChangeArrowheads="1"/>
           </p:cNvPicPr>
           <p:nvPr/>
         </p:nvPicPr>
         <p:blipFill>
-          <a:blip r:embed="rId3" cstate="print"/>
+          <a:blip r:embed="rId2" cstate="screen"/>
           <a:srcRect/>
           <a:stretch>
             <a:fillRect/>
@@ -8669,7 +8543,111 @@
         </p:blipFill>
         <p:spPr bwMode="auto">
           <a:xfrm>
-            <a:off x="848519" y="1266825"/>
+            <a:off x="238919" y="1724025"/>
+            <a:ext cx="685800" cy="685800"/>
+          </a:xfrm>
+          <a:prstGeom prst="rect">
+            <a:avLst/>
+          </a:prstGeom>
+          <a:noFill/>
+        </p:spPr>
+      </p:pic>
+      <p:pic>
+        <p:nvPicPr>
+          <p:cNvPr id="1029" name="folder 1" descr="C:\Users\1464202\Downloads\globe_folder_72px_1145715_easyicon.net.png"/>
+          <p:cNvPicPr>
+            <a:picLocks noChangeAspect="1" noChangeArrowheads="1"/>
+          </p:cNvPicPr>
+          <p:nvPr/>
+        </p:nvPicPr>
+        <p:blipFill>
+          <a:blip r:embed="rId2" cstate="screen"/>
+          <a:srcRect/>
+          <a:stretch>
+            <a:fillRect/>
+          </a:stretch>
+        </p:blipFill>
+        <p:spPr bwMode="auto">
+          <a:xfrm>
+            <a:off x="4582319" y="2181225"/>
+            <a:ext cx="685800" cy="685800"/>
+          </a:xfrm>
+          <a:prstGeom prst="rect">
+            <a:avLst/>
+          </a:prstGeom>
+          <a:noFill/>
+        </p:spPr>
+      </p:pic>
+      <p:pic>
+        <p:nvPicPr>
+          <p:cNvPr id="1026" name="ao pic" descr="C:\git\auto-scan\src\main\presentation\img\IMG_20180102_171716.jpg"/>
+          <p:cNvPicPr>
+            <a:picLocks noChangeAspect="1" noChangeArrowheads="1"/>
+          </p:cNvPicPr>
+          <p:nvPr/>
+        </p:nvPicPr>
+        <p:blipFill>
+          <a:blip r:embed="rId4" cstate="screen"/>
+          <a:srcRect/>
+          <a:stretch>
+            <a:fillRect/>
+          </a:stretch>
+        </p:blipFill>
+        <p:spPr bwMode="auto">
+          <a:xfrm>
+            <a:off x="3744119" y="1266825"/>
+            <a:ext cx="2301413" cy="1676400"/>
+          </a:xfrm>
+          <a:prstGeom prst="rect">
+            <a:avLst/>
+          </a:prstGeom>
+          <a:noFill/>
+        </p:spPr>
+      </p:pic>
+      <p:pic>
+        <p:nvPicPr>
+          <p:cNvPr id="1032" name="email pic" descr="C:\git\auto-scan\src\main\presentation\img\email.jpg"/>
+          <p:cNvPicPr>
+            <a:picLocks noChangeAspect="1" noChangeArrowheads="1"/>
+          </p:cNvPicPr>
+          <p:nvPr/>
+        </p:nvPicPr>
+        <p:blipFill>
+          <a:blip r:embed="rId5" cstate="screen"/>
+          <a:srcRect/>
+          <a:stretch>
+            <a:fillRect/>
+          </a:stretch>
+        </p:blipFill>
+        <p:spPr bwMode="auto">
+          <a:xfrm>
+            <a:off x="4429919" y="4848225"/>
+            <a:ext cx="487362" cy="487363"/>
+          </a:xfrm>
+          <a:prstGeom prst="rect">
+            <a:avLst/>
+          </a:prstGeom>
+          <a:noFill/>
+        </p:spPr>
+      </p:pic>
+      <p:pic>
+        <p:nvPicPr>
+          <p:cNvPr id="2052" name="mobile pic"/>
+          <p:cNvPicPr>
+            <a:picLocks noChangeAspect="1" noChangeArrowheads="1"/>
+          </p:cNvPicPr>
+          <p:nvPr/>
+        </p:nvPicPr>
+        <p:blipFill>
+          <a:blip r:embed="rId6" cstate="screen"/>
+          <a:srcRect/>
+          <a:stretch>
+            <a:fillRect/>
+          </a:stretch>
+        </p:blipFill>
+        <p:spPr bwMode="auto">
+          <a:xfrm>
+            <a:off x="162719" y="1343025"/>
             <a:ext cx="889000" cy="1663700"/>
           </a:xfrm>
           <a:prstGeom prst="rect">
@@ -8684,10 +8662,189 @@
           </a:ln>
         </p:spPr>
       </p:pic>
+      <p:sp>
+        <p:nvSpPr>
+          <p:cNvPr id="9" name="word - this scanner"/>
+          <p:cNvSpPr/>
+          <p:nvPr/>
+        </p:nvSpPr>
+        <p:spPr>
+          <a:xfrm>
+            <a:off x="315119" y="6854964"/>
+            <a:ext cx="9677400" cy="707886"/>
+          </a:xfrm>
+          <a:prstGeom prst="rect">
+            <a:avLst/>
+          </a:prstGeom>
+        </p:spPr>
+        <p:txBody>
+          <a:bodyPr wrap="square">
+            <a:spAutoFit/>
+          </a:bodyPr>
+          <a:lstStyle/>
+          <a:p>
+            <a:r>
+              <a:rPr lang="en-GB" dirty="0" smtClean="0">
+                <a:solidFill>
+                  <a:schemeClr val="bg1"/>
+                </a:solidFill>
+              </a:rPr>
+              <a:t>AO staff can use this scanner to scan this invoice QR Code instead of manual typing, and then the invoice information will auto-import into our system</a:t>
+            </a:r>
+            <a:endParaRPr lang="en-GB" dirty="0">
+              <a:solidFill>
+                <a:schemeClr val="bg1"/>
+              </a:solidFill>
+            </a:endParaRPr>
+          </a:p>
+        </p:txBody>
+      </p:sp>
+      <p:pic>
+        <p:nvPicPr>
+          <p:cNvPr id="1030" name="folder 2" descr="C:\Users\1464202\Downloads\globe_folder_72px_1145715_easyicon.net.png"/>
+          <p:cNvPicPr>
+            <a:picLocks noChangeAspect="1" noChangeArrowheads="1"/>
+          </p:cNvPicPr>
+          <p:nvPr/>
+        </p:nvPicPr>
+        <p:blipFill>
+          <a:blip r:embed="rId2" cstate="screen"/>
+          <a:srcRect/>
+          <a:stretch>
+            <a:fillRect/>
+          </a:stretch>
+        </p:blipFill>
+        <p:spPr bwMode="auto">
+          <a:xfrm>
+            <a:off x="4582319" y="4695825"/>
+            <a:ext cx="685800" cy="685800"/>
+          </a:xfrm>
+          <a:prstGeom prst="rect">
+            <a:avLst/>
+          </a:prstGeom>
+          <a:noFill/>
+        </p:spPr>
+      </p:pic>
+      <p:pic>
+        <p:nvPicPr>
+          <p:cNvPr id="1028" name="server pic" descr="C:\Users\1464202\Downloads\69462e1246cc3f87d05815ff3eae7e99.jpg"/>
+          <p:cNvPicPr>
+            <a:picLocks noChangeAspect="1" noChangeArrowheads="1"/>
+          </p:cNvPicPr>
+          <p:nvPr/>
+        </p:nvPicPr>
+        <p:blipFill>
+          <a:blip r:embed="rId7" cstate="screen"/>
+          <a:srcRect/>
+          <a:stretch>
+            <a:fillRect/>
+          </a:stretch>
+        </p:blipFill>
+        <p:spPr bwMode="auto">
+          <a:xfrm>
+            <a:off x="4201319" y="4238625"/>
+            <a:ext cx="1400220" cy="1447800"/>
+          </a:xfrm>
+          <a:prstGeom prst="rect">
+            <a:avLst/>
+          </a:prstGeom>
+          <a:noFill/>
+        </p:spPr>
+      </p:pic>
+      <p:sp>
+        <p:nvSpPr>
+          <p:cNvPr id="15" name="word - auto match"/>
+          <p:cNvSpPr/>
+          <p:nvPr/>
+        </p:nvSpPr>
+        <p:spPr>
+          <a:xfrm>
+            <a:off x="391319" y="7058025"/>
+            <a:ext cx="8839200" cy="400110"/>
+          </a:xfrm>
+          <a:prstGeom prst="rect">
+            <a:avLst/>
+          </a:prstGeom>
+        </p:spPr>
+        <p:txBody>
+          <a:bodyPr wrap="square">
+            <a:spAutoFit/>
+          </a:bodyPr>
+          <a:lstStyle/>
+          <a:p>
+            <a:r>
+              <a:rPr lang="en-GB" dirty="0" smtClean="0">
+                <a:solidFill>
+                  <a:schemeClr val="bg1"/>
+                </a:solidFill>
+              </a:rPr>
+              <a:t>The system will auto-match with China Tax Golden Source to do invoice verification.</a:t>
+            </a:r>
+            <a:endParaRPr lang="en-GB" dirty="0">
+              <a:solidFill>
+                <a:schemeClr val="bg1"/>
+              </a:solidFill>
+            </a:endParaRPr>
+          </a:p>
+        </p:txBody>
+      </p:sp>
+      <p:sp>
+        <p:nvSpPr>
+          <p:cNvPr id="16" name="word - whatever"/>
+          <p:cNvSpPr/>
+          <p:nvPr/>
+        </p:nvSpPr>
+        <p:spPr>
+          <a:xfrm>
+            <a:off x="162719" y="6981825"/>
+            <a:ext cx="10373519" cy="400110"/>
+          </a:xfrm>
+          <a:prstGeom prst="rect">
+            <a:avLst/>
+          </a:prstGeom>
+        </p:spPr>
+        <p:txBody>
+          <a:bodyPr wrap="square">
+            <a:spAutoFit/>
+          </a:bodyPr>
+          <a:lstStyle/>
+          <a:p>
+            <a:r>
+              <a:rPr lang="en-GB" dirty="0" smtClean="0">
+                <a:solidFill>
+                  <a:schemeClr val="bg1"/>
+                </a:solidFill>
+              </a:rPr>
+              <a:t>Whatever </a:t>
+            </a:r>
+            <a:r>
+              <a:rPr lang="en-GB" dirty="0" smtClean="0">
+                <a:solidFill>
+                  <a:schemeClr val="bg1"/>
+                </a:solidFill>
+              </a:rPr>
+              <a:t>the </a:t>
+            </a:r>
+            <a:r>
+              <a:rPr lang="en-GB" dirty="0" smtClean="0">
+                <a:solidFill>
+                  <a:schemeClr val="bg1"/>
+                </a:solidFill>
+              </a:rPr>
+              <a:t>invoice is effective or not, the system will trigger email automatically to stakeholder.</a:t>
+            </a:r>
+            <a:endParaRPr lang="en-GB" dirty="0">
+              <a:solidFill>
+                <a:schemeClr val="bg1"/>
+              </a:solidFill>
+            </a:endParaRPr>
+          </a:p>
+        </p:txBody>
+      </p:sp>
     </p:spTree>
     <p:extLst>
       <p:ext uri="{BB962C8B-B14F-4D97-AF65-F5344CB8AC3E}">
-        <p14:creationId xmlns:p14="http://schemas.microsoft.com/office/powerpoint/2010/main" xmlns="" val="3164977768"/>
+        <p14:creationId xmlns="" xmlns:p14="http://schemas.microsoft.com/office/powerpoint/2010/main" val="3164977768"/>
       </p:ext>
     </p:extLst>
   </p:cSld>
@@ -8695,7 +8852,7 @@
     <a:masterClrMapping/>
   </p:clrMapOvr>
   <mc:AlternateContent xmlns:mc="http://schemas.openxmlformats.org/markup-compatibility/2006">
-    <mc:Choice xmlns:p14="http://schemas.microsoft.com/office/powerpoint/2010/main" xmlns="" Requires="p14">
+    <mc:Choice xmlns="" xmlns:p14="http://schemas.microsoft.com/office/powerpoint/2010/main" Requires="p14">
       <p:transition spd="slow" p14:dur="2000"/>
     </mc:Choice>
     <mc:Fallback>
@@ -8705,9 +8862,608 @@
   <p:timing>
     <p:tnLst>
       <p:par>
-        <p:cTn id="1" dur="indefinite" restart="never" nodeType="tmRoot"/>
+        <p:cTn id="1" dur="indefinite" restart="never" nodeType="tmRoot">
+          <p:childTnLst>
+            <p:seq concurrent="1" nextAc="seek">
+              <p:cTn id="2" dur="indefinite" nodeType="mainSeq">
+                <p:childTnLst>
+                  <p:par>
+                    <p:cTn id="3" fill="hold">
+                      <p:stCondLst>
+                        <p:cond delay="indefinite"/>
+                        <p:cond evt="onBegin" delay="0">
+                          <p:tn val="2"/>
+                        </p:cond>
+                      </p:stCondLst>
+                      <p:childTnLst>
+                        <p:par>
+                          <p:cTn id="4" fill="hold">
+                            <p:stCondLst>
+                              <p:cond delay="0"/>
+                            </p:stCondLst>
+                            <p:childTnLst>
+                              <p:par>
+                                <p:cTn id="5" presetID="63" presetClass="path" presetSubtype="0" repeatCount="3000" accel="50000" decel="50000" fill="hold" nodeType="withEffect">
+                                  <p:stCondLst>
+                                    <p:cond delay="0"/>
+                                  </p:stCondLst>
+                                  <p:childTnLst>
+                                    <p:animMotion origin="layout" path="M 2.35111E-6 -4.53171E-6 L 0.36002 -0.00504 " pathEditMode="relative" rAng="0" ptsTypes="AA">
+                                      <p:cBhvr>
+                                        <p:cTn id="6" dur="2000" fill="hold"/>
+                                        <p:tgtEl>
+                                          <p:spTgt spid="1027"/>
+                                        </p:tgtEl>
+                                        <p:attrNameLst>
+                                          <p:attrName>ppt_x</p:attrName>
+                                          <p:attrName>ppt_y</p:attrName>
+                                        </p:attrNameLst>
+                                      </p:cBhvr>
+                                      <p:rCtr x="180" y="-3"/>
+                                    </p:animMotion>
+                                  </p:childTnLst>
+                                </p:cTn>
+                              </p:par>
+                            </p:childTnLst>
+                          </p:cTn>
+                        </p:par>
+                        <p:par>
+                          <p:cTn id="7" fill="hold">
+                            <p:stCondLst>
+                              <p:cond delay="6000"/>
+                            </p:stCondLst>
+                            <p:childTnLst>
+                              <p:par>
+                                <p:cTn id="8" presetID="1" presetClass="exit" presetSubtype="0" fill="hold" grpId="0" nodeType="afterEffect">
+                                  <p:stCondLst>
+                                    <p:cond delay="0"/>
+                                  </p:stCondLst>
+                                  <p:childTnLst>
+                                    <p:set>
+                                      <p:cBhvr>
+                                        <p:cTn id="9" dur="1" fill="hold">
+                                          <p:stCondLst>
+                                            <p:cond delay="0"/>
+                                          </p:stCondLst>
+                                        </p:cTn>
+                                        <p:tgtEl>
+                                          <p:spTgt spid="2"/>
+                                        </p:tgtEl>
+                                        <p:attrNameLst>
+                                          <p:attrName>style.visibility</p:attrName>
+                                        </p:attrNameLst>
+                                      </p:cBhvr>
+                                      <p:to>
+                                        <p:strVal val="hidden"/>
+                                      </p:to>
+                                    </p:set>
+                                  </p:childTnLst>
+                                </p:cTn>
+                              </p:par>
+                            </p:childTnLst>
+                          </p:cTn>
+                        </p:par>
+                        <p:par>
+                          <p:cTn id="10" fill="hold">
+                            <p:stCondLst>
+                              <p:cond delay="6000"/>
+                            </p:stCondLst>
+                            <p:childTnLst>
+                              <p:par>
+                                <p:cTn id="11" presetID="3" presetClass="entr" presetSubtype="10" fill="hold" grpId="0" nodeType="afterEffect">
+                                  <p:stCondLst>
+                                    <p:cond delay="0"/>
+                                  </p:stCondLst>
+                                  <p:childTnLst>
+                                    <p:set>
+                                      <p:cBhvr>
+                                        <p:cTn id="12" dur="1" fill="hold">
+                                          <p:stCondLst>
+                                            <p:cond delay="0"/>
+                                          </p:stCondLst>
+                                        </p:cTn>
+                                        <p:tgtEl>
+                                          <p:spTgt spid="9"/>
+                                        </p:tgtEl>
+                                        <p:attrNameLst>
+                                          <p:attrName>style.visibility</p:attrName>
+                                        </p:attrNameLst>
+                                      </p:cBhvr>
+                                      <p:to>
+                                        <p:strVal val="visible"/>
+                                      </p:to>
+                                    </p:set>
+                                    <p:animEffect transition="in" filter="blinds(horizontal)">
+                                      <p:cBhvr>
+                                        <p:cTn id="13" dur="500"/>
+                                        <p:tgtEl>
+                                          <p:spTgt spid="9"/>
+                                        </p:tgtEl>
+                                      </p:cBhvr>
+                                    </p:animEffect>
+                                  </p:childTnLst>
+                                </p:cTn>
+                              </p:par>
+                            </p:childTnLst>
+                          </p:cTn>
+                        </p:par>
+                        <p:par>
+                          <p:cTn id="14" fill="hold">
+                            <p:stCondLst>
+                              <p:cond delay="6500"/>
+                            </p:stCondLst>
+                            <p:childTnLst>
+                              <p:par>
+                                <p:cTn id="15" presetID="1" presetClass="entr" presetSubtype="0" fill="hold" nodeType="afterEffect">
+                                  <p:stCondLst>
+                                    <p:cond delay="0"/>
+                                  </p:stCondLst>
+                                  <p:childTnLst>
+                                    <p:set>
+                                      <p:cBhvr>
+                                        <p:cTn id="16" dur="1" fill="hold">
+                                          <p:stCondLst>
+                                            <p:cond delay="0"/>
+                                          </p:stCondLst>
+                                        </p:cTn>
+                                        <p:tgtEl>
+                                          <p:spTgt spid="1029"/>
+                                        </p:tgtEl>
+                                        <p:attrNameLst>
+                                          <p:attrName>style.visibility</p:attrName>
+                                        </p:attrNameLst>
+                                      </p:cBhvr>
+                                      <p:to>
+                                        <p:strVal val="visible"/>
+                                      </p:to>
+                                    </p:set>
+                                  </p:childTnLst>
+                                </p:cTn>
+                              </p:par>
+                            </p:childTnLst>
+                          </p:cTn>
+                        </p:par>
+                        <p:par>
+                          <p:cTn id="17" fill="hold">
+                            <p:stCondLst>
+                              <p:cond delay="6500"/>
+                            </p:stCondLst>
+                            <p:childTnLst>
+                              <p:par>
+                                <p:cTn id="18" presetID="42" presetClass="path" presetSubtype="0" repeatCount="3000" accel="50000" decel="50000" fill="hold" nodeType="afterEffect">
+                                  <p:stCondLst>
+                                    <p:cond delay="0"/>
+                                  </p:stCondLst>
+                                  <p:childTnLst>
+                                    <p:animMotion origin="layout" path="M -4.39923E-6 -3.32213E-6 L -0.00014 0.28602 " pathEditMode="relative" rAng="0" ptsTypes="AA">
+                                      <p:cBhvr>
+                                        <p:cTn id="19" dur="2000" fill="hold"/>
+                                        <p:tgtEl>
+                                          <p:spTgt spid="1029"/>
+                                        </p:tgtEl>
+                                        <p:attrNameLst>
+                                          <p:attrName>ppt_x</p:attrName>
+                                          <p:attrName>ppt_y</p:attrName>
+                                        </p:attrNameLst>
+                                      </p:cBhvr>
+                                      <p:rCtr x="0" y="143"/>
+                                    </p:animMotion>
+                                  </p:childTnLst>
+                                </p:cTn>
+                              </p:par>
+                            </p:childTnLst>
+                          </p:cTn>
+                        </p:par>
+                        <p:par>
+                          <p:cTn id="20" fill="hold">
+                            <p:stCondLst>
+                              <p:cond delay="12500"/>
+                            </p:stCondLst>
+                            <p:childTnLst>
+                              <p:par>
+                                <p:cTn id="21" presetID="1" presetClass="exit" presetSubtype="0" fill="hold" grpId="1" nodeType="afterEffect">
+                                  <p:stCondLst>
+                                    <p:cond delay="0"/>
+                                  </p:stCondLst>
+                                  <p:childTnLst>
+                                    <p:set>
+                                      <p:cBhvr>
+                                        <p:cTn id="22" dur="1" fill="hold">
+                                          <p:stCondLst>
+                                            <p:cond delay="0"/>
+                                          </p:stCondLst>
+                                        </p:cTn>
+                                        <p:tgtEl>
+                                          <p:spTgt spid="9"/>
+                                        </p:tgtEl>
+                                        <p:attrNameLst>
+                                          <p:attrName>style.visibility</p:attrName>
+                                        </p:attrNameLst>
+                                      </p:cBhvr>
+                                      <p:to>
+                                        <p:strVal val="hidden"/>
+                                      </p:to>
+                                    </p:set>
+                                  </p:childTnLst>
+                                </p:cTn>
+                              </p:par>
+                            </p:childTnLst>
+                          </p:cTn>
+                        </p:par>
+                        <p:par>
+                          <p:cTn id="23" fill="hold">
+                            <p:stCondLst>
+                              <p:cond delay="12500"/>
+                            </p:stCondLst>
+                            <p:childTnLst>
+                              <p:par>
+                                <p:cTn id="24" presetID="1" presetClass="exit" presetSubtype="0" fill="hold" grpId="2" nodeType="afterEffect">
+                                  <p:stCondLst>
+                                    <p:cond delay="0"/>
+                                  </p:stCondLst>
+                                  <p:childTnLst>
+                                    <p:set>
+                                      <p:cBhvr>
+                                        <p:cTn id="25" dur="1" fill="hold">
+                                          <p:stCondLst>
+                                            <p:cond delay="0"/>
+                                          </p:stCondLst>
+                                        </p:cTn>
+                                        <p:tgtEl>
+                                          <p:spTgt spid="9"/>
+                                        </p:tgtEl>
+                                        <p:attrNameLst>
+                                          <p:attrName>style.visibility</p:attrName>
+                                        </p:attrNameLst>
+                                      </p:cBhvr>
+                                      <p:to>
+                                        <p:strVal val="hidden"/>
+                                      </p:to>
+                                    </p:set>
+                                  </p:childTnLst>
+                                </p:cTn>
+                              </p:par>
+                            </p:childTnLst>
+                          </p:cTn>
+                        </p:par>
+                        <p:par>
+                          <p:cTn id="26" fill="hold">
+                            <p:stCondLst>
+                              <p:cond delay="12500"/>
+                            </p:stCondLst>
+                            <p:childTnLst>
+                              <p:par>
+                                <p:cTn id="27" presetID="3" presetClass="entr" presetSubtype="10" fill="hold" grpId="0" nodeType="afterEffect">
+                                  <p:stCondLst>
+                                    <p:cond delay="0"/>
+                                  </p:stCondLst>
+                                  <p:childTnLst>
+                                    <p:set>
+                                      <p:cBhvr>
+                                        <p:cTn id="28" dur="1" fill="hold">
+                                          <p:stCondLst>
+                                            <p:cond delay="0"/>
+                                          </p:stCondLst>
+                                        </p:cTn>
+                                        <p:tgtEl>
+                                          <p:spTgt spid="15"/>
+                                        </p:tgtEl>
+                                        <p:attrNameLst>
+                                          <p:attrName>style.visibility</p:attrName>
+                                        </p:attrNameLst>
+                                      </p:cBhvr>
+                                      <p:to>
+                                        <p:strVal val="visible"/>
+                                      </p:to>
+                                    </p:set>
+                                    <p:animEffect transition="in" filter="blinds(horizontal)">
+                                      <p:cBhvr>
+                                        <p:cTn id="29" dur="500"/>
+                                        <p:tgtEl>
+                                          <p:spTgt spid="15"/>
+                                        </p:tgtEl>
+                                      </p:cBhvr>
+                                    </p:animEffect>
+                                  </p:childTnLst>
+                                </p:cTn>
+                              </p:par>
+                            </p:childTnLst>
+                          </p:cTn>
+                        </p:par>
+                        <p:par>
+                          <p:cTn id="30" fill="hold">
+                            <p:stCondLst>
+                              <p:cond delay="13000"/>
+                            </p:stCondLst>
+                            <p:childTnLst>
+                              <p:par>
+                                <p:cTn id="31" presetID="63" presetClass="path" presetSubtype="0" repeatCount="3000" accel="50000" decel="50000" fill="hold" nodeType="afterEffect">
+                                  <p:stCondLst>
+                                    <p:cond delay="0"/>
+                                  </p:stCondLst>
+                                  <p:childTnLst>
+                                    <p:animMotion origin="layout" path="M -0.00014 0.00168 L 0.31933 -0.00504 " pathEditMode="relative" rAng="0" ptsTypes="AA">
+                                      <p:cBhvr>
+                                        <p:cTn id="32" dur="2000" fill="hold"/>
+                                        <p:tgtEl>
+                                          <p:spTgt spid="1030"/>
+                                        </p:tgtEl>
+                                        <p:attrNameLst>
+                                          <p:attrName>ppt_x</p:attrName>
+                                          <p:attrName>ppt_y</p:attrName>
+                                        </p:attrNameLst>
+                                      </p:cBhvr>
+                                      <p:rCtr x="160" y="-3"/>
+                                    </p:animMotion>
+                                  </p:childTnLst>
+                                </p:cTn>
+                              </p:par>
+                              <p:par>
+                                <p:cTn id="33" presetID="42" presetClass="path" presetSubtype="0" repeatCount="3000" accel="50000" decel="50000" fill="hold" nodeType="withEffect">
+                                  <p:stCondLst>
+                                    <p:cond delay="0"/>
+                                  </p:stCondLst>
+                                  <p:childTnLst>
+                                    <p:animMotion origin="layout" path="M -1.42581E-6 -4.73331E-6 L -1.42581E-6 0.38829 " pathEditMode="relative" rAng="0" ptsTypes="AA">
+                                      <p:cBhvr>
+                                        <p:cTn id="34" dur="2000" fill="hold"/>
+                                        <p:tgtEl>
+                                          <p:spTgt spid="1031"/>
+                                        </p:tgtEl>
+                                        <p:attrNameLst>
+                                          <p:attrName>ppt_x</p:attrName>
+                                          <p:attrName>ppt_y</p:attrName>
+                                        </p:attrNameLst>
+                                      </p:cBhvr>
+                                      <p:rCtr x="0" y="194"/>
+                                    </p:animMotion>
+                                  </p:childTnLst>
+                                </p:cTn>
+                              </p:par>
+                            </p:childTnLst>
+                          </p:cTn>
+                        </p:par>
+                        <p:par>
+                          <p:cTn id="35" fill="hold">
+                            <p:stCondLst>
+                              <p:cond delay="19000"/>
+                            </p:stCondLst>
+                            <p:childTnLst>
+                              <p:par>
+                                <p:cTn id="36" presetID="1" presetClass="exit" presetSubtype="0" fill="hold" grpId="1" nodeType="afterEffect">
+                                  <p:stCondLst>
+                                    <p:cond delay="0"/>
+                                  </p:stCondLst>
+                                  <p:childTnLst>
+                                    <p:set>
+                                      <p:cBhvr>
+                                        <p:cTn id="37" dur="1" fill="hold">
+                                          <p:stCondLst>
+                                            <p:cond delay="0"/>
+                                          </p:stCondLst>
+                                        </p:cTn>
+                                        <p:tgtEl>
+                                          <p:spTgt spid="15"/>
+                                        </p:tgtEl>
+                                        <p:attrNameLst>
+                                          <p:attrName>style.visibility</p:attrName>
+                                        </p:attrNameLst>
+                                      </p:cBhvr>
+                                      <p:to>
+                                        <p:strVal val="hidden"/>
+                                      </p:to>
+                                    </p:set>
+                                  </p:childTnLst>
+                                </p:cTn>
+                              </p:par>
+                            </p:childTnLst>
+                          </p:cTn>
+                        </p:par>
+                        <p:par>
+                          <p:cTn id="38" fill="hold">
+                            <p:stCondLst>
+                              <p:cond delay="19000"/>
+                            </p:stCondLst>
+                            <p:childTnLst>
+                              <p:par>
+                                <p:cTn id="39" presetID="1" presetClass="exit" presetSubtype="0" fill="hold" nodeType="afterEffect">
+                                  <p:stCondLst>
+                                    <p:cond delay="0"/>
+                                  </p:stCondLst>
+                                  <p:childTnLst>
+                                    <p:set>
+                                      <p:cBhvr>
+                                        <p:cTn id="40" dur="1" fill="hold">
+                                          <p:stCondLst>
+                                            <p:cond delay="0"/>
+                                          </p:stCondLst>
+                                        </p:cTn>
+                                        <p:tgtEl>
+                                          <p:spTgt spid="1030"/>
+                                        </p:tgtEl>
+                                        <p:attrNameLst>
+                                          <p:attrName>style.visibility</p:attrName>
+                                        </p:attrNameLst>
+                                      </p:cBhvr>
+                                      <p:to>
+                                        <p:strVal val="hidden"/>
+                                      </p:to>
+                                    </p:set>
+                                  </p:childTnLst>
+                                </p:cTn>
+                              </p:par>
+                              <p:par>
+                                <p:cTn id="41" presetID="1" presetClass="exit" presetSubtype="0" fill="hold" nodeType="withEffect">
+                                  <p:stCondLst>
+                                    <p:cond delay="0"/>
+                                  </p:stCondLst>
+                                  <p:childTnLst>
+                                    <p:set>
+                                      <p:cBhvr>
+                                        <p:cTn id="42" dur="1" fill="hold">
+                                          <p:stCondLst>
+                                            <p:cond delay="0"/>
+                                          </p:stCondLst>
+                                        </p:cTn>
+                                        <p:tgtEl>
+                                          <p:spTgt spid="1031"/>
+                                        </p:tgtEl>
+                                        <p:attrNameLst>
+                                          <p:attrName>style.visibility</p:attrName>
+                                        </p:attrNameLst>
+                                      </p:cBhvr>
+                                      <p:to>
+                                        <p:strVal val="hidden"/>
+                                      </p:to>
+                                    </p:set>
+                                  </p:childTnLst>
+                                </p:cTn>
+                              </p:par>
+                            </p:childTnLst>
+                          </p:cTn>
+                        </p:par>
+                        <p:par>
+                          <p:cTn id="43" fill="hold">
+                            <p:stCondLst>
+                              <p:cond delay="19000"/>
+                            </p:stCondLst>
+                            <p:childTnLst>
+                              <p:par>
+                                <p:cTn id="44" presetID="3" presetClass="entr" presetSubtype="10" fill="hold" nodeType="afterEffect">
+                                  <p:stCondLst>
+                                    <p:cond delay="0"/>
+                                  </p:stCondLst>
+                                  <p:childTnLst>
+                                    <p:set>
+                                      <p:cBhvr>
+                                        <p:cTn id="45" dur="1" fill="hold">
+                                          <p:stCondLst>
+                                            <p:cond delay="0"/>
+                                          </p:stCondLst>
+                                        </p:cTn>
+                                        <p:tgtEl>
+                                          <p:spTgt spid="16">
+                                            <p:txEl>
+                                              <p:pRg st="0" end="0"/>
+                                            </p:txEl>
+                                          </p:spTgt>
+                                        </p:tgtEl>
+                                        <p:attrNameLst>
+                                          <p:attrName>style.visibility</p:attrName>
+                                        </p:attrNameLst>
+                                      </p:cBhvr>
+                                      <p:to>
+                                        <p:strVal val="visible"/>
+                                      </p:to>
+                                    </p:set>
+                                    <p:animEffect transition="in" filter="blinds(horizontal)">
+                                      <p:cBhvr>
+                                        <p:cTn id="46" dur="500"/>
+                                        <p:tgtEl>
+                                          <p:spTgt spid="16">
+                                            <p:txEl>
+                                              <p:pRg st="0" end="0"/>
+                                            </p:txEl>
+                                          </p:spTgt>
+                                        </p:tgtEl>
+                                      </p:cBhvr>
+                                    </p:animEffect>
+                                  </p:childTnLst>
+                                </p:cTn>
+                              </p:par>
+                              <p:par>
+                                <p:cTn id="47" presetID="1" presetClass="entr" presetSubtype="0" fill="hold" nodeType="withEffect">
+                                  <p:stCondLst>
+                                    <p:cond delay="0"/>
+                                  </p:stCondLst>
+                                  <p:childTnLst>
+                                    <p:set>
+                                      <p:cBhvr>
+                                        <p:cTn id="48" dur="1" fill="hold">
+                                          <p:stCondLst>
+                                            <p:cond delay="0"/>
+                                          </p:stCondLst>
+                                        </p:cTn>
+                                        <p:tgtEl>
+                                          <p:spTgt spid="1032"/>
+                                        </p:tgtEl>
+                                        <p:attrNameLst>
+                                          <p:attrName>style.visibility</p:attrName>
+                                        </p:attrNameLst>
+                                      </p:cBhvr>
+                                      <p:to>
+                                        <p:strVal val="visible"/>
+                                      </p:to>
+                                    </p:set>
+                                  </p:childTnLst>
+                                </p:cTn>
+                              </p:par>
+                            </p:childTnLst>
+                          </p:cTn>
+                        </p:par>
+                        <p:par>
+                          <p:cTn id="49" fill="hold">
+                            <p:stCondLst>
+                              <p:cond delay="19500"/>
+                            </p:stCondLst>
+                            <p:childTnLst>
+                              <p:par>
+                                <p:cTn id="50" presetID="0" presetClass="path" presetSubtype="0" repeatCount="2000" accel="50000" decel="50000" fill="hold" nodeType="afterEffect">
+                                  <p:stCondLst>
+                                    <p:cond delay="0"/>
+                                  </p:stCondLst>
+                                  <p:childTnLst>
+                                    <p:animMotion origin="layout" path="M -0.00564 -0.00168 C -0.12966 0.00819 -0.25323 0.01953 -0.3162 -0.03969 C -0.37888 -0.09786 -0.38007 -0.22428 -0.38126 -0.35049 " pathEditMode="relative" rAng="454581" ptsTypes="aaA">
+                                      <p:cBhvr>
+                                        <p:cTn id="51" dur="3000" fill="hold"/>
+                                        <p:tgtEl>
+                                          <p:spTgt spid="1032"/>
+                                        </p:tgtEl>
+                                        <p:attrNameLst>
+                                          <p:attrName>ppt_x</p:attrName>
+                                          <p:attrName>ppt_y</p:attrName>
+                                        </p:attrNameLst>
+                                      </p:cBhvr>
+                                      <p:rCtr x="-191" y="-141"/>
+                                    </p:animMotion>
+                                  </p:childTnLst>
+                                </p:cTn>
+                              </p:par>
+                            </p:childTnLst>
+                          </p:cTn>
+                        </p:par>
+                      </p:childTnLst>
+                    </p:cTn>
+                  </p:par>
+                </p:childTnLst>
+              </p:cTn>
+              <p:prevCondLst>
+                <p:cond evt="onPrev" delay="0">
+                  <p:tgtEl>
+                    <p:sldTgt/>
+                  </p:tgtEl>
+                </p:cond>
+              </p:prevCondLst>
+              <p:nextCondLst>
+                <p:cond evt="onNext" delay="0">
+                  <p:tgtEl>
+                    <p:sldTgt/>
+                  </p:tgtEl>
+                </p:cond>
+              </p:nextCondLst>
+            </p:seq>
+          </p:childTnLst>
+        </p:cTn>
       </p:par>
     </p:tnLst>
+    <p:bldLst>
+      <p:bldP spid="2" grpId="0"/>
+      <p:bldP spid="9" grpId="0"/>
+      <p:bldP spid="9" grpId="1"/>
+      <p:bldP spid="9" grpId="2"/>
+      <p:bldP spid="15" grpId="0"/>
+      <p:bldP spid="15" grpId="1"/>
+    </p:bldLst>
   </p:timing>
 </p:sld>
 </file>
@@ -8729,44 +9485,6 @@
           <a:chExt cx="0" cy="0"/>
         </a:xfrm>
       </p:grpSpPr>
-      <p:sp>
-        <p:nvSpPr>
-          <p:cNvPr id="4" name="Rectangle 2"/>
-          <p:cNvSpPr>
-            <a:spLocks noChangeArrowheads="1"/>
-          </p:cNvSpPr>
-          <p:nvPr/>
-        </p:nvSpPr>
-        <p:spPr bwMode="auto">
-          <a:xfrm>
-            <a:off x="233993" y="556842"/>
-            <a:ext cx="10214425" cy="714119"/>
-          </a:xfrm>
-          <a:prstGeom prst="rect">
-            <a:avLst/>
-          </a:prstGeom>
-          <a:noFill/>
-          <a:ln w="9525" algn="ctr">
-            <a:noFill/>
-            <a:miter lim="800000"/>
-            <a:headEnd/>
-            <a:tailEnd/>
-          </a:ln>
-        </p:spPr>
-        <p:txBody>
-          <a:bodyPr lIns="98122" tIns="49105" rIns="98122" bIns="49105" anchor="b"/>
-          <a:lstStyle/>
-          <a:p>
-            <a:pPr defTabSz="984185" latinLnBrk="0"/>
-            <a:endParaRPr lang="en-US" sz="2700" b="1" dirty="0">
-              <a:solidFill>
-                <a:srgbClr val="5F5F5F"/>
-              </a:solidFill>
-              <a:latin typeface="Helvetica"/>
-            </a:endParaRPr>
-          </a:p>
-        </p:txBody>
-      </p:sp>
       <p:sp>
         <p:nvSpPr>
           <p:cNvPr id="5" name="Rectangle 4"/>
@@ -8821,10 +9539,10 @@
           <p:nvPr/>
         </p:nvPicPr>
         <p:blipFill>
-          <a:blip r:embed="rId2" cstate="print">
+          <a:blip r:embed="rId2" cstate="screen">
             <a:extLst>
               <a:ext uri="{28A0092B-C50C-407E-A947-70E740481C1C}">
-                <a14:useLocalDpi xmlns:a14="http://schemas.microsoft.com/office/drawing/2010/main" xmlns="" val="0"/>
+                <a14:useLocalDpi xmlns="" xmlns:a14="http://schemas.microsoft.com/office/drawing/2010/main" val="0"/>
               </a:ext>
             </a:extLst>
           </a:blip>
@@ -8844,7 +9562,7 @@
           <a:noFill/>
           <a:extLst>
             <a:ext uri="{909E8E84-426E-40DD-AFC4-6F175D3DCCD1}">
-              <a14:hiddenFill xmlns:a14="http://schemas.microsoft.com/office/drawing/2010/main" xmlns="">
+              <a14:hiddenFill xmlns="" xmlns:a14="http://schemas.microsoft.com/office/drawing/2010/main">
                 <a:solidFill>
                   <a:srgbClr val="FFFFFF"/>
                 </a:solidFill>
@@ -8933,7 +9651,7 @@
       </p:sp>
       <p:sp>
         <p:nvSpPr>
-          <p:cNvPr id="6" name="Rectangle 5" hidden="1"/>
+          <p:cNvPr id="6" name="Rectangle 5"/>
           <p:cNvSpPr/>
           <p:nvPr/>
         </p:nvSpPr>
@@ -8967,7 +9685,7 @@
       </p:sp>
       <p:sp>
         <p:nvSpPr>
-          <p:cNvPr id="7" name="Rectangle 6" hidden="1"/>
+          <p:cNvPr id="7" name="Rectangle 6"/>
           <p:cNvSpPr/>
           <p:nvPr/>
         </p:nvSpPr>
@@ -9085,10 +9803,10 @@
           <p:nvPr/>
         </p:nvPicPr>
         <p:blipFill>
-          <a:blip r:embed="rId3" cstate="print">
+          <a:blip r:embed="rId3" cstate="screen">
             <a:extLst>
               <a:ext uri="{28A0092B-C50C-407E-A947-70E740481C1C}">
-                <a14:useLocalDpi xmlns:a14="http://schemas.microsoft.com/office/drawing/2010/main" xmlns="" val="0"/>
+                <a14:useLocalDpi xmlns="" xmlns:a14="http://schemas.microsoft.com/office/drawing/2010/main" val="0"/>
               </a:ext>
             </a:extLst>
           </a:blip>
@@ -9108,7 +9826,7 @@
           <a:noFill/>
           <a:extLst>
             <a:ext uri="{909E8E84-426E-40DD-AFC4-6F175D3DCCD1}">
-              <a14:hiddenFill xmlns:a14="http://schemas.microsoft.com/office/drawing/2010/main" xmlns="">
+              <a14:hiddenFill xmlns="" xmlns:a14="http://schemas.microsoft.com/office/drawing/2010/main">
                 <a:solidFill>
                   <a:srgbClr val="FFFFFF"/>
                 </a:solidFill>
@@ -9148,7 +9866,7 @@
       </p:sp>
       <p:sp>
         <p:nvSpPr>
-          <p:cNvPr id="10" name="Rectangle 9" hidden="1"/>
+          <p:cNvPr id="10" name="Rectangle 9"/>
           <p:cNvSpPr/>
           <p:nvPr/>
         </p:nvSpPr>
@@ -9192,10 +9910,10 @@
           <p:nvPr/>
         </p:nvPicPr>
         <p:blipFill>
-          <a:blip r:embed="rId4" cstate="print">
+          <a:blip r:embed="rId4" cstate="screen">
             <a:extLst>
               <a:ext uri="{28A0092B-C50C-407E-A947-70E740481C1C}">
-                <a14:useLocalDpi xmlns:a14="http://schemas.microsoft.com/office/drawing/2010/main" xmlns="" val="0"/>
+                <a14:useLocalDpi xmlns="" xmlns:a14="http://schemas.microsoft.com/office/drawing/2010/main" val="0"/>
               </a:ext>
             </a:extLst>
           </a:blip>
@@ -9215,7 +9933,7 @@
           <a:noFill/>
           <a:extLst>
             <a:ext uri="{909E8E84-426E-40DD-AFC4-6F175D3DCCD1}">
-              <a14:hiddenFill xmlns:a14="http://schemas.microsoft.com/office/drawing/2010/main" xmlns="">
+              <a14:hiddenFill xmlns="" xmlns:a14="http://schemas.microsoft.com/office/drawing/2010/main">
                 <a:solidFill>
                   <a:srgbClr val="FFFFFF"/>
                 </a:solidFill>
@@ -9296,7 +10014,7 @@
       </p:sp>
       <p:sp>
         <p:nvSpPr>
-          <p:cNvPr id="13" name="Rectangle 12" hidden="1"/>
+          <p:cNvPr id="13" name="Rectangle 12"/>
           <p:cNvSpPr/>
           <p:nvPr/>
         </p:nvSpPr>
@@ -9321,23 +10039,7 @@
                   <a:schemeClr val="bg1"/>
                 </a:solidFill>
               </a:rPr>
-              <a:t>3</a:t>
-            </a:r>
-            <a:r>
-              <a:rPr lang="en-US" altLang="zh-CN" dirty="0" smtClean="0">
-                <a:solidFill>
-                  <a:schemeClr val="bg1"/>
-                </a:solidFill>
-              </a:rPr>
-              <a:t>. Digital and eco-office. </a:t>
-            </a:r>
-            <a:r>
-              <a:rPr lang="en-US" altLang="zh-CN" dirty="0" smtClean="0">
-                <a:solidFill>
-                  <a:schemeClr val="bg1"/>
-                </a:solidFill>
-              </a:rPr>
-              <a:t>There is no paper request in new system, every data is changed to electronic form and save into database. So we can save paper cost, print cost as well as time cost.</a:t>
+              <a:t>3. Digital and eco-office. There is no paper request in new system, every data is changed to electronic form and save into database. So we can save paper cost, print cost as well as time cost.</a:t>
             </a:r>
             <a:endParaRPr lang="zh-CN" altLang="en-US" dirty="0">
               <a:solidFill>
@@ -9356,10 +10058,10 @@
           <p:nvPr/>
         </p:nvPicPr>
         <p:blipFill>
-          <a:blip r:embed="rId5" cstate="print">
+          <a:blip r:embed="rId5" cstate="screen">
             <a:extLst>
               <a:ext uri="{28A0092B-C50C-407E-A947-70E740481C1C}">
-                <a14:useLocalDpi xmlns:a14="http://schemas.microsoft.com/office/drawing/2010/main" xmlns="" val="0"/>
+                <a14:useLocalDpi xmlns="" xmlns:a14="http://schemas.microsoft.com/office/drawing/2010/main" val="0"/>
               </a:ext>
             </a:extLst>
           </a:blip>
@@ -9379,7 +10081,7 @@
           <a:noFill/>
           <a:extLst>
             <a:ext uri="{909E8E84-426E-40DD-AFC4-6F175D3DCCD1}">
-              <a14:hiddenFill xmlns:a14="http://schemas.microsoft.com/office/drawing/2010/main" xmlns="">
+              <a14:hiddenFill xmlns="" xmlns:a14="http://schemas.microsoft.com/office/drawing/2010/main">
                 <a:solidFill>
                   <a:srgbClr val="FFFFFF"/>
                 </a:solidFill>
@@ -9530,7 +10232,7 @@
     </p:spTree>
     <p:extLst>
       <p:ext uri="{BB962C8B-B14F-4D97-AF65-F5344CB8AC3E}">
-        <p14:creationId xmlns:p14="http://schemas.microsoft.com/office/powerpoint/2010/main" xmlns="" val="750072324"/>
+        <p14:creationId xmlns="" xmlns:p14="http://schemas.microsoft.com/office/powerpoint/2010/main" val="750072324"/>
       </p:ext>
     </p:extLst>
   </p:cSld>
@@ -9538,7 +10240,7 @@
     <a:masterClrMapping/>
   </p:clrMapOvr>
   <mc:AlternateContent xmlns:mc="http://schemas.openxmlformats.org/markup-compatibility/2006">
-    <mc:Choice xmlns:p14="http://schemas.microsoft.com/office/powerpoint/2010/main" xmlns="" Requires="p14">
+    <mc:Choice xmlns="" xmlns:p14="http://schemas.microsoft.com/office/powerpoint/2010/main" Requires="p14">
       <p:transition spd="slow" p14:dur="2000"/>
     </mc:Choice>
     <mc:Fallback>
@@ -10338,44 +11040,6 @@
       </p:grpSpPr>
       <p:sp>
         <p:nvSpPr>
-          <p:cNvPr id="4" name="Rectangle 2"/>
-          <p:cNvSpPr>
-            <a:spLocks noChangeArrowheads="1"/>
-          </p:cNvSpPr>
-          <p:nvPr/>
-        </p:nvSpPr>
-        <p:spPr bwMode="auto">
-          <a:xfrm>
-            <a:off x="233993" y="252042"/>
-            <a:ext cx="10214425" cy="714119"/>
-          </a:xfrm>
-          <a:prstGeom prst="rect">
-            <a:avLst/>
-          </a:prstGeom>
-          <a:noFill/>
-          <a:ln w="9525" algn="ctr">
-            <a:noFill/>
-            <a:miter lim="800000"/>
-            <a:headEnd/>
-            <a:tailEnd/>
-          </a:ln>
-        </p:spPr>
-        <p:txBody>
-          <a:bodyPr lIns="98122" tIns="49105" rIns="98122" bIns="49105" anchor="b"/>
-          <a:lstStyle/>
-          <a:p>
-            <a:pPr defTabSz="984185" latinLnBrk="0"/>
-            <a:endParaRPr lang="en-US" sz="2700" b="1" dirty="0">
-              <a:solidFill>
-                <a:srgbClr val="5F5F5F"/>
-              </a:solidFill>
-              <a:latin typeface="Helvetica"/>
-            </a:endParaRPr>
-          </a:p>
-        </p:txBody>
-      </p:sp>
-      <p:sp>
-        <p:nvSpPr>
           <p:cNvPr id="5" name="Rectangle 4"/>
           <p:cNvSpPr/>
           <p:nvPr/>
@@ -10984,7 +11648,7 @@
     </p:spTree>
     <p:extLst>
       <p:ext uri="{BB962C8B-B14F-4D97-AF65-F5344CB8AC3E}">
-        <p14:creationId xmlns:p14="http://schemas.microsoft.com/office/powerpoint/2010/main" xmlns="" val="1614935249"/>
+        <p14:creationId xmlns="" xmlns:p14="http://schemas.microsoft.com/office/powerpoint/2010/main" val="1614935249"/>
       </p:ext>
     </p:extLst>
   </p:cSld>
@@ -10992,7 +11656,7 @@
     <a:masterClrMapping/>
   </p:clrMapOvr>
   <mc:AlternateContent xmlns:mc="http://schemas.openxmlformats.org/markup-compatibility/2006">
-    <mc:Choice xmlns:p14="http://schemas.microsoft.com/office/powerpoint/2010/main" xmlns="" Requires="p14">
+    <mc:Choice xmlns="" xmlns:p14="http://schemas.microsoft.com/office/powerpoint/2010/main" Requires="p14">
       <p:transition spd="slow" p14:dur="2000"/>
     </mc:Choice>
     <mc:Fallback>

--- a/src/main/presentation/FinTechathon_2nd.pptx
+++ b/src/main/presentation/FinTechathon_2nd.pptx
@@ -5,7 +5,7 @@
     <p:sldMasterId id="2147483648" r:id="rId1"/>
   </p:sldMasterIdLst>
   <p:notesMasterIdLst>
-    <p:notesMasterId r:id="rId10"/>
+    <p:notesMasterId r:id="rId11"/>
   </p:notesMasterIdLst>
   <p:sldIdLst>
     <p:sldId id="256" r:id="rId2"/>
@@ -16,6 +16,7 @@
     <p:sldId id="277" r:id="rId7"/>
     <p:sldId id="280" r:id="rId8"/>
     <p:sldId id="281" r:id="rId9"/>
+    <p:sldId id="282" r:id="rId10"/>
   </p:sldIdLst>
   <p:sldSz cx="10688638" cy="7562850"/>
   <p:notesSz cx="6858000" cy="9144000"/>
@@ -200,7 +201,7 @@
             <a:fld id="{A7E699D2-5BE3-4458-9E0A-526F447E3C3B}" type="datetimeFigureOut">
               <a:rPr lang="en-GB" smtClean="0"/>
               <a:pPr/>
-              <a:t>03/01/2018</a:t>
+              <a:t>04/01/2018</a:t>
             </a:fld>
             <a:endParaRPr lang="en-GB"/>
           </a:p>
@@ -371,7 +372,7 @@
     </p:spTree>
     <p:extLst>
       <p:ext uri="{BB962C8B-B14F-4D97-AF65-F5344CB8AC3E}">
-        <p14:creationId xmlns="" xmlns:p14="http://schemas.microsoft.com/office/powerpoint/2010/main" val="2450056276"/>
+        <p14:creationId xmlns:p14="http://schemas.microsoft.com/office/powerpoint/2010/main" xmlns="" val="2450056276"/>
       </p:ext>
     </p:extLst>
   </p:cSld>
@@ -566,35 +567,125 @@
           <a:p>
             <a:pPr eaLnBrk="1" hangingPunct="1"/>
             <a:r>
-              <a:rPr lang="en-US" altLang="ko-KR" dirty="0" smtClean="0">
+              <a:rPr lang="en-GB" altLang="ko-KR" dirty="0" smtClean="0">
                 <a:ea typeface="굴림" charset="-127"/>
                 <a:cs typeface="Arial" charset="0"/>
               </a:rPr>
-              <a:t>Dear everyone,</a:t>
-            </a:r>
-          </a:p>
-          <a:p>
-            <a:pPr eaLnBrk="1" hangingPunct="1"/>
-            <a:r>
-              <a:rPr lang="en-US" altLang="ko-KR" dirty="0" smtClean="0">
+              <a:t>Hello and Welcome to this session. It is my </a:t>
+            </a:r>
+            <a:r>
+              <a:rPr lang="en-GB" altLang="ko-KR" dirty="0" err="1" smtClean="0">
                 <a:ea typeface="굴림" charset="-127"/>
                 <a:cs typeface="Arial" charset="0"/>
               </a:rPr>
-              <a:t>    Welcome to join this session, it is my honor to present our project here. I come from </a:t>
-            </a:r>
-            <a:r>
-              <a:rPr lang="en-US" altLang="ko-KR" dirty="0" err="1" smtClean="0">
+              <a:t>honor</a:t>
+            </a:r>
+            <a:r>
+              <a:rPr lang="en-GB" altLang="ko-KR" dirty="0" smtClean="0">
+                <a:ea typeface="굴림" charset="-127"/>
+                <a:cs typeface="Arial" charset="0"/>
+              </a:rPr>
+              <a:t> to present our project here. My team is called </a:t>
+            </a:r>
+            <a:r>
+              <a:rPr lang="en-GB" altLang="ko-KR" dirty="0" err="1" smtClean="0">
                 <a:ea typeface="굴림" charset="-127"/>
                 <a:cs typeface="Arial" charset="0"/>
               </a:rPr>
               <a:t>DevFins</a:t>
             </a:r>
             <a:r>
-              <a:rPr lang="en-US" altLang="ko-KR" dirty="0" smtClean="0">
+              <a:rPr lang="en-GB" altLang="ko-KR" dirty="0" smtClean="0">
                 <a:ea typeface="굴림" charset="-127"/>
                 <a:cs typeface="Arial" charset="0"/>
               </a:rPr>
-              <a:t> team, my project is to focus on resolving invoice verification and vendor payment process for SCB Accounting operation department.</a:t>
+              <a:t>, I would</a:t>
+            </a:r>
+            <a:r>
+              <a:rPr lang="en-GB" altLang="ko-KR" baseline="0" dirty="0" smtClean="0">
+                <a:ea typeface="굴림" charset="-127"/>
+                <a:cs typeface="Arial" charset="0"/>
+              </a:rPr>
+              <a:t> tell you what’s the </a:t>
+            </a:r>
+            <a:r>
+              <a:rPr lang="en-GB" altLang="ko-KR" baseline="0" dirty="0" err="1" smtClean="0">
+                <a:ea typeface="굴림" charset="-127"/>
+                <a:cs typeface="Arial" charset="0"/>
+              </a:rPr>
+              <a:t>DevFins</a:t>
+            </a:r>
+            <a:r>
+              <a:rPr lang="en-GB" altLang="ko-KR" baseline="0" dirty="0" smtClean="0">
+                <a:ea typeface="굴림" charset="-127"/>
+                <a:cs typeface="Arial" charset="0"/>
+              </a:rPr>
+              <a:t> in the last.</a:t>
+            </a:r>
+            <a:r>
+              <a:rPr lang="en-GB" altLang="ko-KR" dirty="0" smtClean="0">
+                <a:ea typeface="굴림" charset="-127"/>
+                <a:cs typeface="Arial" charset="0"/>
+              </a:rPr>
+              <a:t> </a:t>
+            </a:r>
+          </a:p>
+          <a:p>
+            <a:pPr marL="0" marR="0" indent="0" algn="l" defTabSz="1028700" rtl="0" eaLnBrk="1" fontAlgn="auto" latinLnBrk="0" hangingPunct="1">
+              <a:lnSpc>
+                <a:spcPct val="100000"/>
+              </a:lnSpc>
+              <a:spcBef>
+                <a:spcPts val="0"/>
+              </a:spcBef>
+              <a:spcAft>
+                <a:spcPts val="0"/>
+              </a:spcAft>
+              <a:buClrTx/>
+              <a:buSzTx/>
+              <a:buFontTx/>
+              <a:buNone/>
+              <a:tabLst/>
+              <a:defRPr/>
+            </a:pPr>
+            <a:r>
+              <a:rPr lang="en-GB" altLang="ko-KR" dirty="0" smtClean="0">
+                <a:ea typeface="굴림" charset="-127"/>
+                <a:cs typeface="Arial" charset="0"/>
+              </a:rPr>
+              <a:t>Our project is Global</a:t>
+            </a:r>
+            <a:r>
+              <a:rPr lang="en-GB" altLang="ko-KR" baseline="0" dirty="0" smtClean="0">
+                <a:ea typeface="굴림" charset="-127"/>
+                <a:cs typeface="Arial" charset="0"/>
+              </a:rPr>
+              <a:t> Finance Service </a:t>
+            </a:r>
+            <a:r>
+              <a:rPr lang="en-GB" sz="1400" kern="1200" dirty="0" smtClean="0">
+                <a:solidFill>
+                  <a:schemeClr val="tx1"/>
+                </a:solidFill>
+                <a:latin typeface="+mn-lt"/>
+                <a:ea typeface="+mn-ea"/>
+                <a:cs typeface="+mn-cs"/>
+              </a:rPr>
+              <a:t>Requisition to Payment</a:t>
+            </a:r>
+            <a:r>
+              <a:rPr lang="en-GB" altLang="ko-KR" baseline="0" dirty="0" smtClean="0">
+                <a:ea typeface="굴림" charset="-127"/>
+                <a:cs typeface="Arial" charset="0"/>
+              </a:rPr>
+              <a:t> Platform, it </a:t>
+            </a:r>
+            <a:r>
+              <a:rPr lang="en-GB" altLang="ko-KR" dirty="0" smtClean="0">
+                <a:ea typeface="굴림" charset="-127"/>
+                <a:cs typeface="Arial" charset="0"/>
+              </a:rPr>
+              <a:t>focuses on resolving invoice verification and vendor payment processing for Accounting Operation team in GFS China.</a:t>
             </a:r>
             <a:endParaRPr lang="en-GB" altLang="ko-KR" dirty="0" smtClean="0">
               <a:ea typeface="굴림" charset="-127"/>
@@ -657,6 +748,10 @@
           </a:bodyPr>
           <a:lstStyle/>
           <a:p>
+            <a:r>
+              <a:rPr lang="en-GB" dirty="0" smtClean="0"/>
+              <a:t>Currently the biggest problems they are facing are unnecessarily heavy manual data input and checking tasks, communication with stakeholders, a lack of a unique e-form application and risk of manual mistakes.</a:t>
+            </a:r>
             <a:endParaRPr lang="en-GB" dirty="0"/>
           </a:p>
         </p:txBody>
@@ -679,7 +774,595 @@
             <a:fld id="{275F347C-A4D3-46B3-85C3-F48909EC4272}" type="slidenum">
               <a:rPr lang="en-GB" smtClean="0"/>
               <a:pPr/>
+              <a:t>2</a:t>
+            </a:fld>
+            <a:endParaRPr lang="en-GB"/>
+          </a:p>
+        </p:txBody>
+      </p:sp>
+    </p:spTree>
+  </p:cSld>
+  <p:clrMapOvr>
+    <a:masterClrMapping/>
+  </p:clrMapOvr>
+</p:notes>
+</file>
+
+<file path=ppt/notesSlides/notesSlide3.xml><?xml version="1.0" encoding="utf-8"?>
+<p:notes xmlns:a="http://schemas.openxmlformats.org/drawingml/2006/main" xmlns:r="http://schemas.openxmlformats.org/officeDocument/2006/relationships" xmlns:p="http://schemas.openxmlformats.org/presentationml/2006/main">
+  <p:cSld>
+    <p:spTree>
+      <p:nvGrpSpPr>
+        <p:cNvPr id="1" name=""/>
+        <p:cNvGrpSpPr/>
+        <p:nvPr/>
+      </p:nvGrpSpPr>
+      <p:grpSpPr>
+        <a:xfrm>
+          <a:off x="0" y="0"/>
+          <a:ext cx="0" cy="0"/>
+          <a:chOff x="0" y="0"/>
+          <a:chExt cx="0" cy="0"/>
+        </a:xfrm>
+      </p:grpSpPr>
+      <p:sp>
+        <p:nvSpPr>
+          <p:cNvPr id="2" name="Slide Image Placeholder 1"/>
+          <p:cNvSpPr>
+            <a:spLocks noGrp="1" noRot="1" noChangeAspect="1"/>
+          </p:cNvSpPr>
+          <p:nvPr>
+            <p:ph type="sldImg"/>
+          </p:nvPr>
+        </p:nvSpPr>
+        <p:spPr/>
+      </p:sp>
+      <p:sp>
+        <p:nvSpPr>
+          <p:cNvPr id="3" name="Notes Placeholder 2"/>
+          <p:cNvSpPr>
+            <a:spLocks noGrp="1"/>
+          </p:cNvSpPr>
+          <p:nvPr>
+            <p:ph type="body" idx="1"/>
+          </p:nvPr>
+        </p:nvSpPr>
+        <p:spPr/>
+        <p:txBody>
+          <a:bodyPr>
+            <a:normAutofit/>
+          </a:bodyPr>
+          <a:lstStyle/>
+          <a:p>
+            <a:r>
+              <a:rPr lang="en-GB" baseline="0" dirty="0" smtClean="0"/>
+              <a:t>The current process is that AO(Accounting Operation) staff receives paper invoices from vendors who need reimbursement, and then manually need to input invoice information into registration tables to track and verify their correctness. </a:t>
+            </a:r>
+          </a:p>
+          <a:p>
+            <a:endParaRPr lang="en-GB" baseline="0" dirty="0" smtClean="0"/>
+          </a:p>
+          <a:p>
+            <a:r>
+              <a:rPr lang="en-GB" baseline="0" dirty="0" smtClean="0"/>
+              <a:t>They then need to reject incorrect invoice requests and communicate with related stakeholders via email or the phone.</a:t>
+            </a:r>
+          </a:p>
+          <a:p>
+            <a:endParaRPr lang="en-GB" baseline="0" dirty="0" smtClean="0"/>
+          </a:p>
+          <a:p>
+            <a:r>
+              <a:rPr lang="en-GB" baseline="0" dirty="0" smtClean="0"/>
+              <a:t>For correct invoices, AO staff will copy them manually and start towards the next payment process. </a:t>
+            </a:r>
+          </a:p>
+          <a:p>
+            <a:endParaRPr lang="en-GB" baseline="0" dirty="0" smtClean="0"/>
+          </a:p>
+          <a:p>
+            <a:r>
+              <a:rPr lang="en-GB" baseline="0" dirty="0" smtClean="0"/>
+              <a:t>During the whole process, AO staff are working manually within low efficiency and always facing the risk of manual mistakes and </a:t>
+            </a:r>
+          </a:p>
+          <a:p>
+            <a:r>
+              <a:rPr lang="en-GB" baseline="0" dirty="0" smtClean="0"/>
+              <a:t>issues with information availability and clarity.</a:t>
+            </a:r>
+          </a:p>
+        </p:txBody>
+      </p:sp>
+      <p:sp>
+        <p:nvSpPr>
+          <p:cNvPr id="4" name="Slide Number Placeholder 3"/>
+          <p:cNvSpPr>
+            <a:spLocks noGrp="1"/>
+          </p:cNvSpPr>
+          <p:nvPr>
+            <p:ph type="sldNum" sz="quarter" idx="10"/>
+          </p:nvPr>
+        </p:nvSpPr>
+        <p:spPr/>
+        <p:txBody>
+          <a:bodyPr/>
+          <a:lstStyle/>
+          <a:p>
+            <a:fld id="{275F347C-A4D3-46B3-85C3-F48909EC4272}" type="slidenum">
+              <a:rPr lang="en-GB" smtClean="0"/>
+              <a:pPr/>
               <a:t>3</a:t>
+            </a:fld>
+            <a:endParaRPr lang="en-GB"/>
+          </a:p>
+        </p:txBody>
+      </p:sp>
+    </p:spTree>
+  </p:cSld>
+  <p:clrMapOvr>
+    <a:masterClrMapping/>
+  </p:clrMapOvr>
+</p:notes>
+</file>
+
+<file path=ppt/notesSlides/notesSlide4.xml><?xml version="1.0" encoding="utf-8"?>
+<p:notes xmlns:a="http://schemas.openxmlformats.org/drawingml/2006/main" xmlns:r="http://schemas.openxmlformats.org/officeDocument/2006/relationships" xmlns:p="http://schemas.openxmlformats.org/presentationml/2006/main">
+  <p:cSld>
+    <p:spTree>
+      <p:nvGrpSpPr>
+        <p:cNvPr id="1" name=""/>
+        <p:cNvGrpSpPr/>
+        <p:nvPr/>
+      </p:nvGrpSpPr>
+      <p:grpSpPr>
+        <a:xfrm>
+          <a:off x="0" y="0"/>
+          <a:ext cx="0" cy="0"/>
+          <a:chOff x="0" y="0"/>
+          <a:chExt cx="0" cy="0"/>
+        </a:xfrm>
+      </p:grpSpPr>
+      <p:sp>
+        <p:nvSpPr>
+          <p:cNvPr id="2" name="Slide Image Placeholder 1"/>
+          <p:cNvSpPr>
+            <a:spLocks noGrp="1" noRot="1" noChangeAspect="1"/>
+          </p:cNvSpPr>
+          <p:nvPr>
+            <p:ph type="sldImg"/>
+          </p:nvPr>
+        </p:nvSpPr>
+        <p:spPr/>
+      </p:sp>
+      <p:sp>
+        <p:nvSpPr>
+          <p:cNvPr id="3" name="Notes Placeholder 2"/>
+          <p:cNvSpPr>
+            <a:spLocks noGrp="1"/>
+          </p:cNvSpPr>
+          <p:nvPr>
+            <p:ph type="body" idx="1"/>
+          </p:nvPr>
+        </p:nvSpPr>
+        <p:spPr/>
+        <p:txBody>
+          <a:bodyPr>
+            <a:normAutofit/>
+          </a:bodyPr>
+          <a:lstStyle/>
+          <a:p>
+            <a:r>
+              <a:rPr lang="en-GB" dirty="0" smtClean="0"/>
+              <a:t>Regarding our designed solution, we provide a payment platform to resolve those problems. Our target is to make each process automatic, improve efficiency and reduce manual risk to zero. </a:t>
+            </a:r>
+            <a:endParaRPr lang="en-GB" dirty="0"/>
+          </a:p>
+        </p:txBody>
+      </p:sp>
+      <p:sp>
+        <p:nvSpPr>
+          <p:cNvPr id="4" name="Slide Number Placeholder 3"/>
+          <p:cNvSpPr>
+            <a:spLocks noGrp="1"/>
+          </p:cNvSpPr>
+          <p:nvPr>
+            <p:ph type="sldNum" sz="quarter" idx="10"/>
+          </p:nvPr>
+        </p:nvSpPr>
+        <p:spPr/>
+        <p:txBody>
+          <a:bodyPr/>
+          <a:lstStyle/>
+          <a:p>
+            <a:fld id="{275F347C-A4D3-46B3-85C3-F48909EC4272}" type="slidenum">
+              <a:rPr lang="en-GB" smtClean="0"/>
+              <a:pPr/>
+              <a:t>4</a:t>
+            </a:fld>
+            <a:endParaRPr lang="en-GB" dirty="0"/>
+          </a:p>
+        </p:txBody>
+      </p:sp>
+    </p:spTree>
+  </p:cSld>
+  <p:clrMapOvr>
+    <a:masterClrMapping/>
+  </p:clrMapOvr>
+</p:notes>
+</file>
+
+<file path=ppt/notesSlides/notesSlide5.xml><?xml version="1.0" encoding="utf-8"?>
+<p:notes xmlns:a="http://schemas.openxmlformats.org/drawingml/2006/main" xmlns:r="http://schemas.openxmlformats.org/officeDocument/2006/relationships" xmlns:p="http://schemas.openxmlformats.org/presentationml/2006/main">
+  <p:cSld>
+    <p:spTree>
+      <p:nvGrpSpPr>
+        <p:cNvPr id="1" name=""/>
+        <p:cNvGrpSpPr/>
+        <p:nvPr/>
+      </p:nvGrpSpPr>
+      <p:grpSpPr>
+        <a:xfrm>
+          <a:off x="0" y="0"/>
+          <a:ext cx="0" cy="0"/>
+          <a:chOff x="0" y="0"/>
+          <a:chExt cx="0" cy="0"/>
+        </a:xfrm>
+      </p:grpSpPr>
+      <p:sp>
+        <p:nvSpPr>
+          <p:cNvPr id="2" name="Slide Image Placeholder 1"/>
+          <p:cNvSpPr>
+            <a:spLocks noGrp="1" noRot="1" noChangeAspect="1"/>
+          </p:cNvSpPr>
+          <p:nvPr>
+            <p:ph type="sldImg"/>
+          </p:nvPr>
+        </p:nvSpPr>
+        <p:spPr/>
+      </p:sp>
+      <p:sp>
+        <p:nvSpPr>
+          <p:cNvPr id="3" name="Notes Placeholder 2"/>
+          <p:cNvSpPr>
+            <a:spLocks noGrp="1"/>
+          </p:cNvSpPr>
+          <p:nvPr>
+            <p:ph type="body" idx="1"/>
+          </p:nvPr>
+        </p:nvSpPr>
+        <p:spPr/>
+        <p:txBody>
+          <a:bodyPr>
+            <a:normAutofit/>
+          </a:bodyPr>
+          <a:lstStyle/>
+          <a:p>
+            <a:r>
+              <a:rPr lang="en-GB" dirty="0" smtClean="0"/>
+              <a:t>We provide hardware to scan this QR code, so that the invoice information will be imported into system automatically. </a:t>
+            </a:r>
+            <a:endParaRPr lang="en-GB" dirty="0"/>
+          </a:p>
+        </p:txBody>
+      </p:sp>
+      <p:sp>
+        <p:nvSpPr>
+          <p:cNvPr id="4" name="Slide Number Placeholder 3"/>
+          <p:cNvSpPr>
+            <a:spLocks noGrp="1"/>
+          </p:cNvSpPr>
+          <p:nvPr>
+            <p:ph type="sldNum" sz="quarter" idx="10"/>
+          </p:nvPr>
+        </p:nvSpPr>
+        <p:spPr/>
+        <p:txBody>
+          <a:bodyPr/>
+          <a:lstStyle/>
+          <a:p>
+            <a:fld id="{275F347C-A4D3-46B3-85C3-F48909EC4272}" type="slidenum">
+              <a:rPr lang="en-GB" smtClean="0"/>
+              <a:pPr/>
+              <a:t>5</a:t>
+            </a:fld>
+            <a:endParaRPr lang="en-GB" dirty="0"/>
+          </a:p>
+        </p:txBody>
+      </p:sp>
+    </p:spTree>
+  </p:cSld>
+  <p:clrMapOvr>
+    <a:masterClrMapping/>
+  </p:clrMapOvr>
+</p:notes>
+</file>
+
+<file path=ppt/notesSlides/notesSlide6.xml><?xml version="1.0" encoding="utf-8"?>
+<p:notes xmlns:a="http://schemas.openxmlformats.org/drawingml/2006/main" xmlns:r="http://schemas.openxmlformats.org/officeDocument/2006/relationships" xmlns:p="http://schemas.openxmlformats.org/presentationml/2006/main">
+  <p:cSld>
+    <p:spTree>
+      <p:nvGrpSpPr>
+        <p:cNvPr id="1" name=""/>
+        <p:cNvGrpSpPr/>
+        <p:nvPr/>
+      </p:nvGrpSpPr>
+      <p:grpSpPr>
+        <a:xfrm>
+          <a:off x="0" y="0"/>
+          <a:ext cx="0" cy="0"/>
+          <a:chOff x="0" y="0"/>
+          <a:chExt cx="0" cy="0"/>
+        </a:xfrm>
+      </p:grpSpPr>
+      <p:sp>
+        <p:nvSpPr>
+          <p:cNvPr id="2" name="Slide Image Placeholder 1"/>
+          <p:cNvSpPr>
+            <a:spLocks noGrp="1" noRot="1" noChangeAspect="1"/>
+          </p:cNvSpPr>
+          <p:nvPr>
+            <p:ph type="sldImg"/>
+          </p:nvPr>
+        </p:nvSpPr>
+        <p:spPr/>
+      </p:sp>
+      <p:sp>
+        <p:nvSpPr>
+          <p:cNvPr id="3" name="Notes Placeholder 2"/>
+          <p:cNvSpPr>
+            <a:spLocks noGrp="1"/>
+          </p:cNvSpPr>
+          <p:nvPr>
+            <p:ph type="body" idx="1"/>
+          </p:nvPr>
+        </p:nvSpPr>
+        <p:spPr/>
+        <p:txBody>
+          <a:bodyPr>
+            <a:normAutofit/>
+          </a:bodyPr>
+          <a:lstStyle/>
+          <a:p>
+            <a:r>
+              <a:rPr lang="en-GB" dirty="0" smtClean="0"/>
+              <a:t>After applying our new process, the requestor will use a website or mobile app to submit their reimbursement request using their electronic device. AO staff can use this scanner to scan their invoice QR Code instead of manually typing it and then the invoice information will auto-import into our system. The system will auto-match with China's Tax Golden Source to do invoice verification. After determining Whether the invoice is effective or not, the system will trigger an email to automatically be sent to the relevant stakeholders.</a:t>
+            </a:r>
+            <a:endParaRPr lang="en-GB" dirty="0"/>
+          </a:p>
+        </p:txBody>
+      </p:sp>
+      <p:sp>
+        <p:nvSpPr>
+          <p:cNvPr id="4" name="Slide Number Placeholder 3"/>
+          <p:cNvSpPr>
+            <a:spLocks noGrp="1"/>
+          </p:cNvSpPr>
+          <p:nvPr>
+            <p:ph type="sldNum" sz="quarter" idx="10"/>
+          </p:nvPr>
+        </p:nvSpPr>
+        <p:spPr/>
+        <p:txBody>
+          <a:bodyPr/>
+          <a:lstStyle/>
+          <a:p>
+            <a:fld id="{275F347C-A4D3-46B3-85C3-F48909EC4272}" type="slidenum">
+              <a:rPr lang="en-GB" smtClean="0"/>
+              <a:pPr/>
+              <a:t>6</a:t>
+            </a:fld>
+            <a:endParaRPr lang="en-GB" dirty="0"/>
+          </a:p>
+        </p:txBody>
+      </p:sp>
+    </p:spTree>
+  </p:cSld>
+  <p:clrMapOvr>
+    <a:masterClrMapping/>
+  </p:clrMapOvr>
+</p:notes>
+</file>
+
+<file path=ppt/notesSlides/notesSlide7.xml><?xml version="1.0" encoding="utf-8"?>
+<p:notes xmlns:a="http://schemas.openxmlformats.org/drawingml/2006/main" xmlns:r="http://schemas.openxmlformats.org/officeDocument/2006/relationships" xmlns:p="http://schemas.openxmlformats.org/presentationml/2006/main">
+  <p:cSld>
+    <p:spTree>
+      <p:nvGrpSpPr>
+        <p:cNvPr id="1" name=""/>
+        <p:cNvGrpSpPr/>
+        <p:nvPr/>
+      </p:nvGrpSpPr>
+      <p:grpSpPr>
+        <a:xfrm>
+          <a:off x="0" y="0"/>
+          <a:ext cx="0" cy="0"/>
+          <a:chOff x="0" y="0"/>
+          <a:chExt cx="0" cy="0"/>
+        </a:xfrm>
+      </p:grpSpPr>
+      <p:sp>
+        <p:nvSpPr>
+          <p:cNvPr id="2" name="Slide Image Placeholder 1"/>
+          <p:cNvSpPr>
+            <a:spLocks noGrp="1" noRot="1" noChangeAspect="1"/>
+          </p:cNvSpPr>
+          <p:nvPr>
+            <p:ph type="sldImg"/>
+          </p:nvPr>
+        </p:nvSpPr>
+        <p:spPr/>
+      </p:sp>
+      <p:sp>
+        <p:nvSpPr>
+          <p:cNvPr id="3" name="Notes Placeholder 2"/>
+          <p:cNvSpPr>
+            <a:spLocks noGrp="1"/>
+          </p:cNvSpPr>
+          <p:nvPr>
+            <p:ph type="body" idx="1"/>
+          </p:nvPr>
+        </p:nvSpPr>
+        <p:spPr/>
+        <p:txBody>
+          <a:bodyPr>
+            <a:normAutofit/>
+          </a:bodyPr>
+          <a:lstStyle/>
+          <a:p>
+            <a:r>
+              <a:rPr lang="en-GB" dirty="0" smtClean="0"/>
+              <a:t>After apply this new system, we can</a:t>
+            </a:r>
+          </a:p>
+          <a:p>
+            <a:r>
+              <a:rPr lang="en-GB" dirty="0" smtClean="0"/>
+              <a:t>	1. Improve 25 multiple efficiency. AO staff needs 25 seconds to input and verify an invoice at least. After using scanner, it will take less than 1 second to complete all processes.</a:t>
+            </a:r>
+          </a:p>
+          <a:p>
+            <a:r>
+              <a:rPr lang="en-GB" dirty="0" smtClean="0"/>
+              <a:t>	2. Reduce manual risk to Zero. After applying this system, there is no manual operation at all, so we can say that's 100% safe.</a:t>
+            </a:r>
+          </a:p>
+          <a:p>
+            <a:r>
+              <a:rPr lang="en-GB" dirty="0" smtClean="0"/>
+              <a:t>	3. Digital and eco-office. There is no paper request in new system, every data is changed to electronic form and save into database. So we can save paper cost, print cost as well as time cost.</a:t>
+            </a:r>
+          </a:p>
+          <a:p>
+            <a:r>
+              <a:rPr lang="en-GB" dirty="0" smtClean="0"/>
+              <a:t>	4. Audit automation. Everything is saving in database, so we can search and check history invoice easily for end of year audit as well as generate accounting report. If it is still using paper invoice, it will be a huge job to look for one invoice from thousands of invoices.</a:t>
+            </a:r>
+            <a:endParaRPr lang="en-GB" dirty="0"/>
+          </a:p>
+        </p:txBody>
+      </p:sp>
+      <p:sp>
+        <p:nvSpPr>
+          <p:cNvPr id="4" name="Slide Number Placeholder 3"/>
+          <p:cNvSpPr>
+            <a:spLocks noGrp="1"/>
+          </p:cNvSpPr>
+          <p:nvPr>
+            <p:ph type="sldNum" sz="quarter" idx="10"/>
+          </p:nvPr>
+        </p:nvSpPr>
+        <p:spPr/>
+        <p:txBody>
+          <a:bodyPr/>
+          <a:lstStyle/>
+          <a:p>
+            <a:fld id="{275F347C-A4D3-46B3-85C3-F48909EC4272}" type="slidenum">
+              <a:rPr lang="en-GB" smtClean="0"/>
+              <a:pPr/>
+              <a:t>7</a:t>
+            </a:fld>
+            <a:endParaRPr lang="en-GB" dirty="0"/>
+          </a:p>
+        </p:txBody>
+      </p:sp>
+    </p:spTree>
+  </p:cSld>
+  <p:clrMapOvr>
+    <a:masterClrMapping/>
+  </p:clrMapOvr>
+</p:notes>
+</file>
+
+<file path=ppt/notesSlides/notesSlide8.xml><?xml version="1.0" encoding="utf-8"?>
+<p:notes xmlns:a="http://schemas.openxmlformats.org/drawingml/2006/main" xmlns:r="http://schemas.openxmlformats.org/officeDocument/2006/relationships" xmlns:p="http://schemas.openxmlformats.org/presentationml/2006/main">
+  <p:cSld>
+    <p:spTree>
+      <p:nvGrpSpPr>
+        <p:cNvPr id="1" name=""/>
+        <p:cNvGrpSpPr/>
+        <p:nvPr/>
+      </p:nvGrpSpPr>
+      <p:grpSpPr>
+        <a:xfrm>
+          <a:off x="0" y="0"/>
+          <a:ext cx="0" cy="0"/>
+          <a:chOff x="0" y="0"/>
+          <a:chExt cx="0" cy="0"/>
+        </a:xfrm>
+      </p:grpSpPr>
+      <p:sp>
+        <p:nvSpPr>
+          <p:cNvPr id="2" name="Slide Image Placeholder 1"/>
+          <p:cNvSpPr>
+            <a:spLocks noGrp="1" noRot="1" noChangeAspect="1"/>
+          </p:cNvSpPr>
+          <p:nvPr>
+            <p:ph type="sldImg"/>
+          </p:nvPr>
+        </p:nvSpPr>
+        <p:spPr/>
+      </p:sp>
+      <p:sp>
+        <p:nvSpPr>
+          <p:cNvPr id="3" name="Notes Placeholder 2"/>
+          <p:cNvSpPr>
+            <a:spLocks noGrp="1"/>
+          </p:cNvSpPr>
+          <p:nvPr>
+            <p:ph type="body" idx="1"/>
+          </p:nvPr>
+        </p:nvSpPr>
+        <p:spPr/>
+        <p:txBody>
+          <a:bodyPr>
+            <a:normAutofit/>
+          </a:bodyPr>
+          <a:lstStyle/>
+          <a:p>
+            <a:r>
+              <a:rPr lang="en-GB" dirty="0" smtClean="0"/>
+              <a:t>That's all for our project summary. </a:t>
+            </a:r>
+            <a:r>
+              <a:rPr lang="en-GB" smtClean="0"/>
+              <a:t>Please </a:t>
+            </a:r>
+            <a:r>
+              <a:rPr lang="en-GB" dirty="0" smtClean="0"/>
+              <a:t>remember our team name - </a:t>
+            </a:r>
+            <a:r>
+              <a:rPr lang="en-GB" dirty="0" err="1" smtClean="0"/>
+              <a:t>DevFins</a:t>
+            </a:r>
+            <a:r>
+              <a:rPr lang="en-GB" dirty="0" smtClean="0"/>
+              <a:t>. It is Development plus Finance. Our team target is to make Financial operation Simpler, Faster and Better and that's exactly what we've done. Thank you.</a:t>
+            </a:r>
+            <a:endParaRPr lang="en-GB" dirty="0"/>
+          </a:p>
+        </p:txBody>
+      </p:sp>
+      <p:sp>
+        <p:nvSpPr>
+          <p:cNvPr id="4" name="Slide Number Placeholder 3"/>
+          <p:cNvSpPr>
+            <a:spLocks noGrp="1"/>
+          </p:cNvSpPr>
+          <p:nvPr>
+            <p:ph type="sldNum" sz="quarter" idx="10"/>
+          </p:nvPr>
+        </p:nvSpPr>
+        <p:spPr/>
+        <p:txBody>
+          <a:bodyPr/>
+          <a:lstStyle/>
+          <a:p>
+            <a:fld id="{275F347C-A4D3-46B3-85C3-F48909EC4272}" type="slidenum">
+              <a:rPr lang="en-GB" smtClean="0"/>
+              <a:pPr/>
+              <a:t>8</a:t>
             </a:fld>
             <a:endParaRPr lang="en-GB"/>
           </a:p>
@@ -875,7 +1558,7 @@
             <a:fld id="{1D8BD707-D9CF-40AE-B4C6-C98DA3205C09}" type="datetimeFigureOut">
               <a:rPr lang="en-US" smtClean="0"/>
               <a:pPr/>
-              <a:t>01/03/2018</a:t>
+              <a:t>01/04/2018</a:t>
             </a:fld>
             <a:endParaRPr lang="en-US"/>
           </a:p>
@@ -1042,7 +1725,7 @@
             <a:fld id="{1D8BD707-D9CF-40AE-B4C6-C98DA3205C09}" type="datetimeFigureOut">
               <a:rPr lang="en-US" smtClean="0"/>
               <a:pPr/>
-              <a:t>01/03/2018</a:t>
+              <a:t>01/04/2018</a:t>
             </a:fld>
             <a:endParaRPr lang="en-US"/>
           </a:p>
@@ -1219,7 +1902,7 @@
             <a:fld id="{1D8BD707-D9CF-40AE-B4C6-C98DA3205C09}" type="datetimeFigureOut">
               <a:rPr lang="en-US" smtClean="0"/>
               <a:pPr/>
-              <a:t>01/03/2018</a:t>
+              <a:t>01/04/2018</a:t>
             </a:fld>
             <a:endParaRPr lang="en-US"/>
           </a:p>
@@ -1386,7 +2069,7 @@
             <a:fld id="{1D8BD707-D9CF-40AE-B4C6-C98DA3205C09}" type="datetimeFigureOut">
               <a:rPr lang="en-US" smtClean="0"/>
               <a:pPr/>
-              <a:t>01/03/2018</a:t>
+              <a:t>01/04/2018</a:t>
             </a:fld>
             <a:endParaRPr lang="en-US"/>
           </a:p>
@@ -1629,7 +2312,7 @@
             <a:fld id="{1D8BD707-D9CF-40AE-B4C6-C98DA3205C09}" type="datetimeFigureOut">
               <a:rPr lang="en-US" smtClean="0"/>
               <a:pPr/>
-              <a:t>01/03/2018</a:t>
+              <a:t>01/04/2018</a:t>
             </a:fld>
             <a:endParaRPr lang="en-US"/>
           </a:p>
@@ -1914,7 +2597,7 @@
             <a:fld id="{1D8BD707-D9CF-40AE-B4C6-C98DA3205C09}" type="datetimeFigureOut">
               <a:rPr lang="en-US" smtClean="0"/>
               <a:pPr/>
-              <a:t>01/03/2018</a:t>
+              <a:t>01/04/2018</a:t>
             </a:fld>
             <a:endParaRPr lang="en-US"/>
           </a:p>
@@ -2333,7 +3016,7 @@
             <a:fld id="{1D8BD707-D9CF-40AE-B4C6-C98DA3205C09}" type="datetimeFigureOut">
               <a:rPr lang="en-US" smtClean="0"/>
               <a:pPr/>
-              <a:t>01/03/2018</a:t>
+              <a:t>01/04/2018</a:t>
             </a:fld>
             <a:endParaRPr lang="en-US"/>
           </a:p>
@@ -2448,7 +3131,7 @@
             <a:fld id="{1D8BD707-D9CF-40AE-B4C6-C98DA3205C09}" type="datetimeFigureOut">
               <a:rPr lang="en-US" smtClean="0"/>
               <a:pPr/>
-              <a:t>01/03/2018</a:t>
+              <a:t>01/04/2018</a:t>
             </a:fld>
             <a:endParaRPr lang="en-US"/>
           </a:p>
@@ -2540,7 +3223,7 @@
             <a:fld id="{1D8BD707-D9CF-40AE-B4C6-C98DA3205C09}" type="datetimeFigureOut">
               <a:rPr lang="en-US" smtClean="0"/>
               <a:pPr/>
-              <a:t>01/03/2018</a:t>
+              <a:t>01/04/2018</a:t>
             </a:fld>
             <a:endParaRPr lang="en-US"/>
           </a:p>
@@ -2814,7 +3497,7 @@
             <a:fld id="{1D8BD707-D9CF-40AE-B4C6-C98DA3205C09}" type="datetimeFigureOut">
               <a:rPr lang="en-US" smtClean="0"/>
               <a:pPr/>
-              <a:t>01/03/2018</a:t>
+              <a:t>01/04/2018</a:t>
             </a:fld>
             <a:endParaRPr lang="en-US"/>
           </a:p>
@@ -3064,7 +3747,7 @@
             <a:fld id="{1D8BD707-D9CF-40AE-B4C6-C98DA3205C09}" type="datetimeFigureOut">
               <a:rPr lang="en-US" smtClean="0"/>
               <a:pPr/>
-              <a:t>01/03/2018</a:t>
+              <a:t>01/04/2018</a:t>
             </a:fld>
             <a:endParaRPr lang="en-US"/>
           </a:p>
@@ -3274,7 +3957,7 @@
             <a:fld id="{1D8BD707-D9CF-40AE-B4C6-C98DA3205C09}" type="datetimeFigureOut">
               <a:rPr lang="en-US" smtClean="0"/>
               <a:pPr/>
-              <a:t>01/03/2018</a:t>
+              <a:t>01/04/2018</a:t>
             </a:fld>
             <a:endParaRPr lang="en-US"/>
           </a:p>
@@ -4125,7 +4808,7 @@
           <a:blip r:embed="rId4" cstate="screen">
             <a:extLst>
               <a:ext uri="{28A0092B-C50C-407E-A947-70E740481C1C}">
-                <a14:useLocalDpi xmlns="" xmlns:a14="http://schemas.microsoft.com/office/drawing/2010/main" val="0"/>
+                <a14:useLocalDpi xmlns:a14="http://schemas.microsoft.com/office/drawing/2010/main" xmlns="" val="0"/>
               </a:ext>
             </a:extLst>
           </a:blip>
@@ -4149,14 +4832,14 @@
           <a:effectLst/>
           <a:extLst>
             <a:ext uri="{909E8E84-426E-40DD-AFC4-6F175D3DCCD1}">
-              <a14:hiddenFill xmlns="" xmlns:a14="http://schemas.microsoft.com/office/drawing/2010/main">
+              <a14:hiddenFill xmlns:a14="http://schemas.microsoft.com/office/drawing/2010/main" xmlns="">
                 <a:solidFill>
                   <a:schemeClr val="accent1"/>
                 </a:solidFill>
               </a14:hiddenFill>
             </a:ext>
             <a:ext uri="{91240B29-F687-4F45-9708-019B960494DF}">
-              <a14:hiddenLine xmlns="" xmlns:a14="http://schemas.microsoft.com/office/drawing/2010/main" w="9525">
+              <a14:hiddenLine xmlns:a14="http://schemas.microsoft.com/office/drawing/2010/main" xmlns="" w="9525">
                 <a:solidFill>
                   <a:schemeClr val="tx1"/>
                 </a:solidFill>
@@ -4166,7 +4849,7 @@
               </a14:hiddenLine>
             </a:ext>
             <a:ext uri="{AF507438-7753-43E0-B8FC-AC1667EBCBE1}">
-              <a14:hiddenEffects xmlns="" xmlns:a14="http://schemas.microsoft.com/office/drawing/2010/main">
+              <a14:hiddenEffects xmlns:a14="http://schemas.microsoft.com/office/drawing/2010/main" xmlns="">
                 <a:effectLst>
                   <a:outerShdw dist="35921" dir="2700000" algn="ctr" rotWithShape="0">
                     <a:schemeClr val="bg2"/>
@@ -4225,14 +4908,14 @@
       </p:sp>
       <p:sp>
         <p:nvSpPr>
-          <p:cNvPr id="5" name="TextBox 4"/>
+          <p:cNvPr id="5" name="word 1"/>
           <p:cNvSpPr txBox="1"/>
           <p:nvPr/>
         </p:nvSpPr>
         <p:spPr>
           <a:xfrm>
-            <a:off x="149231" y="6950987"/>
-            <a:ext cx="10251120" cy="400110"/>
+            <a:off x="162719" y="6883539"/>
+            <a:ext cx="10251120" cy="707886"/>
           </a:xfrm>
           <a:prstGeom prst="rect">
             <a:avLst/>
@@ -4246,44 +4929,74 @@
           <a:lstStyle/>
           <a:p>
             <a:r>
-              <a:rPr lang="en-US" altLang="ko-KR" dirty="0">
+              <a:rPr lang="en-GB" altLang="ko-KR" dirty="0" smtClean="0">
                 <a:solidFill>
                   <a:schemeClr val="bg1"/>
                 </a:solidFill>
                 <a:ea typeface="굴림" charset="-127"/>
                 <a:cs typeface="Arial" charset="0"/>
               </a:rPr>
-              <a:t>Dear everyone</a:t>
-            </a:r>
-            <a:r>
-              <a:rPr lang="en-US" altLang="ko-KR" dirty="0" smtClean="0">
+              <a:t>Hello and Welcome to this session. It is my </a:t>
+            </a:r>
+            <a:r>
+              <a:rPr lang="en-GB" altLang="ko-KR" dirty="0" err="1" smtClean="0">
                 <a:solidFill>
                   <a:schemeClr val="bg1"/>
                 </a:solidFill>
                 <a:ea typeface="굴림" charset="-127"/>
                 <a:cs typeface="Arial" charset="0"/>
               </a:rPr>
-              <a:t>, </a:t>
-            </a:r>
-            <a:r>
-              <a:rPr lang="en-US" altLang="ko-KR" dirty="0">
+              <a:t>honor</a:t>
+            </a:r>
+            <a:r>
+              <a:rPr lang="en-GB" altLang="ko-KR" dirty="0" smtClean="0">
                 <a:solidFill>
                   <a:schemeClr val="bg1"/>
                 </a:solidFill>
                 <a:ea typeface="굴림" charset="-127"/>
                 <a:cs typeface="Arial" charset="0"/>
               </a:rPr>
-              <a:t>Welcome to join this session, it is my honor to present our project here.</a:t>
-            </a:r>
-            <a:r>
-              <a:rPr lang="en-US" altLang="ko-KR" dirty="0" smtClean="0">
+              <a:t> to present our project here. My team is called </a:t>
+            </a:r>
+            <a:r>
+              <a:rPr lang="en-GB" altLang="ko-KR" dirty="0" err="1" smtClean="0">
                 <a:solidFill>
                   <a:schemeClr val="bg1"/>
                 </a:solidFill>
                 <a:ea typeface="굴림" charset="-127"/>
                 <a:cs typeface="Arial" charset="0"/>
               </a:rPr>
-              <a:t> </a:t>
+              <a:t>DevFins</a:t>
+            </a:r>
+            <a:r>
+              <a:rPr lang="en-GB" altLang="ko-KR" dirty="0" smtClean="0">
+                <a:solidFill>
+                  <a:schemeClr val="bg1"/>
+                </a:solidFill>
+                <a:ea typeface="굴림" charset="-127"/>
+                <a:cs typeface="Arial" charset="0"/>
+              </a:rPr>
+              <a:t>, I would tell you what’s the </a:t>
+            </a:r>
+            <a:r>
+              <a:rPr lang="en-GB" altLang="ko-KR" dirty="0" err="1" smtClean="0">
+                <a:solidFill>
+                  <a:schemeClr val="bg1"/>
+                </a:solidFill>
+                <a:ea typeface="굴림" charset="-127"/>
+                <a:cs typeface="Arial" charset="0"/>
+              </a:rPr>
+              <a:t>DevFins</a:t>
+            </a:r>
+            <a:r>
+              <a:rPr lang="en-GB" altLang="ko-KR" dirty="0" smtClean="0">
+                <a:solidFill>
+                  <a:schemeClr val="bg1"/>
+                </a:solidFill>
+                <a:ea typeface="굴림" charset="-127"/>
+                <a:cs typeface="Arial" charset="0"/>
+              </a:rPr>
+              <a:t> in the last.</a:t>
             </a:r>
             <a:endParaRPr lang="en-US" altLang="ko-KR" dirty="0">
               <a:solidFill>
@@ -4297,7 +5010,7 @@
       </p:sp>
       <p:sp>
         <p:nvSpPr>
-          <p:cNvPr id="18" name="TextBox 17"/>
+          <p:cNvPr id="18" name="word 2"/>
           <p:cNvSpPr txBox="1"/>
           <p:nvPr/>
         </p:nvSpPr>
@@ -4318,54 +5031,50 @@
           <a:lstStyle/>
           <a:p>
             <a:r>
-              <a:rPr lang="en-US" altLang="ko-KR" dirty="0">
+              <a:rPr lang="en-GB" altLang="ko-KR" dirty="0" smtClean="0">
                 <a:solidFill>
                   <a:schemeClr val="bg1"/>
                 </a:solidFill>
                 <a:ea typeface="굴림" charset="-127"/>
                 <a:cs typeface="Arial" charset="0"/>
               </a:rPr>
-              <a:t>I come from </a:t>
-            </a:r>
-            <a:r>
-              <a:rPr lang="en-US" altLang="ko-KR" dirty="0" err="1">
+              <a:t>Our project is Global Finance Service </a:t>
+            </a:r>
+            <a:r>
+              <a:rPr lang="en-GB" dirty="0" smtClean="0">
+                <a:solidFill>
+                  <a:schemeClr val="bg1"/>
+                </a:solidFill>
+              </a:rPr>
+              <a:t>Requisition to </a:t>
+            </a:r>
+            <a:r>
+              <a:rPr lang="en-GB" dirty="0" smtClean="0">
+                <a:solidFill>
+                  <a:schemeClr val="bg1"/>
+                </a:solidFill>
+              </a:rPr>
+              <a:t>Payment</a:t>
+            </a:r>
+            <a:r>
+              <a:rPr lang="en-GB" altLang="ko-KR" dirty="0" smtClean="0">
                 <a:solidFill>
                   <a:schemeClr val="bg1"/>
                 </a:solidFill>
                 <a:ea typeface="굴림" charset="-127"/>
                 <a:cs typeface="Arial" charset="0"/>
               </a:rPr>
-              <a:t>DevFins</a:t>
-            </a:r>
-            <a:r>
-              <a:rPr lang="en-US" altLang="ko-KR" dirty="0">
+              <a:t> Platform</a:t>
+            </a:r>
+            <a:r>
+              <a:rPr lang="en-GB" altLang="ko-KR" dirty="0" smtClean="0">
                 <a:solidFill>
                   <a:schemeClr val="bg1"/>
                 </a:solidFill>
                 <a:ea typeface="굴림" charset="-127"/>
                 <a:cs typeface="Arial" charset="0"/>
               </a:rPr>
-              <a:t> team, my project is to focus </a:t>
-            </a:r>
-            <a:r>
-              <a:rPr lang="en-US" altLang="ko-KR" dirty="0" smtClean="0">
-                <a:solidFill>
-                  <a:schemeClr val="bg1"/>
-                </a:solidFill>
-                <a:ea typeface="굴림" charset="-127"/>
-                <a:cs typeface="Arial" charset="0"/>
-              </a:rPr>
-              <a:t>on </a:t>
-            </a:r>
-            <a:r>
-              <a:rPr lang="en-US" altLang="ko-KR" dirty="0">
-                <a:solidFill>
-                  <a:schemeClr val="bg1"/>
-                </a:solidFill>
-                <a:ea typeface="굴림" charset="-127"/>
-                <a:cs typeface="Arial" charset="0"/>
-              </a:rPr>
-              <a:t>resolving invoice verification and vendor payment process for SCB Accounting operation department.</a:t>
+              <a:t>, it focuses on resolving invoice verification and vendor payment processing for Accounting Operation team in GFS China.</a:t>
             </a:r>
           </a:p>
         </p:txBody>
@@ -4376,7 +5085,7 @@
     <a:masterClrMapping/>
   </p:clrMapOvr>
   <mc:AlternateContent xmlns:mc="http://schemas.openxmlformats.org/markup-compatibility/2006">
-    <mc:Choice xmlns="" xmlns:p14="http://schemas.microsoft.com/office/powerpoint/2010/main" Requires="p14">
+    <mc:Choice xmlns:p14="http://schemas.microsoft.com/office/powerpoint/2010/main" xmlns="" Requires="p14">
       <p:transition p14:dur="0"/>
     </mc:Choice>
     <mc:Fallback>
@@ -4395,9 +5104,6 @@
                     <p:cTn id="3" fill="hold">
                       <p:stCondLst>
                         <p:cond delay="indefinite"/>
-                        <p:cond evt="onBegin" delay="0">
-                          <p:tn val="2"/>
-                        </p:cond>
                       </p:stCondLst>
                       <p:childTnLst>
                         <p:par>
@@ -4407,7 +5113,7 @@
                             </p:stCondLst>
                             <p:childTnLst>
                               <p:par>
-                                <p:cTn id="5" presetID="14" presetClass="entr" presetSubtype="10" fill="hold" grpId="0" nodeType="withEffect">
+                                <p:cTn id="5" presetID="14" presetClass="entr" presetSubtype="10" fill="hold" grpId="0" nodeType="clickEffect">
                                   <p:stCondLst>
                                     <p:cond delay="0"/>
                                   </p:stCondLst>
@@ -4444,21 +5150,30 @@
                             </p:childTnLst>
                           </p:cTn>
                         </p:par>
+                      </p:childTnLst>
+                    </p:cTn>
+                  </p:par>
+                  <p:par>
+                    <p:cTn id="8" fill="hold">
+                      <p:stCondLst>
+                        <p:cond delay="indefinite"/>
+                      </p:stCondLst>
+                      <p:childTnLst>
                         <p:par>
-                          <p:cTn id="8" fill="hold">
+                          <p:cTn id="9" fill="hold">
                             <p:stCondLst>
-                              <p:cond delay="500"/>
+                              <p:cond delay="0"/>
                             </p:stCondLst>
                             <p:childTnLst>
                               <p:par>
-                                <p:cTn id="9" presetID="1" presetClass="exit" presetSubtype="0" fill="hold" grpId="1" nodeType="afterEffect">
+                                <p:cTn id="10" presetID="1" presetClass="exit" presetSubtype="0" fill="hold" grpId="1" nodeType="clickEffect">
                                   <p:stCondLst>
-                                    <p:cond delay="5000"/>
+                                    <p:cond delay="0"/>
                                   </p:stCondLst>
                                   <p:childTnLst>
                                     <p:set>
                                       <p:cBhvr>
-                                        <p:cTn id="10" dur="1" fill="hold">
+                                        <p:cTn id="11" dur="1" fill="hold">
                                           <p:stCondLst>
                                             <p:cond delay="0"/>
                                           </p:stCondLst>
@@ -4477,17 +5192,8 @@
                                   </p:childTnLst>
                                 </p:cTn>
                               </p:par>
-                            </p:childTnLst>
-                          </p:cTn>
-                        </p:par>
-                        <p:par>
-                          <p:cTn id="11" fill="hold">
-                            <p:stCondLst>
-                              <p:cond delay="5500"/>
-                            </p:stCondLst>
-                            <p:childTnLst>
                               <p:par>
-                                <p:cTn id="12" presetID="14" presetClass="entr" presetSubtype="10" fill="hold" grpId="0" nodeType="afterEffect">
+                                <p:cTn id="12" presetID="3" presetClass="entr" presetSubtype="10" fill="hold" grpId="0" nodeType="withEffect">
                                   <p:stCondLst>
                                     <p:cond delay="0"/>
                                   </p:stCondLst>
@@ -4510,7 +5216,7 @@
                                         <p:strVal val="visible"/>
                                       </p:to>
                                     </p:set>
-                                    <p:animEffect transition="in" filter="randombar(horizontal)">
+                                    <p:animEffect transition="in" filter="blinds(horizontal)">
                                       <p:cBhvr>
                                         <p:cTn id="14" dur="500"/>
                                         <p:tgtEl>
@@ -4576,17 +5282,17 @@
       </p:grpSpPr>
       <p:pic>
         <p:nvPicPr>
-          <p:cNvPr id="2050" name="Picture 2"/>
+          <p:cNvPr id="2050" name="center pic"/>
           <p:cNvPicPr>
             <a:picLocks noChangeAspect="1" noChangeArrowheads="1"/>
           </p:cNvPicPr>
           <p:nvPr/>
         </p:nvPicPr>
         <p:blipFill>
-          <a:blip r:embed="rId2" cstate="screen">
+          <a:blip r:embed="rId3" cstate="screen">
             <a:extLst>
               <a:ext uri="{28A0092B-C50C-407E-A947-70E740481C1C}">
-                <a14:useLocalDpi xmlns="" xmlns:a14="http://schemas.microsoft.com/office/drawing/2010/main" val="0"/>
+                <a14:useLocalDpi xmlns:a14="http://schemas.microsoft.com/office/drawing/2010/main" xmlns="" val="0"/>
               </a:ext>
             </a:extLst>
           </a:blip>
@@ -4610,14 +5316,14 @@
           <a:effectLst/>
           <a:extLst>
             <a:ext uri="{909E8E84-426E-40DD-AFC4-6F175D3DCCD1}">
-              <a14:hiddenFill xmlns="" xmlns:a14="http://schemas.microsoft.com/office/drawing/2010/main">
+              <a14:hiddenFill xmlns:a14="http://schemas.microsoft.com/office/drawing/2010/main" xmlns="">
                 <a:solidFill>
                   <a:schemeClr val="accent1"/>
                 </a:solidFill>
               </a14:hiddenFill>
             </a:ext>
             <a:ext uri="{91240B29-F687-4F45-9708-019B960494DF}">
-              <a14:hiddenLine xmlns="" xmlns:a14="http://schemas.microsoft.com/office/drawing/2010/main" w="9525">
+              <a14:hiddenLine xmlns:a14="http://schemas.microsoft.com/office/drawing/2010/main" xmlns="" w="9525">
                 <a:solidFill>
                   <a:schemeClr val="tx1"/>
                 </a:solidFill>
@@ -4627,7 +5333,7 @@
               </a14:hiddenLine>
             </a:ext>
             <a:ext uri="{AF507438-7753-43E0-B8FC-AC1667EBCBE1}">
-              <a14:hiddenEffects xmlns="" xmlns:a14="http://schemas.microsoft.com/office/drawing/2010/main">
+              <a14:hiddenEffects xmlns:a14="http://schemas.microsoft.com/office/drawing/2010/main" xmlns="">
                 <a:effectLst>
                   <a:outerShdw dist="35921" dir="2700000" algn="ctr" rotWithShape="0">
                     <a:schemeClr val="bg2"/>
@@ -4638,272 +5344,16 @@
           </a:extLst>
         </p:spPr>
       </p:pic>
-      <p:pic>
-        <p:nvPicPr>
-          <p:cNvPr id="2052" name="Picture 4"/>
-          <p:cNvPicPr>
-            <a:picLocks noChangeAspect="1" noChangeArrowheads="1"/>
-          </p:cNvPicPr>
-          <p:nvPr/>
-        </p:nvPicPr>
-        <p:blipFill>
-          <a:blip r:embed="rId3" cstate="screen">
-            <a:extLst>
-              <a:ext uri="{28A0092B-C50C-407E-A947-70E740481C1C}">
-                <a14:useLocalDpi xmlns="" xmlns:a14="http://schemas.microsoft.com/office/drawing/2010/main" val="0"/>
-              </a:ext>
-            </a:extLst>
-          </a:blip>
-          <a:srcRect/>
-          <a:stretch>
-            <a:fillRect/>
-          </a:stretch>
-        </p:blipFill>
-        <p:spPr bwMode="auto">
-          <a:xfrm>
-            <a:off x="1381919" y="1266825"/>
-            <a:ext cx="1440000" cy="1084082"/>
-          </a:xfrm>
-          <a:prstGeom prst="rect">
-            <a:avLst/>
-          </a:prstGeom>
-          <a:noFill/>
-          <a:ln>
-            <a:noFill/>
-          </a:ln>
-          <a:effectLst/>
-          <a:extLst>
-            <a:ext uri="{909E8E84-426E-40DD-AFC4-6F175D3DCCD1}">
-              <a14:hiddenFill xmlns="" xmlns:a14="http://schemas.microsoft.com/office/drawing/2010/main">
-                <a:solidFill>
-                  <a:schemeClr val="accent1"/>
-                </a:solidFill>
-              </a14:hiddenFill>
-            </a:ext>
-            <a:ext uri="{91240B29-F687-4F45-9708-019B960494DF}">
-              <a14:hiddenLine xmlns="" xmlns:a14="http://schemas.microsoft.com/office/drawing/2010/main" w="9525">
-                <a:solidFill>
-                  <a:schemeClr val="tx1"/>
-                </a:solidFill>
-                <a:miter lim="800000"/>
-                <a:headEnd/>
-                <a:tailEnd/>
-              </a14:hiddenLine>
-            </a:ext>
-            <a:ext uri="{AF507438-7753-43E0-B8FC-AC1667EBCBE1}">
-              <a14:hiddenEffects xmlns="" xmlns:a14="http://schemas.microsoft.com/office/drawing/2010/main">
-                <a:effectLst>
-                  <a:outerShdw dist="35921" dir="2700000" algn="ctr" rotWithShape="0">
-                    <a:schemeClr val="bg2"/>
-                  </a:outerShdw>
-                </a:effectLst>
-              </a14:hiddenEffects>
-            </a:ext>
-          </a:extLst>
-        </p:spPr>
-      </p:pic>
-      <p:pic>
-        <p:nvPicPr>
-          <p:cNvPr id="2053" name="Picture 5"/>
-          <p:cNvPicPr>
-            <a:picLocks noChangeAspect="1" noChangeArrowheads="1"/>
-          </p:cNvPicPr>
-          <p:nvPr/>
-        </p:nvPicPr>
-        <p:blipFill>
-          <a:blip r:embed="rId4" cstate="screen">
-            <a:extLst>
-              <a:ext uri="{28A0092B-C50C-407E-A947-70E740481C1C}">
-                <a14:useLocalDpi xmlns="" xmlns:a14="http://schemas.microsoft.com/office/drawing/2010/main" val="0"/>
-              </a:ext>
-            </a:extLst>
-          </a:blip>
-          <a:srcRect/>
-          <a:stretch>
-            <a:fillRect/>
-          </a:stretch>
-        </p:blipFill>
-        <p:spPr bwMode="auto">
-          <a:xfrm>
-            <a:off x="7096919" y="1114425"/>
-            <a:ext cx="1440000" cy="1140891"/>
-          </a:xfrm>
-          <a:prstGeom prst="rect">
-            <a:avLst/>
-          </a:prstGeom>
-          <a:noFill/>
-          <a:ln>
-            <a:noFill/>
-          </a:ln>
-          <a:effectLst/>
-          <a:extLst>
-            <a:ext uri="{909E8E84-426E-40DD-AFC4-6F175D3DCCD1}">
-              <a14:hiddenFill xmlns="" xmlns:a14="http://schemas.microsoft.com/office/drawing/2010/main">
-                <a:solidFill>
-                  <a:schemeClr val="accent1"/>
-                </a:solidFill>
-              </a14:hiddenFill>
-            </a:ext>
-            <a:ext uri="{91240B29-F687-4F45-9708-019B960494DF}">
-              <a14:hiddenLine xmlns="" xmlns:a14="http://schemas.microsoft.com/office/drawing/2010/main" w="9525">
-                <a:solidFill>
-                  <a:schemeClr val="tx1"/>
-                </a:solidFill>
-                <a:miter lim="800000"/>
-                <a:headEnd/>
-                <a:tailEnd/>
-              </a14:hiddenLine>
-            </a:ext>
-            <a:ext uri="{AF507438-7753-43E0-B8FC-AC1667EBCBE1}">
-              <a14:hiddenEffects xmlns="" xmlns:a14="http://schemas.microsoft.com/office/drawing/2010/main">
-                <a:effectLst>
-                  <a:outerShdw dist="35921" dir="2700000" algn="ctr" rotWithShape="0">
-                    <a:schemeClr val="bg2"/>
-                  </a:outerShdw>
-                </a:effectLst>
-              </a14:hiddenEffects>
-            </a:ext>
-          </a:extLst>
-        </p:spPr>
-      </p:pic>
-      <p:pic>
-        <p:nvPicPr>
-          <p:cNvPr id="2054" name="Picture 6"/>
-          <p:cNvPicPr>
-            <a:picLocks noChangeAspect="1" noChangeArrowheads="1"/>
-          </p:cNvPicPr>
-          <p:nvPr/>
-        </p:nvPicPr>
-        <p:blipFill>
-          <a:blip r:embed="rId5" cstate="screen">
-            <a:extLst>
-              <a:ext uri="{28A0092B-C50C-407E-A947-70E740481C1C}">
-                <a14:useLocalDpi xmlns="" xmlns:a14="http://schemas.microsoft.com/office/drawing/2010/main" val="0"/>
-              </a:ext>
-            </a:extLst>
-          </a:blip>
-          <a:srcRect/>
-          <a:stretch>
-            <a:fillRect/>
-          </a:stretch>
-        </p:blipFill>
-        <p:spPr bwMode="auto">
-          <a:xfrm>
-            <a:off x="1534319" y="4467225"/>
-            <a:ext cx="1584349" cy="990599"/>
-          </a:xfrm>
-          <a:prstGeom prst="rect">
-            <a:avLst/>
-          </a:prstGeom>
-          <a:noFill/>
-          <a:ln>
-            <a:noFill/>
-          </a:ln>
-          <a:effectLst/>
-          <a:extLst>
-            <a:ext uri="{909E8E84-426E-40DD-AFC4-6F175D3DCCD1}">
-              <a14:hiddenFill xmlns="" xmlns:a14="http://schemas.microsoft.com/office/drawing/2010/main">
-                <a:solidFill>
-                  <a:schemeClr val="accent1"/>
-                </a:solidFill>
-              </a14:hiddenFill>
-            </a:ext>
-            <a:ext uri="{91240B29-F687-4F45-9708-019B960494DF}">
-              <a14:hiddenLine xmlns="" xmlns:a14="http://schemas.microsoft.com/office/drawing/2010/main" w="9525">
-                <a:solidFill>
-                  <a:schemeClr val="tx1"/>
-                </a:solidFill>
-                <a:miter lim="800000"/>
-                <a:headEnd/>
-                <a:tailEnd/>
-              </a14:hiddenLine>
-            </a:ext>
-            <a:ext uri="{AF507438-7753-43E0-B8FC-AC1667EBCBE1}">
-              <a14:hiddenEffects xmlns="" xmlns:a14="http://schemas.microsoft.com/office/drawing/2010/main">
-                <a:effectLst>
-                  <a:outerShdw dist="35921" dir="2700000" algn="ctr" rotWithShape="0">
-                    <a:schemeClr val="bg2"/>
-                  </a:outerShdw>
-                </a:effectLst>
-              </a14:hiddenEffects>
-            </a:ext>
-          </a:extLst>
-        </p:spPr>
-      </p:pic>
-      <p:pic>
-        <p:nvPicPr>
-          <p:cNvPr id="2055" name="Picture 7"/>
-          <p:cNvPicPr>
-            <a:picLocks noChangeAspect="1" noChangeArrowheads="1"/>
-          </p:cNvPicPr>
-          <p:nvPr/>
-        </p:nvPicPr>
-        <p:blipFill>
-          <a:blip r:embed="rId6" cstate="screen">
-            <a:extLst>
-              <a:ext uri="{28A0092B-C50C-407E-A947-70E740481C1C}">
-                <a14:useLocalDpi xmlns="" xmlns:a14="http://schemas.microsoft.com/office/drawing/2010/main" val="0"/>
-              </a:ext>
-            </a:extLst>
-          </a:blip>
-          <a:srcRect/>
-          <a:stretch>
-            <a:fillRect/>
-          </a:stretch>
-        </p:blipFill>
-        <p:spPr bwMode="auto">
-          <a:xfrm>
-            <a:off x="7037451" y="4545409"/>
-            <a:ext cx="1630189" cy="1080000"/>
-          </a:xfrm>
-          <a:prstGeom prst="rect">
-            <a:avLst/>
-          </a:prstGeom>
-          <a:noFill/>
-          <a:ln>
-            <a:noFill/>
-          </a:ln>
-          <a:effectLst/>
-          <a:extLst>
-            <a:ext uri="{909E8E84-426E-40DD-AFC4-6F175D3DCCD1}">
-              <a14:hiddenFill xmlns="" xmlns:a14="http://schemas.microsoft.com/office/drawing/2010/main">
-                <a:solidFill>
-                  <a:schemeClr val="accent1"/>
-                </a:solidFill>
-              </a14:hiddenFill>
-            </a:ext>
-            <a:ext uri="{91240B29-F687-4F45-9708-019B960494DF}">
-              <a14:hiddenLine xmlns="" xmlns:a14="http://schemas.microsoft.com/office/drawing/2010/main" w="9525">
-                <a:solidFill>
-                  <a:schemeClr val="tx1"/>
-                </a:solidFill>
-                <a:miter lim="800000"/>
-                <a:headEnd/>
-                <a:tailEnd/>
-              </a14:hiddenLine>
-            </a:ext>
-            <a:ext uri="{AF507438-7753-43E0-B8FC-AC1667EBCBE1}">
-              <a14:hiddenEffects xmlns="" xmlns:a14="http://schemas.microsoft.com/office/drawing/2010/main">
-                <a:effectLst>
-                  <a:outerShdw dist="35921" dir="2700000" algn="ctr" rotWithShape="0">
-                    <a:schemeClr val="bg2"/>
-                  </a:outerShdw>
-                </a:effectLst>
-              </a14:hiddenEffects>
-            </a:ext>
-          </a:extLst>
-        </p:spPr>
-      </p:pic>
-      <p:sp>
-        <p:nvSpPr>
-          <p:cNvPr id="17" name="Rectangle 16"/>
+      <p:sp>
+        <p:nvSpPr>
+          <p:cNvPr id="17" name="bg"/>
           <p:cNvSpPr/>
           <p:nvPr/>
         </p:nvSpPr>
         <p:spPr>
           <a:xfrm>
-            <a:off x="0" y="6883539"/>
-            <a:ext cx="10688228" cy="707886"/>
+            <a:off x="0" y="6600825"/>
+            <a:ext cx="10688228" cy="990600"/>
           </a:xfrm>
           <a:prstGeom prst="rect">
             <a:avLst/>
@@ -4932,60 +5382,35 @@
           <a:bodyPr rtlCol="0" anchor="ctr"/>
           <a:lstStyle/>
           <a:p>
-            <a:pPr algn="ctr"/>
-            <a:endParaRPr lang="en-US" altLang="ko-KR" dirty="0">
-              <a:ea typeface="굴림" charset="-127"/>
-              <a:cs typeface="Arial" charset="0"/>
-            </a:endParaRPr>
-          </a:p>
-        </p:txBody>
-      </p:sp>
-      <p:sp>
-        <p:nvSpPr>
-          <p:cNvPr id="3" name="Rectangle 2"/>
-          <p:cNvSpPr/>
-          <p:nvPr/>
-        </p:nvSpPr>
-        <p:spPr>
-          <a:xfrm>
-            <a:off x="233993" y="7037427"/>
-            <a:ext cx="8042651" cy="400110"/>
-          </a:xfrm>
-          <a:prstGeom prst="rect">
-            <a:avLst/>
-          </a:prstGeom>
-        </p:spPr>
-        <p:txBody>
-          <a:bodyPr wrap="none">
-            <a:spAutoFit/>
-          </a:bodyPr>
-          <a:lstStyle/>
-          <a:p>
-            <a:r>
-              <a:rPr lang="en-US" altLang="zh-CN" dirty="0">
+            <a:r>
+              <a:rPr lang="en-GB" dirty="0" smtClean="0">
                 <a:solidFill>
                   <a:schemeClr val="bg1"/>
                 </a:solidFill>
               </a:rPr>
-              <a:t>Our users are from AO </a:t>
-            </a:r>
-            <a:r>
-              <a:rPr lang="en-US" altLang="zh-CN" dirty="0" smtClean="0">
+              <a:t>Currently the biggest problems they are facing are unnecessarily heavy manual data input and </a:t>
+            </a:r>
+          </a:p>
+          <a:p>
+            <a:r>
+              <a:rPr lang="en-GB" dirty="0" smtClean="0">
                 <a:solidFill>
                   <a:schemeClr val="bg1"/>
                 </a:solidFill>
               </a:rPr>
-              <a:t>department. The </a:t>
-            </a:r>
-            <a:r>
-              <a:rPr lang="en-US" altLang="zh-CN" dirty="0">
+              <a:t>checking tasks, communication with stakeholders, a lack of a unique e-form application and </a:t>
+            </a:r>
+          </a:p>
+          <a:p>
+            <a:r>
+              <a:rPr lang="en-GB" dirty="0" smtClean="0">
                 <a:solidFill>
                   <a:schemeClr val="bg1"/>
                 </a:solidFill>
               </a:rPr>
-              <a:t>big problem what they are facing is</a:t>
-            </a:r>
-            <a:endParaRPr lang="zh-CN" altLang="en-US" dirty="0">
+              <a:t>risk of manual mistakes.</a:t>
+            </a:r>
+            <a:endParaRPr lang="en-GB" dirty="0">
               <a:solidFill>
                 <a:schemeClr val="bg1"/>
               </a:solidFill>
@@ -4993,399 +5418,655 @@
           </a:p>
         </p:txBody>
       </p:sp>
-      <p:sp>
-        <p:nvSpPr>
-          <p:cNvPr id="6" name="Oval Callout 5"/>
-          <p:cNvSpPr/>
+      <p:grpSp>
+        <p:nvGrpSpPr>
+          <p:cNvPr id="15" name="Group 14"/>
+          <p:cNvGrpSpPr/>
           <p:nvPr/>
-        </p:nvSpPr>
-        <p:spPr>
+        </p:nvGrpSpPr>
+        <p:grpSpPr>
           <a:xfrm>
             <a:off x="6565858" y="657225"/>
             <a:ext cx="2573377" cy="1761623"/>
+            <a:chOff x="6565858" y="657225"/>
+            <a:chExt cx="2573377" cy="1761623"/>
           </a:xfrm>
-          <a:prstGeom prst="wedgeEllipseCallout">
-            <a:avLst>
-              <a:gd name="adj1" fmla="val -56065"/>
-              <a:gd name="adj2" fmla="val 74233"/>
-            </a:avLst>
-          </a:prstGeom>
-          <a:noFill/>
-          <a:ln>
-            <a:solidFill>
+        </p:grpSpPr>
+        <p:pic>
+          <p:nvPicPr>
+            <p:cNvPr id="2053" name="Picture 5"/>
+            <p:cNvPicPr>
+              <a:picLocks noChangeAspect="1" noChangeArrowheads="1"/>
+            </p:cNvPicPr>
+            <p:nvPr/>
+          </p:nvPicPr>
+          <p:blipFill>
+            <a:blip r:embed="rId4" cstate="screen">
+              <a:extLst>
+                <a:ext uri="{28A0092B-C50C-407E-A947-70E740481C1C}">
+                  <a14:useLocalDpi xmlns:a14="http://schemas.microsoft.com/office/drawing/2010/main" xmlns="" val="0"/>
+                </a:ext>
+              </a:extLst>
+            </a:blip>
+            <a:srcRect/>
+            <a:stretch>
+              <a:fillRect/>
+            </a:stretch>
+          </p:blipFill>
+          <p:spPr bwMode="auto">
+            <a:xfrm>
+              <a:off x="7096919" y="1114425"/>
+              <a:ext cx="1440000" cy="1140891"/>
+            </a:xfrm>
+            <a:prstGeom prst="rect">
+              <a:avLst/>
+            </a:prstGeom>
+            <a:noFill/>
+            <a:ln>
+              <a:noFill/>
+            </a:ln>
+            <a:effectLst/>
+            <a:extLst>
+              <a:ext uri="{909E8E84-426E-40DD-AFC4-6F175D3DCCD1}">
+                <a14:hiddenFill xmlns:a14="http://schemas.microsoft.com/office/drawing/2010/main" xmlns="">
+                  <a:solidFill>
+                    <a:schemeClr val="accent1"/>
+                  </a:solidFill>
+                </a14:hiddenFill>
+              </a:ext>
+              <a:ext uri="{91240B29-F687-4F45-9708-019B960494DF}">
+                <a14:hiddenLine xmlns:a14="http://schemas.microsoft.com/office/drawing/2010/main" xmlns="" w="9525">
+                  <a:solidFill>
+                    <a:schemeClr val="tx1"/>
+                  </a:solidFill>
+                  <a:miter lim="800000"/>
+                  <a:headEnd/>
+                  <a:tailEnd/>
+                </a14:hiddenLine>
+              </a:ext>
+              <a:ext uri="{AF507438-7753-43E0-B8FC-AC1667EBCBE1}">
+                <a14:hiddenEffects xmlns:a14="http://schemas.microsoft.com/office/drawing/2010/main" xmlns="">
+                  <a:effectLst>
+                    <a:outerShdw dist="35921" dir="2700000" algn="ctr" rotWithShape="0">
+                      <a:schemeClr val="bg2"/>
+                    </a:outerShdw>
+                  </a:effectLst>
+                </a14:hiddenEffects>
+              </a:ext>
+            </a:extLst>
+          </p:spPr>
+        </p:pic>
+        <p:sp>
+          <p:nvSpPr>
+            <p:cNvPr id="6" name="Oval Callout 5"/>
+            <p:cNvSpPr/>
+            <p:nvPr/>
+          </p:nvSpPr>
+          <p:spPr>
+            <a:xfrm>
+              <a:off x="6565858" y="657225"/>
+              <a:ext cx="2573377" cy="1761623"/>
+            </a:xfrm>
+            <a:prstGeom prst="wedgeEllipseCallout">
+              <a:avLst>
+                <a:gd name="adj1" fmla="val -56065"/>
+                <a:gd name="adj2" fmla="val 74233"/>
+              </a:avLst>
+            </a:prstGeom>
+            <a:noFill/>
+            <a:ln>
+              <a:solidFill>
+                <a:schemeClr val="accent1"/>
+              </a:solidFill>
+            </a:ln>
+          </p:spPr>
+          <p:style>
+            <a:lnRef idx="2">
+              <a:schemeClr val="accent1">
+                <a:shade val="50000"/>
+              </a:schemeClr>
+            </a:lnRef>
+            <a:fillRef idx="1">
               <a:schemeClr val="accent1"/>
-            </a:solidFill>
-          </a:ln>
-        </p:spPr>
-        <p:style>
-          <a:lnRef idx="2">
-            <a:schemeClr val="accent1">
-              <a:shade val="50000"/>
-            </a:schemeClr>
-          </a:lnRef>
-          <a:fillRef idx="1">
-            <a:schemeClr val="accent1"/>
-          </a:fillRef>
-          <a:effectRef idx="0">
-            <a:schemeClr val="accent1"/>
-          </a:effectRef>
-          <a:fontRef idx="minor">
-            <a:schemeClr val="lt1"/>
-          </a:fontRef>
-        </p:style>
-        <p:txBody>
-          <a:bodyPr rtlCol="0" anchor="ctr"/>
-          <a:lstStyle/>
-          <a:p>
-            <a:pPr algn="ctr"/>
-            <a:r>
-              <a:rPr lang="en-US" altLang="zh-CN" dirty="0" smtClean="0">
+            </a:fillRef>
+            <a:effectRef idx="0">
+              <a:schemeClr val="accent1"/>
+            </a:effectRef>
+            <a:fontRef idx="minor">
+              <a:schemeClr val="lt1"/>
+            </a:fontRef>
+          </p:style>
+          <p:txBody>
+            <a:bodyPr rtlCol="0" anchor="ctr"/>
+            <a:lstStyle/>
+            <a:p>
+              <a:pPr algn="ctr"/>
+              <a:r>
+                <a:rPr lang="en-US" altLang="zh-CN" dirty="0" smtClean="0">
+                  <a:solidFill>
+                    <a:srgbClr val="FF0000"/>
+                  </a:solidFill>
+                </a:rPr>
+                <a:t>Communication</a:t>
+              </a:r>
+            </a:p>
+            <a:p>
+              <a:pPr algn="ctr"/>
+              <a:endParaRPr lang="en-US" altLang="zh-CN" dirty="0" smtClean="0"/>
+            </a:p>
+            <a:p>
+              <a:pPr algn="ctr"/>
+              <a:endParaRPr lang="en-US" altLang="zh-CN" dirty="0" smtClean="0"/>
+            </a:p>
+            <a:p>
+              <a:pPr algn="ctr"/>
+              <a:endParaRPr lang="en-US" altLang="zh-CN" dirty="0" smtClean="0"/>
+            </a:p>
+            <a:p>
+              <a:pPr algn="ctr"/>
+              <a:endParaRPr lang="zh-CN" altLang="en-US" dirty="0"/>
+            </a:p>
+          </p:txBody>
+        </p:sp>
+      </p:grpSp>
+      <p:grpSp>
+        <p:nvGrpSpPr>
+          <p:cNvPr id="14" name="Group 13"/>
+          <p:cNvGrpSpPr/>
+          <p:nvPr/>
+        </p:nvGrpSpPr>
+        <p:grpSpPr>
+          <a:xfrm>
+            <a:off x="772319" y="809626"/>
+            <a:ext cx="2573377" cy="1609224"/>
+            <a:chOff x="772319" y="809626"/>
+            <a:chExt cx="2573377" cy="1609224"/>
+          </a:xfrm>
+        </p:grpSpPr>
+        <p:pic>
+          <p:nvPicPr>
+            <p:cNvPr id="2052" name="Picture 4"/>
+            <p:cNvPicPr>
+              <a:picLocks noChangeAspect="1" noChangeArrowheads="1"/>
+            </p:cNvPicPr>
+            <p:nvPr/>
+          </p:nvPicPr>
+          <p:blipFill>
+            <a:blip r:embed="rId5" cstate="screen">
+              <a:extLst>
+                <a:ext uri="{28A0092B-C50C-407E-A947-70E740481C1C}">
+                  <a14:useLocalDpi xmlns:a14="http://schemas.microsoft.com/office/drawing/2010/main" xmlns="" val="0"/>
+                </a:ext>
+              </a:extLst>
+            </a:blip>
+            <a:srcRect/>
+            <a:stretch>
+              <a:fillRect/>
+            </a:stretch>
+          </p:blipFill>
+          <p:spPr bwMode="auto">
+            <a:xfrm>
+              <a:off x="1381919" y="1266825"/>
+              <a:ext cx="1440000" cy="1084082"/>
+            </a:xfrm>
+            <a:prstGeom prst="rect">
+              <a:avLst/>
+            </a:prstGeom>
+            <a:noFill/>
+            <a:ln>
+              <a:noFill/>
+            </a:ln>
+            <a:effectLst/>
+            <a:extLst>
+              <a:ext uri="{909E8E84-426E-40DD-AFC4-6F175D3DCCD1}">
+                <a14:hiddenFill xmlns:a14="http://schemas.microsoft.com/office/drawing/2010/main" xmlns="">
+                  <a:solidFill>
+                    <a:schemeClr val="accent1"/>
+                  </a:solidFill>
+                </a14:hiddenFill>
+              </a:ext>
+              <a:ext uri="{91240B29-F687-4F45-9708-019B960494DF}">
+                <a14:hiddenLine xmlns:a14="http://schemas.microsoft.com/office/drawing/2010/main" xmlns="" w="9525">
+                  <a:solidFill>
+                    <a:schemeClr val="tx1"/>
+                  </a:solidFill>
+                  <a:miter lim="800000"/>
+                  <a:headEnd/>
+                  <a:tailEnd/>
+                </a14:hiddenLine>
+              </a:ext>
+              <a:ext uri="{AF507438-7753-43E0-B8FC-AC1667EBCBE1}">
+                <a14:hiddenEffects xmlns:a14="http://schemas.microsoft.com/office/drawing/2010/main" xmlns="">
+                  <a:effectLst>
+                    <a:outerShdw dist="35921" dir="2700000" algn="ctr" rotWithShape="0">
+                      <a:schemeClr val="bg2"/>
+                    </a:outerShdw>
+                  </a:effectLst>
+                </a14:hiddenEffects>
+              </a:ext>
+            </a:extLst>
+          </p:spPr>
+        </p:pic>
+        <p:sp>
+          <p:nvSpPr>
+            <p:cNvPr id="22" name="Oval Callout 21"/>
+            <p:cNvSpPr/>
+            <p:nvPr/>
+          </p:nvSpPr>
+          <p:spPr>
+            <a:xfrm>
+              <a:off x="772319" y="809626"/>
+              <a:ext cx="2573377" cy="1609224"/>
+            </a:xfrm>
+            <a:prstGeom prst="wedgeEllipseCallout">
+              <a:avLst>
+                <a:gd name="adj1" fmla="val 69781"/>
+                <a:gd name="adj2" fmla="val 86203"/>
+              </a:avLst>
+            </a:prstGeom>
+            <a:noFill/>
+            <a:ln>
+              <a:solidFill>
+                <a:schemeClr val="accent1"/>
+              </a:solidFill>
+            </a:ln>
+          </p:spPr>
+          <p:style>
+            <a:lnRef idx="2">
+              <a:schemeClr val="accent1">
+                <a:shade val="50000"/>
+              </a:schemeClr>
+            </a:lnRef>
+            <a:fillRef idx="1">
+              <a:schemeClr val="accent1"/>
+            </a:fillRef>
+            <a:effectRef idx="0">
+              <a:schemeClr val="accent1"/>
+            </a:effectRef>
+            <a:fontRef idx="minor">
+              <a:schemeClr val="lt1"/>
+            </a:fontRef>
+          </p:style>
+          <p:txBody>
+            <a:bodyPr rtlCol="0" anchor="ctr"/>
+            <a:lstStyle/>
+            <a:p>
+              <a:pPr algn="ctr"/>
+              <a:r>
+                <a:rPr lang="en-US" altLang="zh-CN" dirty="0" smtClean="0">
+                  <a:solidFill>
+                    <a:srgbClr val="FF0000"/>
+                  </a:solidFill>
+                </a:rPr>
+                <a:t>Manual Operation</a:t>
+              </a:r>
+            </a:p>
+            <a:p>
+              <a:pPr algn="ctr"/>
+              <a:endParaRPr lang="en-US" altLang="zh-CN" dirty="0" smtClean="0">
                 <a:solidFill>
                   <a:srgbClr val="FFC000"/>
                 </a:solidFill>
-              </a:rPr>
-              <a:t>Communication</a:t>
-            </a:r>
-          </a:p>
-          <a:p>
-            <a:pPr algn="ctr"/>
-            <a:endParaRPr lang="en-US" altLang="zh-CN" dirty="0" smtClean="0"/>
-          </a:p>
-          <a:p>
-            <a:pPr algn="ctr"/>
-            <a:endParaRPr lang="en-US" altLang="zh-CN" dirty="0" smtClean="0"/>
-          </a:p>
-          <a:p>
-            <a:pPr algn="ctr"/>
-            <a:endParaRPr lang="en-US" altLang="zh-CN" dirty="0" smtClean="0"/>
-          </a:p>
-          <a:p>
-            <a:pPr algn="ctr"/>
-            <a:endParaRPr lang="zh-CN" altLang="en-US" dirty="0"/>
-          </a:p>
-        </p:txBody>
-      </p:sp>
-      <p:sp>
-        <p:nvSpPr>
-          <p:cNvPr id="22" name="Oval Callout 21"/>
-          <p:cNvSpPr/>
-          <p:nvPr/>
-        </p:nvSpPr>
-        <p:spPr>
-          <a:xfrm>
-            <a:off x="772319" y="809626"/>
-            <a:ext cx="2573377" cy="1609224"/>
-          </a:xfrm>
-          <a:prstGeom prst="wedgeEllipseCallout">
-            <a:avLst>
-              <a:gd name="adj1" fmla="val 63859"/>
-              <a:gd name="adj2" fmla="val 81783"/>
-            </a:avLst>
-          </a:prstGeom>
-          <a:noFill/>
-          <a:ln>
-            <a:solidFill>
-              <a:schemeClr val="accent1"/>
-            </a:solidFill>
-          </a:ln>
-        </p:spPr>
-        <p:style>
-          <a:lnRef idx="2">
-            <a:schemeClr val="accent1">
-              <a:shade val="50000"/>
-            </a:schemeClr>
-          </a:lnRef>
-          <a:fillRef idx="1">
-            <a:schemeClr val="accent1"/>
-          </a:fillRef>
-          <a:effectRef idx="0">
-            <a:schemeClr val="accent1"/>
-          </a:effectRef>
-          <a:fontRef idx="minor">
-            <a:schemeClr val="lt1"/>
-          </a:fontRef>
-        </p:style>
-        <p:txBody>
-          <a:bodyPr rtlCol="0" anchor="ctr"/>
-          <a:lstStyle/>
-          <a:p>
-            <a:pPr algn="ctr"/>
-            <a:r>
-              <a:rPr lang="en-US" altLang="zh-CN" dirty="0" smtClean="0">
+              </a:endParaRPr>
+            </a:p>
+            <a:p>
+              <a:pPr algn="ctr"/>
+              <a:endParaRPr lang="en-US" altLang="zh-CN" dirty="0" smtClean="0">
                 <a:solidFill>
                   <a:srgbClr val="FFC000"/>
                 </a:solidFill>
-              </a:rPr>
-              <a:t>Manual Operation</a:t>
-            </a:r>
-          </a:p>
-          <a:p>
-            <a:pPr algn="ctr"/>
-            <a:endParaRPr lang="en-US" altLang="zh-CN" dirty="0" smtClean="0">
-              <a:solidFill>
-                <a:srgbClr val="FFC000"/>
-              </a:solidFill>
-            </a:endParaRPr>
-          </a:p>
-          <a:p>
-            <a:pPr algn="ctr"/>
-            <a:endParaRPr lang="en-US" altLang="zh-CN" dirty="0" smtClean="0">
-              <a:solidFill>
-                <a:srgbClr val="FFC000"/>
-              </a:solidFill>
-            </a:endParaRPr>
-          </a:p>
-          <a:p>
-            <a:pPr algn="ctr"/>
-            <a:endParaRPr lang="en-US" altLang="zh-CN" dirty="0" smtClean="0">
-              <a:solidFill>
-                <a:srgbClr val="FFC000"/>
-              </a:solidFill>
-            </a:endParaRPr>
-          </a:p>
-        </p:txBody>
-      </p:sp>
-      <p:sp>
-        <p:nvSpPr>
-          <p:cNvPr id="23" name="Oval Callout 22"/>
-          <p:cNvSpPr/>
+              </a:endParaRPr>
+            </a:p>
+            <a:p>
+              <a:pPr algn="ctr"/>
+              <a:endParaRPr lang="en-US" altLang="zh-CN" dirty="0" smtClean="0">
+                <a:solidFill>
+                  <a:srgbClr val="FFC000"/>
+                </a:solidFill>
+              </a:endParaRPr>
+            </a:p>
+          </p:txBody>
+        </p:sp>
+      </p:grpSp>
+      <p:grpSp>
+        <p:nvGrpSpPr>
+          <p:cNvPr id="16" name="Group 15"/>
+          <p:cNvGrpSpPr/>
           <p:nvPr/>
-        </p:nvSpPr>
-        <p:spPr>
+        </p:nvGrpSpPr>
+        <p:grpSpPr>
           <a:xfrm>
             <a:off x="848519" y="4446650"/>
             <a:ext cx="2819400" cy="1620775"/>
+            <a:chOff x="848519" y="4446650"/>
+            <a:chExt cx="2819400" cy="1620775"/>
           </a:xfrm>
-          <a:prstGeom prst="wedgeEllipseCallout">
-            <a:avLst>
-              <a:gd name="adj1" fmla="val 60404"/>
-              <a:gd name="adj2" fmla="val -72047"/>
-            </a:avLst>
-          </a:prstGeom>
-          <a:noFill/>
-          <a:ln>
-            <a:solidFill>
+        </p:grpSpPr>
+        <p:pic>
+          <p:nvPicPr>
+            <p:cNvPr id="2054" name="Picture 6"/>
+            <p:cNvPicPr>
+              <a:picLocks noChangeAspect="1" noChangeArrowheads="1"/>
+            </p:cNvPicPr>
+            <p:nvPr/>
+          </p:nvPicPr>
+          <p:blipFill>
+            <a:blip r:embed="rId6" cstate="screen">
+              <a:extLst>
+                <a:ext uri="{28A0092B-C50C-407E-A947-70E740481C1C}">
+                  <a14:useLocalDpi xmlns:a14="http://schemas.microsoft.com/office/drawing/2010/main" xmlns="" val="0"/>
+                </a:ext>
+              </a:extLst>
+            </a:blip>
+            <a:srcRect/>
+            <a:stretch>
+              <a:fillRect/>
+            </a:stretch>
+          </p:blipFill>
+          <p:spPr bwMode="auto">
+            <a:xfrm>
+              <a:off x="1534319" y="4543425"/>
+              <a:ext cx="1584349" cy="914399"/>
+            </a:xfrm>
+            <a:prstGeom prst="rect">
+              <a:avLst/>
+            </a:prstGeom>
+            <a:noFill/>
+            <a:ln>
+              <a:noFill/>
+            </a:ln>
+            <a:effectLst/>
+            <a:extLst>
+              <a:ext uri="{909E8E84-426E-40DD-AFC4-6F175D3DCCD1}">
+                <a14:hiddenFill xmlns:a14="http://schemas.microsoft.com/office/drawing/2010/main" xmlns="">
+                  <a:solidFill>
+                    <a:schemeClr val="accent1"/>
+                  </a:solidFill>
+                </a14:hiddenFill>
+              </a:ext>
+              <a:ext uri="{91240B29-F687-4F45-9708-019B960494DF}">
+                <a14:hiddenLine xmlns:a14="http://schemas.microsoft.com/office/drawing/2010/main" xmlns="" w="9525">
+                  <a:solidFill>
+                    <a:schemeClr val="tx1"/>
+                  </a:solidFill>
+                  <a:miter lim="800000"/>
+                  <a:headEnd/>
+                  <a:tailEnd/>
+                </a14:hiddenLine>
+              </a:ext>
+              <a:ext uri="{AF507438-7753-43E0-B8FC-AC1667EBCBE1}">
+                <a14:hiddenEffects xmlns:a14="http://schemas.microsoft.com/office/drawing/2010/main" xmlns="">
+                  <a:effectLst>
+                    <a:outerShdw dist="35921" dir="2700000" algn="ctr" rotWithShape="0">
+                      <a:schemeClr val="bg2"/>
+                    </a:outerShdw>
+                  </a:effectLst>
+                </a14:hiddenEffects>
+              </a:ext>
+            </a:extLst>
+          </p:spPr>
+        </p:pic>
+        <p:sp>
+          <p:nvSpPr>
+            <p:cNvPr id="23" name="Oval Callout 22"/>
+            <p:cNvSpPr/>
+            <p:nvPr/>
+          </p:nvSpPr>
+          <p:spPr>
+            <a:xfrm>
+              <a:off x="848519" y="4446650"/>
+              <a:ext cx="2819400" cy="1620775"/>
+            </a:xfrm>
+            <a:prstGeom prst="wedgeEllipseCallout">
+              <a:avLst>
+                <a:gd name="adj1" fmla="val 56800"/>
+                <a:gd name="adj2" fmla="val -68286"/>
+              </a:avLst>
+            </a:prstGeom>
+            <a:noFill/>
+            <a:ln>
+              <a:solidFill>
+                <a:schemeClr val="accent1"/>
+              </a:solidFill>
+            </a:ln>
+          </p:spPr>
+          <p:style>
+            <a:lnRef idx="2">
+              <a:schemeClr val="accent1">
+                <a:shade val="50000"/>
+              </a:schemeClr>
+            </a:lnRef>
+            <a:fillRef idx="1">
               <a:schemeClr val="accent1"/>
-            </a:solidFill>
-          </a:ln>
-        </p:spPr>
-        <p:style>
-          <a:lnRef idx="2">
-            <a:schemeClr val="accent1">
-              <a:shade val="50000"/>
-            </a:schemeClr>
-          </a:lnRef>
-          <a:fillRef idx="1">
-            <a:schemeClr val="accent1"/>
-          </a:fillRef>
-          <a:effectRef idx="0">
-            <a:schemeClr val="accent1"/>
-          </a:effectRef>
-          <a:fontRef idx="minor">
-            <a:schemeClr val="lt1"/>
-          </a:fontRef>
-        </p:style>
-        <p:txBody>
-          <a:bodyPr rtlCol="0" anchor="ctr"/>
-          <a:lstStyle/>
-          <a:p>
-            <a:pPr algn="ctr"/>
-            <a:endParaRPr lang="en-US" altLang="zh-CN" dirty="0" smtClean="0"/>
-          </a:p>
-          <a:p>
-            <a:pPr algn="ctr"/>
-            <a:endParaRPr lang="en-US" altLang="zh-CN" dirty="0" smtClean="0"/>
-          </a:p>
-          <a:p>
-            <a:pPr algn="ctr"/>
-            <a:endParaRPr lang="en-US" altLang="zh-CN" dirty="0" smtClean="0"/>
-          </a:p>
-          <a:p>
-            <a:pPr algn="ctr"/>
-            <a:r>
-              <a:rPr lang="en-US" altLang="zh-CN" dirty="0" smtClean="0">
+            </a:fillRef>
+            <a:effectRef idx="0">
+              <a:schemeClr val="accent1"/>
+            </a:effectRef>
+            <a:fontRef idx="minor">
+              <a:schemeClr val="lt1"/>
+            </a:fontRef>
+          </p:style>
+          <p:txBody>
+            <a:bodyPr rtlCol="0" anchor="ctr"/>
+            <a:lstStyle/>
+            <a:p>
+              <a:pPr algn="ctr"/>
+              <a:endParaRPr lang="en-US" altLang="zh-CN" dirty="0" smtClean="0"/>
+            </a:p>
+            <a:p>
+              <a:pPr algn="ctr"/>
+              <a:endParaRPr lang="en-US" altLang="zh-CN" dirty="0" smtClean="0"/>
+            </a:p>
+            <a:p>
+              <a:pPr algn="ctr"/>
+              <a:endParaRPr lang="en-US" altLang="zh-CN" dirty="0" smtClean="0"/>
+            </a:p>
+            <a:p>
+              <a:pPr algn="ctr"/>
+              <a:r>
+                <a:rPr lang="en-US" altLang="zh-CN" dirty="0" smtClean="0">
+                  <a:solidFill>
+                    <a:srgbClr val="FF0000"/>
+                  </a:solidFill>
+                </a:rPr>
+                <a:t>No e-form </a:t>
+              </a:r>
+              <a:r>
+                <a:rPr lang="en-US" altLang="zh-CN" dirty="0" smtClean="0">
+                  <a:solidFill>
+                    <a:srgbClr val="FF0000"/>
+                  </a:solidFill>
+                </a:rPr>
+                <a:t>Application</a:t>
+              </a:r>
+              <a:endParaRPr lang="zh-CN" altLang="en-US" dirty="0">
+                <a:solidFill>
+                  <a:srgbClr val="FF0000"/>
+                </a:solidFill>
+              </a:endParaRPr>
+            </a:p>
+          </p:txBody>
+        </p:sp>
+      </p:grpSp>
+      <p:grpSp>
+        <p:nvGrpSpPr>
+          <p:cNvPr id="18" name="Group 17"/>
+          <p:cNvGrpSpPr/>
+          <p:nvPr/>
+        </p:nvGrpSpPr>
+        <p:grpSpPr>
+          <a:xfrm>
+            <a:off x="6580940" y="4443775"/>
+            <a:ext cx="2573377" cy="1699850"/>
+            <a:chOff x="6580940" y="4443775"/>
+            <a:chExt cx="2573377" cy="1699850"/>
+          </a:xfrm>
+        </p:grpSpPr>
+        <p:pic>
+          <p:nvPicPr>
+            <p:cNvPr id="2055" name="Picture 7"/>
+            <p:cNvPicPr>
+              <a:picLocks noChangeAspect="1" noChangeArrowheads="1"/>
+            </p:cNvPicPr>
+            <p:nvPr/>
+          </p:nvPicPr>
+          <p:blipFill>
+            <a:blip r:embed="rId7" cstate="screen">
+              <a:extLst>
+                <a:ext uri="{28A0092B-C50C-407E-A947-70E740481C1C}">
+                  <a14:useLocalDpi xmlns:a14="http://schemas.microsoft.com/office/drawing/2010/main" xmlns="" val="0"/>
+                </a:ext>
+              </a:extLst>
+            </a:blip>
+            <a:srcRect/>
+            <a:stretch>
+              <a:fillRect/>
+            </a:stretch>
+          </p:blipFill>
+          <p:spPr bwMode="auto">
+            <a:xfrm>
+              <a:off x="7020719" y="4606425"/>
+              <a:ext cx="1630189" cy="1080000"/>
+            </a:xfrm>
+            <a:prstGeom prst="rect">
+              <a:avLst/>
+            </a:prstGeom>
+            <a:noFill/>
+            <a:ln>
+              <a:noFill/>
+            </a:ln>
+            <a:effectLst/>
+            <a:extLst>
+              <a:ext uri="{909E8E84-426E-40DD-AFC4-6F175D3DCCD1}">
+                <a14:hiddenFill xmlns:a14="http://schemas.microsoft.com/office/drawing/2010/main" xmlns="">
+                  <a:solidFill>
+                    <a:schemeClr val="accent1"/>
+                  </a:solidFill>
+                </a14:hiddenFill>
+              </a:ext>
+              <a:ext uri="{91240B29-F687-4F45-9708-019B960494DF}">
+                <a14:hiddenLine xmlns:a14="http://schemas.microsoft.com/office/drawing/2010/main" xmlns="" w="9525">
+                  <a:solidFill>
+                    <a:schemeClr val="tx1"/>
+                  </a:solidFill>
+                  <a:miter lim="800000"/>
+                  <a:headEnd/>
+                  <a:tailEnd/>
+                </a14:hiddenLine>
+              </a:ext>
+              <a:ext uri="{AF507438-7753-43E0-B8FC-AC1667EBCBE1}">
+                <a14:hiddenEffects xmlns:a14="http://schemas.microsoft.com/office/drawing/2010/main" xmlns="">
+                  <a:effectLst>
+                    <a:outerShdw dist="35921" dir="2700000" algn="ctr" rotWithShape="0">
+                      <a:schemeClr val="bg2"/>
+                    </a:outerShdw>
+                  </a:effectLst>
+                </a14:hiddenEffects>
+              </a:ext>
+            </a:extLst>
+          </p:spPr>
+        </p:pic>
+        <p:sp>
+          <p:nvSpPr>
+            <p:cNvPr id="24" name="Oval Callout 23"/>
+            <p:cNvSpPr/>
+            <p:nvPr/>
+          </p:nvSpPr>
+          <p:spPr>
+            <a:xfrm>
+              <a:off x="6580940" y="4443775"/>
+              <a:ext cx="2573377" cy="1699850"/>
+            </a:xfrm>
+            <a:prstGeom prst="wedgeEllipseCallout">
+              <a:avLst>
+                <a:gd name="adj1" fmla="val -55078"/>
+                <a:gd name="adj2" fmla="val -63554"/>
+              </a:avLst>
+            </a:prstGeom>
+            <a:noFill/>
+            <a:ln>
+              <a:solidFill>
+                <a:schemeClr val="accent1"/>
+              </a:solidFill>
+            </a:ln>
+          </p:spPr>
+          <p:style>
+            <a:lnRef idx="2">
+              <a:schemeClr val="accent1">
+                <a:shade val="50000"/>
+              </a:schemeClr>
+            </a:lnRef>
+            <a:fillRef idx="1">
+              <a:schemeClr val="accent1"/>
+            </a:fillRef>
+            <a:effectRef idx="0">
+              <a:schemeClr val="accent1"/>
+            </a:effectRef>
+            <a:fontRef idx="minor">
+              <a:schemeClr val="lt1"/>
+            </a:fontRef>
+          </p:style>
+          <p:txBody>
+            <a:bodyPr rtlCol="0" anchor="ctr"/>
+            <a:lstStyle/>
+            <a:p>
+              <a:pPr algn="ctr"/>
+              <a:endParaRPr lang="en-US" altLang="zh-CN" dirty="0" smtClean="0">
                 <a:solidFill>
                   <a:srgbClr val="FFC000"/>
                 </a:solidFill>
-              </a:rPr>
-              <a:t>No e-form template</a:t>
-            </a:r>
-            <a:endParaRPr lang="zh-CN" altLang="en-US" dirty="0">
-              <a:solidFill>
-                <a:srgbClr val="FFC000"/>
-              </a:solidFill>
-            </a:endParaRPr>
-          </a:p>
-        </p:txBody>
-      </p:sp>
-      <p:sp>
-        <p:nvSpPr>
-          <p:cNvPr id="24" name="Oval Callout 23"/>
-          <p:cNvSpPr/>
-          <p:nvPr/>
-        </p:nvSpPr>
-        <p:spPr>
-          <a:xfrm>
-            <a:off x="6580940" y="4443775"/>
-            <a:ext cx="2573377" cy="1699850"/>
-          </a:xfrm>
-          <a:prstGeom prst="wedgeEllipseCallout">
-            <a:avLst>
-              <a:gd name="adj1" fmla="val -55078"/>
-              <a:gd name="adj2" fmla="val -63554"/>
-            </a:avLst>
-          </a:prstGeom>
-          <a:noFill/>
-          <a:ln>
-            <a:solidFill>
-              <a:schemeClr val="accent1"/>
-            </a:solidFill>
-          </a:ln>
-        </p:spPr>
-        <p:style>
-          <a:lnRef idx="2">
-            <a:schemeClr val="accent1">
-              <a:shade val="50000"/>
-            </a:schemeClr>
-          </a:lnRef>
-          <a:fillRef idx="1">
-            <a:schemeClr val="accent1"/>
-          </a:fillRef>
-          <a:effectRef idx="0">
-            <a:schemeClr val="accent1"/>
-          </a:effectRef>
-          <a:fontRef idx="minor">
-            <a:schemeClr val="lt1"/>
-          </a:fontRef>
-        </p:style>
-        <p:txBody>
-          <a:bodyPr rtlCol="0" anchor="ctr"/>
-          <a:lstStyle/>
-          <a:p>
-            <a:pPr algn="ctr"/>
-            <a:endParaRPr lang="en-US" altLang="zh-CN" dirty="0" smtClean="0">
-              <a:solidFill>
-                <a:srgbClr val="FFC000"/>
-              </a:solidFill>
-            </a:endParaRPr>
-          </a:p>
-          <a:p>
-            <a:pPr algn="ctr"/>
-            <a:endParaRPr lang="en-US" altLang="zh-CN" dirty="0" smtClean="0">
-              <a:solidFill>
-                <a:srgbClr val="FFC000"/>
-              </a:solidFill>
-            </a:endParaRPr>
-          </a:p>
-          <a:p>
-            <a:pPr algn="ctr"/>
-            <a:endParaRPr lang="en-US" altLang="zh-CN" dirty="0" smtClean="0">
-              <a:solidFill>
-                <a:srgbClr val="FFC000"/>
-              </a:solidFill>
-            </a:endParaRPr>
-          </a:p>
-          <a:p>
-            <a:pPr algn="ctr"/>
-            <a:r>
-              <a:rPr lang="en-US" altLang="zh-CN" dirty="0" smtClean="0">
+              </a:endParaRPr>
+            </a:p>
+            <a:p>
+              <a:pPr algn="ctr"/>
+              <a:endParaRPr lang="en-US" altLang="zh-CN" dirty="0" smtClean="0">
                 <a:solidFill>
                   <a:srgbClr val="FFC000"/>
                 </a:solidFill>
-              </a:rPr>
-              <a:t>Manual Risk</a:t>
-            </a:r>
-            <a:endParaRPr lang="zh-CN" altLang="en-US" dirty="0">
-              <a:solidFill>
-                <a:srgbClr val="FFC000"/>
-              </a:solidFill>
-            </a:endParaRPr>
-          </a:p>
-        </p:txBody>
-      </p:sp>
-      <p:sp>
-        <p:nvSpPr>
-          <p:cNvPr id="25" name="Rectangle 24"/>
-          <p:cNvSpPr/>
-          <p:nvPr/>
-        </p:nvSpPr>
-        <p:spPr>
-          <a:xfrm>
-            <a:off x="177130" y="6883539"/>
-            <a:ext cx="9301905" cy="707886"/>
-          </a:xfrm>
-          <a:prstGeom prst="rect">
-            <a:avLst/>
-          </a:prstGeom>
-        </p:spPr>
-        <p:txBody>
-          <a:bodyPr wrap="none">
-            <a:spAutoFit/>
-          </a:bodyPr>
-          <a:lstStyle/>
-          <a:p>
-            <a:r>
-              <a:rPr lang="en-US" altLang="zh-CN">
+              </a:endParaRPr>
+            </a:p>
+            <a:p>
+              <a:pPr algn="ctr"/>
+              <a:endParaRPr lang="en-US" altLang="zh-CN" dirty="0" smtClean="0">
                 <a:solidFill>
-                  <a:schemeClr val="bg1"/>
+                  <a:srgbClr val="FFC000"/>
                 </a:solidFill>
-              </a:rPr>
-              <a:t>so </a:t>
-            </a:r>
-            <a:r>
-              <a:rPr lang="en-US" altLang="zh-CN" smtClean="0">
+              </a:endParaRPr>
+            </a:p>
+            <a:p>
+              <a:pPr algn="ctr"/>
+              <a:endParaRPr lang="en-US" altLang="zh-CN" dirty="0" smtClean="0">
                 <a:solidFill>
-                  <a:schemeClr val="bg1"/>
+                  <a:srgbClr val="FFC000"/>
                 </a:solidFill>
-              </a:rPr>
-              <a:t>heavy </a:t>
-            </a:r>
-            <a:r>
-              <a:rPr lang="en-US" altLang="zh-CN" dirty="0">
+              </a:endParaRPr>
+            </a:p>
+            <a:p>
+              <a:pPr algn="ctr"/>
+              <a:r>
+                <a:rPr lang="en-US" altLang="zh-CN" dirty="0" smtClean="0">
+                  <a:solidFill>
+                    <a:srgbClr val="FF0000"/>
+                  </a:solidFill>
+                </a:rPr>
+                <a:t>Manual Risk</a:t>
+              </a:r>
+              <a:endParaRPr lang="zh-CN" altLang="en-US" dirty="0">
                 <a:solidFill>
-                  <a:schemeClr val="bg1"/>
+                  <a:srgbClr val="FF0000"/>
                 </a:solidFill>
-              </a:rPr>
-              <a:t>manual operation, communicate with vendor, no unique e-form template and </a:t>
-            </a:r>
-            <a:endParaRPr lang="en-US" altLang="zh-CN" dirty="0" smtClean="0">
-              <a:solidFill>
-                <a:schemeClr val="bg1"/>
-              </a:solidFill>
-            </a:endParaRPr>
-          </a:p>
-          <a:p>
-            <a:r>
-              <a:rPr lang="en-US" altLang="zh-CN" dirty="0" smtClean="0">
-                <a:solidFill>
-                  <a:schemeClr val="bg1"/>
-                </a:solidFill>
-              </a:rPr>
-              <a:t>risk </a:t>
-            </a:r>
-            <a:r>
-              <a:rPr lang="en-US" altLang="zh-CN" dirty="0">
-                <a:solidFill>
-                  <a:schemeClr val="bg1"/>
-                </a:solidFill>
-              </a:rPr>
-              <a:t>of manual mistake.</a:t>
-            </a:r>
-            <a:endParaRPr lang="zh-CN" altLang="en-US" dirty="0">
-              <a:solidFill>
-                <a:schemeClr val="bg1"/>
-              </a:solidFill>
-            </a:endParaRPr>
-          </a:p>
-        </p:txBody>
-      </p:sp>
+              </a:endParaRPr>
+            </a:p>
+          </p:txBody>
+        </p:sp>
+      </p:grpSp>
     </p:spTree>
   </p:cSld>
   <p:clrMapOvr>
     <a:masterClrMapping/>
   </p:clrMapOvr>
   <mc:AlternateContent xmlns:mc="http://schemas.openxmlformats.org/markup-compatibility/2006">
-    <mc:Choice xmlns="" xmlns:p14="http://schemas.microsoft.com/office/powerpoint/2010/main" Requires="p14">
+    <mc:Choice xmlns:p14="http://schemas.microsoft.com/office/powerpoint/2010/main" xmlns="" Requires="p14">
       <p:transition spd="slow" p14:dur="2000"/>
     </mc:Choice>
     <mc:Fallback>
@@ -5404,9 +6085,6 @@
                     <p:cTn id="3" fill="hold">
                       <p:stCondLst>
                         <p:cond delay="indefinite"/>
-                        <p:cond evt="onBegin" delay="0">
-                          <p:tn val="2"/>
-                        </p:cond>
                       </p:stCondLst>
                       <p:childTnLst>
                         <p:par>
@@ -5416,7 +6094,7 @@
                             </p:stCondLst>
                             <p:childTnLst>
                               <p:par>
-                                <p:cTn id="5" presetID="10" presetClass="entr" presetSubtype="0" fill="hold" nodeType="withEffect">
+                                <p:cTn id="5" presetID="5" presetClass="entr" presetSubtype="10" fill="hold" nodeType="clickEffect">
                                   <p:stCondLst>
                                     <p:cond delay="0"/>
                                   </p:stCondLst>
@@ -5429,7 +6107,7 @@
                                           </p:stCondLst>
                                         </p:cTn>
                                         <p:tgtEl>
-                                          <p:spTgt spid="2050"/>
+                                          <p:spTgt spid="14"/>
                                         </p:tgtEl>
                                         <p:attrNameLst>
                                           <p:attrName>style.visibility</p:attrName>
@@ -5439,32 +6117,50 @@
                                         <p:strVal val="visible"/>
                                       </p:to>
                                     </p:set>
-                                    <p:animEffect transition="in" filter="fade">
+                                    <p:animEffect transition="in" filter="checkerboard(across)">
                                       <p:cBhvr>
                                         <p:cTn id="7" dur="500"/>
                                         <p:tgtEl>
-                                          <p:spTgt spid="2050"/>
+                                          <p:spTgt spid="14"/>
                                         </p:tgtEl>
                                       </p:cBhvr>
                                     </p:animEffect>
                                   </p:childTnLst>
                                 </p:cTn>
                               </p:par>
+                            </p:childTnLst>
+                          </p:cTn>
+                        </p:par>
+                      </p:childTnLst>
+                    </p:cTn>
+                  </p:par>
+                  <p:par>
+                    <p:cTn id="8" fill="hold">
+                      <p:stCondLst>
+                        <p:cond delay="indefinite"/>
+                      </p:stCondLst>
+                      <p:childTnLst>
+                        <p:par>
+                          <p:cTn id="9" fill="hold">
+                            <p:stCondLst>
+                              <p:cond delay="0"/>
+                            </p:stCondLst>
+                            <p:childTnLst>
                               <p:par>
-                                <p:cTn id="8" presetID="14" presetClass="entr" presetSubtype="10" fill="hold" grpId="0" nodeType="withEffect">
+                                <p:cTn id="10" presetID="2" presetClass="entr" presetSubtype="4" fill="hold" nodeType="clickEffect">
                                   <p:stCondLst>
                                     <p:cond delay="0"/>
                                   </p:stCondLst>
                                   <p:childTnLst>
                                     <p:set>
                                       <p:cBhvr>
-                                        <p:cTn id="9" dur="1" fill="hold">
+                                        <p:cTn id="11" dur="1" fill="hold">
                                           <p:stCondLst>
                                             <p:cond delay="0"/>
                                           </p:stCondLst>
                                         </p:cTn>
                                         <p:tgtEl>
-                                          <p:spTgt spid="3"/>
+                                          <p:spTgt spid="15"/>
                                         </p:tgtEl>
                                         <p:attrNameLst>
                                           <p:attrName>style.visibility</p:attrName>
@@ -5474,11 +6170,102 @@
                                         <p:strVal val="visible"/>
                                       </p:to>
                                     </p:set>
-                                    <p:animEffect transition="in" filter="randombar(horizontal)">
+                                    <p:anim calcmode="lin" valueType="num">
+                                      <p:cBhvr additive="base">
+                                        <p:cTn id="12" dur="500" fill="hold"/>
+                                        <p:tgtEl>
+                                          <p:spTgt spid="15"/>
+                                        </p:tgtEl>
+                                        <p:attrNameLst>
+                                          <p:attrName>ppt_x</p:attrName>
+                                        </p:attrNameLst>
+                                      </p:cBhvr>
+                                      <p:tavLst>
+                                        <p:tav tm="0">
+                                          <p:val>
+                                            <p:strVal val="#ppt_x"/>
+                                          </p:val>
+                                        </p:tav>
+                                        <p:tav tm="100000">
+                                          <p:val>
+                                            <p:strVal val="#ppt_x"/>
+                                          </p:val>
+                                        </p:tav>
+                                      </p:tavLst>
+                                    </p:anim>
+                                    <p:anim calcmode="lin" valueType="num">
+                                      <p:cBhvr additive="base">
+                                        <p:cTn id="13" dur="500" fill="hold"/>
+                                        <p:tgtEl>
+                                          <p:spTgt spid="15"/>
+                                        </p:tgtEl>
+                                        <p:attrNameLst>
+                                          <p:attrName>ppt_y</p:attrName>
+                                        </p:attrNameLst>
+                                      </p:cBhvr>
+                                      <p:tavLst>
+                                        <p:tav tm="0">
+                                          <p:val>
+                                            <p:strVal val="1+#ppt_h/2"/>
+                                          </p:val>
+                                        </p:tav>
+                                        <p:tav tm="100000">
+                                          <p:val>
+                                            <p:strVal val="#ppt_y"/>
+                                          </p:val>
+                                        </p:tav>
+                                      </p:tavLst>
+                                    </p:anim>
+                                  </p:childTnLst>
+                                </p:cTn>
+                              </p:par>
+                            </p:childTnLst>
+                          </p:cTn>
+                        </p:par>
+                      </p:childTnLst>
+                    </p:cTn>
+                  </p:par>
+                  <p:par>
+                    <p:cTn id="14" fill="hold">
+                      <p:stCondLst>
+                        <p:cond delay="indefinite"/>
+                      </p:stCondLst>
+                      <p:childTnLst>
+                        <p:par>
+                          <p:cTn id="15" fill="hold">
+                            <p:stCondLst>
+                              <p:cond delay="0"/>
+                            </p:stCondLst>
+                            <p:childTnLst>
+                              <p:par>
+                                <p:cTn id="16" presetID="12" presetClass="entr" presetSubtype="4" fill="hold" nodeType="clickEffect">
+                                  <p:stCondLst>
+                                    <p:cond delay="0"/>
+                                  </p:stCondLst>
+                                  <p:childTnLst>
+                                    <p:set>
                                       <p:cBhvr>
-                                        <p:cTn id="10" dur="500"/>
+                                        <p:cTn id="17" dur="1" fill="hold">
+                                          <p:stCondLst>
+                                            <p:cond delay="0"/>
+                                          </p:stCondLst>
+                                        </p:cTn>
                                         <p:tgtEl>
-                                          <p:spTgt spid="3"/>
+                                          <p:spTgt spid="16"/>
+                                        </p:tgtEl>
+                                        <p:attrNameLst>
+                                          <p:attrName>style.visibility</p:attrName>
+                                        </p:attrNameLst>
+                                      </p:cBhvr>
+                                      <p:to>
+                                        <p:strVal val="visible"/>
+                                      </p:to>
+                                    </p:set>
+                                    <p:animEffect transition="in" filter="slide(fromBottom)">
+                                      <p:cBhvr>
+                                        <p:cTn id="18" dur="500"/>
+                                        <p:tgtEl>
+                                          <p:spTgt spid="16"/>
                                         </p:tgtEl>
                                       </p:cBhvr>
                                     </p:animEffect>
@@ -5488,120 +6275,23 @@
                             </p:childTnLst>
                           </p:cTn>
                         </p:par>
+                      </p:childTnLst>
+                    </p:cTn>
+                  </p:par>
+                  <p:par>
+                    <p:cTn id="19" fill="hold">
+                      <p:stCondLst>
+                        <p:cond delay="indefinite"/>
+                      </p:stCondLst>
+                      <p:childTnLst>
                         <p:par>
-                          <p:cTn id="11" fill="hold">
+                          <p:cTn id="20" fill="hold">
                             <p:stCondLst>
-                              <p:cond delay="500"/>
+                              <p:cond delay="0"/>
                             </p:stCondLst>
                             <p:childTnLst>
                               <p:par>
-                                <p:cTn id="12" presetID="1" presetClass="exit" presetSubtype="0" fill="hold" grpId="1" nodeType="afterEffect">
-                                  <p:stCondLst>
-                                    <p:cond delay="5000"/>
-                                  </p:stCondLst>
-                                  <p:childTnLst>
-                                    <p:set>
-                                      <p:cBhvr>
-                                        <p:cTn id="13" dur="1" fill="hold">
-                                          <p:stCondLst>
-                                            <p:cond delay="0"/>
-                                          </p:stCondLst>
-                                        </p:cTn>
-                                        <p:tgtEl>
-                                          <p:spTgt spid="3"/>
-                                        </p:tgtEl>
-                                        <p:attrNameLst>
-                                          <p:attrName>style.visibility</p:attrName>
-                                        </p:attrNameLst>
-                                      </p:cBhvr>
-                                      <p:to>
-                                        <p:strVal val="hidden"/>
-                                      </p:to>
-                                    </p:set>
-                                  </p:childTnLst>
-                                </p:cTn>
-                              </p:par>
-                            </p:childTnLst>
-                          </p:cTn>
-                        </p:par>
-                        <p:par>
-                          <p:cTn id="14" fill="hold">
-                            <p:stCondLst>
-                              <p:cond delay="5500"/>
-                            </p:stCondLst>
-                            <p:childTnLst>
-                              <p:par>
-                                <p:cTn id="15" presetID="16" presetClass="entr" presetSubtype="21" fill="hold" grpId="0" nodeType="afterEffect">
-                                  <p:stCondLst>
-                                    <p:cond delay="0"/>
-                                  </p:stCondLst>
-                                  <p:childTnLst>
-                                    <p:set>
-                                      <p:cBhvr>
-                                        <p:cTn id="16" dur="1" fill="hold">
-                                          <p:stCondLst>
-                                            <p:cond delay="0"/>
-                                          </p:stCondLst>
-                                        </p:cTn>
-                                        <p:tgtEl>
-                                          <p:spTgt spid="22"/>
-                                        </p:tgtEl>
-                                        <p:attrNameLst>
-                                          <p:attrName>style.visibility</p:attrName>
-                                        </p:attrNameLst>
-                                      </p:cBhvr>
-                                      <p:to>
-                                        <p:strVal val="visible"/>
-                                      </p:to>
-                                    </p:set>
-                                    <p:animEffect transition="in" filter="barn(inVertical)">
-                                      <p:cBhvr>
-                                        <p:cTn id="17" dur="500"/>
-                                        <p:tgtEl>
-                                          <p:spTgt spid="22"/>
-                                        </p:tgtEl>
-                                      </p:cBhvr>
-                                    </p:animEffect>
-                                  </p:childTnLst>
-                                </p:cTn>
-                              </p:par>
-                              <p:par>
-                                <p:cTn id="18" presetID="16" presetClass="entr" presetSubtype="21" fill="hold" nodeType="withEffect">
-                                  <p:stCondLst>
-                                    <p:cond delay="0"/>
-                                  </p:stCondLst>
-                                  <p:childTnLst>
-                                    <p:set>
-                                      <p:cBhvr>
-                                        <p:cTn id="19" dur="1" fill="hold">
-                                          <p:stCondLst>
-                                            <p:cond delay="0"/>
-                                          </p:stCondLst>
-                                        </p:cTn>
-                                        <p:tgtEl>
-                                          <p:spTgt spid="2052"/>
-                                        </p:tgtEl>
-                                        <p:attrNameLst>
-                                          <p:attrName>style.visibility</p:attrName>
-                                        </p:attrNameLst>
-                                      </p:cBhvr>
-                                      <p:to>
-                                        <p:strVal val="visible"/>
-                                      </p:to>
-                                    </p:set>
-                                    <p:animEffect transition="in" filter="barn(inVertical)">
-                                      <p:cBhvr>
-                                        <p:cTn id="20" dur="500"/>
-                                        <p:tgtEl>
-                                          <p:spTgt spid="2052"/>
-                                        </p:tgtEl>
-                                      </p:cBhvr>
-                                    </p:animEffect>
-                                  </p:childTnLst>
-                                </p:cTn>
-                              </p:par>
-                              <p:par>
-                                <p:cTn id="21" presetID="14" presetClass="entr" presetSubtype="10" fill="hold" grpId="0" nodeType="withEffect">
+                                <p:cTn id="21" presetID="14" presetClass="entr" presetSubtype="10" fill="hold" nodeType="clickEffect">
                                   <p:stCondLst>
                                     <p:cond delay="0"/>
                                   </p:stCondLst>
@@ -5614,7 +6304,7 @@
                                           </p:stCondLst>
                                         </p:cTn>
                                         <p:tgtEl>
-                                          <p:spTgt spid="25"/>
+                                          <p:spTgt spid="18"/>
                                         </p:tgtEl>
                                         <p:attrNameLst>
                                           <p:attrName>style.visibility</p:attrName>
@@ -5628,235 +6318,7 @@
                                       <p:cBhvr>
                                         <p:cTn id="23" dur="500"/>
                                         <p:tgtEl>
-                                          <p:spTgt spid="25"/>
-                                        </p:tgtEl>
-                                      </p:cBhvr>
-                                    </p:animEffect>
-                                  </p:childTnLst>
-                                </p:cTn>
-                              </p:par>
-                              <p:par>
-                                <p:cTn id="24" presetID="16" presetClass="entr" presetSubtype="21" fill="hold" nodeType="withEffect">
-                                  <p:stCondLst>
-                                    <p:cond delay="3000"/>
-                                  </p:stCondLst>
-                                  <p:childTnLst>
-                                    <p:set>
-                                      <p:cBhvr>
-                                        <p:cTn id="25" dur="1" fill="hold">
-                                          <p:stCondLst>
-                                            <p:cond delay="0"/>
-                                          </p:stCondLst>
-                                        </p:cTn>
-                                        <p:tgtEl>
-                                          <p:spTgt spid="2053"/>
-                                        </p:tgtEl>
-                                        <p:attrNameLst>
-                                          <p:attrName>style.visibility</p:attrName>
-                                        </p:attrNameLst>
-                                      </p:cBhvr>
-                                      <p:to>
-                                        <p:strVal val="visible"/>
-                                      </p:to>
-                                    </p:set>
-                                    <p:animEffect transition="in" filter="barn(inVertical)">
-                                      <p:cBhvr>
-                                        <p:cTn id="26" dur="500"/>
-                                        <p:tgtEl>
-                                          <p:spTgt spid="2053"/>
-                                        </p:tgtEl>
-                                      </p:cBhvr>
-                                    </p:animEffect>
-                                  </p:childTnLst>
-                                </p:cTn>
-                              </p:par>
-                              <p:par>
-                                <p:cTn id="27" presetID="16" presetClass="entr" presetSubtype="21" fill="hold" grpId="0" nodeType="withEffect">
-                                  <p:stCondLst>
-                                    <p:cond delay="3000"/>
-                                  </p:stCondLst>
-                                  <p:childTnLst>
-                                    <p:set>
-                                      <p:cBhvr>
-                                        <p:cTn id="28" dur="1" fill="hold">
-                                          <p:stCondLst>
-                                            <p:cond delay="0"/>
-                                          </p:stCondLst>
-                                        </p:cTn>
-                                        <p:tgtEl>
-                                          <p:spTgt spid="6"/>
-                                        </p:tgtEl>
-                                        <p:attrNameLst>
-                                          <p:attrName>style.visibility</p:attrName>
-                                        </p:attrNameLst>
-                                      </p:cBhvr>
-                                      <p:to>
-                                        <p:strVal val="visible"/>
-                                      </p:to>
-                                    </p:set>
-                                    <p:animEffect transition="in" filter="barn(inVertical)">
-                                      <p:cBhvr>
-                                        <p:cTn id="29" dur="500"/>
-                                        <p:tgtEl>
-                                          <p:spTgt spid="6"/>
-                                        </p:tgtEl>
-                                      </p:cBhvr>
-                                    </p:animEffect>
-                                  </p:childTnLst>
-                                </p:cTn>
-                              </p:par>
-                            </p:childTnLst>
-                          </p:cTn>
-                        </p:par>
-                        <p:par>
-                          <p:cTn id="30" fill="hold">
-                            <p:stCondLst>
-                              <p:cond delay="9000"/>
-                            </p:stCondLst>
-                            <p:childTnLst>
-                              <p:par>
-                                <p:cTn id="31" presetID="16" presetClass="entr" presetSubtype="21" fill="hold" nodeType="afterEffect">
-                                  <p:stCondLst>
-                                    <p:cond delay="2000"/>
-                                  </p:stCondLst>
-                                  <p:childTnLst>
-                                    <p:set>
-                                      <p:cBhvr>
-                                        <p:cTn id="32" dur="1" fill="hold">
-                                          <p:stCondLst>
-                                            <p:cond delay="0"/>
-                                          </p:stCondLst>
-                                        </p:cTn>
-                                        <p:tgtEl>
-                                          <p:spTgt spid="2054"/>
-                                        </p:tgtEl>
-                                        <p:attrNameLst>
-                                          <p:attrName>style.visibility</p:attrName>
-                                        </p:attrNameLst>
-                                      </p:cBhvr>
-                                      <p:to>
-                                        <p:strVal val="visible"/>
-                                      </p:to>
-                                    </p:set>
-                                    <p:animEffect transition="in" filter="barn(inVertical)">
-                                      <p:cBhvr>
-                                        <p:cTn id="33" dur="500"/>
-                                        <p:tgtEl>
-                                          <p:spTgt spid="2054"/>
-                                        </p:tgtEl>
-                                      </p:cBhvr>
-                                    </p:animEffect>
-                                  </p:childTnLst>
-                                </p:cTn>
-                              </p:par>
-                              <p:par>
-                                <p:cTn id="34" presetID="16" presetClass="entr" presetSubtype="21" fill="hold" grpId="0" nodeType="withEffect">
-                                  <p:stCondLst>
-                                    <p:cond delay="2000"/>
-                                  </p:stCondLst>
-                                  <p:childTnLst>
-                                    <p:set>
-                                      <p:cBhvr>
-                                        <p:cTn id="35" dur="1" fill="hold">
-                                          <p:stCondLst>
-                                            <p:cond delay="0"/>
-                                          </p:stCondLst>
-                                        </p:cTn>
-                                        <p:tgtEl>
-                                          <p:spTgt spid="23"/>
-                                        </p:tgtEl>
-                                        <p:attrNameLst>
-                                          <p:attrName>style.visibility</p:attrName>
-                                        </p:attrNameLst>
-                                      </p:cBhvr>
-                                      <p:to>
-                                        <p:strVal val="visible"/>
-                                      </p:to>
-                                    </p:set>
-                                    <p:animEffect transition="in" filter="barn(inVertical)">
-                                      <p:cBhvr>
-                                        <p:cTn id="36" dur="500"/>
-                                        <p:tgtEl>
-                                          <p:spTgt spid="23"/>
-                                        </p:tgtEl>
-                                      </p:cBhvr>
-                                    </p:animEffect>
-                                  </p:childTnLst>
-                                </p:cTn>
-                              </p:par>
-                            </p:childTnLst>
-                          </p:cTn>
-                        </p:par>
-                        <p:par>
-                          <p:cTn id="37" fill="hold">
-                            <p:stCondLst>
-                              <p:cond delay="11500"/>
-                            </p:stCondLst>
-                            <p:childTnLst>
-                              <p:par>
-                                <p:cTn id="38" presetID="16" presetClass="entr" presetSubtype="21" fill="hold" grpId="0" nodeType="afterEffect">
-                                  <p:stCondLst>
-                                    <p:cond delay="3000"/>
-                                  </p:stCondLst>
-                                  <p:childTnLst>
-                                    <p:set>
-                                      <p:cBhvr>
-                                        <p:cTn id="39" dur="1" fill="hold">
-                                          <p:stCondLst>
-                                            <p:cond delay="0"/>
-                                          </p:stCondLst>
-                                        </p:cTn>
-                                        <p:tgtEl>
-                                          <p:spTgt spid="24"/>
-                                        </p:tgtEl>
-                                        <p:attrNameLst>
-                                          <p:attrName>style.visibility</p:attrName>
-                                        </p:attrNameLst>
-                                      </p:cBhvr>
-                                      <p:to>
-                                        <p:strVal val="visible"/>
-                                      </p:to>
-                                    </p:set>
-                                    <p:animEffect transition="in" filter="barn(inVertical)">
-                                      <p:cBhvr>
-                                        <p:cTn id="40" dur="500"/>
-                                        <p:tgtEl>
-                                          <p:spTgt spid="24"/>
-                                        </p:tgtEl>
-                                      </p:cBhvr>
-                                    </p:animEffect>
-                                  </p:childTnLst>
-                                </p:cTn>
-                              </p:par>
-                              <p:par>
-                                <p:cTn id="41" presetID="16" presetClass="entr" presetSubtype="21" fill="hold" nodeType="withEffect">
-                                  <p:stCondLst>
-                                    <p:cond delay="3000"/>
-                                  </p:stCondLst>
-                                  <p:childTnLst>
-                                    <p:set>
-                                      <p:cBhvr>
-                                        <p:cTn id="42" dur="1" fill="hold">
-                                          <p:stCondLst>
-                                            <p:cond delay="0"/>
-                                          </p:stCondLst>
-                                        </p:cTn>
-                                        <p:tgtEl>
-                                          <p:spTgt spid="2055"/>
-                                        </p:tgtEl>
-                                        <p:attrNameLst>
-                                          <p:attrName>style.visibility</p:attrName>
-                                        </p:attrNameLst>
-                                      </p:cBhvr>
-                                      <p:to>
-                                        <p:strVal val="visible"/>
-                                      </p:to>
-                                    </p:set>
-                                    <p:animEffect transition="in" filter="barn(inVertical)">
-                                      <p:cBhvr>
-                                        <p:cTn id="43" dur="500"/>
-                                        <p:tgtEl>
-                                          <p:spTgt spid="2055"/>
+                                          <p:spTgt spid="18"/>
                                         </p:tgtEl>
                                       </p:cBhvr>
                                     </p:animEffect>
@@ -5890,15 +6352,6 @@
         </p:cTn>
       </p:par>
     </p:tnLst>
-    <p:bldLst>
-      <p:bldP spid="3" grpId="0"/>
-      <p:bldP spid="3" grpId="1"/>
-      <p:bldP spid="6" grpId="0" animBg="1"/>
-      <p:bldP spid="22" grpId="0" animBg="1"/>
-      <p:bldP spid="23" grpId="0" animBg="1"/>
-      <p:bldP spid="24" grpId="0" animBg="1"/>
-      <p:bldP spid="25" grpId="0"/>
-    </p:bldLst>
   </p:timing>
 </p:sld>
 </file>
@@ -5922,14 +6375,14 @@
       </p:grpSpPr>
       <p:sp>
         <p:nvSpPr>
-          <p:cNvPr id="5" name="Rectangle 4"/>
+          <p:cNvPr id="5" name="bg"/>
           <p:cNvSpPr/>
           <p:nvPr/>
         </p:nvSpPr>
         <p:spPr>
           <a:xfrm>
-            <a:off x="410" y="6883539"/>
-            <a:ext cx="10688228" cy="707886"/>
+            <a:off x="410" y="6448425"/>
+            <a:ext cx="10688228" cy="1143000"/>
           </a:xfrm>
           <a:prstGeom prst="rect">
             <a:avLst/>
@@ -5968,14 +6421,14 @@
       </p:sp>
       <p:sp>
         <p:nvSpPr>
-          <p:cNvPr id="3" name="Rectangle 2"/>
+          <p:cNvPr id="3" name="word 1"/>
           <p:cNvSpPr/>
           <p:nvPr/>
         </p:nvSpPr>
         <p:spPr>
           <a:xfrm>
-            <a:off x="20699" y="6883539"/>
-            <a:ext cx="10427719" cy="707886"/>
+            <a:off x="162719" y="6499562"/>
+            <a:ext cx="10427719" cy="1015663"/>
           </a:xfrm>
           <a:prstGeom prst="rect">
             <a:avLst/>
@@ -5988,28 +6441,44 @@
           <a:lstStyle/>
           <a:p>
             <a:r>
-              <a:rPr lang="en-US" altLang="zh-CN" dirty="0">
+              <a:rPr lang="en-GB" altLang="zh-CN" dirty="0" smtClean="0">
                 <a:solidFill>
                   <a:schemeClr val="bg1"/>
                 </a:solidFill>
               </a:rPr>
-              <a:t>So far AO staff receives paper invoice from vendor who needs to reimburse, AO staff will manually input invoice information </a:t>
-            </a:r>
-            <a:r>
-              <a:rPr lang="en-US" altLang="zh-CN" dirty="0" smtClean="0">
+              <a:t>The current process is that </a:t>
+            </a:r>
+            <a:r>
+              <a:rPr lang="en-GB" altLang="zh-CN" dirty="0" smtClean="0">
                 <a:solidFill>
                   <a:schemeClr val="bg1"/>
                 </a:solidFill>
               </a:rPr>
-              <a:t> into </a:t>
-            </a:r>
-            <a:r>
-              <a:rPr lang="en-US" altLang="zh-CN" dirty="0">
+              <a:t>AO(Accounting Operation) staff receives </a:t>
+            </a:r>
+            <a:r>
+              <a:rPr lang="en-GB" altLang="zh-CN" dirty="0" smtClean="0">
                 <a:solidFill>
                   <a:schemeClr val="bg1"/>
                 </a:solidFill>
               </a:rPr>
-              <a:t>system and verify its correctness</a:t>
+              <a:t>paper invoices from vendors who need reimbursement, and </a:t>
+            </a:r>
+            <a:r>
+              <a:rPr lang="en-GB" altLang="zh-CN" dirty="0" smtClean="0">
+                <a:solidFill>
+                  <a:schemeClr val="bg1"/>
+                </a:solidFill>
+              </a:rPr>
+              <a:t>then manually </a:t>
+            </a:r>
+            <a:r>
+              <a:rPr lang="en-GB" altLang="zh-CN" dirty="0" smtClean="0">
+                <a:solidFill>
+                  <a:schemeClr val="bg1"/>
+                </a:solidFill>
+              </a:rPr>
+              <a:t>need to input invoice information into registration tables to track and verify their correctness.</a:t>
             </a:r>
             <a:endParaRPr lang="zh-CN" altLang="en-US" dirty="0">
               <a:solidFill>
@@ -6021,7 +6490,7 @@
       </p:sp>
       <p:pic>
         <p:nvPicPr>
-          <p:cNvPr id="3074" name="Picture 2" descr="C:\Users\TJVictor\git\auto-scan\src\main\presentation\img\ao.png"/>
+          <p:cNvPr id="3077" name="raise ticket pic" descr="C:\Users\TJVictor\git\auto-scan\src\main\presentation\img\ticket.png"/>
           <p:cNvPicPr>
             <a:picLocks noChangeAspect="1" noChangeArrowheads="1"/>
           </p:cNvPicPr>
@@ -6031,129 +6500,7 @@
           <a:blip r:embed="rId3" cstate="screen">
             <a:extLst>
               <a:ext uri="{28A0092B-C50C-407E-A947-70E740481C1C}">
-                <a14:useLocalDpi xmlns="" xmlns:a14="http://schemas.microsoft.com/office/drawing/2010/main" val="0"/>
-              </a:ext>
-            </a:extLst>
-          </a:blip>
-          <a:srcRect/>
-          <a:stretch>
-            <a:fillRect/>
-          </a:stretch>
-        </p:blipFill>
-        <p:spPr bwMode="auto">
-          <a:xfrm>
-            <a:off x="4506119" y="435881"/>
-            <a:ext cx="1219200" cy="1219200"/>
-          </a:xfrm>
-          <a:prstGeom prst="rect">
-            <a:avLst/>
-          </a:prstGeom>
-          <a:noFill/>
-          <a:extLst>
-            <a:ext uri="{909E8E84-426E-40DD-AFC4-6F175D3DCCD1}">
-              <a14:hiddenFill xmlns="" xmlns:a14="http://schemas.microsoft.com/office/drawing/2010/main">
-                <a:solidFill>
-                  <a:srgbClr val="FFFFFF"/>
-                </a:solidFill>
-              </a14:hiddenFill>
-            </a:ext>
-          </a:extLst>
-        </p:spPr>
-      </p:pic>
-      <p:pic>
-        <p:nvPicPr>
-          <p:cNvPr id="3076" name="Picture 4" descr="C:\Users\TJVictor\Desktop\girl_63.058823529412px_1204893_easyicon.net.png"/>
-          <p:cNvPicPr>
-            <a:picLocks noChangeAspect="1" noChangeArrowheads="1"/>
-          </p:cNvPicPr>
-          <p:nvPr/>
-        </p:nvPicPr>
-        <p:blipFill>
-          <a:blip r:embed="rId4" cstate="screen">
-            <a:extLst>
-              <a:ext uri="{28A0092B-C50C-407E-A947-70E740481C1C}">
-                <a14:useLocalDpi xmlns="" xmlns:a14="http://schemas.microsoft.com/office/drawing/2010/main" val="0"/>
-              </a:ext>
-            </a:extLst>
-          </a:blip>
-          <a:srcRect/>
-          <a:stretch>
-            <a:fillRect/>
-          </a:stretch>
-        </p:blipFill>
-        <p:spPr bwMode="auto">
-          <a:xfrm>
-            <a:off x="687388" y="435881"/>
-            <a:ext cx="800887" cy="1220400"/>
-          </a:xfrm>
-          <a:prstGeom prst="rect">
-            <a:avLst/>
-          </a:prstGeom>
-          <a:noFill/>
-          <a:extLst>
-            <a:ext uri="{909E8E84-426E-40DD-AFC4-6F175D3DCCD1}">
-              <a14:hiddenFill xmlns="" xmlns:a14="http://schemas.microsoft.com/office/drawing/2010/main">
-                <a:solidFill>
-                  <a:srgbClr val="FFFFFF"/>
-                </a:solidFill>
-              </a14:hiddenFill>
-            </a:ext>
-          </a:extLst>
-        </p:spPr>
-      </p:pic>
-      <p:sp>
-        <p:nvSpPr>
-          <p:cNvPr id="8" name="Right Arrow 7"/>
-          <p:cNvSpPr/>
-          <p:nvPr/>
-        </p:nvSpPr>
-        <p:spPr>
-          <a:xfrm>
-            <a:off x="1610519" y="854890"/>
-            <a:ext cx="3048000" cy="148264"/>
-          </a:xfrm>
-          <a:prstGeom prst="rightArrow">
-            <a:avLst/>
-          </a:prstGeom>
-        </p:spPr>
-        <p:style>
-          <a:lnRef idx="2">
-            <a:schemeClr val="accent1">
-              <a:shade val="50000"/>
-            </a:schemeClr>
-          </a:lnRef>
-          <a:fillRef idx="1">
-            <a:schemeClr val="accent1"/>
-          </a:fillRef>
-          <a:effectRef idx="0">
-            <a:schemeClr val="accent1"/>
-          </a:effectRef>
-          <a:fontRef idx="minor">
-            <a:schemeClr val="lt1"/>
-          </a:fontRef>
-        </p:style>
-        <p:txBody>
-          <a:bodyPr rtlCol="0" anchor="ctr"/>
-          <a:lstStyle/>
-          <a:p>
-            <a:pPr algn="ctr"/>
-            <a:endParaRPr lang="zh-CN" altLang="en-US"/>
-          </a:p>
-        </p:txBody>
-      </p:sp>
-      <p:pic>
-        <p:nvPicPr>
-          <p:cNvPr id="3077" name="Picture 5" descr="C:\Users\TJVictor\git\auto-scan\src\main\presentation\img\ticket.png"/>
-          <p:cNvPicPr>
-            <a:picLocks noChangeAspect="1" noChangeArrowheads="1"/>
-          </p:cNvPicPr>
-          <p:nvPr/>
-        </p:nvPicPr>
-        <p:blipFill>
-          <a:blip r:embed="rId5" cstate="screen">
-            <a:extLst>
-              <a:ext uri="{28A0092B-C50C-407E-A947-70E740481C1C}">
-                <a14:useLocalDpi xmlns="" xmlns:a14="http://schemas.microsoft.com/office/drawing/2010/main" val="0"/>
+                <a14:useLocalDpi xmlns:a14="http://schemas.microsoft.com/office/drawing/2010/main" xmlns="" val="0"/>
               </a:ext>
             </a:extLst>
           </a:blip>
@@ -6173,7 +6520,7 @@
           <a:noFill/>
           <a:extLst>
             <a:ext uri="{909E8E84-426E-40DD-AFC4-6F175D3DCCD1}">
-              <a14:hiddenFill xmlns="" xmlns:a14="http://schemas.microsoft.com/office/drawing/2010/main">
+              <a14:hiddenFill xmlns:a14="http://schemas.microsoft.com/office/drawing/2010/main" xmlns="">
                 <a:solidFill>
                   <a:srgbClr val="FFFFFF"/>
                 </a:solidFill>
@@ -6184,7 +6531,7 @@
       </p:pic>
       <p:sp>
         <p:nvSpPr>
-          <p:cNvPr id="9" name="U-Turn Arrow 8"/>
+          <p:cNvPr id="9" name="reject arrow"/>
           <p:cNvSpPr/>
           <p:nvPr/>
         </p:nvSpPr>
@@ -6237,17 +6584,17 @@
       </p:sp>
       <p:pic>
         <p:nvPicPr>
-          <p:cNvPr id="3078" name="Picture 6" descr="C:\Users\TJVictor\Desktop\Remove_ticket_72px_1186207_easyicon.net.png"/>
+          <p:cNvPr id="3078" name="reject ticket ic" descr="C:\Users\TJVictor\Desktop\Remove_ticket_72px_1186207_easyicon.net.png"/>
           <p:cNvPicPr>
             <a:picLocks noChangeAspect="1" noChangeArrowheads="1"/>
           </p:cNvPicPr>
           <p:nvPr/>
         </p:nvPicPr>
         <p:blipFill>
-          <a:blip r:embed="rId6" cstate="screen">
+          <a:blip r:embed="rId4" cstate="screen">
             <a:extLst>
               <a:ext uri="{28A0092B-C50C-407E-A947-70E740481C1C}">
-                <a14:useLocalDpi xmlns="" xmlns:a14="http://schemas.microsoft.com/office/drawing/2010/main" val="0"/>
+                <a14:useLocalDpi xmlns:a14="http://schemas.microsoft.com/office/drawing/2010/main" xmlns="" val="0"/>
               </a:ext>
             </a:extLst>
           </a:blip>
@@ -6267,7 +6614,7 @@
           <a:noFill/>
           <a:extLst>
             <a:ext uri="{909E8E84-426E-40DD-AFC4-6F175D3DCCD1}">
-              <a14:hiddenFill xmlns="" xmlns:a14="http://schemas.microsoft.com/office/drawing/2010/main">
+              <a14:hiddenFill xmlns:a14="http://schemas.microsoft.com/office/drawing/2010/main" xmlns="">
                 <a:solidFill>
                   <a:srgbClr val="FFFFFF"/>
                 </a:solidFill>
@@ -6278,13 +6625,13 @@
       </p:pic>
       <p:sp>
         <p:nvSpPr>
-          <p:cNvPr id="17" name="Rectangle 16"/>
+          <p:cNvPr id="17" name="word 2"/>
           <p:cNvSpPr/>
           <p:nvPr/>
         </p:nvSpPr>
         <p:spPr>
           <a:xfrm>
-            <a:off x="20699" y="6900932"/>
+            <a:off x="162719" y="6524625"/>
             <a:ext cx="10427719" cy="707886"/>
           </a:xfrm>
           <a:prstGeom prst="rect">
@@ -6298,54 +6645,12 @@
           <a:lstStyle/>
           <a:p>
             <a:r>
-              <a:rPr lang="en-US" altLang="zh-CN" dirty="0" smtClean="0">
+              <a:rPr lang="en-GB" altLang="zh-CN" dirty="0" smtClean="0">
                 <a:solidFill>
                   <a:schemeClr val="bg1"/>
                 </a:solidFill>
               </a:rPr>
-              <a:t>AO staff </a:t>
-            </a:r>
-            <a:r>
-              <a:rPr lang="en-US" altLang="zh-CN" dirty="0">
-                <a:solidFill>
-                  <a:schemeClr val="bg1"/>
-                </a:solidFill>
-              </a:rPr>
-              <a:t>needs to reject ineffective invoice request </a:t>
-            </a:r>
-            <a:r>
-              <a:rPr lang="en-US" altLang="zh-CN" dirty="0" smtClean="0">
-                <a:solidFill>
-                  <a:schemeClr val="bg1"/>
-                </a:solidFill>
-              </a:rPr>
-              <a:t>and </a:t>
-            </a:r>
-            <a:r>
-              <a:rPr lang="en-US" altLang="zh-CN" dirty="0">
-                <a:solidFill>
-                  <a:schemeClr val="bg1"/>
-                </a:solidFill>
-              </a:rPr>
-              <a:t>communicate to related stakeholder by </a:t>
-            </a:r>
-          </a:p>
-          <a:p>
-            <a:r>
-              <a:rPr lang="en-US" altLang="zh-CN" dirty="0">
-                <a:solidFill>
-                  <a:schemeClr val="bg1"/>
-                </a:solidFill>
-              </a:rPr>
-              <a:t>email / </a:t>
-            </a:r>
-            <a:r>
-              <a:rPr lang="en-US" altLang="zh-CN" dirty="0" err="1" smtClean="0">
-                <a:solidFill>
-                  <a:schemeClr val="bg1"/>
-                </a:solidFill>
-              </a:rPr>
-              <a:t>tel</a:t>
+              <a:t>They then need to reject incorrect invoice requests and communicate with related stakeholders via email or the phone.</a:t>
             </a:r>
             <a:endParaRPr lang="zh-CN" altLang="en-US" dirty="0">
               <a:solidFill>
@@ -6355,100 +6660,237 @@
           </a:p>
         </p:txBody>
       </p:sp>
+      <p:grpSp>
+        <p:nvGrpSpPr>
+          <p:cNvPr id="22" name="Group 21"/>
+          <p:cNvGrpSpPr/>
+          <p:nvPr/>
+        </p:nvGrpSpPr>
+        <p:grpSpPr>
+          <a:xfrm>
+            <a:off x="687388" y="435881"/>
+            <a:ext cx="9134750" cy="1220400"/>
+            <a:chOff x="687388" y="435881"/>
+            <a:chExt cx="9134750" cy="1220400"/>
+          </a:xfrm>
+        </p:grpSpPr>
+        <p:pic>
+          <p:nvPicPr>
+            <p:cNvPr id="3074" name="Picture 2" descr="C:\Users\TJVictor\git\auto-scan\src\main\presentation\img\ao.png"/>
+            <p:cNvPicPr>
+              <a:picLocks noChangeAspect="1" noChangeArrowheads="1"/>
+            </p:cNvPicPr>
+            <p:nvPr/>
+          </p:nvPicPr>
+          <p:blipFill>
+            <a:blip r:embed="rId5" cstate="screen">
+              <a:extLst>
+                <a:ext uri="{28A0092B-C50C-407E-A947-70E740481C1C}">
+                  <a14:useLocalDpi xmlns:a14="http://schemas.microsoft.com/office/drawing/2010/main" xmlns="" val="0"/>
+                </a:ext>
+              </a:extLst>
+            </a:blip>
+            <a:srcRect/>
+            <a:stretch>
+              <a:fillRect/>
+            </a:stretch>
+          </p:blipFill>
+          <p:spPr bwMode="auto">
+            <a:xfrm>
+              <a:off x="4506119" y="435881"/>
+              <a:ext cx="1219200" cy="1219200"/>
+            </a:xfrm>
+            <a:prstGeom prst="rect">
+              <a:avLst/>
+            </a:prstGeom>
+            <a:noFill/>
+            <a:extLst>
+              <a:ext uri="{909E8E84-426E-40DD-AFC4-6F175D3DCCD1}">
+                <a14:hiddenFill xmlns:a14="http://schemas.microsoft.com/office/drawing/2010/main" xmlns="">
+                  <a:solidFill>
+                    <a:srgbClr val="FFFFFF"/>
+                  </a:solidFill>
+                </a14:hiddenFill>
+              </a:ext>
+            </a:extLst>
+          </p:spPr>
+        </p:pic>
+        <p:pic>
+          <p:nvPicPr>
+            <p:cNvPr id="3076" name="Picture 4" descr="C:\Users\TJVictor\Desktop\girl_63.058823529412px_1204893_easyicon.net.png"/>
+            <p:cNvPicPr>
+              <a:picLocks noChangeAspect="1" noChangeArrowheads="1"/>
+            </p:cNvPicPr>
+            <p:nvPr/>
+          </p:nvPicPr>
+          <p:blipFill>
+            <a:blip r:embed="rId6" cstate="screen">
+              <a:extLst>
+                <a:ext uri="{28A0092B-C50C-407E-A947-70E740481C1C}">
+                  <a14:useLocalDpi xmlns:a14="http://schemas.microsoft.com/office/drawing/2010/main" xmlns="" val="0"/>
+                </a:ext>
+              </a:extLst>
+            </a:blip>
+            <a:srcRect/>
+            <a:stretch>
+              <a:fillRect/>
+            </a:stretch>
+          </p:blipFill>
+          <p:spPr bwMode="auto">
+            <a:xfrm>
+              <a:off x="687388" y="435881"/>
+              <a:ext cx="800887" cy="1220400"/>
+            </a:xfrm>
+            <a:prstGeom prst="rect">
+              <a:avLst/>
+            </a:prstGeom>
+            <a:noFill/>
+            <a:extLst>
+              <a:ext uri="{909E8E84-426E-40DD-AFC4-6F175D3DCCD1}">
+                <a14:hiddenFill xmlns:a14="http://schemas.microsoft.com/office/drawing/2010/main" xmlns="">
+                  <a:solidFill>
+                    <a:srgbClr val="FFFFFF"/>
+                  </a:solidFill>
+                </a14:hiddenFill>
+              </a:ext>
+            </a:extLst>
+          </p:spPr>
+        </p:pic>
+        <p:sp>
+          <p:nvSpPr>
+            <p:cNvPr id="8" name="Right Arrow 7"/>
+            <p:cNvSpPr/>
+            <p:nvPr/>
+          </p:nvSpPr>
+          <p:spPr>
+            <a:xfrm>
+              <a:off x="1610519" y="854890"/>
+              <a:ext cx="3048000" cy="148264"/>
+            </a:xfrm>
+            <a:prstGeom prst="rightArrow">
+              <a:avLst/>
+            </a:prstGeom>
+          </p:spPr>
+          <p:style>
+            <a:lnRef idx="2">
+              <a:schemeClr val="accent1">
+                <a:shade val="50000"/>
+              </a:schemeClr>
+            </a:lnRef>
+            <a:fillRef idx="1">
+              <a:schemeClr val="accent1"/>
+            </a:fillRef>
+            <a:effectRef idx="0">
+              <a:schemeClr val="accent1"/>
+            </a:effectRef>
+            <a:fontRef idx="minor">
+              <a:schemeClr val="lt1"/>
+            </a:fontRef>
+          </p:style>
+          <p:txBody>
+            <a:bodyPr rtlCol="0" anchor="ctr"/>
+            <a:lstStyle/>
+            <a:p>
+              <a:pPr algn="ctr"/>
+              <a:endParaRPr lang="zh-CN" altLang="en-US"/>
+            </a:p>
+          </p:txBody>
+        </p:sp>
+        <p:pic>
+          <p:nvPicPr>
+            <p:cNvPr id="3079" name="Picture 7" descr="C:\Users\TJVictor\git\auto-scan\src\main\presentation\img\indexor.png"/>
+            <p:cNvPicPr>
+              <a:picLocks noChangeAspect="1" noChangeArrowheads="1"/>
+            </p:cNvPicPr>
+            <p:nvPr/>
+          </p:nvPicPr>
+          <p:blipFill>
+            <a:blip r:embed="rId7" cstate="screen">
+              <a:extLst>
+                <a:ext uri="{28A0092B-C50C-407E-A947-70E740481C1C}">
+                  <a14:useLocalDpi xmlns:a14="http://schemas.microsoft.com/office/drawing/2010/main" xmlns="" val="0"/>
+                </a:ext>
+              </a:extLst>
+            </a:blip>
+            <a:srcRect/>
+            <a:stretch>
+              <a:fillRect/>
+            </a:stretch>
+          </p:blipFill>
+          <p:spPr bwMode="auto">
+            <a:xfrm>
+              <a:off x="8849519" y="568696"/>
+              <a:ext cx="972619" cy="972619"/>
+            </a:xfrm>
+            <a:prstGeom prst="rect">
+              <a:avLst/>
+            </a:prstGeom>
+            <a:noFill/>
+            <a:extLst>
+              <a:ext uri="{909E8E84-426E-40DD-AFC4-6F175D3DCCD1}">
+                <a14:hiddenFill xmlns:a14="http://schemas.microsoft.com/office/drawing/2010/main" xmlns="">
+                  <a:solidFill>
+                    <a:srgbClr val="FFFFFF"/>
+                  </a:solidFill>
+                </a14:hiddenFill>
+              </a:ext>
+            </a:extLst>
+          </p:spPr>
+        </p:pic>
+        <p:sp>
+          <p:nvSpPr>
+            <p:cNvPr id="19" name="Right Arrow 18"/>
+            <p:cNvSpPr/>
+            <p:nvPr/>
+          </p:nvSpPr>
+          <p:spPr>
+            <a:xfrm>
+              <a:off x="5801519" y="817897"/>
+              <a:ext cx="3048000" cy="148264"/>
+            </a:xfrm>
+            <a:prstGeom prst="rightArrow">
+              <a:avLst/>
+            </a:prstGeom>
+          </p:spPr>
+          <p:style>
+            <a:lnRef idx="2">
+              <a:schemeClr val="accent1">
+                <a:shade val="50000"/>
+              </a:schemeClr>
+            </a:lnRef>
+            <a:fillRef idx="1">
+              <a:schemeClr val="accent1"/>
+            </a:fillRef>
+            <a:effectRef idx="0">
+              <a:schemeClr val="accent1"/>
+            </a:effectRef>
+            <a:fontRef idx="minor">
+              <a:schemeClr val="lt1"/>
+            </a:fontRef>
+          </p:style>
+          <p:txBody>
+            <a:bodyPr rtlCol="0" anchor="ctr"/>
+            <a:lstStyle/>
+            <a:p>
+              <a:pPr algn="ctr"/>
+              <a:endParaRPr lang="zh-CN" altLang="en-US"/>
+            </a:p>
+          </p:txBody>
+        </p:sp>
+      </p:grpSp>
       <p:pic>
         <p:nvPicPr>
-          <p:cNvPr id="3079" name="Picture 7" descr="C:\Users\TJVictor\git\auto-scan\src\main\presentation\img\indexor.png"/>
+          <p:cNvPr id="20" name="Payment ticket pic" descr="C:\Users\TJVictor\git\auto-scan\src\main\presentation\img\ticket.png"/>
           <p:cNvPicPr>
             <a:picLocks noChangeAspect="1" noChangeArrowheads="1"/>
           </p:cNvPicPr>
           <p:nvPr/>
         </p:nvPicPr>
         <p:blipFill>
-          <a:blip r:embed="rId7" cstate="screen">
+          <a:blip r:embed="rId3" cstate="screen">
             <a:extLst>
               <a:ext uri="{28A0092B-C50C-407E-A947-70E740481C1C}">
-                <a14:useLocalDpi xmlns="" xmlns:a14="http://schemas.microsoft.com/office/drawing/2010/main" val="0"/>
-              </a:ext>
-            </a:extLst>
-          </a:blip>
-          <a:srcRect/>
-          <a:stretch>
-            <a:fillRect/>
-          </a:stretch>
-        </p:blipFill>
-        <p:spPr bwMode="auto">
-          <a:xfrm>
-            <a:off x="8849519" y="568696"/>
-            <a:ext cx="972619" cy="972619"/>
-          </a:xfrm>
-          <a:prstGeom prst="rect">
-            <a:avLst/>
-          </a:prstGeom>
-          <a:noFill/>
-          <a:extLst>
-            <a:ext uri="{909E8E84-426E-40DD-AFC4-6F175D3DCCD1}">
-              <a14:hiddenFill xmlns="" xmlns:a14="http://schemas.microsoft.com/office/drawing/2010/main">
-                <a:solidFill>
-                  <a:srgbClr val="FFFFFF"/>
-                </a:solidFill>
-              </a14:hiddenFill>
-            </a:ext>
-          </a:extLst>
-        </p:spPr>
-      </p:pic>
-      <p:sp>
-        <p:nvSpPr>
-          <p:cNvPr id="19" name="Right Arrow 18"/>
-          <p:cNvSpPr/>
-          <p:nvPr/>
-        </p:nvSpPr>
-        <p:spPr>
-          <a:xfrm>
-            <a:off x="5801519" y="817897"/>
-            <a:ext cx="3048000" cy="148264"/>
-          </a:xfrm>
-          <a:prstGeom prst="rightArrow">
-            <a:avLst/>
-          </a:prstGeom>
-        </p:spPr>
-        <p:style>
-          <a:lnRef idx="2">
-            <a:schemeClr val="accent1">
-              <a:shade val="50000"/>
-            </a:schemeClr>
-          </a:lnRef>
-          <a:fillRef idx="1">
-            <a:schemeClr val="accent1"/>
-          </a:fillRef>
-          <a:effectRef idx="0">
-            <a:schemeClr val="accent1"/>
-          </a:effectRef>
-          <a:fontRef idx="minor">
-            <a:schemeClr val="lt1"/>
-          </a:fontRef>
-        </p:style>
-        <p:txBody>
-          <a:bodyPr rtlCol="0" anchor="ctr"/>
-          <a:lstStyle/>
-          <a:p>
-            <a:pPr algn="ctr"/>
-            <a:endParaRPr lang="zh-CN" altLang="en-US"/>
-          </a:p>
-        </p:txBody>
-      </p:sp>
-      <p:pic>
-        <p:nvPicPr>
-          <p:cNvPr id="20" name="Picture 5" descr="C:\Users\TJVictor\git\auto-scan\src\main\presentation\img\ticket.png"/>
-          <p:cNvPicPr>
-            <a:picLocks noChangeAspect="1" noChangeArrowheads="1"/>
-          </p:cNvPicPr>
-          <p:nvPr/>
-        </p:nvPicPr>
-        <p:blipFill>
-          <a:blip r:embed="rId5" cstate="screen">
-            <a:extLst>
-              <a:ext uri="{28A0092B-C50C-407E-A947-70E740481C1C}">
-                <a14:useLocalDpi xmlns="" xmlns:a14="http://schemas.microsoft.com/office/drawing/2010/main" val="0"/>
+                <a14:useLocalDpi xmlns:a14="http://schemas.microsoft.com/office/drawing/2010/main" xmlns="" val="0"/>
               </a:ext>
             </a:extLst>
           </a:blip>
@@ -6468,7 +6910,7 @@
           <a:noFill/>
           <a:extLst>
             <a:ext uri="{909E8E84-426E-40DD-AFC4-6F175D3DCCD1}">
-              <a14:hiddenFill xmlns="" xmlns:a14="http://schemas.microsoft.com/office/drawing/2010/main">
+              <a14:hiddenFill xmlns:a14="http://schemas.microsoft.com/office/drawing/2010/main" xmlns="">
                 <a:solidFill>
                   <a:srgbClr val="FFFFFF"/>
                 </a:solidFill>
@@ -6479,14 +6921,14 @@
       </p:pic>
       <p:sp>
         <p:nvSpPr>
-          <p:cNvPr id="10" name="Rectangle 9"/>
+          <p:cNvPr id="10" name="word 3"/>
           <p:cNvSpPr/>
           <p:nvPr/>
         </p:nvSpPr>
         <p:spPr>
           <a:xfrm>
-            <a:off x="84056" y="7037427"/>
-            <a:ext cx="10063326" cy="400110"/>
+            <a:off x="162719" y="6600825"/>
+            <a:ext cx="10063326" cy="707886"/>
           </a:xfrm>
           <a:prstGeom prst="rect">
             <a:avLst/>
@@ -6499,12 +6941,12 @@
           <a:lstStyle/>
           <a:p>
             <a:r>
-              <a:rPr lang="en-US" altLang="zh-CN" dirty="0">
+              <a:rPr lang="en-GB" altLang="zh-CN" dirty="0" smtClean="0">
                 <a:solidFill>
                   <a:schemeClr val="bg1"/>
                 </a:solidFill>
               </a:rPr>
-              <a:t>For effective invoice, AO staff will copy invoice manually and start to next payment process.</a:t>
+              <a:t>For correct invoices, AO staff will copy them manually and start towards the next payment process.</a:t>
             </a:r>
             <a:endParaRPr lang="zh-CN" altLang="en-US" dirty="0">
               <a:solidFill>
@@ -6516,13 +6958,13 @@
       </p:sp>
       <p:sp>
         <p:nvSpPr>
-          <p:cNvPr id="11" name="Rectangle 10"/>
+          <p:cNvPr id="11" name="word 4"/>
           <p:cNvSpPr/>
           <p:nvPr/>
         </p:nvSpPr>
         <p:spPr>
           <a:xfrm>
-            <a:off x="48419" y="6883539"/>
+            <a:off x="0" y="6600825"/>
             <a:ext cx="10364362" cy="707886"/>
           </a:xfrm>
           <a:prstGeom prst="rect">
@@ -6541,7 +6983,39 @@
                   <a:schemeClr val="bg1"/>
                 </a:solidFill>
               </a:rPr>
-              <a:t>During the whole process, AO staff is working manually within low efficiency and always facing risk of manual mistake and information of isolation</a:t>
+              <a:t>During the whole process, AO staff </a:t>
+            </a:r>
+            <a:r>
+              <a:rPr lang="en-GB" altLang="zh-CN" dirty="0" smtClean="0">
+                <a:solidFill>
+                  <a:schemeClr val="bg1"/>
+                </a:solidFill>
+              </a:rPr>
+              <a:t>is working </a:t>
+            </a:r>
+            <a:r>
+              <a:rPr lang="en-GB" altLang="zh-CN" dirty="0" smtClean="0">
+                <a:solidFill>
+                  <a:schemeClr val="bg1"/>
+                </a:solidFill>
+              </a:rPr>
+              <a:t>manually within low efficiency and always facing the risk of manual mistakes and </a:t>
+            </a:r>
+            <a:r>
+              <a:rPr lang="en-GB" altLang="zh-CN" dirty="0" smtClean="0">
+                <a:solidFill>
+                  <a:schemeClr val="bg1"/>
+                </a:solidFill>
+              </a:rPr>
+              <a:t>issues </a:t>
+            </a:r>
+            <a:r>
+              <a:rPr lang="en-GB" altLang="zh-CN" dirty="0" smtClean="0">
+                <a:solidFill>
+                  <a:schemeClr val="bg1"/>
+                </a:solidFill>
+              </a:rPr>
+              <a:t>with information availability and clarity.</a:t>
             </a:r>
             <a:endParaRPr lang="zh-CN" altLang="en-US" dirty="0">
               <a:solidFill>
@@ -6553,7 +7027,7 @@
       </p:sp>
       <p:sp>
         <p:nvSpPr>
-          <p:cNvPr id="12" name="Rectangle 11"/>
+          <p:cNvPr id="12" name="red word 1"/>
           <p:cNvSpPr/>
           <p:nvPr/>
         </p:nvSpPr>
@@ -6638,13 +7112,13 @@
       </p:sp>
       <p:sp>
         <p:nvSpPr>
-          <p:cNvPr id="24" name="Rectangle 23"/>
+          <p:cNvPr id="24" name="red word 2"/>
           <p:cNvSpPr/>
           <p:nvPr/>
         </p:nvSpPr>
         <p:spPr>
           <a:xfrm>
-            <a:off x="2372519" y="4001095"/>
+            <a:off x="2275698" y="4001095"/>
             <a:ext cx="5507021" cy="923330"/>
           </a:xfrm>
           <a:prstGeom prst="rect">
@@ -6707,14 +7181,14 @@
       </p:sp>
       <p:sp>
         <p:nvSpPr>
-          <p:cNvPr id="21" name="Rectangle 20"/>
+          <p:cNvPr id="21" name="red word 3"/>
           <p:cNvSpPr/>
           <p:nvPr/>
         </p:nvSpPr>
         <p:spPr>
           <a:xfrm>
-            <a:off x="1000919" y="5000625"/>
-            <a:ext cx="8610562" cy="923330"/>
+            <a:off x="1257722" y="5144095"/>
+            <a:ext cx="7667997" cy="923330"/>
           </a:xfrm>
           <a:prstGeom prst="rect">
             <a:avLst/>
@@ -6756,7 +7230,23 @@
                   </a:outerShdw>
                 </a:effectLst>
               </a:rPr>
-              <a:t>INFORMATION OF ISOLATION</a:t>
+              <a:t>INFORMATION </a:t>
+            </a:r>
+            <a:r>
+              <a:rPr lang="en-US" altLang="zh-CN" sz="5400" b="1" cap="none" spc="0" dirty="0" smtClean="0">
+                <a:ln w="11430"/>
+                <a:solidFill>
+                  <a:srgbClr val="FF0000"/>
+                </a:solidFill>
+                <a:effectLst>
+                  <a:outerShdw blurRad="80000" dist="40000" dir="5040000" algn="tl">
+                    <a:srgbClr val="000000">
+                      <a:alpha val="30000"/>
+                    </a:srgbClr>
+                  </a:outerShdw>
+                </a:effectLst>
+              </a:rPr>
+              <a:t>ISOLATION</a:t>
             </a:r>
             <a:endParaRPr lang="en-US" altLang="zh-CN" sz="5400" b="1" cap="none" spc="0" dirty="0">
               <a:ln w="11430"/>
@@ -6777,7 +7267,7 @@
     </p:spTree>
     <p:extLst>
       <p:ext uri="{BB962C8B-B14F-4D97-AF65-F5344CB8AC3E}">
-        <p14:creationId xmlns="" xmlns:p14="http://schemas.microsoft.com/office/powerpoint/2010/main" val="1598486284"/>
+        <p14:creationId xmlns:p14="http://schemas.microsoft.com/office/powerpoint/2010/main" xmlns="" val="1598486284"/>
       </p:ext>
     </p:extLst>
   </p:cSld>
@@ -6785,7 +7275,7 @@
     <a:masterClrMapping/>
   </p:clrMapOvr>
   <mc:AlternateContent xmlns:mc="http://schemas.openxmlformats.org/markup-compatibility/2006">
-    <mc:Choice xmlns="" xmlns:p14="http://schemas.microsoft.com/office/powerpoint/2010/main" Requires="p14">
+    <mc:Choice xmlns:p14="http://schemas.microsoft.com/office/powerpoint/2010/main" xmlns="" Requires="p14">
       <p:transition spd="slow" p14:dur="2000"/>
     </mc:Choice>
     <mc:Fallback>
@@ -6804,9 +7294,6 @@
                     <p:cTn id="3" fill="hold">
                       <p:stCondLst>
                         <p:cond delay="indefinite"/>
-                        <p:cond evt="onBegin" delay="0">
-                          <p:tn val="2"/>
-                        </p:cond>
                       </p:stCondLst>
                       <p:childTnLst>
                         <p:par>
@@ -6816,10 +7303,17 @@
                             </p:stCondLst>
                             <p:childTnLst>
                               <p:par>
-                                <p:cTn id="5" presetID="42" presetClass="path" presetSubtype="0" repeatCount="8000" accel="50000" decel="50000" fill="hold" nodeType="withEffect">
+                                <p:cTn id="5" presetID="42" presetClass="path" presetSubtype="0" repeatCount="indefinite" accel="50000" decel="50000" fill="hold" nodeType="clickEffect">
                                   <p:stCondLst>
                                     <p:cond delay="0"/>
                                   </p:stCondLst>
+                                  <p:endCondLst>
+                                    <p:cond evt="onNext" delay="0">
+                                      <p:tgtEl>
+                                        <p:sldTgt/>
+                                      </p:tgtEl>
+                                    </p:cond>
+                                  </p:endCondLst>
                                   <p:childTnLst>
                                     <p:animMotion origin="layout" path="M 5.93824E-7 1.47651E-6 L 0.21021 0.0044 " pathEditMode="relative" rAng="0" ptsTypes="AA">
                                       <p:cBhvr>
@@ -6837,24 +7331,15 @@
                                   </p:childTnLst>
                                 </p:cTn>
                               </p:par>
-                            </p:childTnLst>
-                          </p:cTn>
-                        </p:par>
-                        <p:par>
-                          <p:cTn id="7" fill="hold">
-                            <p:stCondLst>
-                              <p:cond delay="16000"/>
-                            </p:stCondLst>
-                            <p:childTnLst>
                               <p:par>
-                                <p:cTn id="8" presetID="1" presetClass="exit" presetSubtype="0" fill="hold" grpId="0" nodeType="afterEffect">
+                                <p:cTn id="7" presetID="14" presetClass="entr" presetSubtype="10" fill="hold" grpId="0" nodeType="withEffect">
                                   <p:stCondLst>
                                     <p:cond delay="0"/>
                                   </p:stCondLst>
                                   <p:childTnLst>
                                     <p:set>
                                       <p:cBhvr>
-                                        <p:cTn id="9" dur="1" fill="hold">
+                                        <p:cTn id="8" dur="1" fill="hold">
                                           <p:stCondLst>
                                             <p:cond delay="0"/>
                                           </p:stCondLst>
@@ -6867,30 +7352,47 @@
                                         </p:attrNameLst>
                                       </p:cBhvr>
                                       <p:to>
-                                        <p:strVal val="hidden"/>
+                                        <p:strVal val="visible"/>
                                       </p:to>
                                     </p:set>
+                                    <p:animEffect transition="in" filter="randombar(horizontal)">
+                                      <p:cBhvr>
+                                        <p:cTn id="9" dur="500"/>
+                                        <p:tgtEl>
+                                          <p:spTgt spid="3"/>
+                                        </p:tgtEl>
+                                      </p:cBhvr>
+                                    </p:animEffect>
                                   </p:childTnLst>
                                 </p:cTn>
                               </p:par>
                             </p:childTnLst>
                           </p:cTn>
                         </p:par>
+                      </p:childTnLst>
+                    </p:cTn>
+                  </p:par>
+                  <p:par>
+                    <p:cTn id="10" fill="hold">
+                      <p:stCondLst>
+                        <p:cond delay="indefinite"/>
+                      </p:stCondLst>
+                      <p:childTnLst>
                         <p:par>
-                          <p:cTn id="10" fill="hold">
+                          <p:cTn id="11" fill="hold">
                             <p:stCondLst>
-                              <p:cond delay="16000"/>
+                              <p:cond delay="0"/>
                             </p:stCondLst>
                             <p:childTnLst>
                               <p:par>
-                                <p:cTn id="11" presetID="1" presetClass="entr" presetSubtype="0" fill="hold" grpId="0" nodeType="afterEffect">
+                                <p:cTn id="12" presetID="1" presetClass="entr" presetSubtype="0" fill="hold" grpId="0" nodeType="clickEffect">
                                   <p:stCondLst>
                                     <p:cond delay="0"/>
                                   </p:stCondLst>
                                   <p:childTnLst>
                                     <p:set>
                                       <p:cBhvr>
-                                        <p:cTn id="12" dur="1" fill="hold">
+                                        <p:cTn id="13" dur="1" fill="hold">
                                           <p:stCondLst>
                                             <p:cond delay="0"/>
                                           </p:stCondLst>
@@ -6910,14 +7412,41 @@
                                 </p:cTn>
                               </p:par>
                               <p:par>
-                                <p:cTn id="13" presetID="1" presetClass="entr" presetSubtype="0" fill="hold" nodeType="withEffect">
+                                <p:cTn id="14" presetID="1" presetClass="exit" presetSubtype="0" fill="hold" grpId="1" nodeType="withEffect">
                                   <p:stCondLst>
                                     <p:cond delay="0"/>
                                   </p:stCondLst>
                                   <p:childTnLst>
                                     <p:set>
                                       <p:cBhvr>
-                                        <p:cTn id="14" dur="1" fill="hold">
+                                        <p:cTn id="15" dur="1" fill="hold">
+                                          <p:stCondLst>
+                                            <p:cond delay="0"/>
+                                          </p:stCondLst>
+                                        </p:cTn>
+                                        <p:tgtEl>
+                                          <p:spTgt spid="3"/>
+                                        </p:tgtEl>
+                                        <p:attrNameLst>
+                                          <p:attrName>style.visibility</p:attrName>
+                                        </p:attrNameLst>
+                                      </p:cBhvr>
+                                      <p:to>
+                                        <p:strVal val="hidden"/>
+                                      </p:to>
+                                    </p:set>
+                                  </p:childTnLst>
+                                </p:cTn>
+                              </p:par>
+                              <p:par>
+                                <p:cTn id="16" presetID="1" presetClass="entr" presetSubtype="0" fill="hold" nodeType="withEffect">
+                                  <p:stCondLst>
+                                    <p:cond delay="0"/>
+                                  </p:stCondLst>
+                                  <p:childTnLst>
+                                    <p:set>
+                                      <p:cBhvr>
+                                        <p:cTn id="17" dur="1" fill="hold">
                                           <p:stCondLst>
                                             <p:cond delay="0"/>
                                           </p:stCondLst>
@@ -6937,14 +7466,21 @@
                                 </p:cTn>
                               </p:par>
                               <p:par>
-                                <p:cTn id="15" presetID="42" presetClass="path" presetSubtype="0" repeatCount="5000" accel="50000" decel="50000" fill="hold" nodeType="withEffect">
+                                <p:cTn id="18" presetID="42" presetClass="path" presetSubtype="0" repeatCount="indefinite" accel="50000" decel="50000" fill="hold" nodeType="withEffect">
                                   <p:stCondLst>
                                     <p:cond delay="0"/>
                                   </p:stCondLst>
+                                  <p:endCondLst>
+                                    <p:cond evt="onNext" delay="0">
+                                      <p:tgtEl>
+                                        <p:sldTgt/>
+                                      </p:tgtEl>
+                                    </p:cond>
+                                  </p:endCondLst>
                                   <p:childTnLst>
                                     <p:animMotion origin="layout" path="M -2.09026E-6 3.08725E-6 L -0.35629 3.08725E-6 " pathEditMode="relative" rAng="0" ptsTypes="AA">
                                       <p:cBhvr>
-                                        <p:cTn id="16" dur="2000" fill="hold"/>
+                                        <p:cTn id="19" dur="2000" fill="hold"/>
                                         <p:tgtEl>
                                           <p:spTgt spid="3078"/>
                                         </p:tgtEl>
@@ -6959,14 +7495,14 @@
                                 </p:cTn>
                               </p:par>
                               <p:par>
-                                <p:cTn id="17" presetID="14" presetClass="entr" presetSubtype="10" fill="hold" grpId="0" nodeType="withEffect">
+                                <p:cTn id="20" presetID="14" presetClass="entr" presetSubtype="10" fill="hold" grpId="0" nodeType="withEffect">
                                   <p:stCondLst>
                                     <p:cond delay="0"/>
                                   </p:stCondLst>
                                   <p:childTnLst>
                                     <p:set>
                                       <p:cBhvr>
-                                        <p:cTn id="18" dur="1" fill="hold">
+                                        <p:cTn id="21" dur="1" fill="hold">
                                           <p:stCondLst>
                                             <p:cond delay="0"/>
                                           </p:stCondLst>
@@ -6984,7 +7520,7 @@
                                     </p:set>
                                     <p:animEffect transition="in" filter="randombar(horizontal)">
                                       <p:cBhvr>
-                                        <p:cTn id="19" dur="500"/>
+                                        <p:cTn id="22" dur="500"/>
                                         <p:tgtEl>
                                           <p:spTgt spid="17"/>
                                         </p:tgtEl>
@@ -6996,120 +7532,30 @@
                             </p:childTnLst>
                           </p:cTn>
                         </p:par>
+                      </p:childTnLst>
+                    </p:cTn>
+                  </p:par>
+                  <p:par>
+                    <p:cTn id="23" fill="hold">
+                      <p:stCondLst>
+                        <p:cond delay="indefinite"/>
+                      </p:stCondLst>
+                      <p:childTnLst>
                         <p:par>
-                          <p:cTn id="20" fill="hold">
+                          <p:cTn id="24" fill="hold">
                             <p:stCondLst>
-                              <p:cond delay="26000"/>
+                              <p:cond delay="0"/>
                             </p:stCondLst>
                             <p:childTnLst>
                               <p:par>
-                                <p:cTn id="21" presetID="1" presetClass="exit" presetSubtype="0" fill="hold" grpId="1" nodeType="afterEffect">
+                                <p:cTn id="25" presetID="1" presetClass="entr" presetSubtype="0" fill="hold" nodeType="clickEffect">
                                   <p:stCondLst>
                                     <p:cond delay="0"/>
                                   </p:stCondLst>
                                   <p:childTnLst>
                                     <p:set>
                                       <p:cBhvr>
-                                        <p:cTn id="22" dur="1" fill="hold">
-                                          <p:stCondLst>
-                                            <p:cond delay="0"/>
-                                          </p:stCondLst>
-                                        </p:cTn>
-                                        <p:tgtEl>
-                                          <p:spTgt spid="17"/>
-                                        </p:tgtEl>
-                                        <p:attrNameLst>
-                                          <p:attrName>style.visibility</p:attrName>
-                                        </p:attrNameLst>
-                                      </p:cBhvr>
-                                      <p:to>
-                                        <p:strVal val="hidden"/>
-                                      </p:to>
-                                    </p:set>
-                                  </p:childTnLst>
-                                </p:cTn>
-                              </p:par>
-                            </p:childTnLst>
-                          </p:cTn>
-                        </p:par>
-                        <p:par>
-                          <p:cTn id="23" fill="hold">
-                            <p:stCondLst>
-                              <p:cond delay="26000"/>
-                            </p:stCondLst>
-                            <p:childTnLst>
-                              <p:par>
-                                <p:cTn id="24" presetID="1" presetClass="entr" presetSubtype="0" fill="hold" nodeType="afterEffect">
-                                  <p:stCondLst>
-                                    <p:cond delay="0"/>
-                                  </p:stCondLst>
-                                  <p:childTnLst>
-                                    <p:set>
-                                      <p:cBhvr>
-                                        <p:cTn id="25" dur="1" fill="hold">
-                                          <p:stCondLst>
-                                            <p:cond delay="0"/>
-                                          </p:stCondLst>
-                                        </p:cTn>
-                                        <p:tgtEl>
-                                          <p:spTgt spid="3079"/>
-                                        </p:tgtEl>
-                                        <p:attrNameLst>
-                                          <p:attrName>style.visibility</p:attrName>
-                                        </p:attrNameLst>
-                                      </p:cBhvr>
-                                      <p:to>
-                                        <p:strVal val="visible"/>
-                                      </p:to>
-                                    </p:set>
-                                  </p:childTnLst>
-                                </p:cTn>
-                              </p:par>
-                              <p:par>
-                                <p:cTn id="26" presetID="1" presetClass="entr" presetSubtype="0" fill="hold" grpId="0" nodeType="withEffect">
-                                  <p:stCondLst>
-                                    <p:cond delay="0"/>
-                                  </p:stCondLst>
-                                  <p:childTnLst>
-                                    <p:set>
-                                      <p:cBhvr>
-                                        <p:cTn id="27" dur="1" fill="hold">
-                                          <p:stCondLst>
-                                            <p:cond delay="0"/>
-                                          </p:stCondLst>
-                                        </p:cTn>
-                                        <p:tgtEl>
-                                          <p:spTgt spid="19"/>
-                                        </p:tgtEl>
-                                        <p:attrNameLst>
-                                          <p:attrName>style.visibility</p:attrName>
-                                        </p:attrNameLst>
-                                      </p:cBhvr>
-                                      <p:to>
-                                        <p:strVal val="visible"/>
-                                      </p:to>
-                                    </p:set>
-                                  </p:childTnLst>
-                                </p:cTn>
-                              </p:par>
-                            </p:childTnLst>
-                          </p:cTn>
-                        </p:par>
-                        <p:par>
-                          <p:cTn id="28" fill="hold">
-                            <p:stCondLst>
-                              <p:cond delay="26000"/>
-                            </p:stCondLst>
-                            <p:childTnLst>
-                              <p:par>
-                                <p:cTn id="29" presetID="1" presetClass="entr" presetSubtype="0" fill="hold" nodeType="afterEffect">
-                                  <p:stCondLst>
-                                    <p:cond delay="0"/>
-                                  </p:stCondLst>
-                                  <p:childTnLst>
-                                    <p:set>
-                                      <p:cBhvr>
-                                        <p:cTn id="30" dur="1" fill="hold">
+                                        <p:cTn id="26" dur="1" fill="hold">
                                           <p:stCondLst>
                                             <p:cond delay="0"/>
                                           </p:stCondLst>
@@ -7132,20 +7578,20 @@
                           </p:cTn>
                         </p:par>
                         <p:par>
-                          <p:cTn id="31" fill="hold">
+                          <p:cTn id="27" fill="hold">
                             <p:stCondLst>
-                              <p:cond delay="26000"/>
+                              <p:cond delay="0"/>
                             </p:stCondLst>
                             <p:childTnLst>
                               <p:par>
-                                <p:cTn id="32" presetID="14" presetClass="entr" presetSubtype="10" fill="hold" grpId="0" nodeType="afterEffect">
+                                <p:cTn id="28" presetID="14" presetClass="entr" presetSubtype="10" fill="hold" grpId="0" nodeType="afterEffect">
                                   <p:stCondLst>
                                     <p:cond delay="0"/>
                                   </p:stCondLst>
                                   <p:childTnLst>
                                     <p:set>
                                       <p:cBhvr>
-                                        <p:cTn id="33" dur="1" fill="hold">
+                                        <p:cTn id="29" dur="1" fill="hold">
                                           <p:stCondLst>
                                             <p:cond delay="0"/>
                                           </p:stCondLst>
@@ -7163,7 +7609,7 @@
                                     </p:set>
                                     <p:animEffect transition="in" filter="randombar(horizontal)">
                                       <p:cBhvr>
-                                        <p:cTn id="34" dur="500"/>
+                                        <p:cTn id="30" dur="500"/>
                                         <p:tgtEl>
                                           <p:spTgt spid="10"/>
                                         </p:tgtEl>
@@ -7173,14 +7619,48 @@
                                 </p:cTn>
                               </p:par>
                               <p:par>
-                                <p:cTn id="35" presetID="42" presetClass="path" presetSubtype="0" repeatCount="5000" accel="50000" decel="50000" fill="hold" nodeType="withEffect">
+                                <p:cTn id="31" presetID="1" presetClass="exit" presetSubtype="0" fill="hold" grpId="1" nodeType="withEffect">
                                   <p:stCondLst>
                                     <p:cond delay="0"/>
                                   </p:stCondLst>
                                   <p:childTnLst>
+                                    <p:set>
+                                      <p:cBhvr>
+                                        <p:cTn id="32" dur="1" fill="hold">
+                                          <p:stCondLst>
+                                            <p:cond delay="0"/>
+                                          </p:stCondLst>
+                                        </p:cTn>
+                                        <p:tgtEl>
+                                          <p:spTgt spid="17"/>
+                                        </p:tgtEl>
+                                        <p:attrNameLst>
+                                          <p:attrName>style.visibility</p:attrName>
+                                        </p:attrNameLst>
+                                      </p:cBhvr>
+                                      <p:to>
+                                        <p:strVal val="hidden"/>
+                                      </p:to>
+                                    </p:set>
+                                  </p:childTnLst>
+                                </p:cTn>
+                              </p:par>
+                              <p:par>
+                                <p:cTn id="33" presetID="42" presetClass="path" presetSubtype="0" repeatCount="indefinite" accel="50000" decel="50000" fill="hold" nodeType="withEffect">
+                                  <p:stCondLst>
+                                    <p:cond delay="0"/>
+                                  </p:stCondLst>
+                                  <p:endCondLst>
+                                    <p:cond evt="onNext" delay="0">
+                                      <p:tgtEl>
+                                        <p:sldTgt/>
+                                      </p:tgtEl>
+                                    </p:cond>
+                                  </p:endCondLst>
+                                  <p:childTnLst>
                                     <p:animMotion origin="layout" path="M 3.65796E-6 4.22819E-6 L 0.21021 0.0044 " pathEditMode="relative" rAng="0" ptsTypes="AA">
                                       <p:cBhvr>
-                                        <p:cTn id="36" dur="2000" fill="hold"/>
+                                        <p:cTn id="34" dur="2000" fill="hold"/>
                                         <p:tgtEl>
                                           <p:spTgt spid="20"/>
                                         </p:tgtEl>
@@ -7194,30 +7674,48 @@
                                   </p:childTnLst>
                                 </p:cTn>
                               </p:par>
-                            </p:childTnLst>
-                          </p:cTn>
-                        </p:par>
-                        <p:par>
-                          <p:cTn id="37" fill="hold">
-                            <p:stCondLst>
-                              <p:cond delay="36000"/>
-                            </p:stCondLst>
-                            <p:childTnLst>
                               <p:par>
-                                <p:cTn id="38" presetID="1" presetClass="exit" presetSubtype="0" fill="hold" grpId="1" nodeType="afterEffect">
+                                <p:cTn id="35" presetID="1" presetClass="exit" presetSubtype="0" fill="hold" nodeType="withEffect">
                                   <p:stCondLst>
                                     <p:cond delay="0"/>
                                   </p:stCondLst>
                                   <p:childTnLst>
                                     <p:set>
                                       <p:cBhvr>
-                                        <p:cTn id="39" dur="1" fill="hold">
+                                        <p:cTn id="36" dur="1" fill="hold">
                                           <p:stCondLst>
                                             <p:cond delay="0"/>
                                           </p:stCondLst>
                                         </p:cTn>
                                         <p:tgtEl>
-                                          <p:spTgt spid="10"/>
+                                          <p:spTgt spid="3078"/>
+                                        </p:tgtEl>
+                                        <p:attrNameLst>
+                                          <p:attrName>style.visibility</p:attrName>
+                                        </p:attrNameLst>
+                                      </p:cBhvr>
+                                      <p:to>
+                                        <p:strVal val="hidden"/>
+                                      </p:to>
+                                    </p:set>
+                                  </p:childTnLst>
+                                </p:cTn>
+                              </p:par>
+                              <p:par>
+                                <p:cTn id="37" presetID="1" presetClass="exit" presetSubtype="0" fill="hold" grpId="1" nodeType="withEffect">
+                                  <p:stCondLst>
+                                    <p:cond delay="0"/>
+                                  </p:stCondLst>
+                                  <p:childTnLst>
+                                    <p:set>
+                                      <p:cBhvr>
+                                        <p:cTn id="38" dur="1" fill="hold">
+                                          <p:stCondLst>
+                                            <p:cond delay="0"/>
+                                          </p:stCondLst>
+                                        </p:cTn>
+                                        <p:tgtEl>
+                                          <p:spTgt spid="9"/>
                                         </p:tgtEl>
                                         <p:attrNameLst>
                                           <p:attrName>style.visibility</p:attrName>
@@ -7233,14 +7731,23 @@
                             </p:childTnLst>
                           </p:cTn>
                         </p:par>
+                      </p:childTnLst>
+                    </p:cTn>
+                  </p:par>
+                  <p:par>
+                    <p:cTn id="39" fill="hold">
+                      <p:stCondLst>
+                        <p:cond delay="indefinite"/>
+                      </p:stCondLst>
+                      <p:childTnLst>
                         <p:par>
                           <p:cTn id="40" fill="hold">
                             <p:stCondLst>
-                              <p:cond delay="36000"/>
+                              <p:cond delay="0"/>
                             </p:stCondLst>
                             <p:childTnLst>
                               <p:par>
-                                <p:cTn id="41" presetID="1" presetClass="entr" presetSubtype="0" fill="hold" grpId="0" nodeType="afterEffect">
+                                <p:cTn id="41" presetID="1" presetClass="entr" presetSubtype="0" fill="hold" grpId="0" nodeType="clickEffect">
                                   <p:stCondLst>
                                     <p:cond delay="0"/>
                                   </p:stCondLst>
@@ -7266,24 +7773,60 @@
                                   </p:childTnLst>
                                 </p:cTn>
                               </p:par>
-                            </p:childTnLst>
-                          </p:cTn>
-                        </p:par>
-                        <p:par>
-                          <p:cTn id="43" fill="hold">
-                            <p:stCondLst>
-                              <p:cond delay="36000"/>
-                            </p:stCondLst>
-                            <p:childTnLst>
                               <p:par>
-                                <p:cTn id="44" presetID="53" presetClass="entr" presetSubtype="16" fill="hold" grpId="0" nodeType="afterEffect">
+                                <p:cTn id="43" presetID="1" presetClass="exit" presetSubtype="0" fill="hold" grpId="1" nodeType="withEffect">
                                   <p:stCondLst>
-                                    <p:cond delay="5000"/>
+                                    <p:cond delay="0"/>
                                   </p:stCondLst>
                                   <p:childTnLst>
                                     <p:set>
                                       <p:cBhvr>
-                                        <p:cTn id="45" dur="1" fill="hold">
+                                        <p:cTn id="44" dur="1" fill="hold">
+                                          <p:stCondLst>
+                                            <p:cond delay="0"/>
+                                          </p:stCondLst>
+                                        </p:cTn>
+                                        <p:tgtEl>
+                                          <p:spTgt spid="10"/>
+                                        </p:tgtEl>
+                                        <p:attrNameLst>
+                                          <p:attrName>style.visibility</p:attrName>
+                                        </p:attrNameLst>
+                                      </p:cBhvr>
+                                      <p:to>
+                                        <p:strVal val="hidden"/>
+                                      </p:to>
+                                    </p:set>
+                                  </p:childTnLst>
+                                </p:cTn>
+                              </p:par>
+                            </p:childTnLst>
+                          </p:cTn>
+                        </p:par>
+                      </p:childTnLst>
+                    </p:cTn>
+                  </p:par>
+                  <p:par>
+                    <p:cTn id="45" fill="hold">
+                      <p:stCondLst>
+                        <p:cond delay="indefinite"/>
+                      </p:stCondLst>
+                      <p:childTnLst>
+                        <p:par>
+                          <p:cTn id="46" fill="hold">
+                            <p:stCondLst>
+                              <p:cond delay="0"/>
+                            </p:stCondLst>
+                            <p:childTnLst>
+                              <p:par>
+                                <p:cTn id="47" presetID="53" presetClass="entr" presetSubtype="16" fill="hold" grpId="0" nodeType="clickEffect">
+                                  <p:stCondLst>
+                                    <p:cond delay="0"/>
+                                  </p:stCondLst>
+                                  <p:childTnLst>
+                                    <p:set>
+                                      <p:cBhvr>
+                                        <p:cTn id="48" dur="1" fill="hold">
                                           <p:stCondLst>
                                             <p:cond delay="0"/>
                                           </p:stCondLst>
@@ -7301,7 +7844,7 @@
                                     </p:set>
                                     <p:anim calcmode="lin" valueType="num">
                                       <p:cBhvr>
-                                        <p:cTn id="46" dur="500" fill="hold"/>
+                                        <p:cTn id="49" dur="500" fill="hold"/>
                                         <p:tgtEl>
                                           <p:spTgt spid="12"/>
                                         </p:tgtEl>
@@ -7324,7 +7867,7 @@
                                     </p:anim>
                                     <p:anim calcmode="lin" valueType="num">
                                       <p:cBhvr>
-                                        <p:cTn id="47" dur="500" fill="hold"/>
+                                        <p:cTn id="50" dur="500" fill="hold"/>
                                         <p:tgtEl>
                                           <p:spTgt spid="12"/>
                                         </p:tgtEl>
@@ -7347,7 +7890,7 @@
                                     </p:anim>
                                     <p:animEffect transition="in" filter="fade">
                                       <p:cBhvr>
-                                        <p:cTn id="48" dur="500"/>
+                                        <p:cTn id="51" dur="500"/>
                                         <p:tgtEl>
                                           <p:spTgt spid="12"/>
                                         </p:tgtEl>
@@ -7359,21 +7902,30 @@
                             </p:childTnLst>
                           </p:cTn>
                         </p:par>
+                      </p:childTnLst>
+                    </p:cTn>
+                  </p:par>
+                  <p:par>
+                    <p:cTn id="52" fill="hold">
+                      <p:stCondLst>
+                        <p:cond delay="indefinite"/>
+                      </p:stCondLst>
+                      <p:childTnLst>
                         <p:par>
-                          <p:cTn id="49" fill="hold">
+                          <p:cTn id="53" fill="hold">
                             <p:stCondLst>
-                              <p:cond delay="41500"/>
+                              <p:cond delay="0"/>
                             </p:stCondLst>
                             <p:childTnLst>
                               <p:par>
-                                <p:cTn id="50" presetID="53" presetClass="entr" presetSubtype="16" fill="hold" grpId="0" nodeType="afterEffect">
+                                <p:cTn id="54" presetID="53" presetClass="entr" presetSubtype="16" fill="hold" grpId="0" nodeType="clickEffect">
                                   <p:stCondLst>
-                                    <p:cond delay="2000"/>
+                                    <p:cond delay="0"/>
                                   </p:stCondLst>
                                   <p:childTnLst>
                                     <p:set>
                                       <p:cBhvr>
-                                        <p:cTn id="51" dur="1" fill="hold">
+                                        <p:cTn id="55" dur="1" fill="hold">
                                           <p:stCondLst>
                                             <p:cond delay="0"/>
                                           </p:stCondLst>
@@ -7391,7 +7943,7 @@
                                     </p:set>
                                     <p:anim calcmode="lin" valueType="num">
                                       <p:cBhvr>
-                                        <p:cTn id="52" dur="500" fill="hold"/>
+                                        <p:cTn id="56" dur="500" fill="hold"/>
                                         <p:tgtEl>
                                           <p:spTgt spid="24"/>
                                         </p:tgtEl>
@@ -7414,7 +7966,7 @@
                                     </p:anim>
                                     <p:anim calcmode="lin" valueType="num">
                                       <p:cBhvr>
-                                        <p:cTn id="53" dur="500" fill="hold"/>
+                                        <p:cTn id="57" dur="500" fill="hold"/>
                                         <p:tgtEl>
                                           <p:spTgt spid="24"/>
                                         </p:tgtEl>
@@ -7437,7 +7989,7 @@
                                     </p:anim>
                                     <p:animEffect transition="in" filter="fade">
                                       <p:cBhvr>
-                                        <p:cTn id="54" dur="500"/>
+                                        <p:cTn id="58" dur="500"/>
                                         <p:tgtEl>
                                           <p:spTgt spid="24"/>
                                         </p:tgtEl>
@@ -7449,21 +8001,30 @@
                             </p:childTnLst>
                           </p:cTn>
                         </p:par>
+                      </p:childTnLst>
+                    </p:cTn>
+                  </p:par>
+                  <p:par>
+                    <p:cTn id="59" fill="hold">
+                      <p:stCondLst>
+                        <p:cond delay="indefinite"/>
+                      </p:stCondLst>
+                      <p:childTnLst>
                         <p:par>
-                          <p:cTn id="55" fill="hold">
+                          <p:cTn id="60" fill="hold">
                             <p:stCondLst>
-                              <p:cond delay="44000"/>
+                              <p:cond delay="0"/>
                             </p:stCondLst>
                             <p:childTnLst>
                               <p:par>
-                                <p:cTn id="56" presetID="53" presetClass="entr" presetSubtype="16" fill="hold" grpId="0" nodeType="afterEffect">
+                                <p:cTn id="61" presetID="53" presetClass="entr" presetSubtype="16" fill="hold" grpId="0" nodeType="clickEffect">
                                   <p:stCondLst>
-                                    <p:cond delay="2000"/>
+                                    <p:cond delay="0"/>
                                   </p:stCondLst>
                                   <p:childTnLst>
                                     <p:set>
                                       <p:cBhvr>
-                                        <p:cTn id="57" dur="1" fill="hold">
+                                        <p:cTn id="62" dur="1" fill="hold">
                                           <p:stCondLst>
                                             <p:cond delay="0"/>
                                           </p:stCondLst>
@@ -7481,7 +8042,7 @@
                                     </p:set>
                                     <p:anim calcmode="lin" valueType="num">
                                       <p:cBhvr>
-                                        <p:cTn id="58" dur="500" fill="hold"/>
+                                        <p:cTn id="63" dur="500" fill="hold"/>
                                         <p:tgtEl>
                                           <p:spTgt spid="21"/>
                                         </p:tgtEl>
@@ -7504,7 +8065,7 @@
                                     </p:anim>
                                     <p:anim calcmode="lin" valueType="num">
                                       <p:cBhvr>
-                                        <p:cTn id="59" dur="500" fill="hold"/>
+                                        <p:cTn id="64" dur="500" fill="hold"/>
                                         <p:tgtEl>
                                           <p:spTgt spid="21"/>
                                         </p:tgtEl>
@@ -7527,7 +8088,7 @@
                                     </p:anim>
                                     <p:animEffect transition="in" filter="fade">
                                       <p:cBhvr>
-                                        <p:cTn id="60" dur="500"/>
+                                        <p:cTn id="65" dur="500"/>
                                         <p:tgtEl>
                                           <p:spTgt spid="21"/>
                                         </p:tgtEl>
@@ -7565,10 +8126,11 @@
     </p:tnLst>
     <p:bldLst>
       <p:bldP spid="3" grpId="0"/>
+      <p:bldP spid="3" grpId="1"/>
       <p:bldP spid="9" grpId="0" animBg="1"/>
+      <p:bldP spid="9" grpId="1" animBg="1"/>
       <p:bldP spid="17" grpId="0"/>
       <p:bldP spid="17" grpId="1"/>
-      <p:bldP spid="19" grpId="0" animBg="1"/>
       <p:bldP spid="10" grpId="0"/>
       <p:bldP spid="10" grpId="1"/>
       <p:bldP spid="11" grpId="0"/>
@@ -7651,8 +8213,8 @@
         </p:nvSpPr>
         <p:spPr>
           <a:xfrm>
-            <a:off x="151730" y="6854964"/>
-            <a:ext cx="10281607" cy="707886"/>
+            <a:off x="0" y="6854964"/>
+            <a:ext cx="10688638" cy="707886"/>
           </a:xfrm>
           <a:prstGeom prst="rect">
             <a:avLst/>
@@ -7665,28 +8227,28 @@
           <a:lstStyle/>
           <a:p>
             <a:r>
-              <a:rPr lang="en-US" altLang="zh-CN" dirty="0">
+              <a:rPr lang="en-GB" altLang="zh-CN" dirty="0" smtClean="0">
                 <a:solidFill>
                   <a:schemeClr val="bg1"/>
                 </a:solidFill>
               </a:rPr>
-              <a:t>In our new design, we will provide a new payment platform to resolve these problems. Our target is to make everything automatically, </a:t>
-            </a:r>
-            <a:r>
-              <a:rPr lang="en-US" altLang="zh-CN" dirty="0" smtClean="0">
+              <a:t>Regarding our designed solution, we provide a payment platform to resolve those problems. Our target is to make each process </a:t>
+            </a:r>
+            <a:r>
+              <a:rPr lang="en-GB" altLang="zh-CN" dirty="0" smtClean="0">
                 <a:solidFill>
                   <a:schemeClr val="bg1"/>
                 </a:solidFill>
               </a:rPr>
-              <a:t> improve </a:t>
-            </a:r>
-            <a:r>
-              <a:rPr lang="en-US" altLang="zh-CN" dirty="0">
+              <a:t>automatic</a:t>
+            </a:r>
+            <a:r>
+              <a:rPr lang="en-GB" altLang="zh-CN" dirty="0" smtClean="0">
                 <a:solidFill>
                   <a:schemeClr val="bg1"/>
                 </a:solidFill>
               </a:rPr>
-              <a:t>efficiency and reduce manual risk to Zero.</a:t>
+              <a:t>, improve efficiency and reduce manual risk to zero.</a:t>
             </a:r>
             <a:endParaRPr lang="zh-CN" altLang="en-US" dirty="0">
               <a:solidFill>
@@ -7705,7 +8267,7 @@
           <p:nvPr/>
         </p:nvPicPr>
         <p:blipFill>
-          <a:blip r:embed="rId2" cstate="screen"/>
+          <a:blip r:embed="rId3" cstate="screen"/>
           <a:srcRect/>
           <a:stretch>
             <a:fillRect/>
@@ -7731,7 +8293,7 @@
     </p:spTree>
     <p:extLst>
       <p:ext uri="{BB962C8B-B14F-4D97-AF65-F5344CB8AC3E}">
-        <p14:creationId xmlns="" xmlns:p14="http://schemas.microsoft.com/office/powerpoint/2010/main" val="3577936536"/>
+        <p14:creationId xmlns:p14="http://schemas.microsoft.com/office/powerpoint/2010/main" xmlns="" val="3577936536"/>
       </p:ext>
     </p:extLst>
   </p:cSld>
@@ -7739,7 +8301,7 @@
     <a:masterClrMapping/>
   </p:clrMapOvr>
   <mc:AlternateContent xmlns:mc="http://schemas.openxmlformats.org/markup-compatibility/2006">
-    <mc:Choice xmlns="" xmlns:p14="http://schemas.microsoft.com/office/powerpoint/2010/main" Requires="p14">
+    <mc:Choice xmlns:p14="http://schemas.microsoft.com/office/powerpoint/2010/main" xmlns="" Requires="p14">
       <p:transition spd="slow" p14:dur="2000"/>
     </mc:Choice>
     <mc:Fallback>
@@ -7775,7 +8337,7 @@
       </p:grpSpPr>
       <p:sp>
         <p:nvSpPr>
-          <p:cNvPr id="5" name="Rectangle 4"/>
+          <p:cNvPr id="5" name="bg"/>
           <p:cNvSpPr/>
           <p:nvPr/>
         </p:nvSpPr>
@@ -7820,17 +8382,17 @@
       </p:sp>
       <p:pic>
         <p:nvPicPr>
-          <p:cNvPr id="4098" name="Picture 2"/>
+          <p:cNvPr id="4098" name="invoice pic"/>
           <p:cNvPicPr>
             <a:picLocks noChangeAspect="1" noChangeArrowheads="1"/>
           </p:cNvPicPr>
           <p:nvPr/>
         </p:nvPicPr>
         <p:blipFill>
-          <a:blip r:embed="rId2" cstate="screen">
+          <a:blip r:embed="rId3" cstate="screen">
             <a:extLst>
               <a:ext uri="{28A0092B-C50C-407E-A947-70E740481C1C}">
-                <a14:useLocalDpi xmlns="" xmlns:a14="http://schemas.microsoft.com/office/drawing/2010/main" val="0"/>
+                <a14:useLocalDpi xmlns:a14="http://schemas.microsoft.com/office/drawing/2010/main" xmlns="" val="0"/>
               </a:ext>
             </a:extLst>
           </a:blip>
@@ -7854,14 +8416,14 @@
           <a:effectLst/>
           <a:extLst>
             <a:ext uri="{909E8E84-426E-40DD-AFC4-6F175D3DCCD1}">
-              <a14:hiddenFill xmlns="" xmlns:a14="http://schemas.microsoft.com/office/drawing/2010/main">
+              <a14:hiddenFill xmlns:a14="http://schemas.microsoft.com/office/drawing/2010/main" xmlns="">
                 <a:solidFill>
                   <a:schemeClr val="accent1"/>
                 </a:solidFill>
               </a14:hiddenFill>
             </a:ext>
             <a:ext uri="{91240B29-F687-4F45-9708-019B960494DF}">
-              <a14:hiddenLine xmlns="" xmlns:a14="http://schemas.microsoft.com/office/drawing/2010/main" w="9525">
+              <a14:hiddenLine xmlns:a14="http://schemas.microsoft.com/office/drawing/2010/main" xmlns="" w="9525">
                 <a:solidFill>
                   <a:schemeClr val="tx1"/>
                 </a:solidFill>
@@ -7871,7 +8433,7 @@
               </a14:hiddenLine>
             </a:ext>
             <a:ext uri="{AF507438-7753-43E0-B8FC-AC1667EBCBE1}">
-              <a14:hiddenEffects xmlns="" xmlns:a14="http://schemas.microsoft.com/office/drawing/2010/main">
+              <a14:hiddenEffects xmlns:a14="http://schemas.microsoft.com/office/drawing/2010/main" xmlns="">
                 <a:effectLst>
                   <a:outerShdw dist="35921" dir="2700000" algn="ctr" rotWithShape="0">
                     <a:schemeClr val="bg2"/>
@@ -7884,7 +8446,7 @@
       </p:pic>
       <p:sp>
         <p:nvSpPr>
-          <p:cNvPr id="3" name="Rectangle 2"/>
+          <p:cNvPr id="3" name="word 1"/>
           <p:cNvSpPr/>
           <p:nvPr/>
         </p:nvSpPr>
@@ -7904,28 +8466,33 @@
           <a:lstStyle/>
           <a:p>
             <a:r>
-              <a:rPr lang="en-US" altLang="ko-KR" dirty="0">
+              <a:rPr lang="en-GB" dirty="0" smtClean="0">
                 <a:solidFill>
                   <a:schemeClr val="bg1"/>
                 </a:solidFill>
-                <a:ea typeface="굴림" charset="-127"/>
-                <a:cs typeface="Arial" charset="0"/>
               </a:rPr>
-              <a:t>In China, each invoice has an unique QR code and it saves all of this invoice information. </a:t>
-            </a:r>
+              <a:t>In China, each invoice has an unique QR code which includes invoice detail information. </a:t>
+            </a:r>
+            <a:endParaRPr lang="en-US" altLang="ko-KR" dirty="0">
+              <a:solidFill>
+                <a:schemeClr val="bg1"/>
+              </a:solidFill>
+              <a:ea typeface="굴림" charset="-127"/>
+              <a:cs typeface="Arial" charset="0"/>
+            </a:endParaRPr>
           </a:p>
         </p:txBody>
       </p:sp>
       <p:sp>
         <p:nvSpPr>
-          <p:cNvPr id="6" name="Rectangle 5"/>
+          <p:cNvPr id="6" name="word 2"/>
           <p:cNvSpPr/>
           <p:nvPr/>
         </p:nvSpPr>
         <p:spPr>
           <a:xfrm>
             <a:off x="162719" y="6854964"/>
-            <a:ext cx="9067800" cy="707886"/>
+            <a:ext cx="10210800" cy="707886"/>
           </a:xfrm>
           <a:prstGeom prst="rect">
             <a:avLst/>
@@ -7943,7 +8510,7 @@
                   <a:schemeClr val="bg1"/>
                 </a:solidFill>
               </a:rPr>
-              <a:t>We will provide a hardware to scan invoice information and then the information will be input into system automatically.</a:t>
+              <a:t>We provide hardware to scan this QR code, so that the invoice information will be imported into system automatically. </a:t>
             </a:r>
             <a:endParaRPr lang="en-GB" dirty="0">
               <a:solidFill>
@@ -7955,7 +8522,7 @@
       </p:sp>
       <p:sp>
         <p:nvSpPr>
-          <p:cNvPr id="9" name="Rectangle 8"/>
+          <p:cNvPr id="9" name="word digital"/>
           <p:cNvSpPr/>
           <p:nvPr/>
         </p:nvSpPr>
@@ -7982,76 +8549,91 @@
           </a:p>
         </p:txBody>
       </p:sp>
-      <p:pic>
-        <p:nvPicPr>
-          <p:cNvPr id="3074" name="Picture 2"/>
-          <p:cNvPicPr>
-            <a:picLocks noChangeAspect="1" noChangeArrowheads="1"/>
-          </p:cNvPicPr>
+      <p:grpSp>
+        <p:nvGrpSpPr>
+          <p:cNvPr id="10" name="Group 9"/>
+          <p:cNvGrpSpPr/>
           <p:nvPr/>
-        </p:nvPicPr>
-        <p:blipFill>
-          <a:blip r:embed="rId3" cstate="screen"/>
-          <a:srcRect/>
-          <a:stretch>
-            <a:fillRect/>
-          </a:stretch>
-        </p:blipFill>
-        <p:spPr bwMode="auto">
+        </p:nvGrpSpPr>
+        <p:grpSpPr>
           <a:xfrm>
-            <a:off x="315119" y="1647825"/>
-            <a:ext cx="2298108" cy="1447800"/>
+            <a:off x="315119" y="1495425"/>
+            <a:ext cx="9289950" cy="1600200"/>
+            <a:chOff x="315119" y="1495425"/>
+            <a:chExt cx="9289950" cy="1600200"/>
           </a:xfrm>
-          <a:prstGeom prst="rect">
-            <a:avLst/>
-          </a:prstGeom>
-          <a:noFill/>
-          <a:ln w="9525">
+        </p:grpSpPr>
+        <p:pic>
+          <p:nvPicPr>
+            <p:cNvPr id="3074" name="Picture 2"/>
+            <p:cNvPicPr>
+              <a:picLocks noChangeAspect="1" noChangeArrowheads="1"/>
+            </p:cNvPicPr>
+            <p:nvPr/>
+          </p:nvPicPr>
+          <p:blipFill>
+            <a:blip r:embed="rId4" cstate="screen"/>
+            <a:srcRect/>
+            <a:stretch>
+              <a:fillRect/>
+            </a:stretch>
+          </p:blipFill>
+          <p:spPr bwMode="auto">
+            <a:xfrm>
+              <a:off x="315119" y="1647825"/>
+              <a:ext cx="2298108" cy="1447800"/>
+            </a:xfrm>
+            <a:prstGeom prst="rect">
+              <a:avLst/>
+            </a:prstGeom>
             <a:noFill/>
-            <a:miter lim="800000"/>
-            <a:headEnd/>
-            <a:tailEnd/>
-          </a:ln>
-          <a:effectLst/>
-        </p:spPr>
-      </p:pic>
-      <p:pic>
-        <p:nvPicPr>
-          <p:cNvPr id="3075" name="Picture 3"/>
-          <p:cNvPicPr>
-            <a:picLocks noChangeAspect="1" noChangeArrowheads="1"/>
-          </p:cNvPicPr>
-          <p:nvPr/>
-        </p:nvPicPr>
-        <p:blipFill>
-          <a:blip r:embed="rId4" cstate="screen"/>
-          <a:srcRect/>
-          <a:stretch>
-            <a:fillRect/>
-          </a:stretch>
-        </p:blipFill>
-        <p:spPr bwMode="auto">
-          <a:xfrm>
-            <a:off x="7096919" y="1495425"/>
-            <a:ext cx="2508150" cy="1600200"/>
-          </a:xfrm>
-          <a:prstGeom prst="rect">
-            <a:avLst/>
-          </a:prstGeom>
-          <a:noFill/>
-          <a:ln w="9525">
+            <a:ln w="9525">
+              <a:noFill/>
+              <a:miter lim="800000"/>
+              <a:headEnd/>
+              <a:tailEnd/>
+            </a:ln>
+            <a:effectLst/>
+          </p:spPr>
+        </p:pic>
+        <p:pic>
+          <p:nvPicPr>
+            <p:cNvPr id="3075" name="Picture 3"/>
+            <p:cNvPicPr>
+              <a:picLocks noChangeAspect="1" noChangeArrowheads="1"/>
+            </p:cNvPicPr>
+            <p:nvPr/>
+          </p:nvPicPr>
+          <p:blipFill>
+            <a:blip r:embed="rId5" cstate="screen"/>
+            <a:srcRect/>
+            <a:stretch>
+              <a:fillRect/>
+            </a:stretch>
+          </p:blipFill>
+          <p:spPr bwMode="auto">
+            <a:xfrm>
+              <a:off x="7096919" y="1495425"/>
+              <a:ext cx="2508150" cy="1600200"/>
+            </a:xfrm>
+            <a:prstGeom prst="rect">
+              <a:avLst/>
+            </a:prstGeom>
             <a:noFill/>
-            <a:miter lim="800000"/>
-            <a:headEnd/>
-            <a:tailEnd/>
-          </a:ln>
-          <a:effectLst/>
-        </p:spPr>
-      </p:pic>
+            <a:ln w="9525">
+              <a:noFill/>
+              <a:miter lim="800000"/>
+              <a:headEnd/>
+              <a:tailEnd/>
+            </a:ln>
+            <a:effectLst/>
+          </p:spPr>
+        </p:pic>
+      </p:grpSp>
     </p:spTree>
     <p:extLst>
       <p:ext uri="{BB962C8B-B14F-4D97-AF65-F5344CB8AC3E}">
-        <p14:creationId xmlns="" xmlns:p14="http://schemas.microsoft.com/office/powerpoint/2010/main" val="4154159414"/>
+        <p14:creationId xmlns:p14="http://schemas.microsoft.com/office/powerpoint/2010/main" xmlns="" val="4154159414"/>
       </p:ext>
     </p:extLst>
   </p:cSld>
@@ -8059,7 +8641,7 @@
     <a:masterClrMapping/>
   </p:clrMapOvr>
   <mc:AlternateContent xmlns:mc="http://schemas.openxmlformats.org/markup-compatibility/2006">
-    <mc:Choice xmlns="" xmlns:p14="http://schemas.microsoft.com/office/powerpoint/2010/main" Requires="p14">
+    <mc:Choice xmlns:p14="http://schemas.microsoft.com/office/powerpoint/2010/main" xmlns="" Requires="p14">
       <p:transition spd="slow" p14:dur="2000"/>
     </mc:Choice>
     <mc:Fallback>
@@ -8078,9 +8660,6 @@
                     <p:cTn id="3" fill="hold">
                       <p:stCondLst>
                         <p:cond delay="indefinite"/>
-                        <p:cond evt="onBegin" delay="0">
-                          <p:tn val="2"/>
-                        </p:cond>
                       </p:stCondLst>
                       <p:childTnLst>
                         <p:par>
@@ -8090,9 +8669,9 @@
                             </p:stCondLst>
                             <p:childTnLst>
                               <p:par>
-                                <p:cTn id="5" presetID="1" presetClass="exit" presetSubtype="0" fill="hold" nodeType="withEffect">
+                                <p:cTn id="5" presetID="1" presetClass="exit" presetSubtype="0" fill="hold" nodeType="clickEffect">
                                   <p:stCondLst>
-                                    <p:cond delay="5000"/>
+                                    <p:cond delay="0"/>
                                   </p:stCondLst>
                                   <p:childTnLst>
                                     <p:set>
@@ -8116,24 +8695,51 @@
                                   </p:childTnLst>
                                 </p:cTn>
                               </p:par>
-                            </p:childTnLst>
-                          </p:cTn>
-                        </p:par>
-                        <p:par>
-                          <p:cTn id="7" fill="hold">
-                            <p:stCondLst>
-                              <p:cond delay="5000"/>
-                            </p:stCondLst>
-                            <p:childTnLst>
                               <p:par>
-                                <p:cTn id="8" presetID="1" presetClass="exit" presetSubtype="0" fill="hold" grpId="0" nodeType="afterEffect">
+                                <p:cTn id="7" presetID="1" presetClass="entr" presetSubtype="0" fill="hold" nodeType="withEffect">
                                   <p:stCondLst>
                                     <p:cond delay="0"/>
                                   </p:stCondLst>
                                   <p:childTnLst>
                                     <p:set>
                                       <p:cBhvr>
-                                        <p:cTn id="9" dur="1" fill="hold">
+                                        <p:cTn id="8" dur="1" fill="hold">
+                                          <p:stCondLst>
+                                            <p:cond delay="0"/>
+                                          </p:stCondLst>
+                                        </p:cTn>
+                                        <p:tgtEl>
+                                          <p:spTgt spid="10"/>
+                                        </p:tgtEl>
+                                        <p:attrNameLst>
+                                          <p:attrName>style.visibility</p:attrName>
+                                        </p:attrNameLst>
+                                      </p:cBhvr>
+                                      <p:to>
+                                        <p:strVal val="visible"/>
+                                      </p:to>
+                                    </p:set>
+                                  </p:childTnLst>
+                                </p:cTn>
+                              </p:par>
+                            </p:childTnLst>
+                          </p:cTn>
+                        </p:par>
+                        <p:par>
+                          <p:cTn id="9" fill="hold">
+                            <p:stCondLst>
+                              <p:cond delay="0"/>
+                            </p:stCondLst>
+                            <p:childTnLst>
+                              <p:par>
+                                <p:cTn id="10" presetID="1" presetClass="exit" presetSubtype="0" fill="hold" grpId="0" nodeType="afterEffect">
+                                  <p:stCondLst>
+                                    <p:cond delay="0"/>
+                                  </p:stCondLst>
+                                  <p:childTnLst>
+                                    <p:set>
+                                      <p:cBhvr>
+                                        <p:cTn id="11" dur="1" fill="hold">
                                           <p:stCondLst>
                                             <p:cond delay="0"/>
                                           </p:stCondLst>
@@ -8156,20 +8762,20 @@
                           </p:cTn>
                         </p:par>
                         <p:par>
-                          <p:cTn id="10" fill="hold">
+                          <p:cTn id="12" fill="hold">
                             <p:stCondLst>
-                              <p:cond delay="5000"/>
+                              <p:cond delay="0"/>
                             </p:stCondLst>
                             <p:childTnLst>
                               <p:par>
-                                <p:cTn id="11" presetID="4" presetClass="entr" presetSubtype="16" fill="hold" nodeType="afterEffect">
+                                <p:cTn id="13" presetID="4" presetClass="entr" presetSubtype="16" fill="hold" nodeType="afterEffect">
                                   <p:stCondLst>
                                     <p:cond delay="0"/>
                                   </p:stCondLst>
                                   <p:childTnLst>
                                     <p:set>
                                       <p:cBhvr>
-                                        <p:cTn id="12" dur="1" fill="hold">
+                                        <p:cTn id="14" dur="1" fill="hold">
                                           <p:stCondLst>
                                             <p:cond delay="0"/>
                                           </p:stCondLst>
@@ -8191,7 +8797,7 @@
                                     </p:set>
                                     <p:animEffect transition="in" filter="box(in)">
                                       <p:cBhvr>
-                                        <p:cTn id="13" dur="500"/>
+                                        <p:cTn id="15" dur="500"/>
                                         <p:tgtEl>
                                           <p:spTgt spid="6">
                                             <p:txEl>
@@ -8205,34 +8811,7 @@
                                 </p:cTn>
                               </p:par>
                               <p:par>
-                                <p:cTn id="14" presetID="1" presetClass="entr" presetSubtype="0" fill="hold" nodeType="withEffect">
-                                  <p:stCondLst>
-                                    <p:cond delay="0"/>
-                                  </p:stCondLst>
-                                  <p:childTnLst>
-                                    <p:set>
-                                      <p:cBhvr>
-                                        <p:cTn id="15" dur="1" fill="hold">
-                                          <p:stCondLst>
-                                            <p:cond delay="0"/>
-                                          </p:stCondLst>
-                                        </p:cTn>
-                                        <p:tgtEl>
-                                          <p:spTgt spid="3074"/>
-                                        </p:tgtEl>
-                                        <p:attrNameLst>
-                                          <p:attrName>style.visibility</p:attrName>
-                                        </p:attrNameLst>
-                                      </p:cBhvr>
-                                      <p:to>
-                                        <p:strVal val="visible"/>
-                                      </p:to>
-                                    </p:set>
-                                  </p:childTnLst>
-                                </p:cTn>
-                              </p:par>
-                              <p:par>
-                                <p:cTn id="16" presetID="1" presetClass="entr" presetSubtype="0" fill="hold" nodeType="withEffect">
+                                <p:cTn id="16" presetID="1" presetClass="entr" presetSubtype="0" fill="hold" grpId="1" nodeType="withEffect">
                                   <p:stCondLst>
                                     <p:cond delay="0"/>
                                   </p:stCondLst>
@@ -8240,33 +8819,6 @@
                                     <p:set>
                                       <p:cBhvr>
                                         <p:cTn id="17" dur="1" fill="hold">
-                                          <p:stCondLst>
-                                            <p:cond delay="0"/>
-                                          </p:stCondLst>
-                                        </p:cTn>
-                                        <p:tgtEl>
-                                          <p:spTgt spid="3075"/>
-                                        </p:tgtEl>
-                                        <p:attrNameLst>
-                                          <p:attrName>style.visibility</p:attrName>
-                                        </p:attrNameLst>
-                                      </p:cBhvr>
-                                      <p:to>
-                                        <p:strVal val="visible"/>
-                                      </p:to>
-                                    </p:set>
-                                  </p:childTnLst>
-                                </p:cTn>
-                              </p:par>
-                              <p:par>
-                                <p:cTn id="18" presetID="1" presetClass="entr" presetSubtype="0" fill="hold" grpId="1" nodeType="withEffect">
-                                  <p:stCondLst>
-                                    <p:cond delay="0"/>
-                                  </p:stCondLst>
-                                  <p:childTnLst>
-                                    <p:set>
-                                      <p:cBhvr>
-                                        <p:cTn id="19" dur="1" fill="hold">
                                           <p:stCondLst>
                                             <p:cond delay="0"/>
                                           </p:stCondLst>
@@ -8289,13 +8841,13 @@
                           </p:cTn>
                         </p:par>
                         <p:par>
-                          <p:cTn id="20" fill="hold">
+                          <p:cTn id="18" fill="hold">
                             <p:stCondLst>
-                              <p:cond delay="5500"/>
+                              <p:cond delay="500"/>
                             </p:stCondLst>
                             <p:childTnLst>
                               <p:par>
-                                <p:cTn id="21" presetID="63" presetClass="path" presetSubtype="0" repeatCount="indefinite" accel="50000" decel="50000" fill="hold" grpId="0" nodeType="afterEffect">
+                                <p:cTn id="19" presetID="63" presetClass="path" presetSubtype="0" repeatCount="indefinite" accel="50000" decel="50000" fill="hold" grpId="0" nodeType="afterEffect">
                                   <p:stCondLst>
                                     <p:cond delay="0"/>
                                   </p:stCondLst>
@@ -8309,7 +8861,7 @@
                                   <p:childTnLst>
                                     <p:animMotion origin="layout" path="M -4.57003E-6 -3.49853E-6 L 0.63806 -0.0063 " pathEditMode="relative" rAng="0" ptsTypes="AA">
                                       <p:cBhvr>
-                                        <p:cTn id="22" dur="3000" fill="hold"/>
+                                        <p:cTn id="20" dur="3000" fill="hold"/>
                                         <p:tgtEl>
                                           <p:spTgt spid="9"/>
                                         </p:tgtEl>
@@ -8384,7 +8936,7 @@
         </p:nvSpPr>
         <p:spPr>
           <a:xfrm>
-            <a:off x="410" y="6854963"/>
+            <a:off x="0" y="6826389"/>
             <a:ext cx="10688228" cy="736461"/>
           </a:xfrm>
           <a:prstGeom prst="rect">
@@ -8423,7 +8975,7 @@
       </p:sp>
       <p:sp>
         <p:nvSpPr>
-          <p:cNvPr id="2" name="word - in future"/>
+          <p:cNvPr id="2" name="word - in future" hidden="1"/>
           <p:cNvSpPr/>
           <p:nvPr/>
         </p:nvSpPr>
@@ -8443,28 +8995,44 @@
           <a:lstStyle/>
           <a:p>
             <a:r>
-              <a:rPr lang="en-US" altLang="zh-CN" dirty="0">
+              <a:rPr lang="en-GB" altLang="zh-CN" dirty="0" smtClean="0">
                 <a:solidFill>
                   <a:schemeClr val="bg1"/>
                 </a:solidFill>
               </a:rPr>
-              <a:t>In future, the requestor will use website or mobile app to submit </a:t>
-            </a:r>
-            <a:r>
-              <a:rPr lang="en-US" altLang="zh-CN" dirty="0" smtClean="0">
+              <a:t>After </a:t>
+            </a:r>
+            <a:r>
+              <a:rPr lang="en-GB" altLang="zh-CN" dirty="0" smtClean="0">
                 <a:solidFill>
                   <a:schemeClr val="bg1"/>
                 </a:solidFill>
               </a:rPr>
-              <a:t>reimbursement </a:t>
-            </a:r>
-            <a:r>
-              <a:rPr lang="en-US" altLang="zh-CN" dirty="0">
+              <a:t>applying our </a:t>
+            </a:r>
+            <a:r>
+              <a:rPr lang="en-GB" altLang="zh-CN" dirty="0" smtClean="0">
                 <a:solidFill>
                   <a:schemeClr val="bg1"/>
                 </a:solidFill>
               </a:rPr>
-              <a:t>within the electronic invoice.</a:t>
+              <a:t>new process, </a:t>
+            </a:r>
+            <a:r>
+              <a:rPr lang="en-GB" altLang="zh-CN" dirty="0" smtClean="0">
+                <a:solidFill>
+                  <a:schemeClr val="bg1"/>
+                </a:solidFill>
+              </a:rPr>
+              <a:t>the </a:t>
+            </a:r>
+            <a:r>
+              <a:rPr lang="en-GB" altLang="zh-CN" dirty="0" smtClean="0">
+                <a:solidFill>
+                  <a:schemeClr val="bg1"/>
+                </a:solidFill>
+              </a:rPr>
+              <a:t>requestor will use a website or mobile app to submit their reimbursement request using their electronic device.</a:t>
             </a:r>
             <a:endParaRPr lang="zh-CN" altLang="en-US" dirty="0">
               <a:solidFill>
@@ -8483,7 +9051,7 @@
           <p:nvPr/>
         </p:nvPicPr>
         <p:blipFill>
-          <a:blip r:embed="rId2" cstate="screen"/>
+          <a:blip r:embed="rId3" cstate="screen"/>
           <a:srcRect/>
           <a:stretch>
             <a:fillRect/>
@@ -8502,7 +9070,7 @@
       </p:pic>
       <p:pic>
         <p:nvPicPr>
-          <p:cNvPr id="2051" name="tax pic" descr="C:\git\auto-scan\src\main\presentation\img\logo.jpg"/>
+          <p:cNvPr id="1027" name="folder" descr="C:\Users\1464202\Downloads\globe_folder_72px_1145715_easyicon.net.png"/>
           <p:cNvPicPr>
             <a:picLocks noChangeAspect="1" noChangeArrowheads="1"/>
           </p:cNvPicPr>
@@ -8510,32 +9078,6 @@
         </p:nvPicPr>
         <p:blipFill>
           <a:blip r:embed="rId3" cstate="screen"/>
-          <a:srcRect/>
-          <a:stretch>
-            <a:fillRect/>
-          </a:stretch>
-        </p:blipFill>
-        <p:spPr bwMode="auto">
-          <a:xfrm>
-            <a:off x="7858919" y="1419225"/>
-            <a:ext cx="1143000" cy="1334530"/>
-          </a:xfrm>
-          <a:prstGeom prst="rect">
-            <a:avLst/>
-          </a:prstGeom>
-          <a:noFill/>
-        </p:spPr>
-      </p:pic>
-      <p:pic>
-        <p:nvPicPr>
-          <p:cNvPr id="1027" name="folder" descr="C:\Users\1464202\Downloads\globe_folder_72px_1145715_easyicon.net.png"/>
-          <p:cNvPicPr>
-            <a:picLocks noChangeAspect="1" noChangeArrowheads="1"/>
-          </p:cNvPicPr>
-          <p:nvPr/>
-        </p:nvPicPr>
-        <p:blipFill>
-          <a:blip r:embed="rId2" cstate="screen"/>
           <a:srcRect/>
           <a:stretch>
             <a:fillRect/>
@@ -8561,7 +9103,7 @@
           <p:nvPr/>
         </p:nvPicPr>
         <p:blipFill>
-          <a:blip r:embed="rId2" cstate="screen"/>
+          <a:blip r:embed="rId3" cstate="screen"/>
           <a:srcRect/>
           <a:stretch>
             <a:fillRect/>
@@ -8580,7 +9122,7 @@
       </p:pic>
       <p:pic>
         <p:nvPicPr>
-          <p:cNvPr id="1026" name="ao pic" descr="C:\git\auto-scan\src\main\presentation\img\IMG_20180102_171716.jpg"/>
+          <p:cNvPr id="1032" name="email pic" descr="C:\git\auto-scan\src\main\presentation\img\email.jpg"/>
           <p:cNvPicPr>
             <a:picLocks noChangeAspect="1" noChangeArrowheads="1"/>
           </p:cNvPicPr>
@@ -8588,32 +9130,6 @@
         </p:nvPicPr>
         <p:blipFill>
           <a:blip r:embed="rId4" cstate="screen"/>
-          <a:srcRect/>
-          <a:stretch>
-            <a:fillRect/>
-          </a:stretch>
-        </p:blipFill>
-        <p:spPr bwMode="auto">
-          <a:xfrm>
-            <a:off x="3744119" y="1266825"/>
-            <a:ext cx="2301413" cy="1676400"/>
-          </a:xfrm>
-          <a:prstGeom prst="rect">
-            <a:avLst/>
-          </a:prstGeom>
-          <a:noFill/>
-        </p:spPr>
-      </p:pic>
-      <p:pic>
-        <p:nvPicPr>
-          <p:cNvPr id="1032" name="email pic" descr="C:\git\auto-scan\src\main\presentation\img\email.jpg"/>
-          <p:cNvPicPr>
-            <a:picLocks noChangeAspect="1" noChangeArrowheads="1"/>
-          </p:cNvPicPr>
-          <p:nvPr/>
-        </p:nvPicPr>
-        <p:blipFill>
-          <a:blip r:embed="rId5" cstate="screen"/>
           <a:srcRect/>
           <a:stretch>
             <a:fillRect/>
@@ -8630,41 +9146,9 @@
           <a:noFill/>
         </p:spPr>
       </p:pic>
-      <p:pic>
-        <p:nvPicPr>
-          <p:cNvPr id="2052" name="mobile pic"/>
-          <p:cNvPicPr>
-            <a:picLocks noChangeAspect="1" noChangeArrowheads="1"/>
-          </p:cNvPicPr>
-          <p:nvPr/>
-        </p:nvPicPr>
-        <p:blipFill>
-          <a:blip r:embed="rId6" cstate="screen"/>
-          <a:srcRect/>
-          <a:stretch>
-            <a:fillRect/>
-          </a:stretch>
-        </p:blipFill>
-        <p:spPr bwMode="auto">
-          <a:xfrm>
-            <a:off x="162719" y="1343025"/>
-            <a:ext cx="889000" cy="1663700"/>
-          </a:xfrm>
-          <a:prstGeom prst="rect">
-            <a:avLst/>
-          </a:prstGeom>
-          <a:noFill/>
-          <a:ln w="9525">
-            <a:noFill/>
-            <a:miter lim="800000"/>
-            <a:headEnd/>
-            <a:tailEnd/>
-          </a:ln>
-        </p:spPr>
-      </p:pic>
-      <p:sp>
-        <p:nvSpPr>
-          <p:cNvPr id="9" name="word - this scanner"/>
+      <p:sp>
+        <p:nvSpPr>
+          <p:cNvPr id="9" name="word - this scanner" hidden="1"/>
           <p:cNvSpPr/>
           <p:nvPr/>
         </p:nvSpPr>
@@ -8689,7 +9173,23 @@
                   <a:schemeClr val="bg1"/>
                 </a:solidFill>
               </a:rPr>
-              <a:t>AO staff can use this scanner to scan this invoice QR Code instead of manual typing, and then the invoice information will auto-import into our system</a:t>
+              <a:t>AO staff can use this scanner to scan their invoice QR Code instead of manually typing it and then the invoice </a:t>
+            </a:r>
+            <a:r>
+              <a:rPr lang="en-GB" dirty="0" smtClean="0">
+                <a:solidFill>
+                  <a:schemeClr val="bg1"/>
+                </a:solidFill>
+              </a:rPr>
+              <a:t>information </a:t>
+            </a:r>
+            <a:r>
+              <a:rPr lang="en-GB" dirty="0" smtClean="0">
+                <a:solidFill>
+                  <a:schemeClr val="bg1"/>
+                </a:solidFill>
+              </a:rPr>
+              <a:t>will auto-import into our system.</a:t>
             </a:r>
             <a:endParaRPr lang="en-GB" dirty="0">
               <a:solidFill>
@@ -8708,7 +9208,7 @@
           <p:nvPr/>
         </p:nvPicPr>
         <p:blipFill>
-          <a:blip r:embed="rId2" cstate="screen"/>
+          <a:blip r:embed="rId3" cstate="screen"/>
           <a:srcRect/>
           <a:stretch>
             <a:fillRect/>
@@ -8725,42 +9225,141 @@
           <a:noFill/>
         </p:spPr>
       </p:pic>
-      <p:pic>
-        <p:nvPicPr>
-          <p:cNvPr id="1028" name="server pic" descr="C:\Users\1464202\Downloads\69462e1246cc3f87d05815ff3eae7e99.jpg"/>
-          <p:cNvPicPr>
-            <a:picLocks noChangeAspect="1" noChangeArrowheads="1"/>
-          </p:cNvPicPr>
+      <p:grpSp>
+        <p:nvGrpSpPr>
+          <p:cNvPr id="17" name="Group 16"/>
+          <p:cNvGrpSpPr/>
           <p:nvPr/>
-        </p:nvPicPr>
-        <p:blipFill>
-          <a:blip r:embed="rId7" cstate="screen"/>
-          <a:srcRect/>
-          <a:stretch>
-            <a:fillRect/>
-          </a:stretch>
-        </p:blipFill>
-        <p:spPr bwMode="auto">
+        </p:nvGrpSpPr>
+        <p:grpSpPr>
           <a:xfrm>
-            <a:off x="4201319" y="4238625"/>
-            <a:ext cx="1400220" cy="1447800"/>
+            <a:off x="162719" y="1266825"/>
+            <a:ext cx="8839200" cy="4419600"/>
+            <a:chOff x="162719" y="1266825"/>
+            <a:chExt cx="8839200" cy="4419600"/>
           </a:xfrm>
-          <a:prstGeom prst="rect">
-            <a:avLst/>
-          </a:prstGeom>
-          <a:noFill/>
-        </p:spPr>
-      </p:pic>
-      <p:sp>
-        <p:nvSpPr>
-          <p:cNvPr id="15" name="word - auto match"/>
+        </p:grpSpPr>
+        <p:pic>
+          <p:nvPicPr>
+            <p:cNvPr id="2051" name="tax pic" descr="C:\git\auto-scan\src\main\presentation\img\logo.jpg"/>
+            <p:cNvPicPr>
+              <a:picLocks noChangeAspect="1" noChangeArrowheads="1"/>
+            </p:cNvPicPr>
+            <p:nvPr/>
+          </p:nvPicPr>
+          <p:blipFill>
+            <a:blip r:embed="rId5" cstate="screen"/>
+            <a:srcRect/>
+            <a:stretch>
+              <a:fillRect/>
+            </a:stretch>
+          </p:blipFill>
+          <p:spPr bwMode="auto">
+            <a:xfrm>
+              <a:off x="7858919" y="1419225"/>
+              <a:ext cx="1143000" cy="1334530"/>
+            </a:xfrm>
+            <a:prstGeom prst="rect">
+              <a:avLst/>
+            </a:prstGeom>
+            <a:noFill/>
+          </p:spPr>
+        </p:pic>
+        <p:pic>
+          <p:nvPicPr>
+            <p:cNvPr id="1026" name="ao pic" descr="C:\git\auto-scan\src\main\presentation\img\IMG_20180102_171716.jpg"/>
+            <p:cNvPicPr>
+              <a:picLocks noChangeAspect="1" noChangeArrowheads="1"/>
+            </p:cNvPicPr>
+            <p:nvPr/>
+          </p:nvPicPr>
+          <p:blipFill>
+            <a:blip r:embed="rId6" cstate="screen"/>
+            <a:srcRect/>
+            <a:stretch>
+              <a:fillRect/>
+            </a:stretch>
+          </p:blipFill>
+          <p:spPr bwMode="auto">
+            <a:xfrm>
+              <a:off x="3744119" y="1266825"/>
+              <a:ext cx="2301413" cy="1676400"/>
+            </a:xfrm>
+            <a:prstGeom prst="rect">
+              <a:avLst/>
+            </a:prstGeom>
+            <a:noFill/>
+          </p:spPr>
+        </p:pic>
+        <p:pic>
+          <p:nvPicPr>
+            <p:cNvPr id="2052" name="mobile pic"/>
+            <p:cNvPicPr>
+              <a:picLocks noChangeAspect="1" noChangeArrowheads="1"/>
+            </p:cNvPicPr>
+            <p:nvPr/>
+          </p:nvPicPr>
+          <p:blipFill>
+            <a:blip r:embed="rId7" cstate="screen"/>
+            <a:srcRect/>
+            <a:stretch>
+              <a:fillRect/>
+            </a:stretch>
+          </p:blipFill>
+          <p:spPr bwMode="auto">
+            <a:xfrm>
+              <a:off x="162719" y="1343025"/>
+              <a:ext cx="889000" cy="1663700"/>
+            </a:xfrm>
+            <a:prstGeom prst="rect">
+              <a:avLst/>
+            </a:prstGeom>
+            <a:noFill/>
+            <a:ln w="9525">
+              <a:noFill/>
+              <a:miter lim="800000"/>
+              <a:headEnd/>
+              <a:tailEnd/>
+            </a:ln>
+          </p:spPr>
+        </p:pic>
+        <p:pic>
+          <p:nvPicPr>
+            <p:cNvPr id="1028" name="server pic" descr="C:\Users\1464202\Downloads\69462e1246cc3f87d05815ff3eae7e99.jpg"/>
+            <p:cNvPicPr>
+              <a:picLocks noChangeAspect="1" noChangeArrowheads="1"/>
+            </p:cNvPicPr>
+            <p:nvPr/>
+          </p:nvPicPr>
+          <p:blipFill>
+            <a:blip r:embed="rId8" cstate="screen"/>
+            <a:srcRect/>
+            <a:stretch>
+              <a:fillRect/>
+            </a:stretch>
+          </p:blipFill>
+          <p:spPr bwMode="auto">
+            <a:xfrm>
+              <a:off x="4201319" y="4238625"/>
+              <a:ext cx="1400220" cy="1447800"/>
+            </a:xfrm>
+            <a:prstGeom prst="rect">
+              <a:avLst/>
+            </a:prstGeom>
+            <a:noFill/>
+          </p:spPr>
+        </p:pic>
+      </p:grpSp>
+      <p:sp>
+        <p:nvSpPr>
+          <p:cNvPr id="15" name="word - auto match" hidden="1"/>
           <p:cNvSpPr/>
           <p:nvPr/>
         </p:nvSpPr>
         <p:spPr>
           <a:xfrm>
-            <a:off x="391319" y="7058025"/>
-            <a:ext cx="8839200" cy="400110"/>
+            <a:off x="315119" y="6981825"/>
+            <a:ext cx="9982200" cy="400110"/>
           </a:xfrm>
           <a:prstGeom prst="rect">
             <a:avLst/>
@@ -8778,7 +9377,39 @@
                   <a:schemeClr val="bg1"/>
                 </a:solidFill>
               </a:rPr>
-              <a:t>The system will auto-match with China Tax Golden Source to do invoice verification.</a:t>
+              <a:t>The system will auto-match with </a:t>
+            </a:r>
+            <a:r>
+              <a:rPr lang="en-GB" dirty="0" smtClean="0">
+                <a:solidFill>
+                  <a:schemeClr val="bg1"/>
+                </a:solidFill>
+              </a:rPr>
+              <a:t>Chinese </a:t>
+            </a:r>
+            <a:r>
+              <a:rPr lang="en-GB" dirty="0" smtClean="0">
+                <a:solidFill>
+                  <a:schemeClr val="bg1"/>
+                </a:solidFill>
+              </a:rPr>
+              <a:t>Tax Golden Source to do invoice </a:t>
+            </a:r>
+            <a:r>
+              <a:rPr lang="en-GB" dirty="0" smtClean="0">
+                <a:solidFill>
+                  <a:schemeClr val="bg1"/>
+                </a:solidFill>
+              </a:rPr>
+              <a:t>verification</a:t>
+            </a:r>
+            <a:r>
+              <a:rPr lang="en-GB" dirty="0" smtClean="0">
+                <a:solidFill>
+                  <a:schemeClr val="bg1"/>
+                </a:solidFill>
+              </a:rPr>
+              <a:t>.</a:t>
             </a:r>
             <a:endParaRPr lang="en-GB" dirty="0">
               <a:solidFill>
@@ -8796,8 +9427,8 @@
         </p:nvSpPr>
         <p:spPr>
           <a:xfrm>
-            <a:off x="162719" y="6981825"/>
-            <a:ext cx="10373519" cy="400110"/>
+            <a:off x="162719" y="6829425"/>
+            <a:ext cx="10373519" cy="707886"/>
           </a:xfrm>
           <a:prstGeom prst="rect">
             <a:avLst/>
@@ -8815,7 +9446,7 @@
                   <a:schemeClr val="bg1"/>
                 </a:solidFill>
               </a:rPr>
-              <a:t>Whatever </a:t>
+              <a:t>After determining Whether the invoice is effective or not, the system will trigger an email to automatically be sent </a:t>
             </a:r>
             <a:r>
               <a:rPr lang="en-GB" dirty="0" smtClean="0">
@@ -8823,7 +9454,7 @@
                   <a:schemeClr val="bg1"/>
                 </a:solidFill>
               </a:rPr>
-              <a:t>the </a:t>
+              <a:t>to </a:t>
             </a:r>
             <a:r>
               <a:rPr lang="en-GB" dirty="0" smtClean="0">
@@ -8831,7 +9462,7 @@
                   <a:schemeClr val="bg1"/>
                 </a:solidFill>
               </a:rPr>
-              <a:t>invoice is effective or not, the system will trigger email automatically to stakeholder.</a:t>
+              <a:t>the relevant stakeholders.</a:t>
             </a:r>
             <a:endParaRPr lang="en-GB" dirty="0">
               <a:solidFill>
@@ -8844,7 +9475,7 @@
     </p:spTree>
     <p:extLst>
       <p:ext uri="{BB962C8B-B14F-4D97-AF65-F5344CB8AC3E}">
-        <p14:creationId xmlns="" xmlns:p14="http://schemas.microsoft.com/office/powerpoint/2010/main" val="3164977768"/>
+        <p14:creationId xmlns:p14="http://schemas.microsoft.com/office/powerpoint/2010/main" xmlns="" val="3164977768"/>
       </p:ext>
     </p:extLst>
   </p:cSld>
@@ -8852,7 +9483,7 @@
     <a:masterClrMapping/>
   </p:clrMapOvr>
   <mc:AlternateContent xmlns:mc="http://schemas.openxmlformats.org/markup-compatibility/2006">
-    <mc:Choice xmlns="" xmlns:p14="http://schemas.microsoft.com/office/powerpoint/2010/main" Requires="p14">
+    <mc:Choice xmlns:p14="http://schemas.microsoft.com/office/powerpoint/2010/main" xmlns="" Requires="p14">
       <p:transition spd="slow" p14:dur="2000"/>
     </mc:Choice>
     <mc:Fallback>
@@ -8871,9 +9502,6 @@
                     <p:cTn id="3" fill="hold">
                       <p:stCondLst>
                         <p:cond delay="indefinite"/>
-                        <p:cond evt="onBegin" delay="0">
-                          <p:tn val="2"/>
-                        </p:cond>
                       </p:stCondLst>
                       <p:childTnLst>
                         <p:par>
@@ -8883,10 +9511,17 @@
                             </p:stCondLst>
                             <p:childTnLst>
                               <p:par>
-                                <p:cTn id="5" presetID="63" presetClass="path" presetSubtype="0" repeatCount="3000" accel="50000" decel="50000" fill="hold" nodeType="withEffect">
+                                <p:cTn id="5" presetID="63" presetClass="path" presetSubtype="0" repeatCount="indefinite" accel="50000" decel="50000" fill="hold" nodeType="clickEffect">
                                   <p:stCondLst>
                                     <p:cond delay="0"/>
                                   </p:stCondLst>
+                                  <p:endCondLst>
+                                    <p:cond evt="onNext" delay="0">
+                                      <p:tgtEl>
+                                        <p:sldTgt/>
+                                      </p:tgtEl>
+                                    </p:cond>
+                                  </p:endCondLst>
                                   <p:childTnLst>
                                     <p:animMotion origin="layout" path="M 2.35111E-6 -4.53171E-6 L 0.36002 -0.00504 " pathEditMode="relative" rAng="0" ptsTypes="AA">
                                       <p:cBhvr>
@@ -8904,24 +9539,144 @@
                                   </p:childTnLst>
                                 </p:cTn>
                               </p:par>
-                            </p:childTnLst>
-                          </p:cTn>
-                        </p:par>
-                        <p:par>
-                          <p:cTn id="7" fill="hold">
-                            <p:stCondLst>
-                              <p:cond delay="6000"/>
-                            </p:stCondLst>
-                            <p:childTnLst>
                               <p:par>
-                                <p:cTn id="8" presetID="1" presetClass="exit" presetSubtype="0" fill="hold" grpId="0" nodeType="afterEffect">
+                                <p:cTn id="7" presetID="1" presetClass="entr" presetSubtype="0" fill="hold" nodeType="withEffect">
                                   <p:stCondLst>
                                     <p:cond delay="0"/>
                                   </p:stCondLst>
                                   <p:childTnLst>
                                     <p:set>
                                       <p:cBhvr>
-                                        <p:cTn id="9" dur="1" fill="hold">
+                                        <p:cTn id="8" dur="1" fill="hold">
+                                          <p:stCondLst>
+                                            <p:cond delay="0"/>
+                                          </p:stCondLst>
+                                        </p:cTn>
+                                        <p:tgtEl>
+                                          <p:spTgt spid="1029"/>
+                                        </p:tgtEl>
+                                        <p:attrNameLst>
+                                          <p:attrName>style.visibility</p:attrName>
+                                        </p:attrNameLst>
+                                      </p:cBhvr>
+                                      <p:to>
+                                        <p:strVal val="visible"/>
+                                      </p:to>
+                                    </p:set>
+                                  </p:childTnLst>
+                                </p:cTn>
+                              </p:par>
+                            </p:childTnLst>
+                          </p:cTn>
+                        </p:par>
+                      </p:childTnLst>
+                    </p:cTn>
+                  </p:par>
+                  <p:par>
+                    <p:cTn id="9" fill="hold">
+                      <p:stCondLst>
+                        <p:cond delay="indefinite"/>
+                      </p:stCondLst>
+                      <p:childTnLst>
+                        <p:par>
+                          <p:cTn id="10" fill="hold">
+                            <p:stCondLst>
+                              <p:cond delay="0"/>
+                            </p:stCondLst>
+                            <p:childTnLst>
+                              <p:par>
+                                <p:cTn id="11" presetID="42" presetClass="path" presetSubtype="0" repeatCount="5000" accel="50000" decel="50000" fill="hold" nodeType="clickEffect">
+                                  <p:stCondLst>
+                                    <p:cond delay="0"/>
+                                  </p:stCondLst>
+                                  <p:childTnLst>
+                                    <p:animMotion origin="layout" path="M -4.39923E-6 -3.32213E-6 L -0.00014 0.28602 " pathEditMode="relative" rAng="0" ptsTypes="AA">
+                                      <p:cBhvr>
+                                        <p:cTn id="12" dur="2000" fill="hold"/>
+                                        <p:tgtEl>
+                                          <p:spTgt spid="1029"/>
+                                        </p:tgtEl>
+                                        <p:attrNameLst>
+                                          <p:attrName>ppt_x</p:attrName>
+                                          <p:attrName>ppt_y</p:attrName>
+                                        </p:attrNameLst>
+                                      </p:cBhvr>
+                                      <p:rCtr x="0" y="143"/>
+                                    </p:animMotion>
+                                  </p:childTnLst>
+                                </p:cTn>
+                              </p:par>
+                              <p:par>
+                                <p:cTn id="13" presetID="1" presetClass="exit" presetSubtype="0" fill="hold" nodeType="withEffect">
+                                  <p:stCondLst>
+                                    <p:cond delay="0"/>
+                                  </p:stCondLst>
+                                  <p:childTnLst>
+                                    <p:set>
+                                      <p:cBhvr>
+                                        <p:cTn id="14" dur="1" fill="hold">
+                                          <p:stCondLst>
+                                            <p:cond delay="0"/>
+                                          </p:stCondLst>
+                                        </p:cTn>
+                                        <p:tgtEl>
+                                          <p:spTgt spid="1027"/>
+                                        </p:tgtEl>
+                                        <p:attrNameLst>
+                                          <p:attrName>style.visibility</p:attrName>
+                                        </p:attrNameLst>
+                                      </p:cBhvr>
+                                      <p:to>
+                                        <p:strVal val="hidden"/>
+                                      </p:to>
+                                    </p:set>
+                                  </p:childTnLst>
+                                </p:cTn>
+                              </p:par>
+                              <p:par>
+                                <p:cTn id="15" presetID="3" presetClass="entr" presetSubtype="10" fill="hold" grpId="0" nodeType="withEffect">
+                                  <p:stCondLst>
+                                    <p:cond delay="0"/>
+                                  </p:stCondLst>
+                                  <p:childTnLst>
+                                    <p:set>
+                                      <p:cBhvr>
+                                        <p:cTn id="16" dur="1" fill="hold">
+                                          <p:stCondLst>
+                                            <p:cond delay="0"/>
+                                          </p:stCondLst>
+                                        </p:cTn>
+                                        <p:tgtEl>
+                                          <p:spTgt spid="9"/>
+                                        </p:tgtEl>
+                                        <p:attrNameLst>
+                                          <p:attrName>style.visibility</p:attrName>
+                                        </p:attrNameLst>
+                                      </p:cBhvr>
+                                      <p:to>
+                                        <p:strVal val="visible"/>
+                                      </p:to>
+                                    </p:set>
+                                    <p:animEffect transition="in" filter="blinds(horizontal)">
+                                      <p:cBhvr>
+                                        <p:cTn id="17" dur="500"/>
+                                        <p:tgtEl>
+                                          <p:spTgt spid="9"/>
+                                        </p:tgtEl>
+                                      </p:cBhvr>
+                                    </p:animEffect>
+                                  </p:childTnLst>
+                                </p:cTn>
+                              </p:par>
+                              <p:par>
+                                <p:cTn id="18" presetID="1" presetClass="exit" presetSubtype="0" fill="hold" grpId="0" nodeType="withEffect">
+                                  <p:stCondLst>
+                                    <p:cond delay="0"/>
+                                  </p:stCondLst>
+                                  <p:childTnLst>
+                                    <p:set>
+                                      <p:cBhvr>
+                                        <p:cTn id="19" dur="1" fill="hold">
                                           <p:stCondLst>
                                             <p:cond delay="0"/>
                                           </p:stCondLst>
@@ -8944,120 +9699,9 @@
                           </p:cTn>
                         </p:par>
                         <p:par>
-                          <p:cTn id="10" fill="hold">
-                            <p:stCondLst>
-                              <p:cond delay="6000"/>
-                            </p:stCondLst>
-                            <p:childTnLst>
-                              <p:par>
-                                <p:cTn id="11" presetID="3" presetClass="entr" presetSubtype="10" fill="hold" grpId="0" nodeType="afterEffect">
-                                  <p:stCondLst>
-                                    <p:cond delay="0"/>
-                                  </p:stCondLst>
-                                  <p:childTnLst>
-                                    <p:set>
-                                      <p:cBhvr>
-                                        <p:cTn id="12" dur="1" fill="hold">
-                                          <p:stCondLst>
-                                            <p:cond delay="0"/>
-                                          </p:stCondLst>
-                                        </p:cTn>
-                                        <p:tgtEl>
-                                          <p:spTgt spid="9"/>
-                                        </p:tgtEl>
-                                        <p:attrNameLst>
-                                          <p:attrName>style.visibility</p:attrName>
-                                        </p:attrNameLst>
-                                      </p:cBhvr>
-                                      <p:to>
-                                        <p:strVal val="visible"/>
-                                      </p:to>
-                                    </p:set>
-                                    <p:animEffect transition="in" filter="blinds(horizontal)">
-                                      <p:cBhvr>
-                                        <p:cTn id="13" dur="500"/>
-                                        <p:tgtEl>
-                                          <p:spTgt spid="9"/>
-                                        </p:tgtEl>
-                                      </p:cBhvr>
-                                    </p:animEffect>
-                                  </p:childTnLst>
-                                </p:cTn>
-                              </p:par>
-                            </p:childTnLst>
-                          </p:cTn>
-                        </p:par>
-                        <p:par>
-                          <p:cTn id="14" fill="hold">
-                            <p:stCondLst>
-                              <p:cond delay="6500"/>
-                            </p:stCondLst>
-                            <p:childTnLst>
-                              <p:par>
-                                <p:cTn id="15" presetID="1" presetClass="entr" presetSubtype="0" fill="hold" nodeType="afterEffect">
-                                  <p:stCondLst>
-                                    <p:cond delay="0"/>
-                                  </p:stCondLst>
-                                  <p:childTnLst>
-                                    <p:set>
-                                      <p:cBhvr>
-                                        <p:cTn id="16" dur="1" fill="hold">
-                                          <p:stCondLst>
-                                            <p:cond delay="0"/>
-                                          </p:stCondLst>
-                                        </p:cTn>
-                                        <p:tgtEl>
-                                          <p:spTgt spid="1029"/>
-                                        </p:tgtEl>
-                                        <p:attrNameLst>
-                                          <p:attrName>style.visibility</p:attrName>
-                                        </p:attrNameLst>
-                                      </p:cBhvr>
-                                      <p:to>
-                                        <p:strVal val="visible"/>
-                                      </p:to>
-                                    </p:set>
-                                  </p:childTnLst>
-                                </p:cTn>
-                              </p:par>
-                            </p:childTnLst>
-                          </p:cTn>
-                        </p:par>
-                        <p:par>
-                          <p:cTn id="17" fill="hold">
-                            <p:stCondLst>
-                              <p:cond delay="6500"/>
-                            </p:stCondLst>
-                            <p:childTnLst>
-                              <p:par>
-                                <p:cTn id="18" presetID="42" presetClass="path" presetSubtype="0" repeatCount="3000" accel="50000" decel="50000" fill="hold" nodeType="afterEffect">
-                                  <p:stCondLst>
-                                    <p:cond delay="0"/>
-                                  </p:stCondLst>
-                                  <p:childTnLst>
-                                    <p:animMotion origin="layout" path="M -4.39923E-6 -3.32213E-6 L -0.00014 0.28602 " pathEditMode="relative" rAng="0" ptsTypes="AA">
-                                      <p:cBhvr>
-                                        <p:cTn id="19" dur="2000" fill="hold"/>
-                                        <p:tgtEl>
-                                          <p:spTgt spid="1029"/>
-                                        </p:tgtEl>
-                                        <p:attrNameLst>
-                                          <p:attrName>ppt_x</p:attrName>
-                                          <p:attrName>ppt_y</p:attrName>
-                                        </p:attrNameLst>
-                                      </p:cBhvr>
-                                      <p:rCtr x="0" y="143"/>
-                                    </p:animMotion>
-                                  </p:childTnLst>
-                                </p:cTn>
-                              </p:par>
-                            </p:childTnLst>
-                          </p:cTn>
-                        </p:par>
-                        <p:par>
                           <p:cTn id="20" fill="hold">
                             <p:stCondLst>
-                              <p:cond delay="12500"/>
+                              <p:cond delay="10000"/>
                             </p:stCondLst>
                             <p:childTnLst>
                               <p:par>
@@ -9093,11 +9737,11 @@
                         <p:par>
                           <p:cTn id="23" fill="hold">
                             <p:stCondLst>
-                              <p:cond delay="12500"/>
+                              <p:cond delay="10000"/>
                             </p:stCondLst>
                             <p:childTnLst>
                               <p:par>
-                                <p:cTn id="24" presetID="1" presetClass="exit" presetSubtype="0" fill="hold" grpId="2" nodeType="afterEffect">
+                                <p:cTn id="24" presetID="3" presetClass="entr" presetSubtype="10" fill="hold" grpId="0" nodeType="afterEffect">
                                   <p:stCondLst>
                                     <p:cond delay="0"/>
                                   </p:stCondLst>
@@ -9105,42 +9749,6 @@
                                     <p:set>
                                       <p:cBhvr>
                                         <p:cTn id="25" dur="1" fill="hold">
-                                          <p:stCondLst>
-                                            <p:cond delay="0"/>
-                                          </p:stCondLst>
-                                        </p:cTn>
-                                        <p:tgtEl>
-                                          <p:spTgt spid="9"/>
-                                        </p:tgtEl>
-                                        <p:attrNameLst>
-                                          <p:attrName>style.visibility</p:attrName>
-                                        </p:attrNameLst>
-                                      </p:cBhvr>
-                                      <p:to>
-                                        <p:strVal val="hidden"/>
-                                      </p:to>
-                                    </p:set>
-                                  </p:childTnLst>
-                                </p:cTn>
-                              </p:par>
-                            </p:childTnLst>
-                          </p:cTn>
-                        </p:par>
-                        <p:par>
-                          <p:cTn id="26" fill="hold">
-                            <p:stCondLst>
-                              <p:cond delay="12500"/>
-                            </p:stCondLst>
-                            <p:childTnLst>
-                              <p:par>
-                                <p:cTn id="27" presetID="3" presetClass="entr" presetSubtype="10" fill="hold" grpId="0" nodeType="afterEffect">
-                                  <p:stCondLst>
-                                    <p:cond delay="0"/>
-                                  </p:stCondLst>
-                                  <p:childTnLst>
-                                    <p:set>
-                                      <p:cBhvr>
-                                        <p:cTn id="28" dur="1" fill="hold">
                                           <p:stCondLst>
                                             <p:cond delay="0"/>
                                           </p:stCondLst>
@@ -9158,7 +9766,7 @@
                                     </p:set>
                                     <p:animEffect transition="in" filter="blinds(horizontal)">
                                       <p:cBhvr>
-                                        <p:cTn id="29" dur="500"/>
+                                        <p:cTn id="26" dur="500"/>
                                         <p:tgtEl>
                                           <p:spTgt spid="15"/>
                                         </p:tgtEl>
@@ -9170,21 +9778,37 @@
                             </p:childTnLst>
                           </p:cTn>
                         </p:par>
+                      </p:childTnLst>
+                    </p:cTn>
+                  </p:par>
+                  <p:par>
+                    <p:cTn id="27" fill="hold">
+                      <p:stCondLst>
+                        <p:cond delay="indefinite"/>
+                      </p:stCondLst>
+                      <p:childTnLst>
                         <p:par>
-                          <p:cTn id="30" fill="hold">
+                          <p:cTn id="28" fill="hold">
                             <p:stCondLst>
-                              <p:cond delay="13000"/>
+                              <p:cond delay="0"/>
                             </p:stCondLst>
                             <p:childTnLst>
                               <p:par>
-                                <p:cTn id="31" presetID="63" presetClass="path" presetSubtype="0" repeatCount="3000" accel="50000" decel="50000" fill="hold" nodeType="afterEffect">
+                                <p:cTn id="29" presetID="63" presetClass="path" presetSubtype="0" repeatCount="indefinite" accel="50000" decel="50000" fill="hold" nodeType="clickEffect">
                                   <p:stCondLst>
                                     <p:cond delay="0"/>
                                   </p:stCondLst>
+                                  <p:endCondLst>
+                                    <p:cond evt="onNext" delay="0">
+                                      <p:tgtEl>
+                                        <p:sldTgt/>
+                                      </p:tgtEl>
+                                    </p:cond>
+                                  </p:endCondLst>
                                   <p:childTnLst>
                                     <p:animMotion origin="layout" path="M -0.00014 0.00168 L 0.31933 -0.00504 " pathEditMode="relative" rAng="0" ptsTypes="AA">
                                       <p:cBhvr>
-                                        <p:cTn id="32" dur="2000" fill="hold"/>
+                                        <p:cTn id="30" dur="2000" fill="hold"/>
                                         <p:tgtEl>
                                           <p:spTgt spid="1030"/>
                                         </p:tgtEl>
@@ -9199,14 +9823,21 @@
                                 </p:cTn>
                               </p:par>
                               <p:par>
-                                <p:cTn id="33" presetID="42" presetClass="path" presetSubtype="0" repeatCount="3000" accel="50000" decel="50000" fill="hold" nodeType="withEffect">
+                                <p:cTn id="31" presetID="42" presetClass="path" presetSubtype="0" repeatCount="indefinite" accel="50000" decel="50000" fill="hold" nodeType="withEffect">
                                   <p:stCondLst>
                                     <p:cond delay="0"/>
                                   </p:stCondLst>
+                                  <p:endCondLst>
+                                    <p:cond evt="onNext" delay="0">
+                                      <p:tgtEl>
+                                        <p:sldTgt/>
+                                      </p:tgtEl>
+                                    </p:cond>
+                                  </p:endCondLst>
                                   <p:childTnLst>
                                     <p:animMotion origin="layout" path="M -1.42581E-6 -4.73331E-6 L -1.42581E-6 0.38829 " pathEditMode="relative" rAng="0" ptsTypes="AA">
                                       <p:cBhvr>
-                                        <p:cTn id="34" dur="2000" fill="hold"/>
+                                        <p:cTn id="32" dur="2000" fill="hold"/>
                                         <p:tgtEl>
                                           <p:spTgt spid="1031"/>
                                         </p:tgtEl>
@@ -9220,24 +9851,60 @@
                                   </p:childTnLst>
                                 </p:cTn>
                               </p:par>
-                            </p:childTnLst>
-                          </p:cTn>
-                        </p:par>
-                        <p:par>
-                          <p:cTn id="35" fill="hold">
-                            <p:stCondLst>
-                              <p:cond delay="19000"/>
-                            </p:stCondLst>
-                            <p:childTnLst>
                               <p:par>
-                                <p:cTn id="36" presetID="1" presetClass="exit" presetSubtype="0" fill="hold" grpId="1" nodeType="afterEffect">
+                                <p:cTn id="33" presetID="1" presetClass="exit" presetSubtype="0" fill="hold" nodeType="withEffect">
                                   <p:stCondLst>
                                     <p:cond delay="0"/>
                                   </p:stCondLst>
                                   <p:childTnLst>
                                     <p:set>
                                       <p:cBhvr>
-                                        <p:cTn id="37" dur="1" fill="hold">
+                                        <p:cTn id="34" dur="1" fill="hold">
+                                          <p:stCondLst>
+                                            <p:cond delay="0"/>
+                                          </p:stCondLst>
+                                        </p:cTn>
+                                        <p:tgtEl>
+                                          <p:spTgt spid="1029"/>
+                                        </p:tgtEl>
+                                        <p:attrNameLst>
+                                          <p:attrName>style.visibility</p:attrName>
+                                        </p:attrNameLst>
+                                      </p:cBhvr>
+                                      <p:to>
+                                        <p:strVal val="hidden"/>
+                                      </p:to>
+                                    </p:set>
+                                  </p:childTnLst>
+                                </p:cTn>
+                              </p:par>
+                            </p:childTnLst>
+                          </p:cTn>
+                        </p:par>
+                      </p:childTnLst>
+                    </p:cTn>
+                  </p:par>
+                  <p:par>
+                    <p:cTn id="35" fill="hold">
+                      <p:stCondLst>
+                        <p:cond delay="indefinite"/>
+                      </p:stCondLst>
+                      <p:childTnLst>
+                        <p:par>
+                          <p:cTn id="36" fill="hold">
+                            <p:stCondLst>
+                              <p:cond delay="0"/>
+                            </p:stCondLst>
+                            <p:childTnLst>
+                              <p:par>
+                                <p:cTn id="37" presetID="1" presetClass="exit" presetSubtype="0" fill="hold" grpId="1" nodeType="clickEffect">
+                                  <p:stCondLst>
+                                    <p:cond delay="0"/>
+                                  </p:stCondLst>
+                                  <p:childTnLst>
+                                    <p:set>
+                                      <p:cBhvr>
+                                        <p:cTn id="38" dur="1" fill="hold">
                                           <p:stCondLst>
                                             <p:cond delay="0"/>
                                           </p:stCondLst>
@@ -9256,17 +9923,8 @@
                                   </p:childTnLst>
                                 </p:cTn>
                               </p:par>
-                            </p:childTnLst>
-                          </p:cTn>
-                        </p:par>
-                        <p:par>
-                          <p:cTn id="38" fill="hold">
-                            <p:stCondLst>
-                              <p:cond delay="19000"/>
-                            </p:stCondLst>
-                            <p:childTnLst>
                               <p:par>
-                                <p:cTn id="39" presetID="1" presetClass="exit" presetSubtype="0" fill="hold" nodeType="afterEffect">
+                                <p:cTn id="39" presetID="1" presetClass="exit" presetSubtype="0" fill="hold" nodeType="withEffect">
                                   <p:stCondLst>
                                     <p:cond delay="0"/>
                                   </p:stCondLst>
@@ -9319,24 +9977,42 @@
                                   </p:childTnLst>
                                 </p:cTn>
                               </p:par>
-                            </p:childTnLst>
-                          </p:cTn>
-                        </p:par>
-                        <p:par>
-                          <p:cTn id="43" fill="hold">
-                            <p:stCondLst>
-                              <p:cond delay="19000"/>
-                            </p:stCondLst>
-                            <p:childTnLst>
                               <p:par>
-                                <p:cTn id="44" presetID="3" presetClass="entr" presetSubtype="10" fill="hold" nodeType="afterEffect">
+                                <p:cTn id="43" presetID="1" presetClass="entr" presetSubtype="0" fill="hold" nodeType="withEffect">
                                   <p:stCondLst>
                                     <p:cond delay="0"/>
                                   </p:stCondLst>
                                   <p:childTnLst>
                                     <p:set>
                                       <p:cBhvr>
-                                        <p:cTn id="45" dur="1" fill="hold">
+                                        <p:cTn id="44" dur="1" fill="hold">
+                                          <p:stCondLst>
+                                            <p:cond delay="0"/>
+                                          </p:stCondLst>
+                                        </p:cTn>
+                                        <p:tgtEl>
+                                          <p:spTgt spid="1032"/>
+                                        </p:tgtEl>
+                                        <p:attrNameLst>
+                                          <p:attrName>style.visibility</p:attrName>
+                                        </p:attrNameLst>
+                                      </p:cBhvr>
+                                      <p:to>
+                                        <p:strVal val="visible"/>
+                                      </p:to>
+                                    </p:set>
+                                  </p:childTnLst>
+                                </p:cTn>
+                              </p:par>
+                              <p:par>
+                                <p:cTn id="45" presetID="3" presetClass="entr" presetSubtype="10" fill="hold" nodeType="withEffect">
+                                  <p:stCondLst>
+                                    <p:cond delay="0"/>
+                                  </p:stCondLst>
+                                  <p:childTnLst>
+                                    <p:set>
+                                      <p:cBhvr>
+                                        <p:cTn id="46" dur="1" fill="hold">
                                           <p:stCondLst>
                                             <p:cond delay="0"/>
                                           </p:stCondLst>
@@ -9358,7 +10034,7 @@
                                     </p:set>
                                     <p:animEffect transition="in" filter="blinds(horizontal)">
                                       <p:cBhvr>
-                                        <p:cTn id="46" dur="500"/>
+                                        <p:cTn id="47" dur="500"/>
                                         <p:tgtEl>
                                           <p:spTgt spid="16">
                                             <p:txEl>
@@ -9371,51 +10047,31 @@
                                   </p:childTnLst>
                                 </p:cTn>
                               </p:par>
-                              <p:par>
-                                <p:cTn id="47" presetID="1" presetClass="entr" presetSubtype="0" fill="hold" nodeType="withEffect">
-                                  <p:stCondLst>
-                                    <p:cond delay="0"/>
-                                  </p:stCondLst>
-                                  <p:childTnLst>
-                                    <p:set>
-                                      <p:cBhvr>
-                                        <p:cTn id="48" dur="1" fill="hold">
-                                          <p:stCondLst>
-                                            <p:cond delay="0"/>
-                                          </p:stCondLst>
-                                        </p:cTn>
-                                        <p:tgtEl>
-                                          <p:spTgt spid="1032"/>
-                                        </p:tgtEl>
-                                        <p:attrNameLst>
-                                          <p:attrName>style.visibility</p:attrName>
-                                        </p:attrNameLst>
-                                      </p:cBhvr>
-                                      <p:to>
-                                        <p:strVal val="visible"/>
-                                      </p:to>
-                                    </p:set>
-                                  </p:childTnLst>
-                                </p:cTn>
-                              </p:par>
                             </p:childTnLst>
                           </p:cTn>
                         </p:par>
                         <p:par>
-                          <p:cTn id="49" fill="hold">
+                          <p:cTn id="48" fill="hold">
                             <p:stCondLst>
-                              <p:cond delay="19500"/>
+                              <p:cond delay="500"/>
                             </p:stCondLst>
                             <p:childTnLst>
                               <p:par>
-                                <p:cTn id="50" presetID="0" presetClass="path" presetSubtype="0" repeatCount="2000" accel="50000" decel="50000" fill="hold" nodeType="afterEffect">
+                                <p:cTn id="49" presetID="0" presetClass="path" presetSubtype="0" repeatCount="indefinite" accel="50000" decel="50000" fill="hold" nodeType="afterEffect">
                                   <p:stCondLst>
                                     <p:cond delay="0"/>
                                   </p:stCondLst>
+                                  <p:endCondLst>
+                                    <p:cond evt="onNext" delay="0">
+                                      <p:tgtEl>
+                                        <p:sldTgt/>
+                                      </p:tgtEl>
+                                    </p:cond>
+                                  </p:endCondLst>
                                   <p:childTnLst>
                                     <p:animMotion origin="layout" path="M -0.00564 -0.00168 C -0.12966 0.00819 -0.25323 0.01953 -0.3162 -0.03969 C -0.37888 -0.09786 -0.38007 -0.22428 -0.38126 -0.35049 " pathEditMode="relative" rAng="454581" ptsTypes="aaA">
                                       <p:cBhvr>
-                                        <p:cTn id="51" dur="3000" fill="hold"/>
+                                        <p:cTn id="50" dur="3000" fill="hold"/>
                                         <p:tgtEl>
                                           <p:spTgt spid="1032"/>
                                         </p:tgtEl>
@@ -9460,7 +10116,6 @@
       <p:bldP spid="2" grpId="0"/>
       <p:bldP spid="9" grpId="0"/>
       <p:bldP spid="9" grpId="1"/>
-      <p:bldP spid="9" grpId="2"/>
       <p:bldP spid="15" grpId="0"/>
       <p:bldP spid="15" grpId="1"/>
     </p:bldLst>
@@ -9493,8 +10148,8 @@
         </p:nvSpPr>
         <p:spPr>
           <a:xfrm>
-            <a:off x="410" y="6854964"/>
-            <a:ext cx="10688228" cy="736461"/>
+            <a:off x="410" y="6524626"/>
+            <a:ext cx="10688228" cy="1066800"/>
           </a:xfrm>
           <a:prstGeom prst="rect">
             <a:avLst/>
@@ -9530,134 +10185,149 @@
           </a:p>
         </p:txBody>
       </p:sp>
-      <p:pic>
-        <p:nvPicPr>
-          <p:cNvPr id="7171" name="Picture 3" descr="C:\Users\TJVictor\Desktop\improve efficency_副本.jpg"/>
-          <p:cNvPicPr>
-            <a:picLocks noChangeAspect="1" noChangeArrowheads="1"/>
-          </p:cNvPicPr>
+      <p:grpSp>
+        <p:nvGrpSpPr>
+          <p:cNvPr id="20" name="Group 1"/>
+          <p:cNvGrpSpPr/>
           <p:nvPr/>
-        </p:nvPicPr>
-        <p:blipFill>
-          <a:blip r:embed="rId2" cstate="screen">
-            <a:extLst>
-              <a:ext uri="{28A0092B-C50C-407E-A947-70E740481C1C}">
-                <a14:useLocalDpi xmlns="" xmlns:a14="http://schemas.microsoft.com/office/drawing/2010/main" val="0"/>
-              </a:ext>
-            </a:extLst>
-          </a:blip>
-          <a:srcRect/>
-          <a:stretch>
-            <a:fillRect/>
-          </a:stretch>
-        </p:blipFill>
-        <p:spPr bwMode="auto">
-          <a:xfrm>
-            <a:off x="668337" y="839243"/>
-            <a:ext cx="1094582" cy="581055"/>
-          </a:xfrm>
-          <a:prstGeom prst="rect">
-            <a:avLst/>
-          </a:prstGeom>
-          <a:noFill/>
-          <a:extLst>
-            <a:ext uri="{909E8E84-426E-40DD-AFC4-6F175D3DCCD1}">
-              <a14:hiddenFill xmlns="" xmlns:a14="http://schemas.microsoft.com/office/drawing/2010/main">
-                <a:solidFill>
-                  <a:srgbClr val="FFFFFF"/>
-                </a:solidFill>
-              </a14:hiddenFill>
-            </a:ext>
-          </a:extLst>
-        </p:spPr>
-      </p:pic>
-      <p:sp>
-        <p:nvSpPr>
-          <p:cNvPr id="2" name="Rectangle 1"/>
-          <p:cNvSpPr/>
-          <p:nvPr/>
-        </p:nvSpPr>
-        <p:spPr>
-          <a:xfrm>
-            <a:off x="1991519" y="929715"/>
-            <a:ext cx="6477000" cy="400110"/>
-          </a:xfrm>
-          <a:prstGeom prst="rect">
-            <a:avLst/>
-          </a:prstGeom>
-        </p:spPr>
-        <p:txBody>
-          <a:bodyPr wrap="square">
-            <a:spAutoFit/>
-          </a:bodyPr>
-          <a:lstStyle/>
-          <a:p>
-            <a:r>
-              <a:rPr lang="en-US" altLang="zh-CN" dirty="0"/>
-              <a:t>Improve 25 </a:t>
-            </a:r>
-            <a:r>
-              <a:rPr lang="en-US" altLang="zh-CN" dirty="0" smtClean="0"/>
-              <a:t>multiple efficiency</a:t>
-            </a:r>
-            <a:r>
-              <a:rPr lang="en-US" altLang="zh-CN" dirty="0"/>
-              <a:t>. </a:t>
-            </a:r>
-            <a:endParaRPr lang="zh-CN" altLang="en-US" dirty="0"/>
-          </a:p>
-        </p:txBody>
-      </p:sp>
-      <p:sp>
-        <p:nvSpPr>
-          <p:cNvPr id="3" name="Rectangle 2"/>
-          <p:cNvSpPr/>
-          <p:nvPr/>
-        </p:nvSpPr>
-        <p:spPr>
+        </p:nvGrpSpPr>
+        <p:grpSpPr>
           <a:xfrm>
             <a:off x="467519" y="657225"/>
             <a:ext cx="9677400" cy="872656"/>
+            <a:chOff x="467519" y="657225"/>
+            <a:chExt cx="9677400" cy="872656"/>
           </a:xfrm>
-          <a:prstGeom prst="rect">
-            <a:avLst/>
-          </a:prstGeom>
-          <a:noFill/>
-        </p:spPr>
-        <p:style>
-          <a:lnRef idx="2">
-            <a:schemeClr val="accent1">
-              <a:shade val="50000"/>
-            </a:schemeClr>
-          </a:lnRef>
-          <a:fillRef idx="1">
-            <a:schemeClr val="accent1"/>
-          </a:fillRef>
-          <a:effectRef idx="0">
-            <a:schemeClr val="accent1"/>
-          </a:effectRef>
-          <a:fontRef idx="minor">
-            <a:schemeClr val="lt1"/>
-          </a:fontRef>
-        </p:style>
-        <p:txBody>
-          <a:bodyPr rtlCol="0" anchor="ctr"/>
-          <a:lstStyle/>
-          <a:p>
-            <a:pPr algn="ctr"/>
-            <a:endParaRPr lang="zh-CN" altLang="en-US"/>
-          </a:p>
-        </p:txBody>
-      </p:sp>
-      <p:sp>
-        <p:nvSpPr>
-          <p:cNvPr id="6" name="Rectangle 5"/>
+        </p:grpSpPr>
+        <p:pic>
+          <p:nvPicPr>
+            <p:cNvPr id="7171" name="Picture 3" descr="C:\Users\TJVictor\Desktop\improve efficency_副本.jpg"/>
+            <p:cNvPicPr>
+              <a:picLocks noChangeAspect="1" noChangeArrowheads="1"/>
+            </p:cNvPicPr>
+            <p:nvPr/>
+          </p:nvPicPr>
+          <p:blipFill>
+            <a:blip r:embed="rId3" cstate="screen">
+              <a:extLst>
+                <a:ext uri="{28A0092B-C50C-407E-A947-70E740481C1C}">
+                  <a14:useLocalDpi xmlns:a14="http://schemas.microsoft.com/office/drawing/2010/main" xmlns="" val="0"/>
+                </a:ext>
+              </a:extLst>
+            </a:blip>
+            <a:srcRect/>
+            <a:stretch>
+              <a:fillRect/>
+            </a:stretch>
+          </p:blipFill>
+          <p:spPr bwMode="auto">
+            <a:xfrm>
+              <a:off x="668337" y="839243"/>
+              <a:ext cx="1094582" cy="581055"/>
+            </a:xfrm>
+            <a:prstGeom prst="rect">
+              <a:avLst/>
+            </a:prstGeom>
+            <a:noFill/>
+            <a:extLst>
+              <a:ext uri="{909E8E84-426E-40DD-AFC4-6F175D3DCCD1}">
+                <a14:hiddenFill xmlns:a14="http://schemas.microsoft.com/office/drawing/2010/main" xmlns="">
+                  <a:solidFill>
+                    <a:srgbClr val="FFFFFF"/>
+                  </a:solidFill>
+                </a14:hiddenFill>
+              </a:ext>
+            </a:extLst>
+          </p:spPr>
+        </p:pic>
+        <p:sp>
+          <p:nvSpPr>
+            <p:cNvPr id="2" name="Rectangle 1"/>
+            <p:cNvSpPr/>
+            <p:nvPr/>
+          </p:nvSpPr>
+          <p:spPr>
+            <a:xfrm>
+              <a:off x="1991519" y="929715"/>
+              <a:ext cx="6477000" cy="400110"/>
+            </a:xfrm>
+            <a:prstGeom prst="rect">
+              <a:avLst/>
+            </a:prstGeom>
+          </p:spPr>
+          <p:txBody>
+            <a:bodyPr wrap="square">
+              <a:spAutoFit/>
+            </a:bodyPr>
+            <a:lstStyle/>
+            <a:p>
+              <a:r>
+                <a:rPr lang="en-US" altLang="zh-CN" dirty="0"/>
+                <a:t>Improve 25 </a:t>
+              </a:r>
+              <a:r>
+                <a:rPr lang="en-US" altLang="zh-CN" dirty="0" smtClean="0"/>
+                <a:t>multiple efficiency</a:t>
+              </a:r>
+              <a:r>
+                <a:rPr lang="en-US" altLang="zh-CN" dirty="0"/>
+                <a:t>. </a:t>
+              </a:r>
+              <a:endParaRPr lang="zh-CN" altLang="en-US" dirty="0"/>
+            </a:p>
+          </p:txBody>
+        </p:sp>
+        <p:sp>
+          <p:nvSpPr>
+            <p:cNvPr id="3" name="Rectangle 2"/>
+            <p:cNvSpPr/>
+            <p:nvPr/>
+          </p:nvSpPr>
+          <p:spPr>
+            <a:xfrm>
+              <a:off x="467519" y="657225"/>
+              <a:ext cx="9677400" cy="872656"/>
+            </a:xfrm>
+            <a:prstGeom prst="rect">
+              <a:avLst/>
+            </a:prstGeom>
+            <a:noFill/>
+          </p:spPr>
+          <p:style>
+            <a:lnRef idx="2">
+              <a:schemeClr val="accent1">
+                <a:shade val="50000"/>
+              </a:schemeClr>
+            </a:lnRef>
+            <a:fillRef idx="1">
+              <a:schemeClr val="accent1"/>
+            </a:fillRef>
+            <a:effectRef idx="0">
+              <a:schemeClr val="accent1"/>
+            </a:effectRef>
+            <a:fontRef idx="minor">
+              <a:schemeClr val="lt1"/>
+            </a:fontRef>
+          </p:style>
+          <p:txBody>
+            <a:bodyPr rtlCol="0" anchor="ctr"/>
+            <a:lstStyle/>
+            <a:p>
+              <a:pPr algn="ctr"/>
+              <a:endParaRPr lang="zh-CN" altLang="en-US"/>
+            </a:p>
+          </p:txBody>
+        </p:sp>
+      </p:grpSp>
+      <p:sp>
+        <p:nvSpPr>
+          <p:cNvPr id="6" name="word 0"/>
           <p:cNvSpPr/>
           <p:nvPr/>
         </p:nvSpPr>
         <p:spPr>
           <a:xfrm>
-            <a:off x="315119" y="7023139"/>
+            <a:off x="238919" y="6600825"/>
             <a:ext cx="10133299" cy="400110"/>
           </a:xfrm>
           <a:prstGeom prst="rect">
@@ -9671,7 +10341,7 @@
           <a:lstStyle/>
           <a:p>
             <a:r>
-              <a:rPr lang="en-US" altLang="ko-KR" dirty="0">
+              <a:rPr lang="en-GB" altLang="ko-KR" dirty="0" smtClean="0">
                 <a:solidFill>
                   <a:schemeClr val="bg1"/>
                 </a:solidFill>
@@ -9680,18 +10350,25 @@
               </a:rPr>
               <a:t>After apply this new system, we can</a:t>
             </a:r>
+            <a:endParaRPr lang="en-US" altLang="ko-KR" dirty="0">
+              <a:solidFill>
+                <a:schemeClr val="bg1"/>
+              </a:solidFill>
+              <a:ea typeface="굴림" charset="-127"/>
+              <a:cs typeface="Arial" charset="0"/>
+            </a:endParaRPr>
           </a:p>
         </p:txBody>
       </p:sp>
       <p:sp>
         <p:nvSpPr>
-          <p:cNvPr id="7" name="Rectangle 6"/>
+          <p:cNvPr id="7" name="word 1"/>
           <p:cNvSpPr/>
           <p:nvPr/>
         </p:nvSpPr>
         <p:spPr>
           <a:xfrm>
-            <a:off x="199006" y="6883539"/>
+            <a:off x="238919" y="6600825"/>
             <a:ext cx="10214425" cy="707886"/>
           </a:xfrm>
           <a:prstGeom prst="rect">
@@ -9706,44 +10383,12 @@
           <a:lstStyle/>
           <a:p>
             <a:r>
-              <a:rPr lang="en-US" altLang="zh-CN" dirty="0">
+              <a:rPr lang="en-GB" altLang="zh-CN" dirty="0" smtClean="0">
                 <a:solidFill>
                   <a:schemeClr val="bg1"/>
                 </a:solidFill>
               </a:rPr>
-              <a:t>1. Improve 25 </a:t>
-            </a:r>
-            <a:r>
-              <a:rPr lang="en-US" altLang="zh-CN" dirty="0" smtClean="0">
-                <a:solidFill>
-                  <a:schemeClr val="bg1"/>
-                </a:solidFill>
-              </a:rPr>
-              <a:t>multiple efficiency</a:t>
-            </a:r>
-            <a:r>
-              <a:rPr lang="en-US" altLang="zh-CN" dirty="0">
-                <a:solidFill>
-                  <a:schemeClr val="bg1"/>
-                </a:solidFill>
-              </a:rPr>
-              <a:t>. </a:t>
-            </a:r>
-            <a:r>
-              <a:rPr lang="en-US" altLang="zh-CN" dirty="0" smtClean="0">
-                <a:solidFill>
-                  <a:schemeClr val="bg1"/>
-                </a:solidFill>
-              </a:rPr>
-              <a:t>AO </a:t>
-            </a:r>
-            <a:r>
-              <a:rPr lang="en-US" altLang="zh-CN" dirty="0">
-                <a:solidFill>
-                  <a:schemeClr val="bg1"/>
-                </a:solidFill>
-              </a:rPr>
-              <a:t>staff needs 25 seconds to input and verify an invoice at least. After using scanner, it will take less than 1 second to complete all processes.</a:t>
+              <a:t>1. Improve 25 multiple efficiency. AO staff needs 25 seconds to input and verify an invoice at least. After using scanner, it will take less than 1 second to complete all processes.</a:t>
             </a:r>
             <a:endParaRPr lang="zh-CN" altLang="en-US" dirty="0">
               <a:solidFill>
@@ -9753,126 +10398,141 @@
           </a:p>
         </p:txBody>
       </p:sp>
-      <p:sp>
-        <p:nvSpPr>
-          <p:cNvPr id="8" name="Rectangle 7"/>
-          <p:cNvSpPr/>
+      <p:grpSp>
+        <p:nvGrpSpPr>
+          <p:cNvPr id="21" name="Group 2"/>
+          <p:cNvGrpSpPr/>
           <p:nvPr/>
-        </p:nvSpPr>
-        <p:spPr>
+        </p:nvGrpSpPr>
+        <p:grpSpPr>
           <a:xfrm>
             <a:off x="467519" y="2105025"/>
             <a:ext cx="9677400" cy="914400"/>
+            <a:chOff x="467519" y="2105025"/>
+            <a:chExt cx="9677400" cy="914400"/>
           </a:xfrm>
-          <a:prstGeom prst="rect">
-            <a:avLst/>
-          </a:prstGeom>
-          <a:noFill/>
-        </p:spPr>
-        <p:style>
-          <a:lnRef idx="2">
-            <a:schemeClr val="accent1">
-              <a:shade val="50000"/>
-            </a:schemeClr>
-          </a:lnRef>
-          <a:fillRef idx="1">
-            <a:schemeClr val="accent1"/>
-          </a:fillRef>
-          <a:effectRef idx="0">
-            <a:schemeClr val="accent1"/>
-          </a:effectRef>
-          <a:fontRef idx="minor">
-            <a:schemeClr val="lt1"/>
-          </a:fontRef>
-        </p:style>
-        <p:txBody>
-          <a:bodyPr rtlCol="0" anchor="ctr"/>
-          <a:lstStyle/>
-          <a:p>
-            <a:pPr algn="ctr"/>
-            <a:endParaRPr lang="zh-CN" altLang="en-US"/>
-          </a:p>
-        </p:txBody>
-      </p:sp>
-      <p:pic>
-        <p:nvPicPr>
-          <p:cNvPr id="1026" name="Picture 2" descr="C:\Users\TJVictor\git\auto-scan\src\main\presentation\img\no error.jpg"/>
-          <p:cNvPicPr>
-            <a:picLocks noChangeAspect="1" noChangeArrowheads="1"/>
-          </p:cNvPicPr>
-          <p:nvPr/>
-        </p:nvPicPr>
-        <p:blipFill>
-          <a:blip r:embed="rId3" cstate="screen">
+        </p:grpSpPr>
+        <p:sp>
+          <p:nvSpPr>
+            <p:cNvPr id="8" name="Rectangle 7"/>
+            <p:cNvSpPr/>
+            <p:nvPr/>
+          </p:nvSpPr>
+          <p:spPr>
+            <a:xfrm>
+              <a:off x="467519" y="2105025"/>
+              <a:ext cx="9677400" cy="914400"/>
+            </a:xfrm>
+            <a:prstGeom prst="rect">
+              <a:avLst/>
+            </a:prstGeom>
+            <a:noFill/>
+          </p:spPr>
+          <p:style>
+            <a:lnRef idx="2">
+              <a:schemeClr val="accent1">
+                <a:shade val="50000"/>
+              </a:schemeClr>
+            </a:lnRef>
+            <a:fillRef idx="1">
+              <a:schemeClr val="accent1"/>
+            </a:fillRef>
+            <a:effectRef idx="0">
+              <a:schemeClr val="accent1"/>
+            </a:effectRef>
+            <a:fontRef idx="minor">
+              <a:schemeClr val="lt1"/>
+            </a:fontRef>
+          </p:style>
+          <p:txBody>
+            <a:bodyPr rtlCol="0" anchor="ctr"/>
+            <a:lstStyle/>
+            <a:p>
+              <a:pPr algn="ctr"/>
+              <a:endParaRPr lang="zh-CN" altLang="en-US"/>
+            </a:p>
+          </p:txBody>
+        </p:sp>
+        <p:pic>
+          <p:nvPicPr>
+            <p:cNvPr id="1026" name="Picture 2" descr="C:\Users\TJVictor\git\auto-scan\src\main\presentation\img\no error.jpg"/>
+            <p:cNvPicPr>
+              <a:picLocks noChangeAspect="1" noChangeArrowheads="1"/>
+            </p:cNvPicPr>
+            <p:nvPr/>
+          </p:nvPicPr>
+          <p:blipFill>
+            <a:blip r:embed="rId4" cstate="screen">
+              <a:extLst>
+                <a:ext uri="{28A0092B-C50C-407E-A947-70E740481C1C}">
+                  <a14:useLocalDpi xmlns:a14="http://schemas.microsoft.com/office/drawing/2010/main" xmlns="" val="0"/>
+                </a:ext>
+              </a:extLst>
+            </a:blip>
+            <a:srcRect/>
+            <a:stretch>
+              <a:fillRect/>
+            </a:stretch>
+          </p:blipFill>
+          <p:spPr bwMode="auto">
+            <a:xfrm>
+              <a:off x="600984" y="2176462"/>
+              <a:ext cx="1161935" cy="771525"/>
+            </a:xfrm>
+            <a:prstGeom prst="rect">
+              <a:avLst/>
+            </a:prstGeom>
+            <a:noFill/>
             <a:extLst>
-              <a:ext uri="{28A0092B-C50C-407E-A947-70E740481C1C}">
-                <a14:useLocalDpi xmlns="" xmlns:a14="http://schemas.microsoft.com/office/drawing/2010/main" val="0"/>
+              <a:ext uri="{909E8E84-426E-40DD-AFC4-6F175D3DCCD1}">
+                <a14:hiddenFill xmlns:a14="http://schemas.microsoft.com/office/drawing/2010/main" xmlns="">
+                  <a:solidFill>
+                    <a:srgbClr val="FFFFFF"/>
+                  </a:solidFill>
+                </a14:hiddenFill>
               </a:ext>
             </a:extLst>
-          </a:blip>
-          <a:srcRect/>
-          <a:stretch>
-            <a:fillRect/>
-          </a:stretch>
-        </p:blipFill>
-        <p:spPr bwMode="auto">
-          <a:xfrm>
-            <a:off x="600984" y="2176462"/>
-            <a:ext cx="1161935" cy="771525"/>
-          </a:xfrm>
-          <a:prstGeom prst="rect">
-            <a:avLst/>
-          </a:prstGeom>
-          <a:noFill/>
-          <a:extLst>
-            <a:ext uri="{909E8E84-426E-40DD-AFC4-6F175D3DCCD1}">
-              <a14:hiddenFill xmlns="" xmlns:a14="http://schemas.microsoft.com/office/drawing/2010/main">
-                <a:solidFill>
-                  <a:srgbClr val="FFFFFF"/>
-                </a:solidFill>
-              </a14:hiddenFill>
-            </a:ext>
-          </a:extLst>
-        </p:spPr>
-      </p:pic>
-      <p:sp>
-        <p:nvSpPr>
-          <p:cNvPr id="9" name="Rectangle 8"/>
+          </p:spPr>
+        </p:pic>
+        <p:sp>
+          <p:nvSpPr>
+            <p:cNvPr id="9" name="Rectangle 8"/>
+            <p:cNvSpPr/>
+            <p:nvPr/>
+          </p:nvSpPr>
+          <p:spPr>
+            <a:xfrm>
+              <a:off x="2001838" y="2362170"/>
+              <a:ext cx="3080715" cy="400110"/>
+            </a:xfrm>
+            <a:prstGeom prst="rect">
+              <a:avLst/>
+            </a:prstGeom>
+          </p:spPr>
+          <p:txBody>
+            <a:bodyPr wrap="none">
+              <a:spAutoFit/>
+            </a:bodyPr>
+            <a:lstStyle/>
+            <a:p>
+              <a:r>
+                <a:rPr lang="en-US" altLang="zh-CN" dirty="0"/>
+                <a:t>Reduce manual risk to Zero.</a:t>
+              </a:r>
+              <a:endParaRPr lang="zh-CN" altLang="en-US" dirty="0"/>
+            </a:p>
+          </p:txBody>
+        </p:sp>
+      </p:grpSp>
+      <p:sp>
+        <p:nvSpPr>
+          <p:cNvPr id="10" name="word 2"/>
           <p:cNvSpPr/>
           <p:nvPr/>
         </p:nvSpPr>
         <p:spPr>
           <a:xfrm>
-            <a:off x="2001838" y="2362170"/>
-            <a:ext cx="3080715" cy="400110"/>
-          </a:xfrm>
-          <a:prstGeom prst="rect">
-            <a:avLst/>
-          </a:prstGeom>
-        </p:spPr>
-        <p:txBody>
-          <a:bodyPr wrap="none">
-            <a:spAutoFit/>
-          </a:bodyPr>
-          <a:lstStyle/>
-          <a:p>
-            <a:r>
-              <a:rPr lang="en-US" altLang="zh-CN" dirty="0"/>
-              <a:t>Reduce manual risk to Zero.</a:t>
-            </a:r>
-            <a:endParaRPr lang="zh-CN" altLang="en-US" dirty="0"/>
-          </a:p>
-        </p:txBody>
-      </p:sp>
-      <p:sp>
-        <p:nvSpPr>
-          <p:cNvPr id="10" name="Rectangle 9"/>
-          <p:cNvSpPr/>
-          <p:nvPr/>
-        </p:nvSpPr>
-        <p:spPr>
-          <a:xfrm>
-            <a:off x="199006" y="6854964"/>
+            <a:off x="162719" y="6600825"/>
             <a:ext cx="9982200" cy="707886"/>
           </a:xfrm>
           <a:prstGeom prst="rect">
@@ -9886,7 +10546,7 @@
           <a:lstStyle/>
           <a:p>
             <a:r>
-              <a:rPr lang="en-US" altLang="zh-CN" dirty="0">
+              <a:rPr lang="en-GB" altLang="zh-CN" dirty="0" smtClean="0">
                 <a:solidFill>
                   <a:schemeClr val="bg1"/>
                 </a:solidFill>
@@ -9901,126 +10561,141 @@
           </a:p>
         </p:txBody>
       </p:sp>
-      <p:pic>
-        <p:nvPicPr>
-          <p:cNvPr id="1027" name="Picture 3" descr="C:\Users\TJVictor\git\auto-scan\src\main\presentation\img\data1.png"/>
-          <p:cNvPicPr>
-            <a:picLocks noChangeAspect="1" noChangeArrowheads="1"/>
-          </p:cNvPicPr>
+      <p:grpSp>
+        <p:nvGrpSpPr>
+          <p:cNvPr id="22" name="Group 3"/>
+          <p:cNvGrpSpPr/>
           <p:nvPr/>
-        </p:nvPicPr>
-        <p:blipFill>
-          <a:blip r:embed="rId4" cstate="screen">
-            <a:extLst>
-              <a:ext uri="{28A0092B-C50C-407E-A947-70E740481C1C}">
-                <a14:useLocalDpi xmlns="" xmlns:a14="http://schemas.microsoft.com/office/drawing/2010/main" val="0"/>
-              </a:ext>
-            </a:extLst>
-          </a:blip>
-          <a:srcRect/>
-          <a:stretch>
-            <a:fillRect/>
-          </a:stretch>
-        </p:blipFill>
-        <p:spPr bwMode="auto">
-          <a:xfrm>
-            <a:off x="829583" y="3657658"/>
-            <a:ext cx="704735" cy="704733"/>
-          </a:xfrm>
-          <a:prstGeom prst="rect">
-            <a:avLst/>
-          </a:prstGeom>
-          <a:noFill/>
-          <a:extLst>
-            <a:ext uri="{909E8E84-426E-40DD-AFC4-6F175D3DCCD1}">
-              <a14:hiddenFill xmlns="" xmlns:a14="http://schemas.microsoft.com/office/drawing/2010/main">
-                <a:solidFill>
-                  <a:srgbClr val="FFFFFF"/>
-                </a:solidFill>
-              </a14:hiddenFill>
-            </a:ext>
-          </a:extLst>
-        </p:spPr>
-      </p:pic>
-      <p:sp>
-        <p:nvSpPr>
-          <p:cNvPr id="11" name="Rectangle 10"/>
-          <p:cNvSpPr/>
-          <p:nvPr/>
-        </p:nvSpPr>
-        <p:spPr>
+        </p:nvGrpSpPr>
+        <p:grpSpPr>
           <a:xfrm>
             <a:off x="467519" y="3552825"/>
             <a:ext cx="9677400" cy="914400"/>
+            <a:chOff x="467519" y="3552825"/>
+            <a:chExt cx="9677400" cy="914400"/>
           </a:xfrm>
-          <a:prstGeom prst="rect">
-            <a:avLst/>
-          </a:prstGeom>
-          <a:noFill/>
-        </p:spPr>
-        <p:style>
-          <a:lnRef idx="2">
-            <a:schemeClr val="accent1">
-              <a:shade val="50000"/>
-            </a:schemeClr>
-          </a:lnRef>
-          <a:fillRef idx="1">
-            <a:schemeClr val="accent1"/>
-          </a:fillRef>
-          <a:effectRef idx="0">
-            <a:schemeClr val="accent1"/>
-          </a:effectRef>
-          <a:fontRef idx="minor">
-            <a:schemeClr val="lt1"/>
-          </a:fontRef>
-        </p:style>
-        <p:txBody>
-          <a:bodyPr rtlCol="0" anchor="ctr"/>
-          <a:lstStyle/>
-          <a:p>
-            <a:pPr algn="ctr"/>
-            <a:endParaRPr lang="zh-CN" altLang="en-US"/>
-          </a:p>
-        </p:txBody>
-      </p:sp>
-      <p:sp>
-        <p:nvSpPr>
-          <p:cNvPr id="12" name="Rectangle 11"/>
+        </p:grpSpPr>
+        <p:pic>
+          <p:nvPicPr>
+            <p:cNvPr id="1027" name="Picture 3" descr="C:\Users\TJVictor\git\auto-scan\src\main\presentation\img\data1.png"/>
+            <p:cNvPicPr>
+              <a:picLocks noChangeAspect="1" noChangeArrowheads="1"/>
+            </p:cNvPicPr>
+            <p:nvPr/>
+          </p:nvPicPr>
+          <p:blipFill>
+            <a:blip r:embed="rId5" cstate="screen">
+              <a:extLst>
+                <a:ext uri="{28A0092B-C50C-407E-A947-70E740481C1C}">
+                  <a14:useLocalDpi xmlns:a14="http://schemas.microsoft.com/office/drawing/2010/main" xmlns="" val="0"/>
+                </a:ext>
+              </a:extLst>
+            </a:blip>
+            <a:srcRect/>
+            <a:stretch>
+              <a:fillRect/>
+            </a:stretch>
+          </p:blipFill>
+          <p:spPr bwMode="auto">
+            <a:xfrm>
+              <a:off x="829583" y="3657658"/>
+              <a:ext cx="704735" cy="704733"/>
+            </a:xfrm>
+            <a:prstGeom prst="rect">
+              <a:avLst/>
+            </a:prstGeom>
+            <a:noFill/>
+            <a:extLst>
+              <a:ext uri="{909E8E84-426E-40DD-AFC4-6F175D3DCCD1}">
+                <a14:hiddenFill xmlns:a14="http://schemas.microsoft.com/office/drawing/2010/main" xmlns="">
+                  <a:solidFill>
+                    <a:srgbClr val="FFFFFF"/>
+                  </a:solidFill>
+                </a14:hiddenFill>
+              </a:ext>
+            </a:extLst>
+          </p:spPr>
+        </p:pic>
+        <p:sp>
+          <p:nvSpPr>
+            <p:cNvPr id="11" name="Rectangle 10"/>
+            <p:cNvSpPr/>
+            <p:nvPr/>
+          </p:nvSpPr>
+          <p:spPr>
+            <a:xfrm>
+              <a:off x="467519" y="3552825"/>
+              <a:ext cx="9677400" cy="914400"/>
+            </a:xfrm>
+            <a:prstGeom prst="rect">
+              <a:avLst/>
+            </a:prstGeom>
+            <a:noFill/>
+          </p:spPr>
+          <p:style>
+            <a:lnRef idx="2">
+              <a:schemeClr val="accent1">
+                <a:shade val="50000"/>
+              </a:schemeClr>
+            </a:lnRef>
+            <a:fillRef idx="1">
+              <a:schemeClr val="accent1"/>
+            </a:fillRef>
+            <a:effectRef idx="0">
+              <a:schemeClr val="accent1"/>
+            </a:effectRef>
+            <a:fontRef idx="minor">
+              <a:schemeClr val="lt1"/>
+            </a:fontRef>
+          </p:style>
+          <p:txBody>
+            <a:bodyPr rtlCol="0" anchor="ctr"/>
+            <a:lstStyle/>
+            <a:p>
+              <a:pPr algn="ctr"/>
+              <a:endParaRPr lang="zh-CN" altLang="en-US"/>
+            </a:p>
+          </p:txBody>
+        </p:sp>
+        <p:sp>
+          <p:nvSpPr>
+            <p:cNvPr id="12" name="Rectangle 11"/>
+            <p:cNvSpPr/>
+            <p:nvPr/>
+          </p:nvSpPr>
+          <p:spPr>
+            <a:xfrm>
+              <a:off x="2037557" y="3809970"/>
+              <a:ext cx="2389052" cy="400110"/>
+            </a:xfrm>
+            <a:prstGeom prst="rect">
+              <a:avLst/>
+            </a:prstGeom>
+          </p:spPr>
+          <p:txBody>
+            <a:bodyPr wrap="none">
+              <a:spAutoFit/>
+            </a:bodyPr>
+            <a:lstStyle/>
+            <a:p>
+              <a:r>
+                <a:rPr lang="en-US" altLang="zh-CN" dirty="0" smtClean="0"/>
+                <a:t>Digital and eco-office</a:t>
+              </a:r>
+              <a:endParaRPr lang="zh-CN" altLang="en-US" dirty="0"/>
+            </a:p>
+          </p:txBody>
+        </p:sp>
+      </p:grpSp>
+      <p:sp>
+        <p:nvSpPr>
+          <p:cNvPr id="13" name="word 3"/>
           <p:cNvSpPr/>
           <p:nvPr/>
         </p:nvSpPr>
         <p:spPr>
           <a:xfrm>
-            <a:off x="2037557" y="3809970"/>
-            <a:ext cx="2389052" cy="400110"/>
-          </a:xfrm>
-          <a:prstGeom prst="rect">
-            <a:avLst/>
-          </a:prstGeom>
-        </p:spPr>
-        <p:txBody>
-          <a:bodyPr wrap="none">
-            <a:spAutoFit/>
-          </a:bodyPr>
-          <a:lstStyle/>
-          <a:p>
-            <a:r>
-              <a:rPr lang="en-US" altLang="zh-CN" dirty="0" smtClean="0"/>
-              <a:t>Digital and eco-office</a:t>
-            </a:r>
-            <a:endParaRPr lang="zh-CN" altLang="en-US" dirty="0"/>
-          </a:p>
-        </p:txBody>
-      </p:sp>
-      <p:sp>
-        <p:nvSpPr>
-          <p:cNvPr id="13" name="Rectangle 12"/>
-          <p:cNvSpPr/>
-          <p:nvPr/>
-        </p:nvSpPr>
-        <p:spPr>
-          <a:xfrm>
-            <a:off x="140300" y="6854964"/>
+            <a:off x="162719" y="6677025"/>
             <a:ext cx="10179438" cy="707886"/>
           </a:xfrm>
           <a:prstGeom prst="rect">
@@ -10034,7 +10709,7 @@
           <a:lstStyle/>
           <a:p>
             <a:r>
-              <a:rPr lang="en-US" altLang="zh-CN" dirty="0" smtClean="0">
+              <a:rPr lang="en-GB" altLang="zh-CN" dirty="0" smtClean="0">
                 <a:solidFill>
                   <a:schemeClr val="bg1"/>
                 </a:solidFill>
@@ -10049,127 +10724,142 @@
           </a:p>
         </p:txBody>
       </p:sp>
-      <p:pic>
-        <p:nvPicPr>
-          <p:cNvPr id="1028" name="Picture 4" descr="C:\Users\TJVictor\git\auto-scan\src\main\presentation\img\auto.jpg"/>
-          <p:cNvPicPr>
-            <a:picLocks noChangeAspect="1" noChangeArrowheads="1"/>
-          </p:cNvPicPr>
+      <p:grpSp>
+        <p:nvGrpSpPr>
+          <p:cNvPr id="23" name="Group 4"/>
+          <p:cNvGrpSpPr/>
           <p:nvPr/>
-        </p:nvPicPr>
-        <p:blipFill>
-          <a:blip r:embed="rId5" cstate="screen">
-            <a:extLst>
-              <a:ext uri="{28A0092B-C50C-407E-A947-70E740481C1C}">
-                <a14:useLocalDpi xmlns="" xmlns:a14="http://schemas.microsoft.com/office/drawing/2010/main" val="0"/>
-              </a:ext>
-            </a:extLst>
-          </a:blip>
-          <a:srcRect/>
-          <a:stretch>
-            <a:fillRect/>
-          </a:stretch>
-        </p:blipFill>
-        <p:spPr bwMode="auto">
-          <a:xfrm>
-            <a:off x="600984" y="5260975"/>
-            <a:ext cx="1351935" cy="698500"/>
-          </a:xfrm>
-          <a:prstGeom prst="rect">
-            <a:avLst/>
-          </a:prstGeom>
-          <a:noFill/>
-          <a:extLst>
-            <a:ext uri="{909E8E84-426E-40DD-AFC4-6F175D3DCCD1}">
-              <a14:hiddenFill xmlns="" xmlns:a14="http://schemas.microsoft.com/office/drawing/2010/main">
-                <a:solidFill>
-                  <a:srgbClr val="FFFFFF"/>
-                </a:solidFill>
-              </a14:hiddenFill>
-            </a:ext>
-          </a:extLst>
-        </p:spPr>
-      </p:pic>
-      <p:sp>
-        <p:nvSpPr>
-          <p:cNvPr id="14" name="Rectangle 13"/>
-          <p:cNvSpPr/>
-          <p:nvPr/>
-        </p:nvSpPr>
-        <p:spPr>
+        </p:nvGrpSpPr>
+        <p:grpSpPr>
           <a:xfrm>
             <a:off x="467519" y="5153025"/>
             <a:ext cx="9713687" cy="914400"/>
+            <a:chOff x="467519" y="5153025"/>
+            <a:chExt cx="9713687" cy="914400"/>
           </a:xfrm>
-          <a:prstGeom prst="rect">
-            <a:avLst/>
-          </a:prstGeom>
-          <a:noFill/>
-        </p:spPr>
-        <p:style>
-          <a:lnRef idx="2">
-            <a:schemeClr val="accent1">
-              <a:shade val="50000"/>
-            </a:schemeClr>
-          </a:lnRef>
-          <a:fillRef idx="1">
-            <a:schemeClr val="accent1"/>
-          </a:fillRef>
-          <a:effectRef idx="0">
-            <a:schemeClr val="accent1"/>
-          </a:effectRef>
-          <a:fontRef idx="minor">
-            <a:schemeClr val="lt1"/>
-          </a:fontRef>
-        </p:style>
-        <p:txBody>
-          <a:bodyPr rtlCol="0" anchor="ctr"/>
-          <a:lstStyle/>
-          <a:p>
-            <a:pPr algn="ctr"/>
-            <a:endParaRPr lang="zh-CN" altLang="en-US"/>
-          </a:p>
-        </p:txBody>
-      </p:sp>
-      <p:sp>
-        <p:nvSpPr>
-          <p:cNvPr id="15" name="Rectangle 14"/>
+        </p:grpSpPr>
+        <p:pic>
+          <p:nvPicPr>
+            <p:cNvPr id="1028" name="Picture 4" descr="C:\Users\TJVictor\git\auto-scan\src\main\presentation\img\auto.jpg"/>
+            <p:cNvPicPr>
+              <a:picLocks noChangeAspect="1" noChangeArrowheads="1"/>
+            </p:cNvPicPr>
+            <p:nvPr/>
+          </p:nvPicPr>
+          <p:blipFill>
+            <a:blip r:embed="rId6" cstate="screen">
+              <a:extLst>
+                <a:ext uri="{28A0092B-C50C-407E-A947-70E740481C1C}">
+                  <a14:useLocalDpi xmlns:a14="http://schemas.microsoft.com/office/drawing/2010/main" xmlns="" val="0"/>
+                </a:ext>
+              </a:extLst>
+            </a:blip>
+            <a:srcRect/>
+            <a:stretch>
+              <a:fillRect/>
+            </a:stretch>
+          </p:blipFill>
+          <p:spPr bwMode="auto">
+            <a:xfrm>
+              <a:off x="600984" y="5260975"/>
+              <a:ext cx="1351935" cy="698500"/>
+            </a:xfrm>
+            <a:prstGeom prst="rect">
+              <a:avLst/>
+            </a:prstGeom>
+            <a:noFill/>
+            <a:extLst>
+              <a:ext uri="{909E8E84-426E-40DD-AFC4-6F175D3DCCD1}">
+                <a14:hiddenFill xmlns:a14="http://schemas.microsoft.com/office/drawing/2010/main" xmlns="">
+                  <a:solidFill>
+                    <a:srgbClr val="FFFFFF"/>
+                  </a:solidFill>
+                </a14:hiddenFill>
+              </a:ext>
+            </a:extLst>
+          </p:spPr>
+        </p:pic>
+        <p:sp>
+          <p:nvSpPr>
+            <p:cNvPr id="14" name="Rectangle 13"/>
+            <p:cNvSpPr/>
+            <p:nvPr/>
+          </p:nvSpPr>
+          <p:spPr>
+            <a:xfrm>
+              <a:off x="467519" y="5153025"/>
+              <a:ext cx="9713687" cy="914400"/>
+            </a:xfrm>
+            <a:prstGeom prst="rect">
+              <a:avLst/>
+            </a:prstGeom>
+            <a:noFill/>
+          </p:spPr>
+          <p:style>
+            <a:lnRef idx="2">
+              <a:schemeClr val="accent1">
+                <a:shade val="50000"/>
+              </a:schemeClr>
+            </a:lnRef>
+            <a:fillRef idx="1">
+              <a:schemeClr val="accent1"/>
+            </a:fillRef>
+            <a:effectRef idx="0">
+              <a:schemeClr val="accent1"/>
+            </a:effectRef>
+            <a:fontRef idx="minor">
+              <a:schemeClr val="lt1"/>
+            </a:fontRef>
+          </p:style>
+          <p:txBody>
+            <a:bodyPr rtlCol="0" anchor="ctr"/>
+            <a:lstStyle/>
+            <a:p>
+              <a:pPr algn="ctr"/>
+              <a:endParaRPr lang="zh-CN" altLang="en-US"/>
+            </a:p>
+          </p:txBody>
+        </p:sp>
+        <p:sp>
+          <p:nvSpPr>
+            <p:cNvPr id="15" name="Rectangle 14"/>
+            <p:cNvSpPr/>
+            <p:nvPr/>
+          </p:nvSpPr>
+          <p:spPr>
+            <a:xfrm>
+              <a:off x="2162339" y="5410170"/>
+              <a:ext cx="2024850" cy="400110"/>
+            </a:xfrm>
+            <a:prstGeom prst="rect">
+              <a:avLst/>
+            </a:prstGeom>
+          </p:spPr>
+          <p:txBody>
+            <a:bodyPr wrap="none">
+              <a:spAutoFit/>
+            </a:bodyPr>
+            <a:lstStyle/>
+            <a:p>
+              <a:r>
+                <a:rPr lang="en-US" altLang="zh-CN" dirty="0" smtClean="0"/>
+                <a:t>Audit automation</a:t>
+              </a:r>
+              <a:endParaRPr lang="zh-CN" altLang="en-US" dirty="0"/>
+            </a:p>
+          </p:txBody>
+        </p:sp>
+      </p:grpSp>
+      <p:sp>
+        <p:nvSpPr>
+          <p:cNvPr id="16" name="word 4"/>
           <p:cNvSpPr/>
           <p:nvPr/>
         </p:nvSpPr>
         <p:spPr>
           <a:xfrm>
-            <a:off x="2162339" y="5410170"/>
-            <a:ext cx="2024850" cy="400110"/>
-          </a:xfrm>
-          <a:prstGeom prst="rect">
-            <a:avLst/>
-          </a:prstGeom>
-        </p:spPr>
-        <p:txBody>
-          <a:bodyPr wrap="none">
-            <a:spAutoFit/>
-          </a:bodyPr>
-          <a:lstStyle/>
-          <a:p>
-            <a:r>
-              <a:rPr lang="en-US" altLang="zh-CN" dirty="0" smtClean="0"/>
-              <a:t>Audit automation</a:t>
-            </a:r>
-            <a:endParaRPr lang="zh-CN" altLang="en-US" dirty="0"/>
-          </a:p>
-        </p:txBody>
-      </p:sp>
-      <p:sp>
-        <p:nvSpPr>
-          <p:cNvPr id="16" name="Rectangle 15"/>
-          <p:cNvSpPr/>
-          <p:nvPr/>
-        </p:nvSpPr>
-        <p:spPr>
-          <a:xfrm>
-            <a:off x="63499" y="6854964"/>
-            <a:ext cx="10625139" cy="707886"/>
+            <a:off x="162719" y="6547187"/>
+            <a:ext cx="10221119" cy="1015663"/>
           </a:xfrm>
           <a:prstGeom prst="rect">
             <a:avLst/>
@@ -10182,44 +10872,12 @@
           <a:lstStyle/>
           <a:p>
             <a:r>
-              <a:rPr lang="en-US" altLang="zh-CN" dirty="0">
+              <a:rPr lang="en-GB" altLang="zh-CN" dirty="0" smtClean="0">
                 <a:solidFill>
                   <a:schemeClr val="bg1"/>
                 </a:solidFill>
               </a:rPr>
-              <a:t>4. </a:t>
-            </a:r>
-            <a:r>
-              <a:rPr lang="en-US" altLang="zh-CN" dirty="0" smtClean="0">
-                <a:solidFill>
-                  <a:schemeClr val="bg1"/>
-                </a:solidFill>
-              </a:rPr>
-              <a:t>Everything </a:t>
-            </a:r>
-            <a:r>
-              <a:rPr lang="en-US" altLang="zh-CN" dirty="0">
-                <a:solidFill>
-                  <a:schemeClr val="bg1"/>
-                </a:solidFill>
-              </a:rPr>
-              <a:t>is saving in database, so we can search and check history invoice easily for end of year audit. If it is still paper invoice, it will be a huge job </a:t>
-            </a:r>
-            <a:r>
-              <a:rPr lang="en-US" altLang="zh-CN" dirty="0" smtClean="0">
-                <a:solidFill>
-                  <a:schemeClr val="bg1"/>
-                </a:solidFill>
-              </a:rPr>
-              <a:t>to look </a:t>
-            </a:r>
-            <a:r>
-              <a:rPr lang="en-US" altLang="zh-CN" dirty="0">
-                <a:solidFill>
-                  <a:schemeClr val="bg1"/>
-                </a:solidFill>
-              </a:rPr>
-              <a:t>for one invoice from thousands of invoices.</a:t>
+              <a:t>4. Audit automation. Everything is saving in database, so we can search and check history invoice easily for end of year audit as well as generate accounting report. If it is still using paper invoice, it will be a huge job to look for one invoice from thousands of invoices.</a:t>
             </a:r>
             <a:endParaRPr lang="zh-CN" altLang="en-US" dirty="0">
               <a:solidFill>
@@ -10232,7 +10890,7 @@
     </p:spTree>
     <p:extLst>
       <p:ext uri="{BB962C8B-B14F-4D97-AF65-F5344CB8AC3E}">
-        <p14:creationId xmlns="" xmlns:p14="http://schemas.microsoft.com/office/powerpoint/2010/main" val="750072324"/>
+        <p14:creationId xmlns:p14="http://schemas.microsoft.com/office/powerpoint/2010/main" xmlns="" val="750072324"/>
       </p:ext>
     </p:extLst>
   </p:cSld>
@@ -10240,7 +10898,7 @@
     <a:masterClrMapping/>
   </p:clrMapOvr>
   <mc:AlternateContent xmlns:mc="http://schemas.openxmlformats.org/markup-compatibility/2006">
-    <mc:Choice xmlns="" xmlns:p14="http://schemas.microsoft.com/office/powerpoint/2010/main" Requires="p14">
+    <mc:Choice xmlns:p14="http://schemas.microsoft.com/office/powerpoint/2010/main" xmlns="" Requires="p14">
       <p:transition spd="slow" p14:dur="2000"/>
     </mc:Choice>
     <mc:Fallback>
@@ -10259,9 +10917,6 @@
                     <p:cTn id="3" fill="hold">
                       <p:stCondLst>
                         <p:cond delay="indefinite"/>
-                        <p:cond evt="onBegin" delay="0">
-                          <p:tn val="2"/>
-                        </p:cond>
                       </p:stCondLst>
                       <p:childTnLst>
                         <p:par>
@@ -10271,119 +10926,14 @@
                             </p:stCondLst>
                             <p:childTnLst>
                               <p:par>
-                                <p:cTn id="5" presetID="14" presetClass="entr" presetSubtype="5" fill="hold" nodeType="withEffect">
+                                <p:cTn id="5" presetID="1" presetClass="exit" presetSubtype="0" fill="hold" nodeType="clickEffect">
                                   <p:stCondLst>
-                                    <p:cond delay="3000"/>
+                                    <p:cond delay="0"/>
                                   </p:stCondLst>
                                   <p:childTnLst>
                                     <p:set>
                                       <p:cBhvr>
                                         <p:cTn id="6" dur="1" fill="hold">
-                                          <p:stCondLst>
-                                            <p:cond delay="0"/>
-                                          </p:stCondLst>
-                                        </p:cTn>
-                                        <p:tgtEl>
-                                          <p:spTgt spid="7171"/>
-                                        </p:tgtEl>
-                                        <p:attrNameLst>
-                                          <p:attrName>style.visibility</p:attrName>
-                                        </p:attrNameLst>
-                                      </p:cBhvr>
-                                      <p:to>
-                                        <p:strVal val="visible"/>
-                                      </p:to>
-                                    </p:set>
-                                    <p:animEffect transition="in" filter="randombar(vertical)">
-                                      <p:cBhvr>
-                                        <p:cTn id="7" dur="500"/>
-                                        <p:tgtEl>
-                                          <p:spTgt spid="7171"/>
-                                        </p:tgtEl>
-                                      </p:cBhvr>
-                                    </p:animEffect>
-                                  </p:childTnLst>
-                                </p:cTn>
-                              </p:par>
-                              <p:par>
-                                <p:cTn id="8" presetID="14" presetClass="entr" presetSubtype="5" fill="hold" grpId="0" nodeType="withEffect">
-                                  <p:stCondLst>
-                                    <p:cond delay="3000"/>
-                                  </p:stCondLst>
-                                  <p:childTnLst>
-                                    <p:set>
-                                      <p:cBhvr>
-                                        <p:cTn id="9" dur="1" fill="hold">
-                                          <p:stCondLst>
-                                            <p:cond delay="0"/>
-                                          </p:stCondLst>
-                                        </p:cTn>
-                                        <p:tgtEl>
-                                          <p:spTgt spid="2"/>
-                                        </p:tgtEl>
-                                        <p:attrNameLst>
-                                          <p:attrName>style.visibility</p:attrName>
-                                        </p:attrNameLst>
-                                      </p:cBhvr>
-                                      <p:to>
-                                        <p:strVal val="visible"/>
-                                      </p:to>
-                                    </p:set>
-                                    <p:animEffect transition="in" filter="randombar(vertical)">
-                                      <p:cBhvr>
-                                        <p:cTn id="10" dur="500"/>
-                                        <p:tgtEl>
-                                          <p:spTgt spid="2"/>
-                                        </p:tgtEl>
-                                      </p:cBhvr>
-                                    </p:animEffect>
-                                  </p:childTnLst>
-                                </p:cTn>
-                              </p:par>
-                              <p:par>
-                                <p:cTn id="11" presetID="14" presetClass="entr" presetSubtype="5" fill="hold" grpId="0" nodeType="withEffect">
-                                  <p:stCondLst>
-                                    <p:cond delay="3000"/>
-                                  </p:stCondLst>
-                                  <p:childTnLst>
-                                    <p:set>
-                                      <p:cBhvr>
-                                        <p:cTn id="12" dur="1" fill="hold">
-                                          <p:stCondLst>
-                                            <p:cond delay="0"/>
-                                          </p:stCondLst>
-                                        </p:cTn>
-                                        <p:tgtEl>
-                                          <p:spTgt spid="3"/>
-                                        </p:tgtEl>
-                                        <p:attrNameLst>
-                                          <p:attrName>style.visibility</p:attrName>
-                                        </p:attrNameLst>
-                                      </p:cBhvr>
-                                      <p:to>
-                                        <p:strVal val="visible"/>
-                                      </p:to>
-                                    </p:set>
-                                    <p:animEffect transition="in" filter="randombar(vertical)">
-                                      <p:cBhvr>
-                                        <p:cTn id="13" dur="500"/>
-                                        <p:tgtEl>
-                                          <p:spTgt spid="3"/>
-                                        </p:tgtEl>
-                                      </p:cBhvr>
-                                    </p:animEffect>
-                                  </p:childTnLst>
-                                </p:cTn>
-                              </p:par>
-                              <p:par>
-                                <p:cTn id="14" presetID="1" presetClass="exit" presetSubtype="0" fill="hold" nodeType="withEffect">
-                                  <p:stCondLst>
-                                    <p:cond delay="3000"/>
-                                  </p:stCondLst>
-                                  <p:childTnLst>
-                                    <p:set>
-                                      <p:cBhvr>
-                                        <p:cTn id="15" dur="1" fill="hold">
                                           <p:stCondLst>
                                             <p:cond delay="0"/>
                                           </p:stCondLst>
@@ -10410,20 +10960,20 @@
                           </p:cTn>
                         </p:par>
                         <p:par>
-                          <p:cTn id="16" fill="hold">
+                          <p:cTn id="7" fill="hold">
                             <p:stCondLst>
-                              <p:cond delay="3500"/>
+                              <p:cond delay="0"/>
                             </p:stCondLst>
                             <p:childTnLst>
                               <p:par>
-                                <p:cTn id="17" presetID="1" presetClass="entr" presetSubtype="0" fill="hold" grpId="0" nodeType="afterEffect">
+                                <p:cTn id="8" presetID="1" presetClass="entr" presetSubtype="0" fill="hold" grpId="0" nodeType="afterEffect">
                                   <p:stCondLst>
                                     <p:cond delay="0"/>
                                   </p:stCondLst>
                                   <p:childTnLst>
                                     <p:set>
                                       <p:cBhvr>
-                                        <p:cTn id="18" dur="1" fill="hold">
+                                        <p:cTn id="9" dur="1" fill="hold">
                                           <p:stCondLst>
                                             <p:cond delay="0"/>
                                           </p:stCondLst>
@@ -10442,15 +10992,77 @@
                                   </p:childTnLst>
                                 </p:cTn>
                               </p:par>
+                            </p:childTnLst>
+                          </p:cTn>
+                        </p:par>
+                        <p:par>
+                          <p:cTn id="10" fill="hold">
+                            <p:stCondLst>
+                              <p:cond delay="0"/>
+                            </p:stCondLst>
+                            <p:childTnLst>
                               <p:par>
-                                <p:cTn id="19" presetID="1" presetClass="exit" presetSubtype="0" fill="hold" grpId="1" nodeType="withEffect">
+                                <p:cTn id="11" presetID="14" presetClass="entr" presetSubtype="10" fill="hold" nodeType="afterEffect">
                                   <p:stCondLst>
-                                    <p:cond delay="5000"/>
+                                    <p:cond delay="0"/>
                                   </p:stCondLst>
                                   <p:childTnLst>
                                     <p:set>
                                       <p:cBhvr>
-                                        <p:cTn id="20" dur="1" fill="hold">
+                                        <p:cTn id="12" dur="1" fill="hold">
+                                          <p:stCondLst>
+                                            <p:cond delay="0"/>
+                                          </p:stCondLst>
+                                        </p:cTn>
+                                        <p:tgtEl>
+                                          <p:spTgt spid="20"/>
+                                        </p:tgtEl>
+                                        <p:attrNameLst>
+                                          <p:attrName>style.visibility</p:attrName>
+                                        </p:attrNameLst>
+                                      </p:cBhvr>
+                                      <p:to>
+                                        <p:strVal val="visible"/>
+                                      </p:to>
+                                    </p:set>
+                                    <p:animEffect transition="in" filter="randombar(horizontal)">
+                                      <p:cBhvr>
+                                        <p:cTn id="13" dur="1000"/>
+                                        <p:tgtEl>
+                                          <p:spTgt spid="20"/>
+                                        </p:tgtEl>
+                                      </p:cBhvr>
+                                    </p:animEffect>
+                                  </p:childTnLst>
+                                </p:cTn>
+                              </p:par>
+                            </p:childTnLst>
+                          </p:cTn>
+                        </p:par>
+                      </p:childTnLst>
+                    </p:cTn>
+                  </p:par>
+                  <p:par>
+                    <p:cTn id="14" fill="hold">
+                      <p:stCondLst>
+                        <p:cond delay="indefinite"/>
+                      </p:stCondLst>
+                      <p:childTnLst>
+                        <p:par>
+                          <p:cTn id="15" fill="hold">
+                            <p:stCondLst>
+                              <p:cond delay="0"/>
+                            </p:stCondLst>
+                            <p:childTnLst>
+                              <p:par>
+                                <p:cTn id="16" presetID="1" presetClass="exit" presetSubtype="0" fill="hold" grpId="1" nodeType="clickEffect">
+                                  <p:stCondLst>
+                                    <p:cond delay="0"/>
+                                  </p:stCondLst>
+                                  <p:childTnLst>
+                                    <p:set>
+                                      <p:cBhvr>
+                                        <p:cTn id="17" dur="1" fill="hold">
                                           <p:stCondLst>
                                             <p:cond delay="0"/>
                                           </p:stCondLst>
@@ -10469,15 +11081,24 @@
                                   </p:childTnLst>
                                 </p:cTn>
                               </p:par>
+                            </p:childTnLst>
+                          </p:cTn>
+                        </p:par>
+                        <p:par>
+                          <p:cTn id="18" fill="hold">
+                            <p:stCondLst>
+                              <p:cond delay="0"/>
+                            </p:stCondLst>
+                            <p:childTnLst>
                               <p:par>
-                                <p:cTn id="21" presetID="1" presetClass="entr" presetSubtype="0" fill="hold" grpId="0" nodeType="withEffect">
+                                <p:cTn id="19" presetID="1" presetClass="entr" presetSubtype="0" fill="hold" grpId="0" nodeType="afterEffect">
                                   <p:stCondLst>
-                                    <p:cond delay="5000"/>
+                                    <p:cond delay="0"/>
                                   </p:stCondLst>
                                   <p:childTnLst>
                                     <p:set>
                                       <p:cBhvr>
-                                        <p:cTn id="22" dur="1" fill="hold">
+                                        <p:cTn id="20" dur="1" fill="hold">
                                           <p:stCondLst>
                                             <p:cond delay="0"/>
                                           </p:stCondLst>
@@ -10496,21 +11117,30 @@
                                   </p:childTnLst>
                                 </p:cTn>
                               </p:par>
+                            </p:childTnLst>
+                          </p:cTn>
+                        </p:par>
+                        <p:par>
+                          <p:cTn id="21" fill="hold">
+                            <p:stCondLst>
+                              <p:cond delay="0"/>
+                            </p:stCondLst>
+                            <p:childTnLst>
                               <p:par>
-                                <p:cTn id="23" presetID="14" presetClass="entr" presetSubtype="10" fill="hold" nodeType="withEffect">
+                                <p:cTn id="22" presetID="14" presetClass="entr" presetSubtype="10" fill="hold" nodeType="afterEffect">
                                   <p:stCondLst>
-                                    <p:cond delay="5000"/>
+                                    <p:cond delay="0"/>
                                   </p:stCondLst>
                                   <p:childTnLst>
                                     <p:set>
                                       <p:cBhvr>
-                                        <p:cTn id="24" dur="1" fill="hold">
+                                        <p:cTn id="23" dur="1" fill="hold">
                                           <p:stCondLst>
                                             <p:cond delay="0"/>
                                           </p:stCondLst>
                                         </p:cTn>
                                         <p:tgtEl>
-                                          <p:spTgt spid="1026"/>
+                                          <p:spTgt spid="21"/>
                                         </p:tgtEl>
                                         <p:attrNameLst>
                                           <p:attrName>style.visibility</p:attrName>
@@ -10522,79 +11152,9 @@
                                     </p:set>
                                     <p:animEffect transition="in" filter="randombar(horizontal)">
                                       <p:cBhvr>
-                                        <p:cTn id="25" dur="500"/>
+                                        <p:cTn id="24" dur="1000"/>
                                         <p:tgtEl>
-                                          <p:spTgt spid="1026"/>
-                                        </p:tgtEl>
-                                      </p:cBhvr>
-                                    </p:animEffect>
-                                  </p:childTnLst>
-                                </p:cTn>
-                              </p:par>
-                              <p:par>
-                                <p:cTn id="26" presetID="14" presetClass="entr" presetSubtype="10" fill="hold" grpId="0" nodeType="withEffect">
-                                  <p:stCondLst>
-                                    <p:cond delay="5000"/>
-                                  </p:stCondLst>
-                                  <p:childTnLst>
-                                    <p:set>
-                                      <p:cBhvr>
-                                        <p:cTn id="27" dur="1" fill="hold">
-                                          <p:stCondLst>
-                                            <p:cond delay="0"/>
-                                          </p:stCondLst>
-                                        </p:cTn>
-                                        <p:tgtEl>
-                                          <p:spTgt spid="9"/>
-                                        </p:tgtEl>
-                                        <p:attrNameLst>
-                                          <p:attrName>style.visibility</p:attrName>
-                                        </p:attrNameLst>
-                                      </p:cBhvr>
-                                      <p:to>
-                                        <p:strVal val="visible"/>
-                                      </p:to>
-                                    </p:set>
-                                    <p:animEffect transition="in" filter="randombar(horizontal)">
-                                      <p:cBhvr>
-                                        <p:cTn id="28" dur="500"/>
-                                        <p:tgtEl>
-                                          <p:spTgt spid="9"/>
-                                        </p:tgtEl>
-                                      </p:cBhvr>
-                                    </p:animEffect>
-                                  </p:childTnLst>
-                                </p:cTn>
-                              </p:par>
-                              <p:par>
-                                <p:cTn id="29" presetID="14" presetClass="entr" presetSubtype="10" fill="hold" grpId="0" nodeType="withEffect">
-                                  <p:stCondLst>
-                                    <p:cond delay="5000"/>
-                                  </p:stCondLst>
-                                  <p:childTnLst>
-                                    <p:set>
-                                      <p:cBhvr>
-                                        <p:cTn id="30" dur="1" fill="hold">
-                                          <p:stCondLst>
-                                            <p:cond delay="0"/>
-                                          </p:stCondLst>
-                                        </p:cTn>
-                                        <p:tgtEl>
-                                          <p:spTgt spid="8"/>
-                                        </p:tgtEl>
-                                        <p:attrNameLst>
-                                          <p:attrName>style.visibility</p:attrName>
-                                        </p:attrNameLst>
-                                      </p:cBhvr>
-                                      <p:to>
-                                        <p:strVal val="visible"/>
-                                      </p:to>
-                                    </p:set>
-                                    <p:animEffect transition="in" filter="randombar(horizontal)">
-                                      <p:cBhvr>
-                                        <p:cTn id="31" dur="500"/>
-                                        <p:tgtEl>
-                                          <p:spTgt spid="8"/>
+                                          <p:spTgt spid="21"/>
                                         </p:tgtEl>
                                       </p:cBhvr>
                                     </p:animEffect>
@@ -10604,21 +11164,30 @@
                             </p:childTnLst>
                           </p:cTn>
                         </p:par>
+                      </p:childTnLst>
+                    </p:cTn>
+                  </p:par>
+                  <p:par>
+                    <p:cTn id="25" fill="hold">
+                      <p:stCondLst>
+                        <p:cond delay="indefinite"/>
+                      </p:stCondLst>
+                      <p:childTnLst>
                         <p:par>
-                          <p:cTn id="32" fill="hold">
+                          <p:cTn id="26" fill="hold">
                             <p:stCondLst>
-                              <p:cond delay="9000"/>
+                              <p:cond delay="0"/>
                             </p:stCondLst>
                             <p:childTnLst>
                               <p:par>
-                                <p:cTn id="33" presetID="1" presetClass="exit" presetSubtype="0" fill="hold" grpId="1" nodeType="afterEffect">
+                                <p:cTn id="27" presetID="1" presetClass="exit" presetSubtype="0" fill="hold" grpId="1" nodeType="clickEffect">
                                   <p:stCondLst>
-                                    <p:cond delay="5000"/>
+                                    <p:cond delay="0"/>
                                   </p:stCondLst>
                                   <p:childTnLst>
                                     <p:set>
                                       <p:cBhvr>
-                                        <p:cTn id="34" dur="1" fill="hold">
+                                        <p:cTn id="28" dur="1" fill="hold">
                                           <p:stCondLst>
                                             <p:cond delay="0"/>
                                           </p:stCondLst>
@@ -10641,134 +11210,20 @@
                           </p:cTn>
                         </p:par>
                         <p:par>
-                          <p:cTn id="35" fill="hold">
+                          <p:cTn id="29" fill="hold">
                             <p:stCondLst>
-                              <p:cond delay="14000"/>
+                              <p:cond delay="0"/>
                             </p:stCondLst>
                             <p:childTnLst>
                               <p:par>
-                                <p:cTn id="36" presetID="14" presetClass="entr" presetSubtype="5" fill="hold" grpId="0" nodeType="afterEffect">
+                                <p:cTn id="30" presetID="1" presetClass="entr" presetSubtype="0" fill="hold" grpId="0" nodeType="afterEffect">
                                   <p:stCondLst>
                                     <p:cond delay="0"/>
                                   </p:stCondLst>
                                   <p:childTnLst>
                                     <p:set>
                                       <p:cBhvr>
-                                        <p:cTn id="37" dur="1" fill="hold">
-                                          <p:stCondLst>
-                                            <p:cond delay="0"/>
-                                          </p:stCondLst>
-                                        </p:cTn>
-                                        <p:tgtEl>
-                                          <p:spTgt spid="11"/>
-                                        </p:tgtEl>
-                                        <p:attrNameLst>
-                                          <p:attrName>style.visibility</p:attrName>
-                                        </p:attrNameLst>
-                                      </p:cBhvr>
-                                      <p:to>
-                                        <p:strVal val="visible"/>
-                                      </p:to>
-                                    </p:set>
-                                    <p:animEffect transition="in" filter="randombar(vertical)">
-                                      <p:cBhvr>
-                                        <p:cTn id="38" dur="500"/>
-                                        <p:tgtEl>
-                                          <p:spTgt spid="11"/>
-                                        </p:tgtEl>
-                                      </p:cBhvr>
-                                    </p:animEffect>
-                                  </p:childTnLst>
-                                </p:cTn>
-                              </p:par>
-                              <p:par>
-                                <p:cTn id="39" presetID="14" presetClass="entr" presetSubtype="5" fill="hold" grpId="0" nodeType="withEffect">
-                                  <p:stCondLst>
-                                    <p:cond delay="0"/>
-                                  </p:stCondLst>
-                                  <p:childTnLst>
-                                    <p:set>
-                                      <p:cBhvr>
-                                        <p:cTn id="40" dur="1" fill="hold">
-                                          <p:stCondLst>
-                                            <p:cond delay="0"/>
-                                          </p:stCondLst>
-                                        </p:cTn>
-                                        <p:tgtEl>
-                                          <p:spTgt spid="12"/>
-                                        </p:tgtEl>
-                                        <p:attrNameLst>
-                                          <p:attrName>style.visibility</p:attrName>
-                                        </p:attrNameLst>
-                                      </p:cBhvr>
-                                      <p:to>
-                                        <p:strVal val="visible"/>
-                                      </p:to>
-                                    </p:set>
-                                    <p:animEffect transition="in" filter="randombar(vertical)">
-                                      <p:cBhvr>
-                                        <p:cTn id="41" dur="500"/>
-                                        <p:tgtEl>
-                                          <p:spTgt spid="12"/>
-                                        </p:tgtEl>
-                                      </p:cBhvr>
-                                    </p:animEffect>
-                                  </p:childTnLst>
-                                </p:cTn>
-                              </p:par>
-                              <p:par>
-                                <p:cTn id="42" presetID="14" presetClass="entr" presetSubtype="5" fill="hold" nodeType="withEffect">
-                                  <p:stCondLst>
-                                    <p:cond delay="0"/>
-                                  </p:stCondLst>
-                                  <p:childTnLst>
-                                    <p:set>
-                                      <p:cBhvr>
-                                        <p:cTn id="43" dur="1" fill="hold">
-                                          <p:stCondLst>
-                                            <p:cond delay="0"/>
-                                          </p:stCondLst>
-                                        </p:cTn>
-                                        <p:tgtEl>
-                                          <p:spTgt spid="1027"/>
-                                        </p:tgtEl>
-                                        <p:attrNameLst>
-                                          <p:attrName>style.visibility</p:attrName>
-                                        </p:attrNameLst>
-                                      </p:cBhvr>
-                                      <p:to>
-                                        <p:strVal val="visible"/>
-                                      </p:to>
-                                    </p:set>
-                                    <p:animEffect transition="in" filter="randombar(vertical)">
-                                      <p:cBhvr>
-                                        <p:cTn id="44" dur="500"/>
-                                        <p:tgtEl>
-                                          <p:spTgt spid="1027"/>
-                                        </p:tgtEl>
-                                      </p:cBhvr>
-                                    </p:animEffect>
-                                  </p:childTnLst>
-                                </p:cTn>
-                              </p:par>
-                            </p:childTnLst>
-                          </p:cTn>
-                        </p:par>
-                        <p:par>
-                          <p:cTn id="45" fill="hold">
-                            <p:stCondLst>
-                              <p:cond delay="14500"/>
-                            </p:stCondLst>
-                            <p:childTnLst>
-                              <p:par>
-                                <p:cTn id="46" presetID="1" presetClass="entr" presetSubtype="0" fill="hold" grpId="0" nodeType="afterEffect">
-                                  <p:stCondLst>
-                                    <p:cond delay="0"/>
-                                  </p:stCondLst>
-                                  <p:childTnLst>
-                                    <p:set>
-                                      <p:cBhvr>
-                                        <p:cTn id="47" dur="1" fill="hold">
+                                        <p:cTn id="31" dur="1" fill="hold">
                                           <p:stCondLst>
                                             <p:cond delay="0"/>
                                           </p:stCondLst>
@@ -10791,20 +11246,73 @@
                           </p:cTn>
                         </p:par>
                         <p:par>
-                          <p:cTn id="48" fill="hold">
+                          <p:cTn id="32" fill="hold">
                             <p:stCondLst>
-                              <p:cond delay="14500"/>
+                              <p:cond delay="0"/>
                             </p:stCondLst>
                             <p:childTnLst>
                               <p:par>
-                                <p:cTn id="49" presetID="1" presetClass="exit" presetSubtype="0" fill="hold" grpId="1" nodeType="afterEffect">
+                                <p:cTn id="33" presetID="14" presetClass="entr" presetSubtype="10" fill="hold" nodeType="afterEffect">
                                   <p:stCondLst>
-                                    <p:cond delay="5000"/>
+                                    <p:cond delay="0"/>
                                   </p:stCondLst>
                                   <p:childTnLst>
                                     <p:set>
                                       <p:cBhvr>
-                                        <p:cTn id="50" dur="1" fill="hold">
+                                        <p:cTn id="34" dur="1" fill="hold">
+                                          <p:stCondLst>
+                                            <p:cond delay="0"/>
+                                          </p:stCondLst>
+                                        </p:cTn>
+                                        <p:tgtEl>
+                                          <p:spTgt spid="22"/>
+                                        </p:tgtEl>
+                                        <p:attrNameLst>
+                                          <p:attrName>style.visibility</p:attrName>
+                                        </p:attrNameLst>
+                                      </p:cBhvr>
+                                      <p:to>
+                                        <p:strVal val="visible"/>
+                                      </p:to>
+                                    </p:set>
+                                    <p:animEffect transition="in" filter="randombar(horizontal)">
+                                      <p:cBhvr>
+                                        <p:cTn id="35" dur="1000"/>
+                                        <p:tgtEl>
+                                          <p:spTgt spid="22"/>
+                                        </p:tgtEl>
+                                      </p:cBhvr>
+                                    </p:animEffect>
+                                  </p:childTnLst>
+                                </p:cTn>
+                              </p:par>
+                            </p:childTnLst>
+                          </p:cTn>
+                        </p:par>
+                      </p:childTnLst>
+                    </p:cTn>
+                  </p:par>
+                  <p:par>
+                    <p:cTn id="36" fill="hold">
+                      <p:stCondLst>
+                        <p:cond delay="indefinite"/>
+                      </p:stCondLst>
+                      <p:childTnLst>
+                        <p:par>
+                          <p:cTn id="37" fill="hold">
+                            <p:stCondLst>
+                              <p:cond delay="0"/>
+                            </p:stCondLst>
+                            <p:childTnLst>
+                              <p:par>
+                                <p:cTn id="38" presetID="1" presetClass="exit" presetSubtype="0" fill="hold" grpId="1" nodeType="clickEffect">
+                                  <p:stCondLst>
+                                    <p:cond delay="0"/>
+                                  </p:stCondLst>
+                                  <p:childTnLst>
+                                    <p:set>
+                                      <p:cBhvr>
+                                        <p:cTn id="39" dur="1" fill="hold">
                                           <p:stCondLst>
                                             <p:cond delay="0"/>
                                           </p:stCondLst>
@@ -10827,134 +11335,20 @@
                           </p:cTn>
                         </p:par>
                         <p:par>
-                          <p:cTn id="51" fill="hold">
+                          <p:cTn id="40" fill="hold">
                             <p:stCondLst>
-                              <p:cond delay="19500"/>
+                              <p:cond delay="0"/>
                             </p:stCondLst>
                             <p:childTnLst>
                               <p:par>
-                                <p:cTn id="52" presetID="14" presetClass="entr" presetSubtype="10" fill="hold" grpId="0" nodeType="afterEffect">
+                                <p:cTn id="41" presetID="1" presetClass="entr" presetSubtype="0" fill="hold" grpId="0" nodeType="afterEffect">
                                   <p:stCondLst>
                                     <p:cond delay="0"/>
                                   </p:stCondLst>
                                   <p:childTnLst>
                                     <p:set>
                                       <p:cBhvr>
-                                        <p:cTn id="53" dur="1" fill="hold">
-                                          <p:stCondLst>
-                                            <p:cond delay="0"/>
-                                          </p:stCondLst>
-                                        </p:cTn>
-                                        <p:tgtEl>
-                                          <p:spTgt spid="15"/>
-                                        </p:tgtEl>
-                                        <p:attrNameLst>
-                                          <p:attrName>style.visibility</p:attrName>
-                                        </p:attrNameLst>
-                                      </p:cBhvr>
-                                      <p:to>
-                                        <p:strVal val="visible"/>
-                                      </p:to>
-                                    </p:set>
-                                    <p:animEffect transition="in" filter="randombar(horizontal)">
-                                      <p:cBhvr>
-                                        <p:cTn id="54" dur="500"/>
-                                        <p:tgtEl>
-                                          <p:spTgt spid="15"/>
-                                        </p:tgtEl>
-                                      </p:cBhvr>
-                                    </p:animEffect>
-                                  </p:childTnLst>
-                                </p:cTn>
-                              </p:par>
-                              <p:par>
-                                <p:cTn id="55" presetID="14" presetClass="entr" presetSubtype="10" fill="hold" nodeType="withEffect">
-                                  <p:stCondLst>
-                                    <p:cond delay="0"/>
-                                  </p:stCondLst>
-                                  <p:childTnLst>
-                                    <p:set>
-                                      <p:cBhvr>
-                                        <p:cTn id="56" dur="1" fill="hold">
-                                          <p:stCondLst>
-                                            <p:cond delay="0"/>
-                                          </p:stCondLst>
-                                        </p:cTn>
-                                        <p:tgtEl>
-                                          <p:spTgt spid="1028"/>
-                                        </p:tgtEl>
-                                        <p:attrNameLst>
-                                          <p:attrName>style.visibility</p:attrName>
-                                        </p:attrNameLst>
-                                      </p:cBhvr>
-                                      <p:to>
-                                        <p:strVal val="visible"/>
-                                      </p:to>
-                                    </p:set>
-                                    <p:animEffect transition="in" filter="randombar(horizontal)">
-                                      <p:cBhvr>
-                                        <p:cTn id="57" dur="500"/>
-                                        <p:tgtEl>
-                                          <p:spTgt spid="1028"/>
-                                        </p:tgtEl>
-                                      </p:cBhvr>
-                                    </p:animEffect>
-                                  </p:childTnLst>
-                                </p:cTn>
-                              </p:par>
-                              <p:par>
-                                <p:cTn id="58" presetID="14" presetClass="entr" presetSubtype="10" fill="hold" grpId="0" nodeType="withEffect">
-                                  <p:stCondLst>
-                                    <p:cond delay="0"/>
-                                  </p:stCondLst>
-                                  <p:childTnLst>
-                                    <p:set>
-                                      <p:cBhvr>
-                                        <p:cTn id="59" dur="1" fill="hold">
-                                          <p:stCondLst>
-                                            <p:cond delay="0"/>
-                                          </p:stCondLst>
-                                        </p:cTn>
-                                        <p:tgtEl>
-                                          <p:spTgt spid="14"/>
-                                        </p:tgtEl>
-                                        <p:attrNameLst>
-                                          <p:attrName>style.visibility</p:attrName>
-                                        </p:attrNameLst>
-                                      </p:cBhvr>
-                                      <p:to>
-                                        <p:strVal val="visible"/>
-                                      </p:to>
-                                    </p:set>
-                                    <p:animEffect transition="in" filter="randombar(horizontal)">
-                                      <p:cBhvr>
-                                        <p:cTn id="60" dur="500"/>
-                                        <p:tgtEl>
-                                          <p:spTgt spid="14"/>
-                                        </p:tgtEl>
-                                      </p:cBhvr>
-                                    </p:animEffect>
-                                  </p:childTnLst>
-                                </p:cTn>
-                              </p:par>
-                            </p:childTnLst>
-                          </p:cTn>
-                        </p:par>
-                        <p:par>
-                          <p:cTn id="61" fill="hold">
-                            <p:stCondLst>
-                              <p:cond delay="20000"/>
-                            </p:stCondLst>
-                            <p:childTnLst>
-                              <p:par>
-                                <p:cTn id="62" presetID="1" presetClass="entr" presetSubtype="0" fill="hold" grpId="0" nodeType="afterEffect">
-                                  <p:stCondLst>
-                                    <p:cond delay="0"/>
-                                  </p:stCondLst>
-                                  <p:childTnLst>
-                                    <p:set>
-                                      <p:cBhvr>
-                                        <p:cTn id="63" dur="1" fill="hold">
+                                        <p:cTn id="42" dur="1" fill="hold">
                                           <p:stCondLst>
                                             <p:cond delay="0"/>
                                           </p:stCondLst>
@@ -10970,6 +11364,50 @@
                                         <p:strVal val="visible"/>
                                       </p:to>
                                     </p:set>
+                                  </p:childTnLst>
+                                </p:cTn>
+                              </p:par>
+                            </p:childTnLst>
+                          </p:cTn>
+                        </p:par>
+                        <p:par>
+                          <p:cTn id="43" fill="hold">
+                            <p:stCondLst>
+                              <p:cond delay="0"/>
+                            </p:stCondLst>
+                            <p:childTnLst>
+                              <p:par>
+                                <p:cTn id="44" presetID="14" presetClass="entr" presetSubtype="10" fill="hold" nodeType="afterEffect">
+                                  <p:stCondLst>
+                                    <p:cond delay="0"/>
+                                  </p:stCondLst>
+                                  <p:childTnLst>
+                                    <p:set>
+                                      <p:cBhvr>
+                                        <p:cTn id="45" dur="1" fill="hold">
+                                          <p:stCondLst>
+                                            <p:cond delay="0"/>
+                                          </p:stCondLst>
+                                        </p:cTn>
+                                        <p:tgtEl>
+                                          <p:spTgt spid="23"/>
+                                        </p:tgtEl>
+                                        <p:attrNameLst>
+                                          <p:attrName>style.visibility</p:attrName>
+                                        </p:attrNameLst>
+                                      </p:cBhvr>
+                                      <p:to>
+                                        <p:strVal val="visible"/>
+                                      </p:to>
+                                    </p:set>
+                                    <p:animEffect transition="in" filter="randombar(horizontal)">
+                                      <p:cBhvr>
+                                        <p:cTn id="46" dur="1000"/>
+                                        <p:tgtEl>
+                                          <p:spTgt spid="23"/>
+                                        </p:tgtEl>
+                                      </p:cBhvr>
+                                    </p:animEffect>
                                   </p:childTnLst>
                                 </p:cTn>
                               </p:par>
@@ -11001,20 +11439,12 @@
       </p:par>
     </p:tnLst>
     <p:bldLst>
-      <p:bldP spid="2" grpId="0"/>
-      <p:bldP spid="3" grpId="0" animBg="1"/>
       <p:bldP spid="7" grpId="0"/>
       <p:bldP spid="7" grpId="1"/>
-      <p:bldP spid="8" grpId="0" animBg="1"/>
-      <p:bldP spid="9" grpId="0"/>
       <p:bldP spid="10" grpId="0"/>
       <p:bldP spid="10" grpId="1"/>
-      <p:bldP spid="11" grpId="0" animBg="1"/>
-      <p:bldP spid="12" grpId="0"/>
       <p:bldP spid="13" grpId="0"/>
       <p:bldP spid="13" grpId="1"/>
-      <p:bldP spid="14" grpId="0" animBg="1"/>
-      <p:bldP spid="15" grpId="0"/>
       <p:bldP spid="16" grpId="0"/>
     </p:bldLst>
   </p:timing>
@@ -11040,14 +11470,14 @@
       </p:grpSpPr>
       <p:sp>
         <p:nvSpPr>
-          <p:cNvPr id="5" name="Rectangle 4"/>
+          <p:cNvPr id="5" name="bg"/>
           <p:cNvSpPr/>
           <p:nvPr/>
         </p:nvSpPr>
         <p:spPr>
           <a:xfrm>
-            <a:off x="410" y="6854963"/>
-            <a:ext cx="10688228" cy="736461"/>
+            <a:off x="410" y="6524625"/>
+            <a:ext cx="10688228" cy="1066799"/>
           </a:xfrm>
           <a:prstGeom prst="rect">
             <a:avLst/>
@@ -11076,9 +11506,34 @@
           <a:bodyPr rtlCol="0" anchor="ctr"/>
           <a:lstStyle/>
           <a:p>
-            <a:endParaRPr lang="en-US" altLang="ko-KR" dirty="0">
-              <a:ea typeface="굴림" charset="-127"/>
-              <a:cs typeface="Arial" charset="0"/>
+            <a:r>
+              <a:rPr lang="en-GB" altLang="zh-CN" dirty="0" smtClean="0">
+                <a:solidFill>
+                  <a:schemeClr val="bg1"/>
+                </a:solidFill>
+              </a:rPr>
+              <a:t>That's all for our project summary. Please remember our team name - </a:t>
+            </a:r>
+            <a:r>
+              <a:rPr lang="en-GB" altLang="zh-CN" dirty="0" err="1" smtClean="0">
+                <a:solidFill>
+                  <a:schemeClr val="bg1"/>
+                </a:solidFill>
+              </a:rPr>
+              <a:t>DevFins</a:t>
+            </a:r>
+            <a:r>
+              <a:rPr lang="en-GB" altLang="zh-CN" dirty="0" smtClean="0">
+                <a:solidFill>
+                  <a:schemeClr val="bg1"/>
+                </a:solidFill>
+              </a:rPr>
+              <a:t>. It is Development plus Finance. Our team target is to make Financial operation Simpler, Faster and Better and that's exactly what we've done.</a:t>
+            </a:r>
+            <a:endParaRPr lang="zh-CN" altLang="en-US" dirty="0">
+              <a:solidFill>
+                <a:schemeClr val="bg1"/>
+              </a:solidFill>
             </a:endParaRPr>
           </a:p>
         </p:txBody>
@@ -11164,60 +11619,7 @@
       </p:sp>
       <p:sp>
         <p:nvSpPr>
-          <p:cNvPr id="3" name="Rectangle 2"/>
-          <p:cNvSpPr/>
-          <p:nvPr/>
-        </p:nvSpPr>
-        <p:spPr>
-          <a:xfrm>
-            <a:off x="233993" y="6854963"/>
-            <a:ext cx="9677400" cy="707886"/>
-          </a:xfrm>
-          <a:prstGeom prst="rect">
-            <a:avLst/>
-          </a:prstGeom>
-        </p:spPr>
-        <p:txBody>
-          <a:bodyPr wrap="square">
-            <a:spAutoFit/>
-          </a:bodyPr>
-          <a:lstStyle/>
-          <a:p>
-            <a:r>
-              <a:rPr lang="en-US" altLang="zh-CN" dirty="0">
-                <a:solidFill>
-                  <a:schemeClr val="bg1"/>
-                </a:solidFill>
-              </a:rPr>
-              <a:t>That's all for our project brief. please remember our team name </a:t>
-            </a:r>
-            <a:r>
-              <a:rPr lang="en-US" altLang="zh-CN" dirty="0" err="1">
-                <a:solidFill>
-                  <a:schemeClr val="bg1"/>
-                </a:solidFill>
-              </a:rPr>
-              <a:t>DevFins</a:t>
-            </a:r>
-            <a:r>
-              <a:rPr lang="en-US" altLang="zh-CN" dirty="0">
-                <a:solidFill>
-                  <a:schemeClr val="bg1"/>
-                </a:solidFill>
-              </a:rPr>
-              <a:t>. It is Development plus Finance</a:t>
-            </a:r>
-            <a:endParaRPr lang="zh-CN" altLang="en-US" dirty="0">
-              <a:solidFill>
-                <a:schemeClr val="bg1"/>
-              </a:solidFill>
-            </a:endParaRPr>
-          </a:p>
-        </p:txBody>
-      </p:sp>
-      <p:sp>
-        <p:nvSpPr>
-          <p:cNvPr id="6" name="Rectangle 5"/>
+          <p:cNvPr id="6" name="Rectangle 5" hidden="1"/>
           <p:cNvSpPr/>
           <p:nvPr/>
         </p:nvSpPr>
@@ -11523,74 +11925,13 @@
       </p:sp>
       <p:sp>
         <p:nvSpPr>
-          <p:cNvPr id="12" name="Rectangle 11"/>
-          <p:cNvSpPr/>
-          <p:nvPr/>
-        </p:nvSpPr>
-        <p:spPr>
-          <a:xfrm>
-            <a:off x="-3418681" y="2508248"/>
-            <a:ext cx="3276153" cy="769441"/>
-          </a:xfrm>
-          <a:prstGeom prst="rect">
-            <a:avLst/>
-          </a:prstGeom>
-          <a:noFill/>
-        </p:spPr>
-        <p:txBody>
-          <a:bodyPr wrap="none" lIns="91440" tIns="45720" rIns="91440" bIns="45720">
-            <a:spAutoFit/>
-            <a:scene3d>
-              <a:camera prst="orthographicFront"/>
-              <a:lightRig rig="flat" dir="tl">
-                <a:rot lat="0" lon="0" rev="6600000"/>
-              </a:lightRig>
-            </a:scene3d>
-            <a:sp3d extrusionH="25400" contourW="8890">
-              <a:bevelT w="38100" h="31750"/>
-              <a:contourClr>
-                <a:schemeClr val="accent2">
-                  <a:shade val="75000"/>
-                </a:schemeClr>
-              </a:contourClr>
-            </a:sp3d>
-          </a:bodyPr>
-          <a:lstStyle/>
-          <a:p>
-            <a:pPr algn="ctr"/>
-            <a:r>
-              <a:rPr lang="en-US" altLang="zh-CN" sz="4400" dirty="0">
-                <a:ln w="1905"/>
-                <a:solidFill>
-                  <a:srgbClr val="00B050"/>
-                </a:solidFill>
-                <a:effectLst>
-                  <a:glow rad="139700">
-                    <a:srgbClr val="0070C0">
-                      <a:alpha val="40000"/>
-                    </a:srgbClr>
-                  </a:glow>
-                  <a:innerShdw blurRad="69850" dist="43180" dir="5400000">
-                    <a:srgbClr val="000000">
-                      <a:alpha val="65000"/>
-                    </a:srgbClr>
-                  </a:innerShdw>
-                </a:effectLst>
-              </a:rPr>
-              <a:t>Development</a:t>
-            </a:r>
-          </a:p>
-        </p:txBody>
-      </p:sp>
-      <p:sp>
-        <p:nvSpPr>
           <p:cNvPr id="13" name="Rectangle 12"/>
           <p:cNvSpPr/>
           <p:nvPr/>
         </p:nvSpPr>
         <p:spPr>
           <a:xfrm>
-            <a:off x="10830719" y="2508248"/>
+            <a:off x="10906919" y="2714625"/>
             <a:ext cx="1957587" cy="769441"/>
           </a:xfrm>
           <a:prstGeom prst="rect">
@@ -11645,10 +11986,73 @@
           </a:p>
         </p:txBody>
       </p:sp>
+      <p:sp>
+        <p:nvSpPr>
+          <p:cNvPr id="14" name="Rectangle 13"/>
+          <p:cNvSpPr/>
+          <p:nvPr/>
+        </p:nvSpPr>
+        <p:spPr>
+          <a:xfrm>
+            <a:off x="-3723481" y="2714625"/>
+            <a:ext cx="3276153" cy="769441"/>
+          </a:xfrm>
+          <a:prstGeom prst="rect">
+            <a:avLst/>
+          </a:prstGeom>
+        </p:spPr>
+        <p:txBody>
+          <a:bodyPr wrap="none">
+            <a:spAutoFit/>
+          </a:bodyPr>
+          <a:lstStyle/>
+          <a:p>
+            <a:r>
+              <a:rPr lang="en-US" altLang="zh-CN" sz="4400" dirty="0" smtClean="0">
+                <a:ln w="1905"/>
+                <a:solidFill>
+                  <a:srgbClr val="00B050"/>
+                </a:solidFill>
+                <a:effectLst>
+                  <a:glow rad="139700">
+                    <a:srgbClr val="0070C0">
+                      <a:alpha val="40000"/>
+                    </a:srgbClr>
+                  </a:glow>
+                  <a:innerShdw blurRad="69850" dist="43180" dir="5400000">
+                    <a:srgbClr val="000000">
+                      <a:alpha val="65000"/>
+                    </a:srgbClr>
+                  </a:innerShdw>
+                </a:effectLst>
+              </a:rPr>
+              <a:t>Development</a:t>
+            </a:r>
+            <a:endParaRPr lang="zh-CN" altLang="en-US" sz="4400" dirty="0">
+              <a:ln w="1905"/>
+              <a:solidFill>
+                <a:srgbClr val="00B050"/>
+              </a:solidFill>
+              <a:effectLst>
+                <a:glow rad="139700">
+                  <a:srgbClr val="0070C0">
+                    <a:alpha val="40000"/>
+                  </a:srgbClr>
+                </a:glow>
+                <a:innerShdw blurRad="69850" dist="43180" dir="5400000">
+                  <a:srgbClr val="000000">
+                    <a:alpha val="65000"/>
+                  </a:srgbClr>
+                </a:innerShdw>
+              </a:effectLst>
+            </a:endParaRPr>
+          </a:p>
+        </p:txBody>
+      </p:sp>
     </p:spTree>
     <p:extLst>
       <p:ext uri="{BB962C8B-B14F-4D97-AF65-F5344CB8AC3E}">
-        <p14:creationId xmlns="" xmlns:p14="http://schemas.microsoft.com/office/powerpoint/2010/main" val="1614935249"/>
+        <p14:creationId xmlns:p14="http://schemas.microsoft.com/office/powerpoint/2010/main" xmlns="" val="1614935249"/>
       </p:ext>
     </p:extLst>
   </p:cSld>
@@ -11656,7 +12060,7 @@
     <a:masterClrMapping/>
   </p:clrMapOvr>
   <mc:AlternateContent xmlns:mc="http://schemas.openxmlformats.org/markup-compatibility/2006">
-    <mc:Choice xmlns="" xmlns:p14="http://schemas.microsoft.com/office/powerpoint/2010/main" Requires="p14">
+    <mc:Choice xmlns:p14="http://schemas.microsoft.com/office/powerpoint/2010/main" xmlns="" Requires="p14">
       <p:transition spd="slow" p14:dur="2000"/>
     </mc:Choice>
     <mc:Fallback>
@@ -11675,9 +12079,6 @@
                     <p:cTn id="3" fill="hold">
                       <p:stCondLst>
                         <p:cond delay="indefinite"/>
-                        <p:cond evt="onBegin" delay="0">
-                          <p:tn val="2"/>
-                        </p:cond>
                       </p:stCondLst>
                       <p:childTnLst>
                         <p:par>
@@ -11687,12 +12088,12 @@
                             </p:stCondLst>
                             <p:childTnLst>
                               <p:par>
-                                <p:cTn id="5" presetID="42" presetClass="path" presetSubtype="0" accel="50000" decel="50000" fill="hold" grpId="0" nodeType="withEffect">
+                                <p:cTn id="5" presetID="42" presetClass="path" presetSubtype="0" accel="50000" decel="50000" fill="hold" grpId="0" nodeType="clickEffect">
                                   <p:stCondLst>
-                                    <p:cond delay="5000"/>
+                                    <p:cond delay="0"/>
                                   </p:stCondLst>
                                   <p:childTnLst>
-                                    <p:animMotion origin="layout" path="M -4.60808E-6 -8.72483E-7 L -0.40498 0.00671 " pathEditMode="relative" rAng="0" ptsTypes="AA">
+                                    <p:animMotion origin="layout" path="M 4.25813E-6 -1.80176E-6 L -0.40502 -0.00147 " pathEditMode="relative" rAng="0" ptsTypes="AA">
                                       <p:cBhvr>
                                         <p:cTn id="6" dur="2000" fill="hold"/>
                                         <p:tgtEl>
@@ -11703,73 +12104,30 @@
                                           <p:attrName>ppt_y</p:attrName>
                                         </p:attrNameLst>
                                       </p:cBhvr>
-                                      <p:rCtr x="-20249" y="336"/>
+                                      <p:rCtr x="-203" y="-1"/>
                                     </p:animMotion>
                                   </p:childTnLst>
                                 </p:cTn>
                               </p:par>
                               <p:par>
-                                <p:cTn id="7" presetID="42" presetClass="path" presetSubtype="0" accel="50000" decel="50000" fill="hold" grpId="0" nodeType="withEffect">
+                                <p:cTn id="7" presetID="63" presetClass="path" presetSubtype="0" accel="50000" decel="50000" fill="hold" grpId="0" nodeType="withEffect">
                                   <p:stCondLst>
-                                    <p:cond delay="5000"/>
+                                    <p:cond delay="0"/>
                                   </p:stCondLst>
                                   <p:childTnLst>
-                                    <p:animMotion origin="layout" path="M -7.60095E-7 -8.72483E-7 L 0.42399 0.00671 " pathEditMode="relative" rAng="0" ptsTypes="AA">
+                                    <p:animMotion origin="layout" path="M -3.46057E-7 -1.80176E-6 L 0.5026 -0.00042 " pathEditMode="relative" rAng="0" ptsTypes="AA">
                                       <p:cBhvr>
                                         <p:cTn id="8" dur="2000" fill="hold"/>
                                         <p:tgtEl>
-                                          <p:spTgt spid="12"/>
+                                          <p:spTgt spid="14"/>
                                         </p:tgtEl>
                                         <p:attrNameLst>
                                           <p:attrName>ppt_x</p:attrName>
                                           <p:attrName>ppt_y</p:attrName>
                                         </p:attrNameLst>
                                       </p:cBhvr>
-                                      <p:rCtr x="21200" y="336"/>
+                                      <p:rCtr x="251" y="0"/>
                                     </p:animMotion>
-                                  </p:childTnLst>
-                                </p:cTn>
-                              </p:par>
-                              <p:par>
-                                <p:cTn id="9" presetID="10" presetClass="exit" presetSubtype="0" fill="hold" nodeType="withEffect">
-                                  <p:stCondLst>
-                                    <p:cond delay="8000"/>
-                                  </p:stCondLst>
-                                  <p:childTnLst>
-                                    <p:animEffect transition="out" filter="fade">
-                                      <p:cBhvr>
-                                        <p:cTn id="10" dur="500"/>
-                                        <p:tgtEl>
-                                          <p:spTgt spid="3">
-                                            <p:txEl>
-                                              <p:pRg st="0" end="0"/>
-                                            </p:txEl>
-                                          </p:spTgt>
-                                        </p:tgtEl>
-                                      </p:cBhvr>
-                                    </p:animEffect>
-                                    <p:set>
-                                      <p:cBhvr>
-                                        <p:cTn id="11" dur="1" fill="hold">
-                                          <p:stCondLst>
-                                            <p:cond delay="499"/>
-                                          </p:stCondLst>
-                                        </p:cTn>
-                                        <p:tgtEl>
-                                          <p:spTgt spid="3">
-                                            <p:txEl>
-                                              <p:pRg st="0" end="0"/>
-                                            </p:txEl>
-                                          </p:spTgt>
-                                        </p:tgtEl>
-                                        <p:attrNameLst>
-                                          <p:attrName>style.visibility</p:attrName>
-                                        </p:attrNameLst>
-                                      </p:cBhvr>
-                                      <p:to>
-                                        <p:strVal val="hidden"/>
-                                      </p:to>
-                                    </p:set>
                                   </p:childTnLst>
                                 </p:cTn>
                               </p:par>
@@ -11777,20 +12135,20 @@
                           </p:cTn>
                         </p:par>
                         <p:par>
-                          <p:cTn id="12" fill="hold">
+                          <p:cTn id="9" fill="hold">
                             <p:stCondLst>
-                              <p:cond delay="8500"/>
+                              <p:cond delay="2000"/>
                             </p:stCondLst>
                             <p:childTnLst>
                               <p:par>
-                                <p:cTn id="13" presetID="10" presetClass="entr" presetSubtype="0" fill="hold" grpId="0" nodeType="afterEffect">
+                                <p:cTn id="10" presetID="10" presetClass="entr" presetSubtype="0" fill="hold" grpId="0" nodeType="afterEffect">
                                   <p:stCondLst>
                                     <p:cond delay="0"/>
                                   </p:stCondLst>
                                   <p:childTnLst>
                                     <p:set>
                                       <p:cBhvr>
-                                        <p:cTn id="14" dur="1" fill="hold">
+                                        <p:cTn id="11" dur="1" fill="hold">
                                           <p:stCondLst>
                                             <p:cond delay="0"/>
                                           </p:stCondLst>
@@ -11808,7 +12166,7 @@
                                     </p:set>
                                     <p:animEffect transition="in" filter="fade">
                                       <p:cBhvr>
-                                        <p:cTn id="15" dur="500"/>
+                                        <p:cTn id="12" dur="500"/>
                                         <p:tgtEl>
                                           <p:spTgt spid="6"/>
                                         </p:tgtEl>
@@ -11820,21 +12178,30 @@
                             </p:childTnLst>
                           </p:cTn>
                         </p:par>
+                      </p:childTnLst>
+                    </p:cTn>
+                  </p:par>
+                  <p:par>
+                    <p:cTn id="13" fill="hold">
+                      <p:stCondLst>
+                        <p:cond delay="indefinite"/>
+                      </p:stCondLst>
+                      <p:childTnLst>
                         <p:par>
-                          <p:cTn id="16" fill="hold">
+                          <p:cTn id="14" fill="hold">
                             <p:stCondLst>
-                              <p:cond delay="9000"/>
+                              <p:cond delay="0"/>
                             </p:stCondLst>
                             <p:childTnLst>
                               <p:par>
-                                <p:cTn id="17" presetID="53" presetClass="entr" presetSubtype="16" fill="hold" grpId="0" nodeType="afterEffect">
+                                <p:cTn id="15" presetID="53" presetClass="entr" presetSubtype="16" fill="hold" grpId="0" nodeType="clickEffect">
                                   <p:stCondLst>
-                                    <p:cond delay="3000"/>
+                                    <p:cond delay="0"/>
                                   </p:stCondLst>
                                   <p:childTnLst>
                                     <p:set>
                                       <p:cBhvr>
-                                        <p:cTn id="18" dur="1" fill="hold">
+                                        <p:cTn id="16" dur="1" fill="hold">
                                           <p:stCondLst>
                                             <p:cond delay="0"/>
                                           </p:stCondLst>
@@ -11852,7 +12219,7 @@
                                     </p:set>
                                     <p:anim calcmode="lin" valueType="num">
                                       <p:cBhvr>
-                                        <p:cTn id="19" dur="500" fill="hold"/>
+                                        <p:cTn id="17" dur="500" fill="hold"/>
                                         <p:tgtEl>
                                           <p:spTgt spid="8"/>
                                         </p:tgtEl>
@@ -11875,7 +12242,7 @@
                                     </p:anim>
                                     <p:anim calcmode="lin" valueType="num">
                                       <p:cBhvr>
-                                        <p:cTn id="20" dur="500" fill="hold"/>
+                                        <p:cTn id="18" dur="500" fill="hold"/>
                                         <p:tgtEl>
                                           <p:spTgt spid="8"/>
                                         </p:tgtEl>
@@ -11898,7 +12265,7 @@
                                     </p:anim>
                                     <p:animEffect transition="in" filter="fade">
                                       <p:cBhvr>
-                                        <p:cTn id="21" dur="500"/>
+                                        <p:cTn id="19" dur="500"/>
                                         <p:tgtEl>
                                           <p:spTgt spid="8"/>
                                         </p:tgtEl>
@@ -11910,21 +12277,30 @@
                             </p:childTnLst>
                           </p:cTn>
                         </p:par>
+                      </p:childTnLst>
+                    </p:cTn>
+                  </p:par>
+                  <p:par>
+                    <p:cTn id="20" fill="hold">
+                      <p:stCondLst>
+                        <p:cond delay="indefinite"/>
+                      </p:stCondLst>
+                      <p:childTnLst>
                         <p:par>
-                          <p:cTn id="22" fill="hold">
+                          <p:cTn id="21" fill="hold">
                             <p:stCondLst>
-                              <p:cond delay="12500"/>
+                              <p:cond delay="0"/>
                             </p:stCondLst>
                             <p:childTnLst>
                               <p:par>
-                                <p:cTn id="23" presetID="31" presetClass="entr" presetSubtype="0" fill="hold" grpId="0" nodeType="afterEffect">
+                                <p:cTn id="22" presetID="31" presetClass="entr" presetSubtype="0" fill="hold" grpId="0" nodeType="clickEffect">
                                   <p:stCondLst>
-                                    <p:cond delay="1000"/>
+                                    <p:cond delay="0"/>
                                   </p:stCondLst>
                                   <p:childTnLst>
                                     <p:set>
                                       <p:cBhvr>
-                                        <p:cTn id="24" dur="1" fill="hold">
+                                        <p:cTn id="23" dur="1" fill="hold">
                                           <p:stCondLst>
                                             <p:cond delay="0"/>
                                           </p:stCondLst>
@@ -11942,7 +12318,7 @@
                                     </p:set>
                                     <p:anim calcmode="lin" valueType="num">
                                       <p:cBhvr>
-                                        <p:cTn id="25" dur="1000" fill="hold"/>
+                                        <p:cTn id="24" dur="1000" fill="hold"/>
                                         <p:tgtEl>
                                           <p:spTgt spid="10"/>
                                         </p:tgtEl>
@@ -11965,7 +12341,7 @@
                                     </p:anim>
                                     <p:anim calcmode="lin" valueType="num">
                                       <p:cBhvr>
-                                        <p:cTn id="26" dur="1000" fill="hold"/>
+                                        <p:cTn id="25" dur="1000" fill="hold"/>
                                         <p:tgtEl>
                                           <p:spTgt spid="10"/>
                                         </p:tgtEl>
@@ -11988,7 +12364,7 @@
                                     </p:anim>
                                     <p:anim calcmode="lin" valueType="num">
                                       <p:cBhvr>
-                                        <p:cTn id="27" dur="1000" fill="hold"/>
+                                        <p:cTn id="26" dur="1000" fill="hold"/>
                                         <p:tgtEl>
                                           <p:spTgt spid="10"/>
                                         </p:tgtEl>
@@ -12011,7 +12387,7 @@
                                     </p:anim>
                                     <p:animEffect transition="in" filter="fade">
                                       <p:cBhvr>
-                                        <p:cTn id="28" dur="1000"/>
+                                        <p:cTn id="27" dur="1000"/>
                                         <p:tgtEl>
                                           <p:spTgt spid="10"/>
                                         </p:tgtEl>
@@ -12023,16 +12399,25 @@
                             </p:childTnLst>
                           </p:cTn>
                         </p:par>
+                      </p:childTnLst>
+                    </p:cTn>
+                  </p:par>
+                  <p:par>
+                    <p:cTn id="28" fill="hold">
+                      <p:stCondLst>
+                        <p:cond delay="indefinite"/>
+                      </p:stCondLst>
+                      <p:childTnLst>
                         <p:par>
                           <p:cTn id="29" fill="hold">
                             <p:stCondLst>
-                              <p:cond delay="14500"/>
+                              <p:cond delay="0"/>
                             </p:stCondLst>
                             <p:childTnLst>
                               <p:par>
-                                <p:cTn id="30" presetID="45" presetClass="entr" presetSubtype="0" fill="hold" grpId="0" nodeType="afterEffect">
+                                <p:cTn id="30" presetID="45" presetClass="entr" presetSubtype="0" fill="hold" grpId="0" nodeType="clickEffect">
                                   <p:stCondLst>
-                                    <p:cond delay="1000"/>
+                                    <p:cond delay="0"/>
                                   </p:stCondLst>
                                   <p:childTnLst>
                                     <p:set>
@@ -12142,9 +12527,203 @@
       <p:bldP spid="8" grpId="0" animBg="1"/>
       <p:bldP spid="10" grpId="0" animBg="1"/>
       <p:bldP spid="11" grpId="0" animBg="1"/>
-      <p:bldP spid="12" grpId="0"/>
       <p:bldP spid="13" grpId="0"/>
+      <p:bldP spid="14" grpId="0"/>
     </p:bldLst>
+  </p:timing>
+</p:sld>
+</file>
+
+<file path=ppt/slides/slide9.xml><?xml version="1.0" encoding="utf-8"?>
+<p:sld xmlns:a="http://schemas.openxmlformats.org/drawingml/2006/main" xmlns:r="http://schemas.openxmlformats.org/officeDocument/2006/relationships" xmlns:p="http://schemas.openxmlformats.org/presentationml/2006/main">
+  <p:cSld>
+    <p:spTree>
+      <p:nvGrpSpPr>
+        <p:cNvPr id="1" name=""/>
+        <p:cNvGrpSpPr/>
+        <p:nvPr/>
+      </p:nvGrpSpPr>
+      <p:grpSpPr>
+        <a:xfrm>
+          <a:off x="0" y="0"/>
+          <a:ext cx="0" cy="0"/>
+          <a:chOff x="0" y="0"/>
+          <a:chExt cx="0" cy="0"/>
+        </a:xfrm>
+      </p:grpSpPr>
+      <p:sp>
+        <p:nvSpPr>
+          <p:cNvPr id="4" name="TextBox 3"/>
+          <p:cNvSpPr txBox="1"/>
+          <p:nvPr/>
+        </p:nvSpPr>
+        <p:spPr>
+          <a:xfrm>
+            <a:off x="696119" y="657225"/>
+            <a:ext cx="2590800" cy="1200329"/>
+          </a:xfrm>
+          <a:prstGeom prst="rect">
+            <a:avLst/>
+          </a:prstGeom>
+          <a:noFill/>
+        </p:spPr>
+        <p:txBody>
+          <a:bodyPr wrap="square" rtlCol="0">
+            <a:spAutoFit/>
+          </a:bodyPr>
+          <a:lstStyle/>
+          <a:p>
+            <a:r>
+              <a:rPr lang="en-US" sz="7200" b="1" dirty="0" smtClean="0"/>
+              <a:t>Q &amp; A</a:t>
+            </a:r>
+            <a:endParaRPr lang="en-GB" sz="7200" b="1" dirty="0" smtClean="0"/>
+          </a:p>
+        </p:txBody>
+      </p:sp>
+      <p:sp>
+        <p:nvSpPr>
+          <p:cNvPr id="6" name="TextBox 5"/>
+          <p:cNvSpPr txBox="1"/>
+          <p:nvPr/>
+        </p:nvSpPr>
+        <p:spPr>
+          <a:xfrm>
+            <a:off x="924719" y="2486025"/>
+            <a:ext cx="5181600" cy="400110"/>
+          </a:xfrm>
+          <a:prstGeom prst="rect">
+            <a:avLst/>
+          </a:prstGeom>
+          <a:noFill/>
+        </p:spPr>
+        <p:txBody>
+          <a:bodyPr wrap="square" rtlCol="0">
+            <a:spAutoFit/>
+          </a:bodyPr>
+          <a:lstStyle/>
+          <a:p>
+            <a:r>
+              <a:rPr lang="en-US" dirty="0" smtClean="0"/>
+              <a:t>technology question</a:t>
+            </a:r>
+            <a:r>
+              <a:rPr lang="en-US" dirty="0" smtClean="0"/>
+              <a:t>:     1464202    Victor</a:t>
+            </a:r>
+            <a:endParaRPr lang="en-GB" dirty="0" smtClean="0"/>
+          </a:p>
+        </p:txBody>
+      </p:sp>
+      <p:sp>
+        <p:nvSpPr>
+          <p:cNvPr id="8" name="TextBox 7"/>
+          <p:cNvSpPr txBox="1"/>
+          <p:nvPr/>
+        </p:nvSpPr>
+        <p:spPr>
+          <a:xfrm>
+            <a:off x="945039" y="3019425"/>
+            <a:ext cx="6456680" cy="400110"/>
+          </a:xfrm>
+          <a:prstGeom prst="rect">
+            <a:avLst/>
+          </a:prstGeom>
+          <a:noFill/>
+        </p:spPr>
+        <p:txBody>
+          <a:bodyPr wrap="square" rtlCol="0">
+            <a:spAutoFit/>
+          </a:bodyPr>
+          <a:lstStyle/>
+          <a:p>
+            <a:r>
+              <a:rPr lang="en-US" dirty="0" smtClean="0"/>
+              <a:t>b</a:t>
+            </a:r>
+            <a:r>
+              <a:rPr lang="en-US" dirty="0" smtClean="0"/>
+              <a:t>usiness question</a:t>
+            </a:r>
+            <a:r>
+              <a:rPr lang="en-US" dirty="0" smtClean="0"/>
+              <a:t>: </a:t>
+            </a:r>
+            <a:r>
+              <a:rPr lang="en-US" dirty="0" smtClean="0"/>
+              <a:t>        1441180    </a:t>
+            </a:r>
+            <a:r>
+              <a:rPr lang="en-GB" dirty="0" smtClean="0"/>
+              <a:t>Barbara</a:t>
+            </a:r>
+            <a:endParaRPr lang="en-GB" dirty="0" smtClean="0"/>
+          </a:p>
+        </p:txBody>
+      </p:sp>
+      <p:sp>
+        <p:nvSpPr>
+          <p:cNvPr id="9" name="font bg"/>
+          <p:cNvSpPr/>
+          <p:nvPr/>
+        </p:nvSpPr>
+        <p:spPr>
+          <a:xfrm>
+            <a:off x="0" y="6826389"/>
+            <a:ext cx="10688228" cy="736461"/>
+          </a:xfrm>
+          <a:prstGeom prst="rect">
+            <a:avLst/>
+          </a:prstGeom>
+          <a:ln>
+            <a:noFill/>
+          </a:ln>
+        </p:spPr>
+        <p:style>
+          <a:lnRef idx="2">
+            <a:schemeClr val="accent1">
+              <a:shade val="50000"/>
+            </a:schemeClr>
+          </a:lnRef>
+          <a:fillRef idx="1">
+            <a:schemeClr val="accent1"/>
+          </a:fillRef>
+          <a:effectRef idx="0">
+            <a:schemeClr val="accent1"/>
+          </a:effectRef>
+          <a:fontRef idx="minor">
+            <a:schemeClr val="lt1"/>
+          </a:fontRef>
+        </p:style>
+        <p:txBody>
+          <a:bodyPr rtlCol="0" anchor="ctr"/>
+          <a:lstStyle/>
+          <a:p>
+            <a:r>
+              <a:rPr lang="en-US" altLang="ko-KR" dirty="0" smtClean="0">
+                <a:ea typeface="굴림" charset="-127"/>
+                <a:cs typeface="Arial" charset="0"/>
+              </a:rPr>
+              <a:t>It is very short presentation, if you are interesting in our project, please OC us for free. For any technique question, please contact Victor. Business question, that is Barbara . </a:t>
+            </a:r>
+            <a:endParaRPr lang="en-US" altLang="ko-KR" dirty="0">
+              <a:ea typeface="굴림" charset="-127"/>
+              <a:cs typeface="Arial" charset="0"/>
+            </a:endParaRPr>
+          </a:p>
+        </p:txBody>
+      </p:sp>
+    </p:spTree>
+  </p:cSld>
+  <p:clrMapOvr>
+    <a:masterClrMapping/>
+  </p:clrMapOvr>
+  <p:timing>
+    <p:tnLst>
+      <p:par>
+        <p:cTn id="1" dur="indefinite" restart="never" nodeType="tmRoot"/>
+      </p:par>
+    </p:tnLst>
   </p:timing>
 </p:sld>
 </file>

--- a/src/main/presentation/FinTechathon_2nd.pptx
+++ b/src/main/presentation/FinTechathon_2nd.pptx
@@ -5,7 +5,7 @@
     <p:sldMasterId id="2147483648" r:id="rId1"/>
   </p:sldMasterIdLst>
   <p:notesMasterIdLst>
-    <p:notesMasterId r:id="rId11"/>
+    <p:notesMasterId r:id="rId12"/>
   </p:notesMasterIdLst>
   <p:sldIdLst>
     <p:sldId id="256" r:id="rId2"/>
@@ -17,6 +17,7 @@
     <p:sldId id="280" r:id="rId8"/>
     <p:sldId id="281" r:id="rId9"/>
     <p:sldId id="282" r:id="rId10"/>
+    <p:sldId id="283" r:id="rId11"/>
   </p:sldIdLst>
   <p:sldSz cx="10688638" cy="7562850"/>
   <p:notesSz cx="6858000" cy="9144000"/>
@@ -372,7 +373,7 @@
     </p:spTree>
     <p:extLst>
       <p:ext uri="{BB962C8B-B14F-4D97-AF65-F5344CB8AC3E}">
-        <p14:creationId xmlns:p14="http://schemas.microsoft.com/office/powerpoint/2010/main" xmlns="" val="2450056276"/>
+        <p14:creationId xmlns:p14="http://schemas.microsoft.com/office/powerpoint/2010/main" val="2450056276"/>
       </p:ext>
     </p:extLst>
   </p:cSld>
@@ -585,7 +586,21 @@
                 <a:ea typeface="굴림" charset="-127"/>
                 <a:cs typeface="Arial" charset="0"/>
               </a:rPr>
-              <a:t> to present our project here. My team is called </a:t>
+              <a:t> to present </a:t>
+            </a:r>
+            <a:r>
+              <a:rPr lang="en-GB" altLang="ko-KR" dirty="0" smtClean="0">
+                <a:ea typeface="굴림" charset="-127"/>
+                <a:cs typeface="Arial" charset="0"/>
+              </a:rPr>
+              <a:t>this </a:t>
+            </a:r>
+            <a:r>
+              <a:rPr lang="en-GB" altLang="ko-KR" dirty="0" smtClean="0">
+                <a:ea typeface="굴림" charset="-127"/>
+                <a:cs typeface="Arial" charset="0"/>
+              </a:rPr>
+              <a:t>project here. My team is called </a:t>
             </a:r>
             <a:r>
               <a:rPr lang="en-GB" altLang="ko-KR" dirty="0" err="1" smtClean="0">
@@ -687,14 +702,103 @@
               </a:rPr>
               <a:t>focuses on resolving invoice verification and vendor payment processing for Accounting Operation team in GFS China.</a:t>
             </a:r>
-            <a:endParaRPr lang="en-GB" altLang="ko-KR" dirty="0" smtClean="0">
-              <a:ea typeface="굴림" charset="-127"/>
-              <a:cs typeface="Arial" charset="0"/>
-            </a:endParaRPr>
           </a:p>
         </p:txBody>
       </p:sp>
     </p:spTree>
+  </p:cSld>
+  <p:clrMapOvr>
+    <a:masterClrMapping/>
+  </p:clrMapOvr>
+</p:notes>
+</file>
+
+<file path=ppt/notesSlides/notesSlide10.xml><?xml version="1.0" encoding="utf-8"?>
+<p:notes xmlns:a="http://schemas.openxmlformats.org/drawingml/2006/main" xmlns:r="http://schemas.openxmlformats.org/officeDocument/2006/relationships" xmlns:p="http://schemas.openxmlformats.org/presentationml/2006/main">
+  <p:cSld>
+    <p:spTree>
+      <p:nvGrpSpPr>
+        <p:cNvPr id="1" name=""/>
+        <p:cNvGrpSpPr/>
+        <p:nvPr/>
+      </p:nvGrpSpPr>
+      <p:grpSpPr>
+        <a:xfrm>
+          <a:off x="0" y="0"/>
+          <a:ext cx="0" cy="0"/>
+          <a:chOff x="0" y="0"/>
+          <a:chExt cx="0" cy="0"/>
+        </a:xfrm>
+      </p:grpSpPr>
+      <p:sp>
+        <p:nvSpPr>
+          <p:cNvPr id="2" name="Slide Image Placeholder 1"/>
+          <p:cNvSpPr>
+            <a:spLocks noGrp="1" noRot="1" noChangeAspect="1"/>
+          </p:cNvSpPr>
+          <p:nvPr>
+            <p:ph type="sldImg"/>
+          </p:nvPr>
+        </p:nvSpPr>
+        <p:spPr/>
+      </p:sp>
+      <p:sp>
+        <p:nvSpPr>
+          <p:cNvPr id="3" name="Notes Placeholder 2"/>
+          <p:cNvSpPr>
+            <a:spLocks noGrp="1"/>
+          </p:cNvSpPr>
+          <p:nvPr>
+            <p:ph type="body" idx="1"/>
+          </p:nvPr>
+        </p:nvSpPr>
+        <p:spPr/>
+        <p:txBody>
+          <a:bodyPr/>
+          <a:lstStyle/>
+          <a:p>
+            <a:r>
+              <a:rPr lang="en-US" altLang="zh-CN" dirty="0" smtClean="0"/>
+              <a:t>This is just one of core functions. For full</a:t>
+            </a:r>
+            <a:r>
+              <a:rPr lang="en-US" altLang="zh-CN" baseline="0" dirty="0" smtClean="0"/>
+              <a:t> demo show, please open the link by Chrome. </a:t>
+            </a:r>
+            <a:endParaRPr lang="zh-CN" altLang="en-US" dirty="0"/>
+          </a:p>
+        </p:txBody>
+      </p:sp>
+      <p:sp>
+        <p:nvSpPr>
+          <p:cNvPr id="4" name="Slide Number Placeholder 3"/>
+          <p:cNvSpPr>
+            <a:spLocks noGrp="1"/>
+          </p:cNvSpPr>
+          <p:nvPr>
+            <p:ph type="sldNum" sz="quarter" idx="10"/>
+          </p:nvPr>
+        </p:nvSpPr>
+        <p:spPr/>
+        <p:txBody>
+          <a:bodyPr/>
+          <a:lstStyle/>
+          <a:p>
+            <a:fld id="{275F347C-A4D3-46B3-85C3-F48909EC4272}" type="slidenum">
+              <a:rPr lang="en-GB" smtClean="0"/>
+              <a:pPr/>
+              <a:t>10</a:t>
+            </a:fld>
+            <a:endParaRPr lang="en-GB"/>
+          </a:p>
+        </p:txBody>
+      </p:sp>
+    </p:spTree>
+    <p:extLst>
+      <p:ext uri="{BB962C8B-B14F-4D97-AF65-F5344CB8AC3E}">
+        <p14:creationId xmlns:p14="http://schemas.microsoft.com/office/powerpoint/2010/main" val="1384038052"/>
+      </p:ext>
+    </p:extLst>
   </p:cSld>
   <p:clrMapOvr>
     <a:masterClrMapping/>
@@ -750,7 +854,31 @@
           <a:p>
             <a:r>
               <a:rPr lang="en-GB" dirty="0" smtClean="0"/>
-              <a:t>Currently the biggest problems they are facing are unnecessarily heavy manual data input and checking tasks, communication with stakeholders, a lack of a unique e-form application and risk of manual mistakes.</a:t>
+              <a:t>Currently the biggest problems they are facing are </a:t>
+            </a:r>
+            <a:r>
+              <a:rPr lang="en-GB" dirty="0" smtClean="0"/>
+              <a:t>massive </a:t>
+            </a:r>
+            <a:r>
+              <a:rPr lang="en-GB" dirty="0" smtClean="0"/>
+              <a:t>manual </a:t>
+            </a:r>
+            <a:r>
+              <a:rPr lang="en-GB" dirty="0" smtClean="0"/>
+              <a:t>operations, </a:t>
+            </a:r>
+            <a:r>
+              <a:rPr lang="en-GB" dirty="0" smtClean="0"/>
+              <a:t>communication with stakeholders, a lack of </a:t>
+            </a:r>
+            <a:r>
+              <a:rPr lang="en-GB" dirty="0" smtClean="0"/>
+              <a:t>an </a:t>
+            </a:r>
+            <a:r>
+              <a:rPr lang="en-GB" dirty="0" smtClean="0"/>
+              <a:t>unique e-form application and risk of manual mistakes.</a:t>
             </a:r>
             <a:endParaRPr lang="en-GB" dirty="0"/>
           </a:p>
@@ -836,7 +964,31 @@
           <a:p>
             <a:r>
               <a:rPr lang="en-GB" baseline="0" dirty="0" smtClean="0"/>
-              <a:t>The current process is that AO(Accounting Operation) staff receives paper invoices from vendors who need reimbursement, and then manually need to input invoice information into registration tables to track and verify their correctness. </a:t>
+              <a:t>The current process is that AO(Accounting Operation) staff receives paper invoices from vendors who need reimbursement, and </a:t>
+            </a:r>
+            <a:r>
+              <a:rPr lang="en-GB" baseline="0" dirty="0" smtClean="0"/>
+              <a:t>then </a:t>
+            </a:r>
+            <a:r>
+              <a:rPr lang="en-GB" altLang="zh-CN" baseline="0" dirty="0" smtClean="0"/>
+              <a:t>manually </a:t>
+            </a:r>
+            <a:r>
+              <a:rPr lang="en-GB" baseline="0" dirty="0" smtClean="0"/>
+              <a:t>need </a:t>
+            </a:r>
+            <a:r>
+              <a:rPr lang="en-GB" baseline="0" dirty="0" smtClean="0"/>
+              <a:t>to </a:t>
+            </a:r>
+            <a:r>
+              <a:rPr lang="en-GB" baseline="0" dirty="0" smtClean="0"/>
+              <a:t>input invoice </a:t>
+            </a:r>
+            <a:r>
+              <a:rPr lang="en-GB" baseline="0" dirty="0" smtClean="0"/>
+              <a:t>information into registration tables to track and verify their correctness. </a:t>
             </a:r>
           </a:p>
           <a:p>
@@ -845,7 +997,11 @@
           <a:p>
             <a:r>
               <a:rPr lang="en-GB" baseline="0" dirty="0" smtClean="0"/>
-              <a:t>They then need to reject incorrect invoice requests and communicate with related stakeholders via email or the phone.</a:t>
+              <a:t>Then they need </a:t>
+            </a:r>
+            <a:r>
+              <a:rPr lang="en-GB" baseline="0" dirty="0" smtClean="0"/>
+              <a:t>to reject incorrect invoice requests and communicate with related stakeholders via email or the phone.</a:t>
             </a:r>
           </a:p>
           <a:p>
@@ -863,14 +1019,27 @@
           <a:p>
             <a:r>
               <a:rPr lang="en-GB" baseline="0" dirty="0" smtClean="0"/>
-              <a:t>During the whole process, AO staff are working manually within low efficiency and always facing the risk of manual mistakes and </a:t>
-            </a:r>
-          </a:p>
-          <a:p>
+              <a:t>During the whole process, AO staff </a:t>
+            </a:r>
             <a:r>
               <a:rPr lang="en-GB" baseline="0" dirty="0" smtClean="0"/>
-              <a:t>issues with information availability and clarity.</a:t>
-            </a:r>
+              <a:t>is working </a:t>
+            </a:r>
+            <a:r>
+              <a:rPr lang="en-GB" baseline="0" dirty="0" smtClean="0"/>
+              <a:t>manually within low efficiency and always facing the risk of manual mistakes and </a:t>
+            </a:r>
+          </a:p>
+          <a:p>
+            <a:r>
+              <a:rPr lang="en-GB" altLang="zh-CN" dirty="0" smtClean="0">
+                <a:solidFill>
+                  <a:schemeClr val="bg1"/>
+                </a:solidFill>
+              </a:rPr>
+              <a:t>information isolation. It means what you think is not the same as I think, the information is not matched between us.</a:t>
+            </a:r>
+            <a:endParaRPr lang="en-GB" baseline="0" dirty="0" smtClean="0"/>
           </a:p>
         </p:txBody>
       </p:sp>
@@ -1039,8 +1208,8 @@
           <a:lstStyle/>
           <a:p>
             <a:r>
-              <a:rPr lang="en-GB" dirty="0" smtClean="0"/>
-              <a:t>We provide hardware to scan this QR code, so that the invoice information will be imported into system automatically. </a:t>
+              <a:rPr lang="en-US" dirty="0" smtClean="0"/>
+              <a:t>In China, each invoice has an unique QR code which includes invoice detail information. We provide hardware to scan this QR code, so that the invoice information will be imported into system automatically. </a:t>
             </a:r>
             <a:endParaRPr lang="en-GB" dirty="0"/>
           </a:p>
@@ -1126,7 +1295,51 @@
           <a:p>
             <a:r>
               <a:rPr lang="en-GB" dirty="0" smtClean="0"/>
-              <a:t>After applying our new process, the requestor will use a website or mobile app to submit their reimbursement request using their electronic device. AO staff can use this scanner to scan their invoice QR Code instead of manually typing it and then the invoice information will auto-import into our system. The system will auto-match with China's Tax Golden Source to do invoice verification. After determining Whether the invoice is effective or not, the system will trigger an email to automatically be sent to the relevant stakeholders.</a:t>
+              <a:t>After applying our new process, the requestor will use a website or mobile app to submit their reimbursement </a:t>
+            </a:r>
+            <a:r>
+              <a:rPr lang="en-GB" dirty="0" smtClean="0"/>
+              <a:t>request. </a:t>
+            </a:r>
+            <a:r>
+              <a:rPr lang="en-GB" dirty="0" smtClean="0"/>
+              <a:t>AO staff can use this scanner to scan their invoice QR Code instead of manually typing it and then the invoice information will </a:t>
+            </a:r>
+            <a:r>
+              <a:rPr lang="en-GB" dirty="0" smtClean="0"/>
+              <a:t>be</a:t>
+            </a:r>
+            <a:r>
+              <a:rPr lang="en-GB" baseline="0" dirty="0" smtClean="0"/>
+              <a:t> </a:t>
+            </a:r>
+            <a:r>
+              <a:rPr lang="en-GB" dirty="0" smtClean="0"/>
+              <a:t>auto-imported </a:t>
+            </a:r>
+            <a:r>
+              <a:rPr lang="en-GB" dirty="0" smtClean="0"/>
+              <a:t>into our system. The system will auto-match with </a:t>
+            </a:r>
+            <a:r>
+              <a:rPr lang="en-GB" dirty="0" smtClean="0"/>
+              <a:t>Chinese </a:t>
+            </a:r>
+            <a:r>
+              <a:rPr lang="en-GB" dirty="0" smtClean="0"/>
+              <a:t>Tax Golden Source to do invoice verification. After determining Whether the invoice is effective or not, the system will trigger an email </a:t>
+            </a:r>
+            <a:r>
+              <a:rPr lang="en-GB" altLang="zh-CN" dirty="0" smtClean="0"/>
+              <a:t>automatically </a:t>
+            </a:r>
+            <a:r>
+              <a:rPr lang="en-GB" dirty="0" smtClean="0"/>
+              <a:t>to be </a:t>
+            </a:r>
+            <a:r>
+              <a:rPr lang="en-GB" dirty="0" smtClean="0"/>
+              <a:t>sent to the relevant stakeholders.</a:t>
             </a:r>
             <a:endParaRPr lang="en-GB" dirty="0"/>
           </a:p>
@@ -1211,32 +1424,66 @@
           <a:lstStyle/>
           <a:p>
             <a:r>
-              <a:rPr lang="en-GB" dirty="0" smtClean="0"/>
-              <a:t>After apply this new system, we can</a:t>
-            </a:r>
-          </a:p>
-          <a:p>
-            <a:r>
-              <a:rPr lang="en-GB" dirty="0" smtClean="0"/>
-              <a:t>	1. Improve 25 multiple efficiency. AO staff needs 25 seconds to input and verify an invoice at least. After using scanner, it will take less than 1 second to complete all processes.</a:t>
-            </a:r>
-          </a:p>
-          <a:p>
-            <a:r>
-              <a:rPr lang="en-GB" dirty="0" smtClean="0"/>
-              <a:t>	2. Reduce manual risk to Zero. After applying this system, there is no manual operation at all, so we can say that's 100% safe.</a:t>
-            </a:r>
-          </a:p>
-          <a:p>
-            <a:r>
-              <a:rPr lang="en-GB" dirty="0" smtClean="0"/>
-              <a:t>	3. Digital and eco-office. There is no paper request in new system, every data is changed to electronic form and save into database. So we can save paper cost, print cost as well as time cost.</a:t>
-            </a:r>
-          </a:p>
-          <a:p>
-            <a:r>
-              <a:rPr lang="en-GB" dirty="0" smtClean="0"/>
-              <a:t>	4. Audit automation. Everything is saving in database, so we can search and check history invoice easily for end of year audit as well as generate accounting report. If it is still using paper invoice, it will be a huge job to look for one invoice from thousands of invoices.</a:t>
+              <a:rPr lang="en-US" dirty="0" smtClean="0"/>
+              <a:t>After applying this new system, the benefit is </a:t>
+            </a:r>
+          </a:p>
+          <a:p>
+            <a:pPr marL="0" marR="0" indent="0" algn="l" defTabSz="1028700" rtl="0" eaLnBrk="1" fontAlgn="auto" latinLnBrk="0" hangingPunct="1">
+              <a:lnSpc>
+                <a:spcPct val="100000"/>
+              </a:lnSpc>
+              <a:spcBef>
+                <a:spcPts val="0"/>
+              </a:spcBef>
+              <a:spcAft>
+                <a:spcPts val="0"/>
+              </a:spcAft>
+              <a:buClrTx/>
+              <a:buSzTx/>
+              <a:buFontTx/>
+              <a:buNone/>
+              <a:tabLst/>
+              <a:defRPr/>
+            </a:pPr>
+            <a:r>
+              <a:rPr lang="en-US" dirty="0" smtClean="0"/>
+              <a:t>	1. </a:t>
+            </a:r>
+            <a:r>
+              <a:rPr lang="en-US" altLang="zh-CN" dirty="0" smtClean="0"/>
+              <a:t>Improve efficiency to 25 times. </a:t>
+            </a:r>
+            <a:r>
+              <a:rPr lang="en-US" dirty="0" smtClean="0"/>
+              <a:t>AO staff needs at least 25 seconds to input an invoice at least. After using our scanner, it will take less than 1 second to complete all the processes.</a:t>
+            </a:r>
+          </a:p>
+          <a:p>
+            <a:r>
+              <a:rPr lang="en-US" dirty="0" smtClean="0"/>
+              <a:t>	2. Reduce manual risk to zero. After applying this system, there is no manual operation at all, so we can say that's 100% risk free.</a:t>
+            </a:r>
+          </a:p>
+          <a:p>
+            <a:r>
+              <a:rPr lang="en-US" dirty="0" smtClean="0"/>
+              <a:t>	3. Digital and eco-office. There is no paper request in our new system. All the data is changed to an electronic form and saved into our database so we can save paper costs, printing costs, as well as time costs.</a:t>
+            </a:r>
+            <a:r>
+              <a:rPr lang="en-US" altLang="zh-CN" dirty="0" smtClean="0">
+                <a:solidFill>
+                  <a:schemeClr val="bg1"/>
+                </a:solidFill>
+              </a:rPr>
+              <a:t> The time estimation is more than 150 hours to save each month for AO and Trade department.</a:t>
+            </a:r>
+            <a:endParaRPr lang="en-US" dirty="0" smtClean="0"/>
+          </a:p>
+          <a:p>
+            <a:r>
+              <a:rPr lang="en-US" dirty="0" smtClean="0"/>
+              <a:t>	4. Audit automation. Everything is saved in a database, so we can search and check the invoice history easily for the end of year audit, as well as generate accounting reports. If still using paper invoices, it would be a huge job to look for one invoice from thousands that are periodically received.</a:t>
             </a:r>
             <a:endParaRPr lang="en-GB" dirty="0"/>
           </a:p>
@@ -1322,15 +1569,7 @@
           <a:p>
             <a:r>
               <a:rPr lang="en-GB" dirty="0" smtClean="0"/>
-              <a:t>That's all for our project summary. </a:t>
-            </a:r>
-            <a:r>
-              <a:rPr lang="en-GB" smtClean="0"/>
-              <a:t>Please </a:t>
-            </a:r>
-            <a:r>
-              <a:rPr lang="en-GB" dirty="0" smtClean="0"/>
-              <a:t>remember our team name - </a:t>
+              <a:t>That's all for our project summary. Please remember our team name - </a:t>
             </a:r>
             <a:r>
               <a:rPr lang="en-GB" dirty="0" err="1" smtClean="0"/>
@@ -1369,6 +1608,117 @@
         </p:txBody>
       </p:sp>
     </p:spTree>
+  </p:cSld>
+  <p:clrMapOvr>
+    <a:masterClrMapping/>
+  </p:clrMapOvr>
+</p:notes>
+</file>
+
+<file path=ppt/notesSlides/notesSlide9.xml><?xml version="1.0" encoding="utf-8"?>
+<p:notes xmlns:a="http://schemas.openxmlformats.org/drawingml/2006/main" xmlns:r="http://schemas.openxmlformats.org/officeDocument/2006/relationships" xmlns:p="http://schemas.openxmlformats.org/presentationml/2006/main">
+  <p:cSld>
+    <p:spTree>
+      <p:nvGrpSpPr>
+        <p:cNvPr id="1" name=""/>
+        <p:cNvGrpSpPr/>
+        <p:nvPr/>
+      </p:nvGrpSpPr>
+      <p:grpSpPr>
+        <a:xfrm>
+          <a:off x="0" y="0"/>
+          <a:ext cx="0" cy="0"/>
+          <a:chOff x="0" y="0"/>
+          <a:chExt cx="0" cy="0"/>
+        </a:xfrm>
+      </p:grpSpPr>
+      <p:sp>
+        <p:nvSpPr>
+          <p:cNvPr id="2" name="Slide Image Placeholder 1"/>
+          <p:cNvSpPr>
+            <a:spLocks noGrp="1" noRot="1" noChangeAspect="1"/>
+          </p:cNvSpPr>
+          <p:nvPr>
+            <p:ph type="sldImg"/>
+          </p:nvPr>
+        </p:nvSpPr>
+        <p:spPr/>
+      </p:sp>
+      <p:sp>
+        <p:nvSpPr>
+          <p:cNvPr id="3" name="Notes Placeholder 2"/>
+          <p:cNvSpPr>
+            <a:spLocks noGrp="1"/>
+          </p:cNvSpPr>
+          <p:nvPr>
+            <p:ph type="body" idx="1"/>
+          </p:nvPr>
+        </p:nvSpPr>
+        <p:spPr/>
+        <p:txBody>
+          <a:bodyPr/>
+          <a:lstStyle/>
+          <a:p>
+            <a:pPr marL="0" marR="0" indent="0" algn="l" defTabSz="1028700" rtl="0" eaLnBrk="1" fontAlgn="auto" latinLnBrk="0" hangingPunct="1">
+              <a:lnSpc>
+                <a:spcPct val="100000"/>
+              </a:lnSpc>
+              <a:spcBef>
+                <a:spcPts val="0"/>
+              </a:spcBef>
+              <a:spcAft>
+                <a:spcPts val="0"/>
+              </a:spcAft>
+              <a:buClrTx/>
+              <a:buSzTx/>
+              <a:buFontTx/>
+              <a:buNone/>
+              <a:tabLst/>
+              <a:defRPr/>
+            </a:pPr>
+            <a:r>
+              <a:rPr lang="en-US" altLang="ko-KR" dirty="0" smtClean="0">
+                <a:ea typeface="굴림" charset="-127"/>
+                <a:cs typeface="Arial" charset="0"/>
+              </a:rPr>
+              <a:t>It is very short presentation, if you are interesting in our project, please OC us for free. For any technique question, please contact Victor. Business question, that is Barbara . </a:t>
+            </a:r>
+          </a:p>
+          <a:p>
+            <a:endParaRPr lang="zh-CN" altLang="en-US" dirty="0"/>
+          </a:p>
+        </p:txBody>
+      </p:sp>
+      <p:sp>
+        <p:nvSpPr>
+          <p:cNvPr id="4" name="Slide Number Placeholder 3"/>
+          <p:cNvSpPr>
+            <a:spLocks noGrp="1"/>
+          </p:cNvSpPr>
+          <p:nvPr>
+            <p:ph type="sldNum" sz="quarter" idx="10"/>
+          </p:nvPr>
+        </p:nvSpPr>
+        <p:spPr/>
+        <p:txBody>
+          <a:bodyPr/>
+          <a:lstStyle/>
+          <a:p>
+            <a:fld id="{275F347C-A4D3-46B3-85C3-F48909EC4272}" type="slidenum">
+              <a:rPr lang="en-GB" smtClean="0"/>
+              <a:pPr/>
+              <a:t>9</a:t>
+            </a:fld>
+            <a:endParaRPr lang="en-GB"/>
+          </a:p>
+        </p:txBody>
+      </p:sp>
+    </p:spTree>
+    <p:extLst>
+      <p:ext uri="{BB962C8B-B14F-4D97-AF65-F5344CB8AC3E}">
+        <p14:creationId xmlns:p14="http://schemas.microsoft.com/office/powerpoint/2010/main" val="2336671035"/>
+      </p:ext>
+    </p:extLst>
   </p:cSld>
   <p:clrMapOvr>
     <a:masterClrMapping/>
@@ -1558,7 +1908,7 @@
             <a:fld id="{1D8BD707-D9CF-40AE-B4C6-C98DA3205C09}" type="datetimeFigureOut">
               <a:rPr lang="en-US" smtClean="0"/>
               <a:pPr/>
-              <a:t>01/04/2018</a:t>
+              <a:t>1/4/2018</a:t>
             </a:fld>
             <a:endParaRPr lang="en-US"/>
           </a:p>
@@ -1725,7 +2075,7 @@
             <a:fld id="{1D8BD707-D9CF-40AE-B4C6-C98DA3205C09}" type="datetimeFigureOut">
               <a:rPr lang="en-US" smtClean="0"/>
               <a:pPr/>
-              <a:t>01/04/2018</a:t>
+              <a:t>1/4/2018</a:t>
             </a:fld>
             <a:endParaRPr lang="en-US"/>
           </a:p>
@@ -1902,7 +2252,7 @@
             <a:fld id="{1D8BD707-D9CF-40AE-B4C6-C98DA3205C09}" type="datetimeFigureOut">
               <a:rPr lang="en-US" smtClean="0"/>
               <a:pPr/>
-              <a:t>01/04/2018</a:t>
+              <a:t>1/4/2018</a:t>
             </a:fld>
             <a:endParaRPr lang="en-US"/>
           </a:p>
@@ -2069,7 +2419,7 @@
             <a:fld id="{1D8BD707-D9CF-40AE-B4C6-C98DA3205C09}" type="datetimeFigureOut">
               <a:rPr lang="en-US" smtClean="0"/>
               <a:pPr/>
-              <a:t>01/04/2018</a:t>
+              <a:t>1/4/2018</a:t>
             </a:fld>
             <a:endParaRPr lang="en-US"/>
           </a:p>
@@ -2312,7 +2662,7 @@
             <a:fld id="{1D8BD707-D9CF-40AE-B4C6-C98DA3205C09}" type="datetimeFigureOut">
               <a:rPr lang="en-US" smtClean="0"/>
               <a:pPr/>
-              <a:t>01/04/2018</a:t>
+              <a:t>1/4/2018</a:t>
             </a:fld>
             <a:endParaRPr lang="en-US"/>
           </a:p>
@@ -2597,7 +2947,7 @@
             <a:fld id="{1D8BD707-D9CF-40AE-B4C6-C98DA3205C09}" type="datetimeFigureOut">
               <a:rPr lang="en-US" smtClean="0"/>
               <a:pPr/>
-              <a:t>01/04/2018</a:t>
+              <a:t>1/4/2018</a:t>
             </a:fld>
             <a:endParaRPr lang="en-US"/>
           </a:p>
@@ -3016,7 +3366,7 @@
             <a:fld id="{1D8BD707-D9CF-40AE-B4C6-C98DA3205C09}" type="datetimeFigureOut">
               <a:rPr lang="en-US" smtClean="0"/>
               <a:pPr/>
-              <a:t>01/04/2018</a:t>
+              <a:t>1/4/2018</a:t>
             </a:fld>
             <a:endParaRPr lang="en-US"/>
           </a:p>
@@ -3131,7 +3481,7 @@
             <a:fld id="{1D8BD707-D9CF-40AE-B4C6-C98DA3205C09}" type="datetimeFigureOut">
               <a:rPr lang="en-US" smtClean="0"/>
               <a:pPr/>
-              <a:t>01/04/2018</a:t>
+              <a:t>1/4/2018</a:t>
             </a:fld>
             <a:endParaRPr lang="en-US"/>
           </a:p>
@@ -3223,7 +3573,7 @@
             <a:fld id="{1D8BD707-D9CF-40AE-B4C6-C98DA3205C09}" type="datetimeFigureOut">
               <a:rPr lang="en-US" smtClean="0"/>
               <a:pPr/>
-              <a:t>01/04/2018</a:t>
+              <a:t>1/4/2018</a:t>
             </a:fld>
             <a:endParaRPr lang="en-US"/>
           </a:p>
@@ -3497,7 +3847,7 @@
             <a:fld id="{1D8BD707-D9CF-40AE-B4C6-C98DA3205C09}" type="datetimeFigureOut">
               <a:rPr lang="en-US" smtClean="0"/>
               <a:pPr/>
-              <a:t>01/04/2018</a:t>
+              <a:t>1/4/2018</a:t>
             </a:fld>
             <a:endParaRPr lang="en-US"/>
           </a:p>
@@ -3747,7 +4097,7 @@
             <a:fld id="{1D8BD707-D9CF-40AE-B4C6-C98DA3205C09}" type="datetimeFigureOut">
               <a:rPr lang="en-US" smtClean="0"/>
               <a:pPr/>
-              <a:t>01/04/2018</a:t>
+              <a:t>1/4/2018</a:t>
             </a:fld>
             <a:endParaRPr lang="en-US"/>
           </a:p>
@@ -3957,7 +4307,7 @@
             <a:fld id="{1D8BD707-D9CF-40AE-B4C6-C98DA3205C09}" type="datetimeFigureOut">
               <a:rPr lang="en-US" smtClean="0"/>
               <a:pPr/>
-              <a:t>01/04/2018</a:t>
+              <a:t>1/4/2018</a:t>
             </a:fld>
             <a:endParaRPr lang="en-US"/>
           </a:p>
@@ -4808,7 +5158,7 @@
           <a:blip r:embed="rId4" cstate="screen">
             <a:extLst>
               <a:ext uri="{28A0092B-C50C-407E-A947-70E740481C1C}">
-                <a14:useLocalDpi xmlns:a14="http://schemas.microsoft.com/office/drawing/2010/main" xmlns="" val="0"/>
+                <a14:useLocalDpi xmlns:a14="http://schemas.microsoft.com/office/drawing/2010/main" val="0"/>
               </a:ext>
             </a:extLst>
           </a:blip>
@@ -4832,14 +5182,14 @@
           <a:effectLst/>
           <a:extLst>
             <a:ext uri="{909E8E84-426E-40DD-AFC4-6F175D3DCCD1}">
-              <a14:hiddenFill xmlns:a14="http://schemas.microsoft.com/office/drawing/2010/main" xmlns="">
+              <a14:hiddenFill xmlns:a14="http://schemas.microsoft.com/office/drawing/2010/main">
                 <a:solidFill>
                   <a:schemeClr val="accent1"/>
                 </a:solidFill>
               </a14:hiddenFill>
             </a:ext>
             <a:ext uri="{91240B29-F687-4F45-9708-019B960494DF}">
-              <a14:hiddenLine xmlns:a14="http://schemas.microsoft.com/office/drawing/2010/main" xmlns="" w="9525">
+              <a14:hiddenLine xmlns:a14="http://schemas.microsoft.com/office/drawing/2010/main" w="9525">
                 <a:solidFill>
                   <a:schemeClr val="tx1"/>
                 </a:solidFill>
@@ -4849,7 +5199,7 @@
               </a14:hiddenLine>
             </a:ext>
             <a:ext uri="{AF507438-7753-43E0-B8FC-AC1667EBCBE1}">
-              <a14:hiddenEffects xmlns:a14="http://schemas.microsoft.com/office/drawing/2010/main" xmlns="">
+              <a14:hiddenEffects xmlns:a14="http://schemas.microsoft.com/office/drawing/2010/main">
                 <a:effectLst>
                   <a:outerShdw dist="35921" dir="2700000" algn="ctr" rotWithShape="0">
                     <a:schemeClr val="bg2"/>
@@ -4956,7 +5306,27 @@
                 <a:ea typeface="굴림" charset="-127"/>
                 <a:cs typeface="Arial" charset="0"/>
               </a:rPr>
-              <a:t> to present our project here. My team is called </a:t>
+              <a:t> to present </a:t>
+            </a:r>
+            <a:r>
+              <a:rPr lang="en-GB" altLang="ko-KR" dirty="0" smtClean="0">
+                <a:solidFill>
+                  <a:schemeClr val="bg1"/>
+                </a:solidFill>
+                <a:ea typeface="굴림" charset="-127"/>
+                <a:cs typeface="Arial" charset="0"/>
+              </a:rPr>
+              <a:t>this project </a:t>
+            </a:r>
+            <a:r>
+              <a:rPr lang="en-GB" altLang="ko-KR" dirty="0" smtClean="0">
+                <a:solidFill>
+                  <a:schemeClr val="bg1"/>
+                </a:solidFill>
+                <a:ea typeface="굴림" charset="-127"/>
+                <a:cs typeface="Arial" charset="0"/>
+              </a:rPr>
+              <a:t>here. My team is called </a:t>
             </a:r>
             <a:r>
               <a:rPr lang="en-GB" altLang="ko-KR" dirty="0" err="1" smtClean="0">
@@ -5046,15 +5416,7 @@
                   <a:schemeClr val="bg1"/>
                 </a:solidFill>
               </a:rPr>
-              <a:t>Requisition to </a:t>
-            </a:r>
-            <a:r>
-              <a:rPr lang="en-GB" dirty="0" smtClean="0">
-                <a:solidFill>
-                  <a:schemeClr val="bg1"/>
-                </a:solidFill>
-              </a:rPr>
-              <a:t>Payment</a:t>
+              <a:t>Requisition to Payment</a:t>
             </a:r>
             <a:r>
               <a:rPr lang="en-GB" altLang="ko-KR" dirty="0" smtClean="0">
@@ -5064,17 +5426,7 @@
                 <a:ea typeface="굴림" charset="-127"/>
                 <a:cs typeface="Arial" charset="0"/>
               </a:rPr>
-              <a:t> Platform</a:t>
-            </a:r>
-            <a:r>
-              <a:rPr lang="en-GB" altLang="ko-KR" dirty="0" smtClean="0">
-                <a:solidFill>
-                  <a:schemeClr val="bg1"/>
-                </a:solidFill>
-                <a:ea typeface="굴림" charset="-127"/>
-                <a:cs typeface="Arial" charset="0"/>
-              </a:rPr>
-              <a:t>, it focuses on resolving invoice verification and vendor payment processing for Accounting Operation team in GFS China.</a:t>
+              <a:t> Platform, it focuses on resolving invoice verification and vendor payment processing for Accounting Operation team in GFS China.</a:t>
             </a:r>
           </a:p>
         </p:txBody>
@@ -5084,11 +5436,11 @@
   <p:clrMapOvr>
     <a:masterClrMapping/>
   </p:clrMapOvr>
-  <mc:AlternateContent xmlns:mc="http://schemas.openxmlformats.org/markup-compatibility/2006">
-    <mc:Choice xmlns:p14="http://schemas.microsoft.com/office/powerpoint/2010/main" xmlns="" Requires="p14">
+  <mc:AlternateContent xmlns:mc="http://schemas.openxmlformats.org/markup-compatibility/2006" xmlns:p14="http://schemas.microsoft.com/office/powerpoint/2010/main">
+    <mc:Choice Requires="p14">
       <p:transition p14:dur="0"/>
     </mc:Choice>
-    <mc:Fallback>
+    <mc:Fallback xmlns="">
       <p:transition/>
     </mc:Fallback>
   </mc:AlternateContent>
@@ -5263,6 +5615,180 @@
 </p:sld>
 </file>
 
+<file path=ppt/slides/slide10.xml><?xml version="1.0" encoding="utf-8"?>
+<p:sld xmlns:a="http://schemas.openxmlformats.org/drawingml/2006/main" xmlns:r="http://schemas.openxmlformats.org/officeDocument/2006/relationships" xmlns:p="http://schemas.openxmlformats.org/presentationml/2006/main">
+  <p:cSld>
+    <p:spTree>
+      <p:nvGrpSpPr>
+        <p:cNvPr id="1" name=""/>
+        <p:cNvGrpSpPr/>
+        <p:nvPr/>
+      </p:nvGrpSpPr>
+      <p:grpSpPr>
+        <a:xfrm>
+          <a:off x="0" y="0"/>
+          <a:ext cx="0" cy="0"/>
+          <a:chOff x="0" y="0"/>
+          <a:chExt cx="0" cy="0"/>
+        </a:xfrm>
+      </p:grpSpPr>
+      <p:sp>
+        <p:nvSpPr>
+          <p:cNvPr id="2" name="Title 1"/>
+          <p:cNvSpPr>
+            <a:spLocks noGrp="1"/>
+          </p:cNvSpPr>
+          <p:nvPr>
+            <p:ph type="title"/>
+          </p:nvPr>
+        </p:nvSpPr>
+        <p:spPr/>
+        <p:txBody>
+          <a:bodyPr/>
+          <a:lstStyle/>
+          <a:p>
+            <a:pPr algn="l"/>
+            <a:r>
+              <a:rPr lang="en-US" altLang="zh-CN" dirty="0" smtClean="0"/>
+              <a:t>Demo</a:t>
+            </a:r>
+            <a:endParaRPr lang="zh-CN" altLang="en-US" dirty="0"/>
+          </a:p>
+        </p:txBody>
+      </p:sp>
+      <p:sp>
+        <p:nvSpPr>
+          <p:cNvPr id="3" name="Content Placeholder 2"/>
+          <p:cNvSpPr>
+            <a:spLocks noGrp="1"/>
+          </p:cNvSpPr>
+          <p:nvPr>
+            <p:ph idx="1"/>
+          </p:nvPr>
+        </p:nvSpPr>
+        <p:spPr/>
+        <p:txBody>
+          <a:bodyPr/>
+          <a:lstStyle/>
+          <a:p>
+            <a:pPr marL="0" indent="0">
+              <a:buNone/>
+            </a:pPr>
+            <a:r>
+              <a:rPr lang="en-US" altLang="zh-CN" sz="2800" dirty="0" smtClean="0"/>
+              <a:t>Link : </a:t>
+            </a:r>
+          </a:p>
+          <a:p>
+            <a:pPr marL="0" indent="0">
+              <a:buNone/>
+            </a:pPr>
+            <a:r>
+              <a:rPr lang="en-US" altLang="zh-CN" sz="2400" dirty="0" smtClean="0"/>
+              <a:t>It is supported by Chrome, not IE.</a:t>
+            </a:r>
+          </a:p>
+          <a:p>
+            <a:pPr marL="0" indent="0">
+              <a:buNone/>
+            </a:pPr>
+            <a:endParaRPr lang="en-US" altLang="zh-CN" dirty="0"/>
+          </a:p>
+          <a:p>
+            <a:pPr marL="0" indent="0">
+              <a:buNone/>
+            </a:pPr>
+            <a:r>
+              <a:rPr lang="en-US" altLang="zh-CN" sz="2800" dirty="0" smtClean="0"/>
+              <a:t>Login:</a:t>
+            </a:r>
+            <a:endParaRPr lang="en-US" altLang="zh-CN" sz="2800" dirty="0"/>
+          </a:p>
+          <a:p>
+            <a:pPr marL="0" indent="0">
+              <a:buNone/>
+            </a:pPr>
+            <a:r>
+              <a:rPr lang="en-US" altLang="zh-CN" sz="2400" dirty="0"/>
+              <a:t>Requestor </a:t>
+            </a:r>
+            <a:r>
+              <a:rPr lang="en-US" altLang="zh-CN" sz="2400" dirty="0" smtClean="0"/>
+              <a:t>role : </a:t>
+            </a:r>
+            <a:r>
+              <a:rPr lang="en-US" altLang="zh-CN" sz="2400" dirty="0"/>
+              <a:t>1464202 / 123456</a:t>
+            </a:r>
+          </a:p>
+          <a:p>
+            <a:pPr marL="0" indent="0">
+              <a:buNone/>
+            </a:pPr>
+            <a:r>
+              <a:rPr lang="en-US" altLang="zh-CN" sz="2400" dirty="0" err="1" smtClean="0"/>
+              <a:t>Accouting</a:t>
+            </a:r>
+            <a:r>
+              <a:rPr lang="en-US" altLang="zh-CN" sz="2400" dirty="0" smtClean="0"/>
+              <a:t> role: </a:t>
+            </a:r>
+            <a:r>
+              <a:rPr lang="en-US" altLang="zh-CN" sz="2400" dirty="0"/>
+              <a:t>1441180 / </a:t>
+            </a:r>
+            <a:r>
+              <a:rPr lang="en-US" altLang="zh-CN" sz="2400" dirty="0" smtClean="0"/>
+              <a:t>123456</a:t>
+            </a:r>
+          </a:p>
+          <a:p>
+            <a:pPr marL="0" indent="0">
+              <a:buNone/>
+            </a:pPr>
+            <a:endParaRPr lang="en-US" altLang="zh-CN" sz="2400" dirty="0"/>
+          </a:p>
+          <a:p>
+            <a:pPr marL="0" indent="0">
+              <a:buNone/>
+            </a:pPr>
+            <a:r>
+              <a:rPr lang="en-US" altLang="zh-CN" sz="2400" dirty="0" smtClean="0"/>
+              <a:t>User manual:</a:t>
+            </a:r>
+          </a:p>
+          <a:p>
+            <a:pPr marL="0" indent="0">
+              <a:buNone/>
+            </a:pPr>
+            <a:r>
+              <a:rPr lang="en-US" altLang="zh-CN" sz="2400" dirty="0" smtClean="0"/>
+              <a:t>After login the system, you can click “HELP” menu to get usage support.</a:t>
+            </a:r>
+            <a:endParaRPr lang="zh-CN" altLang="en-US" sz="2400" dirty="0"/>
+          </a:p>
+        </p:txBody>
+      </p:sp>
+    </p:spTree>
+    <p:extLst>
+      <p:ext uri="{BB962C8B-B14F-4D97-AF65-F5344CB8AC3E}">
+        <p14:creationId xmlns:p14="http://schemas.microsoft.com/office/powerpoint/2010/main" val="3365493312"/>
+      </p:ext>
+    </p:extLst>
+  </p:cSld>
+  <p:clrMapOvr>
+    <a:masterClrMapping/>
+  </p:clrMapOvr>
+  <p:timing>
+    <p:tnLst>
+      <p:par>
+        <p:cTn id="1" dur="indefinite" restart="never" nodeType="tmRoot"/>
+      </p:par>
+    </p:tnLst>
+  </p:timing>
+</p:sld>
+</file>
+
 <file path=ppt/slides/slide2.xml><?xml version="1.0" encoding="utf-8"?>
 <p:sld xmlns:a="http://schemas.openxmlformats.org/drawingml/2006/main" xmlns:r="http://schemas.openxmlformats.org/officeDocument/2006/relationships" xmlns:p="http://schemas.openxmlformats.org/presentationml/2006/main">
   <p:cSld>
@@ -5292,7 +5818,7 @@
           <a:blip r:embed="rId3" cstate="screen">
             <a:extLst>
               <a:ext uri="{28A0092B-C50C-407E-A947-70E740481C1C}">
-                <a14:useLocalDpi xmlns:a14="http://schemas.microsoft.com/office/drawing/2010/main" xmlns="" val="0"/>
+                <a14:useLocalDpi xmlns:a14="http://schemas.microsoft.com/office/drawing/2010/main" val="0"/>
               </a:ext>
             </a:extLst>
           </a:blip>
@@ -5316,14 +5842,14 @@
           <a:effectLst/>
           <a:extLst>
             <a:ext uri="{909E8E84-426E-40DD-AFC4-6F175D3DCCD1}">
-              <a14:hiddenFill xmlns:a14="http://schemas.microsoft.com/office/drawing/2010/main" xmlns="">
+              <a14:hiddenFill xmlns:a14="http://schemas.microsoft.com/office/drawing/2010/main">
                 <a:solidFill>
                   <a:schemeClr val="accent1"/>
                 </a:solidFill>
               </a14:hiddenFill>
             </a:ext>
             <a:ext uri="{91240B29-F687-4F45-9708-019B960494DF}">
-              <a14:hiddenLine xmlns:a14="http://schemas.microsoft.com/office/drawing/2010/main" xmlns="" w="9525">
+              <a14:hiddenLine xmlns:a14="http://schemas.microsoft.com/office/drawing/2010/main" w="9525">
                 <a:solidFill>
                   <a:schemeClr val="tx1"/>
                 </a:solidFill>
@@ -5333,7 +5859,7 @@
               </a14:hiddenLine>
             </a:ext>
             <a:ext uri="{AF507438-7753-43E0-B8FC-AC1667EBCBE1}">
-              <a14:hiddenEffects xmlns:a14="http://schemas.microsoft.com/office/drawing/2010/main" xmlns="">
+              <a14:hiddenEffects xmlns:a14="http://schemas.microsoft.com/office/drawing/2010/main">
                 <a:effectLst>
                   <a:outerShdw dist="35921" dir="2700000" algn="ctr" rotWithShape="0">
                     <a:schemeClr val="bg2"/>
@@ -5388,17 +5914,47 @@
                   <a:schemeClr val="bg1"/>
                 </a:solidFill>
               </a:rPr>
-              <a:t>Currently the biggest problems they are facing are unnecessarily heavy manual data input and </a:t>
-            </a:r>
-          </a:p>
-          <a:p>
+              <a:t>Currently the biggest problems they are facing are </a:t>
+            </a:r>
+            <a:r>
+              <a:rPr lang="en-GB" altLang="zh-CN" dirty="0"/>
+              <a:t>massive manual </a:t>
+            </a:r>
+            <a:r>
+              <a:rPr lang="en-GB" altLang="zh-CN" dirty="0" smtClean="0"/>
+              <a:t>operations</a:t>
+            </a:r>
             <a:r>
               <a:rPr lang="en-GB" dirty="0" smtClean="0">
                 <a:solidFill>
                   <a:schemeClr val="bg1"/>
                 </a:solidFill>
               </a:rPr>
-              <a:t>checking tasks, communication with stakeholders, a lack of a unique e-form application and </a:t>
+              <a:t>, </a:t>
+            </a:r>
+            <a:r>
+              <a:rPr lang="en-GB" dirty="0" smtClean="0">
+                <a:solidFill>
+                  <a:schemeClr val="bg1"/>
+                </a:solidFill>
+              </a:rPr>
+              <a:t>communication with stakeholders, a lack of </a:t>
+            </a:r>
+            <a:r>
+              <a:rPr lang="en-GB" dirty="0" smtClean="0">
+                <a:solidFill>
+                  <a:schemeClr val="bg1"/>
+                </a:solidFill>
+              </a:rPr>
+              <a:t>an </a:t>
+            </a:r>
+            <a:r>
+              <a:rPr lang="en-GB" dirty="0" smtClean="0">
+                <a:solidFill>
+                  <a:schemeClr val="bg1"/>
+                </a:solidFill>
+              </a:rPr>
+              <a:t>unique e-form application and </a:t>
             </a:r>
           </a:p>
           <a:p>
@@ -5444,7 +6000,7 @@
             <a:blip r:embed="rId4" cstate="screen">
               <a:extLst>
                 <a:ext uri="{28A0092B-C50C-407E-A947-70E740481C1C}">
-                  <a14:useLocalDpi xmlns:a14="http://schemas.microsoft.com/office/drawing/2010/main" xmlns="" val="0"/>
+                  <a14:useLocalDpi xmlns:a14="http://schemas.microsoft.com/office/drawing/2010/main" val="0"/>
                 </a:ext>
               </a:extLst>
             </a:blip>
@@ -5468,14 +6024,14 @@
             <a:effectLst/>
             <a:extLst>
               <a:ext uri="{909E8E84-426E-40DD-AFC4-6F175D3DCCD1}">
-                <a14:hiddenFill xmlns:a14="http://schemas.microsoft.com/office/drawing/2010/main" xmlns="">
+                <a14:hiddenFill xmlns:a14="http://schemas.microsoft.com/office/drawing/2010/main">
                   <a:solidFill>
                     <a:schemeClr val="accent1"/>
                   </a:solidFill>
                 </a14:hiddenFill>
               </a:ext>
               <a:ext uri="{91240B29-F687-4F45-9708-019B960494DF}">
-                <a14:hiddenLine xmlns:a14="http://schemas.microsoft.com/office/drawing/2010/main" xmlns="" w="9525">
+                <a14:hiddenLine xmlns:a14="http://schemas.microsoft.com/office/drawing/2010/main" w="9525">
                   <a:solidFill>
                     <a:schemeClr val="tx1"/>
                   </a:solidFill>
@@ -5485,7 +6041,7 @@
                 </a14:hiddenLine>
               </a:ext>
               <a:ext uri="{AF507438-7753-43E0-B8FC-AC1667EBCBE1}">
-                <a14:hiddenEffects xmlns:a14="http://schemas.microsoft.com/office/drawing/2010/main" xmlns="">
+                <a14:hiddenEffects xmlns:a14="http://schemas.microsoft.com/office/drawing/2010/main">
                   <a:effectLst>
                     <a:outerShdw dist="35921" dir="2700000" algn="ctr" rotWithShape="0">
                       <a:schemeClr val="bg2"/>
@@ -5595,7 +6151,7 @@
             <a:blip r:embed="rId5" cstate="screen">
               <a:extLst>
                 <a:ext uri="{28A0092B-C50C-407E-A947-70E740481C1C}">
-                  <a14:useLocalDpi xmlns:a14="http://schemas.microsoft.com/office/drawing/2010/main" xmlns="" val="0"/>
+                  <a14:useLocalDpi xmlns:a14="http://schemas.microsoft.com/office/drawing/2010/main" val="0"/>
                 </a:ext>
               </a:extLst>
             </a:blip>
@@ -5619,14 +6175,14 @@
             <a:effectLst/>
             <a:extLst>
               <a:ext uri="{909E8E84-426E-40DD-AFC4-6F175D3DCCD1}">
-                <a14:hiddenFill xmlns:a14="http://schemas.microsoft.com/office/drawing/2010/main" xmlns="">
+                <a14:hiddenFill xmlns:a14="http://schemas.microsoft.com/office/drawing/2010/main">
                   <a:solidFill>
                     <a:schemeClr val="accent1"/>
                   </a:solidFill>
                 </a14:hiddenFill>
               </a:ext>
               <a:ext uri="{91240B29-F687-4F45-9708-019B960494DF}">
-                <a14:hiddenLine xmlns:a14="http://schemas.microsoft.com/office/drawing/2010/main" xmlns="" w="9525">
+                <a14:hiddenLine xmlns:a14="http://schemas.microsoft.com/office/drawing/2010/main" w="9525">
                   <a:solidFill>
                     <a:schemeClr val="tx1"/>
                   </a:solidFill>
@@ -5636,7 +6192,7 @@
                 </a14:hiddenLine>
               </a:ext>
               <a:ext uri="{AF507438-7753-43E0-B8FC-AC1667EBCBE1}">
-                <a14:hiddenEffects xmlns:a14="http://schemas.microsoft.com/office/drawing/2010/main" xmlns="">
+                <a14:hiddenEffects xmlns:a14="http://schemas.microsoft.com/office/drawing/2010/main">
                   <a:effectLst>
                     <a:outerShdw dist="35921" dir="2700000" algn="ctr" rotWithShape="0">
                       <a:schemeClr val="bg2"/>
@@ -5754,7 +6310,7 @@
             <a:blip r:embed="rId6" cstate="screen">
               <a:extLst>
                 <a:ext uri="{28A0092B-C50C-407E-A947-70E740481C1C}">
-                  <a14:useLocalDpi xmlns:a14="http://schemas.microsoft.com/office/drawing/2010/main" xmlns="" val="0"/>
+                  <a14:useLocalDpi xmlns:a14="http://schemas.microsoft.com/office/drawing/2010/main" val="0"/>
                 </a:ext>
               </a:extLst>
             </a:blip>
@@ -5778,14 +6334,14 @@
             <a:effectLst/>
             <a:extLst>
               <a:ext uri="{909E8E84-426E-40DD-AFC4-6F175D3DCCD1}">
-                <a14:hiddenFill xmlns:a14="http://schemas.microsoft.com/office/drawing/2010/main" xmlns="">
+                <a14:hiddenFill xmlns:a14="http://schemas.microsoft.com/office/drawing/2010/main">
                   <a:solidFill>
                     <a:schemeClr val="accent1"/>
                   </a:solidFill>
                 </a14:hiddenFill>
               </a:ext>
               <a:ext uri="{91240B29-F687-4F45-9708-019B960494DF}">
-                <a14:hiddenLine xmlns:a14="http://schemas.microsoft.com/office/drawing/2010/main" xmlns="" w="9525">
+                <a14:hiddenLine xmlns:a14="http://schemas.microsoft.com/office/drawing/2010/main" w="9525">
                   <a:solidFill>
                     <a:schemeClr val="tx1"/>
                   </a:solidFill>
@@ -5795,7 +6351,7 @@
                 </a14:hiddenLine>
               </a:ext>
               <a:ext uri="{AF507438-7753-43E0-B8FC-AC1667EBCBE1}">
-                <a14:hiddenEffects xmlns:a14="http://schemas.microsoft.com/office/drawing/2010/main" xmlns="">
+                <a14:hiddenEffects xmlns:a14="http://schemas.microsoft.com/office/drawing/2010/main">
                   <a:effectLst>
                     <a:outerShdw dist="35921" dir="2700000" algn="ctr" rotWithShape="0">
                       <a:schemeClr val="bg2"/>
@@ -5869,15 +6425,7 @@
                     <a:srgbClr val="FF0000"/>
                   </a:solidFill>
                 </a:rPr>
-                <a:t>No e-form </a:t>
-              </a:r>
-              <a:r>
-                <a:rPr lang="en-US" altLang="zh-CN" dirty="0" smtClean="0">
-                  <a:solidFill>
-                    <a:srgbClr val="FF0000"/>
-                  </a:solidFill>
-                </a:rPr>
-                <a:t>Application</a:t>
+                <a:t>No e-form Application</a:t>
               </a:r>
               <a:endParaRPr lang="zh-CN" altLang="en-US" dirty="0">
                 <a:solidFill>
@@ -5914,7 +6462,7 @@
             <a:blip r:embed="rId7" cstate="screen">
               <a:extLst>
                 <a:ext uri="{28A0092B-C50C-407E-A947-70E740481C1C}">
-                  <a14:useLocalDpi xmlns:a14="http://schemas.microsoft.com/office/drawing/2010/main" xmlns="" val="0"/>
+                  <a14:useLocalDpi xmlns:a14="http://schemas.microsoft.com/office/drawing/2010/main" val="0"/>
                 </a:ext>
               </a:extLst>
             </a:blip>
@@ -5938,14 +6486,14 @@
             <a:effectLst/>
             <a:extLst>
               <a:ext uri="{909E8E84-426E-40DD-AFC4-6F175D3DCCD1}">
-                <a14:hiddenFill xmlns:a14="http://schemas.microsoft.com/office/drawing/2010/main" xmlns="">
+                <a14:hiddenFill xmlns:a14="http://schemas.microsoft.com/office/drawing/2010/main">
                   <a:solidFill>
                     <a:schemeClr val="accent1"/>
                   </a:solidFill>
                 </a14:hiddenFill>
               </a:ext>
               <a:ext uri="{91240B29-F687-4F45-9708-019B960494DF}">
-                <a14:hiddenLine xmlns:a14="http://schemas.microsoft.com/office/drawing/2010/main" xmlns="" w="9525">
+                <a14:hiddenLine xmlns:a14="http://schemas.microsoft.com/office/drawing/2010/main" w="9525">
                   <a:solidFill>
                     <a:schemeClr val="tx1"/>
                   </a:solidFill>
@@ -5955,7 +6503,7 @@
                 </a14:hiddenLine>
               </a:ext>
               <a:ext uri="{AF507438-7753-43E0-B8FC-AC1667EBCBE1}">
-                <a14:hiddenEffects xmlns:a14="http://schemas.microsoft.com/office/drawing/2010/main" xmlns="">
+                <a14:hiddenEffects xmlns:a14="http://schemas.microsoft.com/office/drawing/2010/main">
                   <a:effectLst>
                     <a:outerShdw dist="35921" dir="2700000" algn="ctr" rotWithShape="0">
                       <a:schemeClr val="bg2"/>
@@ -6065,11 +6613,11 @@
   <p:clrMapOvr>
     <a:masterClrMapping/>
   </p:clrMapOvr>
-  <mc:AlternateContent xmlns:mc="http://schemas.openxmlformats.org/markup-compatibility/2006">
-    <mc:Choice xmlns:p14="http://schemas.microsoft.com/office/powerpoint/2010/main" xmlns="" Requires="p14">
+  <mc:AlternateContent xmlns:mc="http://schemas.openxmlformats.org/markup-compatibility/2006" xmlns:p14="http://schemas.microsoft.com/office/powerpoint/2010/main">
+    <mc:Choice Requires="p14">
       <p:transition spd="slow" p14:dur="2000"/>
     </mc:Choice>
-    <mc:Fallback>
+    <mc:Fallback xmlns="">
       <p:transition spd="slow"/>
     </mc:Fallback>
   </mc:AlternateContent>
@@ -6446,39 +6994,7 @@
                   <a:schemeClr val="bg1"/>
                 </a:solidFill>
               </a:rPr>
-              <a:t>The current process is that </a:t>
-            </a:r>
-            <a:r>
-              <a:rPr lang="en-GB" altLang="zh-CN" dirty="0" smtClean="0">
-                <a:solidFill>
-                  <a:schemeClr val="bg1"/>
-                </a:solidFill>
-              </a:rPr>
-              <a:t>AO(Accounting Operation) staff receives </a:t>
-            </a:r>
-            <a:r>
-              <a:rPr lang="en-GB" altLang="zh-CN" dirty="0" smtClean="0">
-                <a:solidFill>
-                  <a:schemeClr val="bg1"/>
-                </a:solidFill>
-              </a:rPr>
-              <a:t>paper invoices from vendors who need reimbursement, and </a:t>
-            </a:r>
-            <a:r>
-              <a:rPr lang="en-GB" altLang="zh-CN" dirty="0" smtClean="0">
-                <a:solidFill>
-                  <a:schemeClr val="bg1"/>
-                </a:solidFill>
-              </a:rPr>
-              <a:t>then manually </a:t>
-            </a:r>
-            <a:r>
-              <a:rPr lang="en-GB" altLang="zh-CN" dirty="0" smtClean="0">
-                <a:solidFill>
-                  <a:schemeClr val="bg1"/>
-                </a:solidFill>
-              </a:rPr>
-              <a:t>need to input invoice information into registration tables to track and verify their correctness.</a:t>
+              <a:t>The current process is that AO(Accounting Operation) staff receives paper invoices from vendors who need reimbursement, and then manually need to input invoice information into registration tables to track and verify their correctness.</a:t>
             </a:r>
             <a:endParaRPr lang="zh-CN" altLang="en-US" dirty="0">
               <a:solidFill>
@@ -6500,7 +7016,7 @@
           <a:blip r:embed="rId3" cstate="screen">
             <a:extLst>
               <a:ext uri="{28A0092B-C50C-407E-A947-70E740481C1C}">
-                <a14:useLocalDpi xmlns:a14="http://schemas.microsoft.com/office/drawing/2010/main" xmlns="" val="0"/>
+                <a14:useLocalDpi xmlns:a14="http://schemas.microsoft.com/office/drawing/2010/main" val="0"/>
               </a:ext>
             </a:extLst>
           </a:blip>
@@ -6520,7 +7036,7 @@
           <a:noFill/>
           <a:extLst>
             <a:ext uri="{909E8E84-426E-40DD-AFC4-6F175D3DCCD1}">
-              <a14:hiddenFill xmlns:a14="http://schemas.microsoft.com/office/drawing/2010/main" xmlns="">
+              <a14:hiddenFill xmlns:a14="http://schemas.microsoft.com/office/drawing/2010/main">
                 <a:solidFill>
                   <a:srgbClr val="FFFFFF"/>
                 </a:solidFill>
@@ -6594,7 +7110,7 @@
           <a:blip r:embed="rId4" cstate="screen">
             <a:extLst>
               <a:ext uri="{28A0092B-C50C-407E-A947-70E740481C1C}">
-                <a14:useLocalDpi xmlns:a14="http://schemas.microsoft.com/office/drawing/2010/main" xmlns="" val="0"/>
+                <a14:useLocalDpi xmlns:a14="http://schemas.microsoft.com/office/drawing/2010/main" val="0"/>
               </a:ext>
             </a:extLst>
           </a:blip>
@@ -6614,7 +7130,7 @@
           <a:noFill/>
           <a:extLst>
             <a:ext uri="{909E8E84-426E-40DD-AFC4-6F175D3DCCD1}">
-              <a14:hiddenFill xmlns:a14="http://schemas.microsoft.com/office/drawing/2010/main" xmlns="">
+              <a14:hiddenFill xmlns:a14="http://schemas.microsoft.com/office/drawing/2010/main">
                 <a:solidFill>
                   <a:srgbClr val="FFFFFF"/>
                 </a:solidFill>
@@ -6645,12 +7161,28 @@
           <a:lstStyle/>
           <a:p>
             <a:r>
+              <a:rPr lang="en-US" altLang="zh-CN" dirty="0" smtClean="0">
+                <a:solidFill>
+                  <a:schemeClr val="bg1"/>
+                </a:solidFill>
+              </a:rPr>
+              <a:t>Then t</a:t>
+            </a:r>
+            <a:r>
               <a:rPr lang="en-GB" altLang="zh-CN" dirty="0" smtClean="0">
                 <a:solidFill>
                   <a:schemeClr val="bg1"/>
                 </a:solidFill>
               </a:rPr>
-              <a:t>They then need to reject incorrect invoice requests and communicate with related stakeholders via email or the phone.</a:t>
+              <a:t>hey need </a:t>
+            </a:r>
+            <a:r>
+              <a:rPr lang="en-GB" altLang="zh-CN" dirty="0" smtClean="0">
+                <a:solidFill>
+                  <a:schemeClr val="bg1"/>
+                </a:solidFill>
+              </a:rPr>
+              <a:t>to reject incorrect invoice requests and communicate with related stakeholders via email or the phone.</a:t>
             </a:r>
             <a:endParaRPr lang="zh-CN" altLang="en-US" dirty="0">
               <a:solidFill>
@@ -6686,7 +7218,7 @@
             <a:blip r:embed="rId5" cstate="screen">
               <a:extLst>
                 <a:ext uri="{28A0092B-C50C-407E-A947-70E740481C1C}">
-                  <a14:useLocalDpi xmlns:a14="http://schemas.microsoft.com/office/drawing/2010/main" xmlns="" val="0"/>
+                  <a14:useLocalDpi xmlns:a14="http://schemas.microsoft.com/office/drawing/2010/main" val="0"/>
                 </a:ext>
               </a:extLst>
             </a:blip>
@@ -6706,7 +7238,7 @@
             <a:noFill/>
             <a:extLst>
               <a:ext uri="{909E8E84-426E-40DD-AFC4-6F175D3DCCD1}">
-                <a14:hiddenFill xmlns:a14="http://schemas.microsoft.com/office/drawing/2010/main" xmlns="">
+                <a14:hiddenFill xmlns:a14="http://schemas.microsoft.com/office/drawing/2010/main">
                   <a:solidFill>
                     <a:srgbClr val="FFFFFF"/>
                   </a:solidFill>
@@ -6727,7 +7259,7 @@
             <a:blip r:embed="rId6" cstate="screen">
               <a:extLst>
                 <a:ext uri="{28A0092B-C50C-407E-A947-70E740481C1C}">
-                  <a14:useLocalDpi xmlns:a14="http://schemas.microsoft.com/office/drawing/2010/main" xmlns="" val="0"/>
+                  <a14:useLocalDpi xmlns:a14="http://schemas.microsoft.com/office/drawing/2010/main" val="0"/>
                 </a:ext>
               </a:extLst>
             </a:blip>
@@ -6747,7 +7279,7 @@
             <a:noFill/>
             <a:extLst>
               <a:ext uri="{909E8E84-426E-40DD-AFC4-6F175D3DCCD1}">
-                <a14:hiddenFill xmlns:a14="http://schemas.microsoft.com/office/drawing/2010/main" xmlns="">
+                <a14:hiddenFill xmlns:a14="http://schemas.microsoft.com/office/drawing/2010/main">
                   <a:solidFill>
                     <a:srgbClr val="FFFFFF"/>
                   </a:solidFill>
@@ -6808,7 +7340,7 @@
             <a:blip r:embed="rId7" cstate="screen">
               <a:extLst>
                 <a:ext uri="{28A0092B-C50C-407E-A947-70E740481C1C}">
-                  <a14:useLocalDpi xmlns:a14="http://schemas.microsoft.com/office/drawing/2010/main" xmlns="" val="0"/>
+                  <a14:useLocalDpi xmlns:a14="http://schemas.microsoft.com/office/drawing/2010/main" val="0"/>
                 </a:ext>
               </a:extLst>
             </a:blip>
@@ -6828,7 +7360,7 @@
             <a:noFill/>
             <a:extLst>
               <a:ext uri="{909E8E84-426E-40DD-AFC4-6F175D3DCCD1}">
-                <a14:hiddenFill xmlns:a14="http://schemas.microsoft.com/office/drawing/2010/main" xmlns="">
+                <a14:hiddenFill xmlns:a14="http://schemas.microsoft.com/office/drawing/2010/main">
                   <a:solidFill>
                     <a:srgbClr val="FFFFFF"/>
                   </a:solidFill>
@@ -6890,7 +7422,7 @@
           <a:blip r:embed="rId3" cstate="screen">
             <a:extLst>
               <a:ext uri="{28A0092B-C50C-407E-A947-70E740481C1C}">
-                <a14:useLocalDpi xmlns:a14="http://schemas.microsoft.com/office/drawing/2010/main" xmlns="" val="0"/>
+                <a14:useLocalDpi xmlns:a14="http://schemas.microsoft.com/office/drawing/2010/main" val="0"/>
               </a:ext>
             </a:extLst>
           </a:blip>
@@ -6910,7 +7442,7 @@
           <a:noFill/>
           <a:extLst>
             <a:ext uri="{909E8E84-426E-40DD-AFC4-6F175D3DCCD1}">
-              <a14:hiddenFill xmlns:a14="http://schemas.microsoft.com/office/drawing/2010/main" xmlns="">
+              <a14:hiddenFill xmlns:a14="http://schemas.microsoft.com/office/drawing/2010/main">
                 <a:solidFill>
                   <a:srgbClr val="FFFFFF"/>
                 </a:solidFill>
@@ -6964,8 +7496,8 @@
         </p:nvSpPr>
         <p:spPr>
           <a:xfrm>
-            <a:off x="0" y="6600825"/>
-            <a:ext cx="10364362" cy="707886"/>
+            <a:off x="161557" y="6524625"/>
+            <a:ext cx="10364362" cy="1015663"/>
           </a:xfrm>
           <a:prstGeom prst="rect">
             <a:avLst/>
@@ -6983,7 +7515,7 @@
                   <a:schemeClr val="bg1"/>
                 </a:solidFill>
               </a:rPr>
-              <a:t>During the whole process, AO staff </a:t>
+              <a:t>During the whole process, AO staff is working manually within low efficiency and always facing the risk of manual mistakes and </a:t>
             </a:r>
             <a:r>
               <a:rPr lang="en-GB" altLang="zh-CN" dirty="0" smtClean="0">
@@ -6991,31 +7523,7 @@
                   <a:schemeClr val="bg1"/>
                 </a:solidFill>
               </a:rPr>
-              <a:t>is working </a:t>
-            </a:r>
-            <a:r>
-              <a:rPr lang="en-GB" altLang="zh-CN" dirty="0" smtClean="0">
-                <a:solidFill>
-                  <a:schemeClr val="bg1"/>
-                </a:solidFill>
-              </a:rPr>
-              <a:t>manually within low efficiency and always facing the risk of manual mistakes and </a:t>
-            </a:r>
-            <a:r>
-              <a:rPr lang="en-GB" altLang="zh-CN" dirty="0" smtClean="0">
-                <a:solidFill>
-                  <a:schemeClr val="bg1"/>
-                </a:solidFill>
-              </a:rPr>
-              <a:t>issues </a:t>
-            </a:r>
-            <a:r>
-              <a:rPr lang="en-GB" altLang="zh-CN" dirty="0" smtClean="0">
-                <a:solidFill>
-                  <a:schemeClr val="bg1"/>
-                </a:solidFill>
-              </a:rPr>
-              <a:t>with information availability and clarity.</a:t>
+              <a:t>information isolation. It means what you think is not the same as I think, the information is not matched between us.</a:t>
             </a:r>
             <a:endParaRPr lang="zh-CN" altLang="en-US" dirty="0">
               <a:solidFill>
@@ -7230,23 +7738,7 @@
                   </a:outerShdw>
                 </a:effectLst>
               </a:rPr>
-              <a:t>INFORMATION </a:t>
-            </a:r>
-            <a:r>
-              <a:rPr lang="en-US" altLang="zh-CN" sz="5400" b="1" cap="none" spc="0" dirty="0" smtClean="0">
-                <a:ln w="11430"/>
-                <a:solidFill>
-                  <a:srgbClr val="FF0000"/>
-                </a:solidFill>
-                <a:effectLst>
-                  <a:outerShdw blurRad="80000" dist="40000" dir="5040000" algn="tl">
-                    <a:srgbClr val="000000">
-                      <a:alpha val="30000"/>
-                    </a:srgbClr>
-                  </a:outerShdw>
-                </a:effectLst>
-              </a:rPr>
-              <a:t>ISOLATION</a:t>
+              <a:t>INFORMATION ISOLATION</a:t>
             </a:r>
             <a:endParaRPr lang="en-US" altLang="zh-CN" sz="5400" b="1" cap="none" spc="0" dirty="0">
               <a:ln w="11430"/>
@@ -7267,18 +7759,18 @@
     </p:spTree>
     <p:extLst>
       <p:ext uri="{BB962C8B-B14F-4D97-AF65-F5344CB8AC3E}">
-        <p14:creationId xmlns:p14="http://schemas.microsoft.com/office/powerpoint/2010/main" xmlns="" val="1598486284"/>
+        <p14:creationId xmlns:p14="http://schemas.microsoft.com/office/powerpoint/2010/main" val="1598486284"/>
       </p:ext>
     </p:extLst>
   </p:cSld>
   <p:clrMapOvr>
     <a:masterClrMapping/>
   </p:clrMapOvr>
-  <mc:AlternateContent xmlns:mc="http://schemas.openxmlformats.org/markup-compatibility/2006">
-    <mc:Choice xmlns:p14="http://schemas.microsoft.com/office/powerpoint/2010/main" xmlns="" Requires="p14">
+  <mc:AlternateContent xmlns:mc="http://schemas.openxmlformats.org/markup-compatibility/2006" xmlns:p14="http://schemas.microsoft.com/office/powerpoint/2010/main">
+    <mc:Choice Requires="p14">
       <p:transition spd="slow" p14:dur="2000"/>
     </mc:Choice>
-    <mc:Fallback>
+    <mc:Fallback xmlns="">
       <p:transition spd="slow"/>
     </mc:Fallback>
   </mc:AlternateContent>
@@ -8232,23 +8724,7 @@
                   <a:schemeClr val="bg1"/>
                 </a:solidFill>
               </a:rPr>
-              <a:t>Regarding our designed solution, we provide a payment platform to resolve those problems. Our target is to make each process </a:t>
-            </a:r>
-            <a:r>
-              <a:rPr lang="en-GB" altLang="zh-CN" dirty="0" smtClean="0">
-                <a:solidFill>
-                  <a:schemeClr val="bg1"/>
-                </a:solidFill>
-              </a:rPr>
-              <a:t>automatic</a:t>
-            </a:r>
-            <a:r>
-              <a:rPr lang="en-GB" altLang="zh-CN" dirty="0" smtClean="0">
-                <a:solidFill>
-                  <a:schemeClr val="bg1"/>
-                </a:solidFill>
-              </a:rPr>
-              <a:t>, improve efficiency and reduce manual risk to zero.</a:t>
+              <a:t>Regarding our designed solution, we provide a payment platform to resolve those problems. Our target is to make each process automatic, improve efficiency and reduce manual risk to zero.</a:t>
             </a:r>
             <a:endParaRPr lang="zh-CN" altLang="en-US" dirty="0">
               <a:solidFill>
@@ -8293,18 +8769,18 @@
     </p:spTree>
     <p:extLst>
       <p:ext uri="{BB962C8B-B14F-4D97-AF65-F5344CB8AC3E}">
-        <p14:creationId xmlns:p14="http://schemas.microsoft.com/office/powerpoint/2010/main" xmlns="" val="3577936536"/>
+        <p14:creationId xmlns:p14="http://schemas.microsoft.com/office/powerpoint/2010/main" val="3577936536"/>
       </p:ext>
     </p:extLst>
   </p:cSld>
   <p:clrMapOvr>
     <a:masterClrMapping/>
   </p:clrMapOvr>
-  <mc:AlternateContent xmlns:mc="http://schemas.openxmlformats.org/markup-compatibility/2006">
-    <mc:Choice xmlns:p14="http://schemas.microsoft.com/office/powerpoint/2010/main" xmlns="" Requires="p14">
+  <mc:AlternateContent xmlns:mc="http://schemas.openxmlformats.org/markup-compatibility/2006" xmlns:p14="http://schemas.microsoft.com/office/powerpoint/2010/main">
+    <mc:Choice Requires="p14">
       <p:transition spd="slow" p14:dur="2000"/>
     </mc:Choice>
-    <mc:Fallback>
+    <mc:Fallback xmlns="">
       <p:transition spd="slow"/>
     </mc:Fallback>
   </mc:AlternateContent>
@@ -8392,7 +8868,7 @@
           <a:blip r:embed="rId3" cstate="screen">
             <a:extLst>
               <a:ext uri="{28A0092B-C50C-407E-A947-70E740481C1C}">
-                <a14:useLocalDpi xmlns:a14="http://schemas.microsoft.com/office/drawing/2010/main" xmlns="" val="0"/>
+                <a14:useLocalDpi xmlns:a14="http://schemas.microsoft.com/office/drawing/2010/main" val="0"/>
               </a:ext>
             </a:extLst>
           </a:blip>
@@ -8416,14 +8892,14 @@
           <a:effectLst/>
           <a:extLst>
             <a:ext uri="{909E8E84-426E-40DD-AFC4-6F175D3DCCD1}">
-              <a14:hiddenFill xmlns:a14="http://schemas.microsoft.com/office/drawing/2010/main" xmlns="">
+              <a14:hiddenFill xmlns:a14="http://schemas.microsoft.com/office/drawing/2010/main">
                 <a:solidFill>
                   <a:schemeClr val="accent1"/>
                 </a:solidFill>
               </a14:hiddenFill>
             </a:ext>
             <a:ext uri="{91240B29-F687-4F45-9708-019B960494DF}">
-              <a14:hiddenLine xmlns:a14="http://schemas.microsoft.com/office/drawing/2010/main" xmlns="" w="9525">
+              <a14:hiddenLine xmlns:a14="http://schemas.microsoft.com/office/drawing/2010/main" w="9525">
                 <a:solidFill>
                   <a:schemeClr val="tx1"/>
                 </a:solidFill>
@@ -8433,7 +8909,7 @@
               </a14:hiddenLine>
             </a:ext>
             <a:ext uri="{AF507438-7753-43E0-B8FC-AC1667EBCBE1}">
-              <a14:hiddenEffects xmlns:a14="http://schemas.microsoft.com/office/drawing/2010/main" xmlns="">
+              <a14:hiddenEffects xmlns:a14="http://schemas.microsoft.com/office/drawing/2010/main">
                 <a:effectLst>
                   <a:outerShdw dist="35921" dir="2700000" algn="ctr" rotWithShape="0">
                     <a:schemeClr val="bg2"/>
@@ -8633,18 +9109,18 @@
     </p:spTree>
     <p:extLst>
       <p:ext uri="{BB962C8B-B14F-4D97-AF65-F5344CB8AC3E}">
-        <p14:creationId xmlns:p14="http://schemas.microsoft.com/office/powerpoint/2010/main" xmlns="" val="4154159414"/>
+        <p14:creationId xmlns:p14="http://schemas.microsoft.com/office/powerpoint/2010/main" val="4154159414"/>
       </p:ext>
     </p:extLst>
   </p:cSld>
   <p:clrMapOvr>
     <a:masterClrMapping/>
   </p:clrMapOvr>
-  <mc:AlternateContent xmlns:mc="http://schemas.openxmlformats.org/markup-compatibility/2006">
-    <mc:Choice xmlns:p14="http://schemas.microsoft.com/office/powerpoint/2010/main" xmlns="" Requires="p14">
+  <mc:AlternateContent xmlns:mc="http://schemas.openxmlformats.org/markup-compatibility/2006" xmlns:p14="http://schemas.microsoft.com/office/powerpoint/2010/main">
+    <mc:Choice Requires="p14">
       <p:transition spd="slow" p14:dur="2000"/>
     </mc:Choice>
-    <mc:Fallback>
+    <mc:Fallback xmlns="">
       <p:transition spd="slow"/>
     </mc:Fallback>
   </mc:AlternateContent>
@@ -8870,7 +9346,7 @@
                                           <p:attrName>ppt_y</p:attrName>
                                         </p:attrNameLst>
                                       </p:cBhvr>
-                                      <p:rCtr x="319" y="-3"/>
+                                      <p:rCtr x="31900" y="-300"/>
                                     </p:animMotion>
                                   </p:childTnLst>
                                 </p:cTn>
@@ -8975,7 +9451,7 @@
       </p:sp>
       <p:sp>
         <p:nvSpPr>
-          <p:cNvPr id="2" name="word - in future" hidden="1"/>
+          <p:cNvPr id="2" name="word - in future"/>
           <p:cNvSpPr/>
           <p:nvPr/>
         </p:nvSpPr>
@@ -9000,7 +9476,7 @@
                   <a:schemeClr val="bg1"/>
                 </a:solidFill>
               </a:rPr>
-              <a:t>After </a:t>
+              <a:t>After applying our new process, the requestor will use a website or mobile app to submit their reimbursement </a:t>
             </a:r>
             <a:r>
               <a:rPr lang="en-GB" altLang="zh-CN" dirty="0" smtClean="0">
@@ -9008,31 +9484,7 @@
                   <a:schemeClr val="bg1"/>
                 </a:solidFill>
               </a:rPr>
-              <a:t>applying our </a:t>
-            </a:r>
-            <a:r>
-              <a:rPr lang="en-GB" altLang="zh-CN" dirty="0" smtClean="0">
-                <a:solidFill>
-                  <a:schemeClr val="bg1"/>
-                </a:solidFill>
-              </a:rPr>
-              <a:t>new process, </a:t>
-            </a:r>
-            <a:r>
-              <a:rPr lang="en-GB" altLang="zh-CN" dirty="0" smtClean="0">
-                <a:solidFill>
-                  <a:schemeClr val="bg1"/>
-                </a:solidFill>
-              </a:rPr>
-              <a:t>the </a:t>
-            </a:r>
-            <a:r>
-              <a:rPr lang="en-GB" altLang="zh-CN" dirty="0" smtClean="0">
-                <a:solidFill>
-                  <a:schemeClr val="bg1"/>
-                </a:solidFill>
-              </a:rPr>
-              <a:t>requestor will use a website or mobile app to submit their reimbursement request using their electronic device.</a:t>
+              <a:t>request.</a:t>
             </a:r>
             <a:endParaRPr lang="zh-CN" altLang="en-US" dirty="0">
               <a:solidFill>
@@ -9148,7 +9600,7 @@
       </p:pic>
       <p:sp>
         <p:nvSpPr>
-          <p:cNvPr id="9" name="word - this scanner" hidden="1"/>
+          <p:cNvPr id="9" name="word - this scanner"/>
           <p:cNvSpPr/>
           <p:nvPr/>
         </p:nvSpPr>
@@ -9173,7 +9625,7 @@
                   <a:schemeClr val="bg1"/>
                 </a:solidFill>
               </a:rPr>
-              <a:t>AO staff can use this scanner to scan their invoice QR Code instead of manually typing it and then the invoice </a:t>
+              <a:t>AO staff can use this scanner to scan their invoice QR Code instead of manually typing it and then the invoice information will </a:t>
             </a:r>
             <a:r>
               <a:rPr lang="en-GB" dirty="0" smtClean="0">
@@ -9181,7 +9633,7 @@
                   <a:schemeClr val="bg1"/>
                 </a:solidFill>
               </a:rPr>
-              <a:t>information </a:t>
+              <a:t>be auto-imported </a:t>
             </a:r>
             <a:r>
               <a:rPr lang="en-GB" dirty="0" smtClean="0">
@@ -9189,7 +9641,7 @@
                   <a:schemeClr val="bg1"/>
                 </a:solidFill>
               </a:rPr>
-              <a:t>will auto-import into our system.</a:t>
+              <a:t>into our system.</a:t>
             </a:r>
             <a:endParaRPr lang="en-GB" dirty="0">
               <a:solidFill>
@@ -9352,7 +9804,7 @@
       </p:grpSp>
       <p:sp>
         <p:nvSpPr>
-          <p:cNvPr id="15" name="word - auto match" hidden="1"/>
+          <p:cNvPr id="15" name="word - auto match"/>
           <p:cNvSpPr/>
           <p:nvPr/>
         </p:nvSpPr>
@@ -9377,39 +9829,7 @@
                   <a:schemeClr val="bg1"/>
                 </a:solidFill>
               </a:rPr>
-              <a:t>The system will auto-match with </a:t>
-            </a:r>
-            <a:r>
-              <a:rPr lang="en-GB" dirty="0" smtClean="0">
-                <a:solidFill>
-                  <a:schemeClr val="bg1"/>
-                </a:solidFill>
-              </a:rPr>
-              <a:t>Chinese </a:t>
-            </a:r>
-            <a:r>
-              <a:rPr lang="en-GB" dirty="0" smtClean="0">
-                <a:solidFill>
-                  <a:schemeClr val="bg1"/>
-                </a:solidFill>
-              </a:rPr>
-              <a:t>Tax Golden Source to do invoice </a:t>
-            </a:r>
-            <a:r>
-              <a:rPr lang="en-GB" dirty="0" smtClean="0">
-                <a:solidFill>
-                  <a:schemeClr val="bg1"/>
-                </a:solidFill>
-              </a:rPr>
-              <a:t>verification</a:t>
-            </a:r>
-            <a:r>
-              <a:rPr lang="en-GB" dirty="0" smtClean="0">
-                <a:solidFill>
-                  <a:schemeClr val="bg1"/>
-                </a:solidFill>
-              </a:rPr>
-              <a:t>.</a:t>
+              <a:t>The system will auto-match with Chinese Tax Golden Source to do invoice verification.</a:t>
             </a:r>
             <a:endParaRPr lang="en-GB" dirty="0">
               <a:solidFill>
@@ -9446,7 +9866,7 @@
                   <a:schemeClr val="bg1"/>
                 </a:solidFill>
               </a:rPr>
-              <a:t>After determining Whether the invoice is effective or not, the system will trigger an email to automatically be sent </a:t>
+              <a:t>After determining Whether the invoice is effective or not, the system will trigger an email </a:t>
             </a:r>
             <a:r>
               <a:rPr lang="en-GB" dirty="0" smtClean="0">
@@ -9454,7 +9874,7 @@
                   <a:schemeClr val="bg1"/>
                 </a:solidFill>
               </a:rPr>
-              <a:t>to </a:t>
+              <a:t> automatically  to be </a:t>
             </a:r>
             <a:r>
               <a:rPr lang="en-GB" dirty="0" smtClean="0">
@@ -9462,7 +9882,7 @@
                   <a:schemeClr val="bg1"/>
                 </a:solidFill>
               </a:rPr>
-              <a:t>the relevant stakeholders.</a:t>
+              <a:t>sent to the relevant stakeholders.</a:t>
             </a:r>
             <a:endParaRPr lang="en-GB" dirty="0">
               <a:solidFill>
@@ -9475,18 +9895,18 @@
     </p:spTree>
     <p:extLst>
       <p:ext uri="{BB962C8B-B14F-4D97-AF65-F5344CB8AC3E}">
-        <p14:creationId xmlns:p14="http://schemas.microsoft.com/office/powerpoint/2010/main" xmlns="" val="3164977768"/>
+        <p14:creationId xmlns:p14="http://schemas.microsoft.com/office/powerpoint/2010/main" val="3164977768"/>
       </p:ext>
     </p:extLst>
   </p:cSld>
   <p:clrMapOvr>
     <a:masterClrMapping/>
   </p:clrMapOvr>
-  <mc:AlternateContent xmlns:mc="http://schemas.openxmlformats.org/markup-compatibility/2006">
-    <mc:Choice xmlns:p14="http://schemas.microsoft.com/office/powerpoint/2010/main" xmlns="" Requires="p14">
+  <mc:AlternateContent xmlns:mc="http://schemas.openxmlformats.org/markup-compatibility/2006" xmlns:p14="http://schemas.microsoft.com/office/powerpoint/2010/main">
+    <mc:Choice Requires="p14">
       <p:transition spd="slow" p14:dur="2000"/>
     </mc:Choice>
-    <mc:Fallback>
+    <mc:Fallback xmlns="">
       <p:transition spd="slow"/>
     </mc:Fallback>
   </mc:AlternateContent>
@@ -10211,7 +10631,7 @@
             <a:blip r:embed="rId3" cstate="screen">
               <a:extLst>
                 <a:ext uri="{28A0092B-C50C-407E-A947-70E740481C1C}">
-                  <a14:useLocalDpi xmlns:a14="http://schemas.microsoft.com/office/drawing/2010/main" xmlns="" val="0"/>
+                  <a14:useLocalDpi xmlns:a14="http://schemas.microsoft.com/office/drawing/2010/main" val="0"/>
                 </a:ext>
               </a:extLst>
             </a:blip>
@@ -10231,7 +10651,7 @@
             <a:noFill/>
             <a:extLst>
               <a:ext uri="{909E8E84-426E-40DD-AFC4-6F175D3DCCD1}">
-                <a14:hiddenFill xmlns:a14="http://schemas.microsoft.com/office/drawing/2010/main" xmlns="">
+                <a14:hiddenFill xmlns:a14="http://schemas.microsoft.com/office/drawing/2010/main">
                   <a:solidFill>
                     <a:srgbClr val="FFFFFF"/>
                   </a:solidFill>
@@ -10262,16 +10682,8 @@
             <a:lstStyle/>
             <a:p>
               <a:r>
-                <a:rPr lang="en-US" altLang="zh-CN" dirty="0"/>
-                <a:t>Improve 25 </a:t>
-              </a:r>
-              <a:r>
                 <a:rPr lang="en-US" altLang="zh-CN" dirty="0" smtClean="0"/>
-                <a:t>multiple efficiency</a:t>
-              </a:r>
-              <a:r>
-                <a:rPr lang="en-US" altLang="zh-CN" dirty="0"/>
-                <a:t>. </a:t>
+                <a:t>Improve efficiency to 25 times. </a:t>
               </a:r>
               <a:endParaRPr lang="zh-CN" altLang="en-US" dirty="0"/>
             </a:p>
@@ -10341,22 +10753,13 @@
           <a:lstStyle/>
           <a:p>
             <a:r>
-              <a:rPr lang="en-GB" altLang="ko-KR" dirty="0" smtClean="0">
+              <a:rPr lang="en-US" altLang="zh-CN" dirty="0">
                 <a:solidFill>
                   <a:schemeClr val="bg1"/>
                 </a:solidFill>
-                <a:ea typeface="굴림" charset="-127"/>
-                <a:cs typeface="Arial" charset="0"/>
               </a:rPr>
-              <a:t>After apply this new system, we can</a:t>
-            </a:r>
-            <a:endParaRPr lang="en-US" altLang="ko-KR" dirty="0">
-              <a:solidFill>
-                <a:schemeClr val="bg1"/>
-              </a:solidFill>
-              <a:ea typeface="굴림" charset="-127"/>
-              <a:cs typeface="Arial" charset="0"/>
-            </a:endParaRPr>
+              <a:t>After applying this new system, the benefit is </a:t>
+            </a:r>
           </a:p>
         </p:txBody>
       </p:sp>
@@ -10369,7 +10772,7 @@
         <p:spPr>
           <a:xfrm>
             <a:off x="238919" y="6600825"/>
-            <a:ext cx="10214425" cy="707886"/>
+            <a:ext cx="10214425" cy="1015663"/>
           </a:xfrm>
           <a:prstGeom prst="rect">
             <a:avLst/>
@@ -10383,12 +10786,92 @@
           <a:lstStyle/>
           <a:p>
             <a:r>
-              <a:rPr lang="en-GB" altLang="zh-CN" dirty="0" smtClean="0">
+              <a:rPr lang="en-US" altLang="zh-CN" dirty="0">
                 <a:solidFill>
                   <a:schemeClr val="bg1"/>
                 </a:solidFill>
               </a:rPr>
-              <a:t>1. Improve 25 multiple efficiency. AO staff needs 25 seconds to input and verify an invoice at least. After using scanner, it will take less than 1 second to complete all processes.</a:t>
+              <a:t>1. Improve efficiency to 25 times. AO staff </a:t>
+            </a:r>
+            <a:r>
+              <a:rPr lang="en-US" altLang="zh-CN" dirty="0" smtClean="0">
+                <a:solidFill>
+                  <a:schemeClr val="bg1"/>
+                </a:solidFill>
+              </a:rPr>
+              <a:t>needs </a:t>
+            </a:r>
+            <a:r>
+              <a:rPr lang="en-US" altLang="zh-CN" dirty="0">
+                <a:solidFill>
+                  <a:schemeClr val="bg1"/>
+                </a:solidFill>
+              </a:rPr>
+              <a:t>at least </a:t>
+            </a:r>
+            <a:r>
+              <a:rPr lang="en-US" altLang="zh-CN" dirty="0" smtClean="0">
+                <a:solidFill>
+                  <a:schemeClr val="bg1"/>
+                </a:solidFill>
+              </a:rPr>
+              <a:t>25 </a:t>
+            </a:r>
+            <a:r>
+              <a:rPr lang="en-US" altLang="zh-CN" dirty="0">
+                <a:solidFill>
+                  <a:schemeClr val="bg1"/>
+                </a:solidFill>
+              </a:rPr>
+              <a:t>seconds to input an invoice </a:t>
+            </a:r>
+            <a:r>
+              <a:rPr lang="en-US" altLang="zh-CN" dirty="0" smtClean="0">
+                <a:solidFill>
+                  <a:schemeClr val="bg1"/>
+                </a:solidFill>
+              </a:rPr>
+              <a:t>information at </a:t>
+            </a:r>
+            <a:r>
+              <a:rPr lang="en-US" altLang="zh-CN" dirty="0">
+                <a:solidFill>
+                  <a:schemeClr val="bg1"/>
+                </a:solidFill>
+              </a:rPr>
+              <a:t>least. After using our </a:t>
+            </a:r>
+            <a:r>
+              <a:rPr lang="en-US" altLang="zh-CN" dirty="0" smtClean="0">
+                <a:solidFill>
+                  <a:schemeClr val="bg1"/>
+                </a:solidFill>
+              </a:rPr>
+              <a:t> scanner</a:t>
+            </a:r>
+            <a:r>
+              <a:rPr lang="en-US" altLang="zh-CN" dirty="0">
+                <a:solidFill>
+                  <a:schemeClr val="bg1"/>
+                </a:solidFill>
+              </a:rPr>
+              <a:t>, </a:t>
+            </a:r>
+            <a:r>
+              <a:rPr lang="en-US" altLang="zh-CN" dirty="0" smtClean="0">
+                <a:solidFill>
+                  <a:schemeClr val="bg1"/>
+                </a:solidFill>
+              </a:rPr>
+              <a:t>it will </a:t>
+            </a:r>
+            <a:r>
+              <a:rPr lang="en-US" altLang="zh-CN" dirty="0">
+                <a:solidFill>
+                  <a:schemeClr val="bg1"/>
+                </a:solidFill>
+              </a:rPr>
+              <a:t>take less than 1 second to complete all the processes.</a:t>
             </a:r>
             <a:endParaRPr lang="zh-CN" altLang="en-US" dirty="0">
               <a:solidFill>
@@ -10465,7 +10948,7 @@
             <a:blip r:embed="rId4" cstate="screen">
               <a:extLst>
                 <a:ext uri="{28A0092B-C50C-407E-A947-70E740481C1C}">
-                  <a14:useLocalDpi xmlns:a14="http://schemas.microsoft.com/office/drawing/2010/main" xmlns="" val="0"/>
+                  <a14:useLocalDpi xmlns:a14="http://schemas.microsoft.com/office/drawing/2010/main" val="0"/>
                 </a:ext>
               </a:extLst>
             </a:blip>
@@ -10485,7 +10968,7 @@
             <a:noFill/>
             <a:extLst>
               <a:ext uri="{909E8E84-426E-40DD-AFC4-6F175D3DCCD1}">
-                <a14:hiddenFill xmlns:a14="http://schemas.microsoft.com/office/drawing/2010/main" xmlns="">
+                <a14:hiddenFill xmlns:a14="http://schemas.microsoft.com/office/drawing/2010/main">
                   <a:solidFill>
                     <a:srgbClr val="FFFFFF"/>
                   </a:solidFill>
@@ -10517,7 +11000,15 @@
             <a:p>
               <a:r>
                 <a:rPr lang="en-US" altLang="zh-CN" dirty="0"/>
-                <a:t>Reduce manual risk to Zero.</a:t>
+                <a:t>Reduce manual risk to </a:t>
+              </a:r>
+              <a:r>
+                <a:rPr lang="en-US" altLang="zh-CN" dirty="0" smtClean="0"/>
+                <a:t>zero</a:t>
+              </a:r>
+              <a:r>
+                <a:rPr lang="en-US" altLang="zh-CN" dirty="0"/>
+                <a:t>.</a:t>
               </a:r>
               <a:endParaRPr lang="zh-CN" altLang="en-US" dirty="0"/>
             </a:p>
@@ -10546,12 +11037,28 @@
           <a:lstStyle/>
           <a:p>
             <a:r>
-              <a:rPr lang="en-GB" altLang="zh-CN" dirty="0" smtClean="0">
+              <a:rPr lang="en-US" altLang="zh-CN" dirty="0">
                 <a:solidFill>
                   <a:schemeClr val="bg1"/>
                 </a:solidFill>
               </a:rPr>
-              <a:t>2. Reduce manual risk to Zero. After applying this system, there is no manual operation at all, so we can say that's 100% safe.</a:t>
+              <a:t>2. Reduce manual risk to Zero. After applying this system, there is no manual operation at all, so we can say that's 100% </a:t>
+            </a:r>
+            <a:r>
+              <a:rPr lang="en-US" altLang="zh-CN" dirty="0" smtClean="0">
+                <a:solidFill>
+                  <a:schemeClr val="bg1"/>
+                </a:solidFill>
+              </a:rPr>
+              <a:t>risk </a:t>
+            </a:r>
+            <a:r>
+              <a:rPr lang="en-US" altLang="zh-CN" dirty="0">
+                <a:solidFill>
+                  <a:schemeClr val="bg1"/>
+                </a:solidFill>
+              </a:rPr>
+              <a:t>free.</a:t>
             </a:r>
             <a:endParaRPr lang="zh-CN" altLang="en-US" dirty="0">
               <a:solidFill>
@@ -10587,7 +11094,7 @@
             <a:blip r:embed="rId5" cstate="screen">
               <a:extLst>
                 <a:ext uri="{28A0092B-C50C-407E-A947-70E740481C1C}">
-                  <a14:useLocalDpi xmlns:a14="http://schemas.microsoft.com/office/drawing/2010/main" xmlns="" val="0"/>
+                  <a14:useLocalDpi xmlns:a14="http://schemas.microsoft.com/office/drawing/2010/main" val="0"/>
                 </a:ext>
               </a:extLst>
             </a:blip>
@@ -10607,7 +11114,7 @@
             <a:noFill/>
             <a:extLst>
               <a:ext uri="{909E8E84-426E-40DD-AFC4-6F175D3DCCD1}">
-                <a14:hiddenFill xmlns:a14="http://schemas.microsoft.com/office/drawing/2010/main" xmlns="">
+                <a14:hiddenFill xmlns:a14="http://schemas.microsoft.com/office/drawing/2010/main">
                   <a:solidFill>
                     <a:srgbClr val="FFFFFF"/>
                   </a:solidFill>
@@ -10695,8 +11202,8 @@
         </p:nvSpPr>
         <p:spPr>
           <a:xfrm>
-            <a:off x="162719" y="6677025"/>
-            <a:ext cx="10179438" cy="707886"/>
+            <a:off x="0" y="6582112"/>
+            <a:ext cx="10830719" cy="1015663"/>
           </a:xfrm>
           <a:prstGeom prst="rect">
             <a:avLst/>
@@ -10709,12 +11216,68 @@
           <a:lstStyle/>
           <a:p>
             <a:r>
-              <a:rPr lang="en-GB" altLang="zh-CN" dirty="0" smtClean="0">
+              <a:rPr lang="en-US" altLang="zh-CN" dirty="0">
                 <a:solidFill>
                   <a:schemeClr val="bg1"/>
                 </a:solidFill>
               </a:rPr>
-              <a:t>3. Digital and eco-office. There is no paper request in new system, every data is changed to electronic form and save into database. So we can save paper cost, print cost as well as time cost.</a:t>
+              <a:t>3. Digital and eco-office. There is no paper request in our new system. All the data is changed to an electronic form </a:t>
+            </a:r>
+            <a:r>
+              <a:rPr lang="en-US" altLang="zh-CN" dirty="0" smtClean="0">
+                <a:solidFill>
+                  <a:schemeClr val="bg1"/>
+                </a:solidFill>
+              </a:rPr>
+              <a:t>and saved </a:t>
+            </a:r>
+            <a:r>
+              <a:rPr lang="en-US" altLang="zh-CN" dirty="0">
+                <a:solidFill>
+                  <a:schemeClr val="bg1"/>
+                </a:solidFill>
+              </a:rPr>
+              <a:t>into our </a:t>
+            </a:r>
+            <a:r>
+              <a:rPr lang="en-US" altLang="zh-CN" dirty="0" smtClean="0">
+                <a:solidFill>
+                  <a:schemeClr val="bg1"/>
+                </a:solidFill>
+              </a:rPr>
+              <a:t>database. So </a:t>
+            </a:r>
+            <a:r>
+              <a:rPr lang="en-US" altLang="zh-CN" dirty="0">
+                <a:solidFill>
+                  <a:schemeClr val="bg1"/>
+                </a:solidFill>
+              </a:rPr>
+              <a:t>we can save paper costs, printing costs, as well </a:t>
+            </a:r>
+            <a:r>
+              <a:rPr lang="en-US" altLang="zh-CN" dirty="0" smtClean="0">
+                <a:solidFill>
+                  <a:schemeClr val="bg1"/>
+                </a:solidFill>
+              </a:rPr>
+              <a:t>as time </a:t>
+            </a:r>
+            <a:r>
+              <a:rPr lang="en-US" altLang="zh-CN" dirty="0">
+                <a:solidFill>
+                  <a:schemeClr val="bg1"/>
+                </a:solidFill>
+              </a:rPr>
+              <a:t>costs</a:t>
+            </a:r>
+            <a:r>
+              <a:rPr lang="en-US" altLang="zh-CN" dirty="0" smtClean="0">
+                <a:solidFill>
+                  <a:schemeClr val="bg1"/>
+                </a:solidFill>
+              </a:rPr>
+              <a:t>. The time estimation is more than 150 hours to save each month for AO and Trade department.</a:t>
             </a:r>
             <a:endParaRPr lang="zh-CN" altLang="en-US" dirty="0">
               <a:solidFill>
@@ -10750,7 +11313,7 @@
             <a:blip r:embed="rId6" cstate="screen">
               <a:extLst>
                 <a:ext uri="{28A0092B-C50C-407E-A947-70E740481C1C}">
-                  <a14:useLocalDpi xmlns:a14="http://schemas.microsoft.com/office/drawing/2010/main" xmlns="" val="0"/>
+                  <a14:useLocalDpi xmlns:a14="http://schemas.microsoft.com/office/drawing/2010/main" val="0"/>
                 </a:ext>
               </a:extLst>
             </a:blip>
@@ -10770,7 +11333,7 @@
             <a:noFill/>
             <a:extLst>
               <a:ext uri="{909E8E84-426E-40DD-AFC4-6F175D3DCCD1}">
-                <a14:hiddenFill xmlns:a14="http://schemas.microsoft.com/office/drawing/2010/main" xmlns="">
+                <a14:hiddenFill xmlns:a14="http://schemas.microsoft.com/office/drawing/2010/main">
                   <a:solidFill>
                     <a:srgbClr val="FFFFFF"/>
                   </a:solidFill>
@@ -10858,8 +11421,8 @@
         </p:nvSpPr>
         <p:spPr>
           <a:xfrm>
-            <a:off x="162719" y="6547187"/>
-            <a:ext cx="10221119" cy="1015663"/>
+            <a:off x="410" y="6547187"/>
+            <a:ext cx="10601709" cy="1015663"/>
           </a:xfrm>
           <a:prstGeom prst="rect">
             <a:avLst/>
@@ -10872,12 +11435,60 @@
           <a:lstStyle/>
           <a:p>
             <a:r>
-              <a:rPr lang="en-GB" altLang="zh-CN" dirty="0" smtClean="0">
+              <a:rPr lang="en-US" altLang="zh-CN" dirty="0">
                 <a:solidFill>
                   <a:schemeClr val="bg1"/>
                 </a:solidFill>
               </a:rPr>
-              <a:t>4. Audit automation. Everything is saving in database, so we can search and check history invoice easily for end of year audit as well as generate accounting report. If it is still using paper invoice, it will be a huge job to look for one invoice from thousands of invoices.</a:t>
+              <a:t>4. Audit automation. Everything is saved in a database, so we can search and check the invoice history easily for the end </a:t>
+            </a:r>
+            <a:r>
+              <a:rPr lang="en-US" altLang="zh-CN" dirty="0" smtClean="0">
+                <a:solidFill>
+                  <a:schemeClr val="bg1"/>
+                </a:solidFill>
+              </a:rPr>
+              <a:t> of  year </a:t>
+            </a:r>
+            <a:r>
+              <a:rPr lang="en-US" altLang="zh-CN" dirty="0">
+                <a:solidFill>
+                  <a:schemeClr val="bg1"/>
+                </a:solidFill>
+              </a:rPr>
+              <a:t>audit, as well as generate accounting reports. If still using paper invoices, it would be a huge job to look for </a:t>
+            </a:r>
+            <a:r>
+              <a:rPr lang="en-US" altLang="zh-CN" dirty="0" smtClean="0">
+                <a:solidFill>
+                  <a:schemeClr val="bg1"/>
+                </a:solidFill>
+              </a:rPr>
+              <a:t> one </a:t>
+            </a:r>
+            <a:r>
+              <a:rPr lang="en-US" altLang="zh-CN" dirty="0">
+                <a:solidFill>
+                  <a:schemeClr val="bg1"/>
+                </a:solidFill>
+              </a:rPr>
+              <a:t>invoice from </a:t>
+            </a:r>
+            <a:r>
+              <a:rPr lang="en-US" altLang="zh-CN" dirty="0" smtClean="0">
+                <a:solidFill>
+                  <a:schemeClr val="bg1"/>
+                </a:solidFill>
+              </a:rPr>
+              <a:t>thousands </a:t>
+            </a:r>
+            <a:r>
+              <a:rPr lang="en-US" altLang="zh-CN" dirty="0">
+                <a:solidFill>
+                  <a:schemeClr val="bg1"/>
+                </a:solidFill>
+              </a:rPr>
+              <a:t>that are periodically received.</a:t>
             </a:r>
             <a:endParaRPr lang="zh-CN" altLang="en-US" dirty="0">
               <a:solidFill>
@@ -10890,18 +11501,18 @@
     </p:spTree>
     <p:extLst>
       <p:ext uri="{BB962C8B-B14F-4D97-AF65-F5344CB8AC3E}">
-        <p14:creationId xmlns:p14="http://schemas.microsoft.com/office/powerpoint/2010/main" xmlns="" val="750072324"/>
+        <p14:creationId xmlns:p14="http://schemas.microsoft.com/office/powerpoint/2010/main" val="750072324"/>
       </p:ext>
     </p:extLst>
   </p:cSld>
   <p:clrMapOvr>
     <a:masterClrMapping/>
   </p:clrMapOvr>
-  <mc:AlternateContent xmlns:mc="http://schemas.openxmlformats.org/markup-compatibility/2006">
-    <mc:Choice xmlns:p14="http://schemas.microsoft.com/office/powerpoint/2010/main" xmlns="" Requires="p14">
+  <mc:AlternateContent xmlns:mc="http://schemas.openxmlformats.org/markup-compatibility/2006" xmlns:p14="http://schemas.microsoft.com/office/powerpoint/2010/main">
+    <mc:Choice Requires="p14">
       <p:transition spd="slow" p14:dur="2000"/>
     </mc:Choice>
-    <mc:Fallback>
+    <mc:Fallback xmlns="">
       <p:transition spd="slow"/>
     </mc:Fallback>
   </mc:AlternateContent>
@@ -11619,7 +12230,7 @@
       </p:sp>
       <p:sp>
         <p:nvSpPr>
-          <p:cNvPr id="6" name="Rectangle 5" hidden="1"/>
+          <p:cNvPr id="6" name="Rectangle 5"/>
           <p:cNvSpPr/>
           <p:nvPr/>
         </p:nvSpPr>
@@ -12052,18 +12663,18 @@
     </p:spTree>
     <p:extLst>
       <p:ext uri="{BB962C8B-B14F-4D97-AF65-F5344CB8AC3E}">
-        <p14:creationId xmlns:p14="http://schemas.microsoft.com/office/powerpoint/2010/main" xmlns="" val="1614935249"/>
+        <p14:creationId xmlns:p14="http://schemas.microsoft.com/office/powerpoint/2010/main" val="1614935249"/>
       </p:ext>
     </p:extLst>
   </p:cSld>
   <p:clrMapOvr>
     <a:masterClrMapping/>
   </p:clrMapOvr>
-  <mc:AlternateContent xmlns:mc="http://schemas.openxmlformats.org/markup-compatibility/2006">
-    <mc:Choice xmlns:p14="http://schemas.microsoft.com/office/powerpoint/2010/main" xmlns="" Requires="p14">
+  <mc:AlternateContent xmlns:mc="http://schemas.openxmlformats.org/markup-compatibility/2006" xmlns:p14="http://schemas.microsoft.com/office/powerpoint/2010/main">
+    <mc:Choice Requires="p14">
       <p:transition spd="slow" p14:dur="2000"/>
     </mc:Choice>
-    <mc:Fallback>
+    <mc:Fallback xmlns="">
       <p:transition spd="slow"/>
     </mc:Fallback>
   </mc:AlternateContent>
@@ -12605,11 +13216,7 @@
           <a:p>
             <a:r>
               <a:rPr lang="en-US" dirty="0" smtClean="0"/>
-              <a:t>technology question</a:t>
-            </a:r>
-            <a:r>
-              <a:rPr lang="en-US" dirty="0" smtClean="0"/>
-              <a:t>:     1464202    Victor</a:t>
+              <a:t>technology question:     1464202    Victor</a:t>
             </a:r>
             <a:endParaRPr lang="en-GB" dirty="0" smtClean="0"/>
           </a:p>
@@ -12639,25 +13246,12 @@
           <a:p>
             <a:r>
               <a:rPr lang="en-US" dirty="0" smtClean="0"/>
-              <a:t>b</a:t>
-            </a:r>
-            <a:r>
-              <a:rPr lang="en-US" dirty="0" smtClean="0"/>
-              <a:t>usiness question</a:t>
-            </a:r>
-            <a:r>
-              <a:rPr lang="en-US" dirty="0" smtClean="0"/>
-              <a:t>: </a:t>
-            </a:r>
-            <a:r>
-              <a:rPr lang="en-US" dirty="0" smtClean="0"/>
-              <a:t>        1441180    </a:t>
+              <a:t>business question:         1441180    </a:t>
             </a:r>
             <a:r>
               <a:rPr lang="en-GB" dirty="0" smtClean="0"/>
               <a:t>Barbara</a:t>
             </a:r>
-            <a:endParaRPr lang="en-GB" dirty="0" smtClean="0"/>
           </a:p>
         </p:txBody>
       </p:sp>

--- a/src/main/presentation/FinTechathon_2nd.pptx
+++ b/src/main/presentation/FinTechathon_2nd.pptx
@@ -5956,15 +5956,21 @@
               </a:rPr>
               <a:t>unique e-form application and </a:t>
             </a:r>
-          </a:p>
-          <a:p>
             <a:r>
               <a:rPr lang="en-GB" dirty="0" smtClean="0">
                 <a:solidFill>
                   <a:schemeClr val="bg1"/>
                 </a:solidFill>
               </a:rPr>
-              <a:t>risk of manual mistakes.</a:t>
+              <a:t>risk </a:t>
+            </a:r>
+            <a:r>
+              <a:rPr lang="en-GB" dirty="0" smtClean="0">
+                <a:solidFill>
+                  <a:schemeClr val="bg1"/>
+                </a:solidFill>
+              </a:rPr>
+              <a:t>of manual mistakes.</a:t>
             </a:r>
             <a:endParaRPr lang="en-GB" dirty="0">
               <a:solidFill>
@@ -6592,12 +6598,12 @@
             <a:p>
               <a:pPr algn="ctr"/>
               <a:r>
-                <a:rPr lang="en-US" altLang="zh-CN" dirty="0" smtClean="0">
+                <a:rPr lang="en-US" altLang="zh-CN" smtClean="0">
                   <a:solidFill>
                     <a:srgbClr val="FF0000"/>
                   </a:solidFill>
                 </a:rPr>
-                <a:t>Manual Risk</a:t>
+                <a:t>Risk</a:t>
               </a:r>
               <a:endParaRPr lang="zh-CN" altLang="en-US" dirty="0">
                 <a:solidFill>

--- a/src/main/presentation/FinTechathon_2nd.pptx
+++ b/src/main/presentation/FinTechathon_2nd.pptx
@@ -202,7 +202,7 @@
             <a:fld id="{A7E699D2-5BE3-4458-9E0A-526F447E3C3B}" type="datetimeFigureOut">
               <a:rPr lang="en-GB" smtClean="0"/>
               <a:pPr/>
-              <a:t>04/01/2018</a:t>
+              <a:t>05/01/2018</a:t>
             </a:fld>
             <a:endParaRPr lang="en-GB"/>
           </a:p>
@@ -373,7 +373,7 @@
     </p:spTree>
     <p:extLst>
       <p:ext uri="{BB962C8B-B14F-4D97-AF65-F5344CB8AC3E}">
-        <p14:creationId xmlns:p14="http://schemas.microsoft.com/office/powerpoint/2010/main" val="2450056276"/>
+        <p14:creationId xmlns="" xmlns:p14="http://schemas.microsoft.com/office/powerpoint/2010/main" val="2450056276"/>
       </p:ext>
     </p:extLst>
   </p:cSld>
@@ -586,21 +586,7 @@
                 <a:ea typeface="굴림" charset="-127"/>
                 <a:cs typeface="Arial" charset="0"/>
               </a:rPr>
-              <a:t> to present </a:t>
-            </a:r>
-            <a:r>
-              <a:rPr lang="en-GB" altLang="ko-KR" dirty="0" smtClean="0">
-                <a:ea typeface="굴림" charset="-127"/>
-                <a:cs typeface="Arial" charset="0"/>
-              </a:rPr>
-              <a:t>this </a:t>
-            </a:r>
-            <a:r>
-              <a:rPr lang="en-GB" altLang="ko-KR" dirty="0" smtClean="0">
-                <a:ea typeface="굴림" charset="-127"/>
-                <a:cs typeface="Arial" charset="0"/>
-              </a:rPr>
-              <a:t>project here. My team is called </a:t>
+              <a:t> to present this project here. My team is called </a:t>
             </a:r>
             <a:r>
               <a:rPr lang="en-GB" altLang="ko-KR" dirty="0" err="1" smtClean="0">
@@ -614,14 +600,28 @@
                 <a:ea typeface="굴림" charset="-127"/>
                 <a:cs typeface="Arial" charset="0"/>
               </a:rPr>
-              <a:t>, I would</a:t>
+              <a:t>, I </a:t>
+            </a:r>
+            <a:r>
+              <a:rPr lang="en-GB" altLang="ko-KR" dirty="0" smtClean="0">
+                <a:ea typeface="굴림" charset="-127"/>
+                <a:cs typeface="Arial" charset="0"/>
+              </a:rPr>
+              <a:t>will</a:t>
             </a:r>
             <a:r>
               <a:rPr lang="en-GB" altLang="ko-KR" baseline="0" dirty="0" smtClean="0">
                 <a:ea typeface="굴림" charset="-127"/>
                 <a:cs typeface="Arial" charset="0"/>
               </a:rPr>
-              <a:t> tell you what’s the </a:t>
+              <a:t> explain </a:t>
+            </a:r>
+            <a:r>
+              <a:rPr lang="en-GB" altLang="ko-KR" baseline="0" dirty="0" smtClean="0">
+                <a:ea typeface="굴림" charset="-127"/>
+                <a:cs typeface="Arial" charset="0"/>
+              </a:rPr>
+              <a:t>what’s the </a:t>
             </a:r>
             <a:r>
               <a:rPr lang="en-GB" altLang="ko-KR" baseline="0" dirty="0" err="1" smtClean="0">
@@ -796,7 +796,7 @@
     </p:spTree>
     <p:extLst>
       <p:ext uri="{BB962C8B-B14F-4D97-AF65-F5344CB8AC3E}">
-        <p14:creationId xmlns:p14="http://schemas.microsoft.com/office/powerpoint/2010/main" val="1384038052"/>
+        <p14:creationId xmlns="" xmlns:p14="http://schemas.microsoft.com/office/powerpoint/2010/main" val="1384038052"/>
       </p:ext>
     </p:extLst>
   </p:cSld>
@@ -854,31 +854,7 @@
           <a:p>
             <a:r>
               <a:rPr lang="en-GB" dirty="0" smtClean="0"/>
-              <a:t>Currently the biggest problems they are facing are </a:t>
-            </a:r>
-            <a:r>
-              <a:rPr lang="en-GB" dirty="0" smtClean="0"/>
-              <a:t>massive </a:t>
-            </a:r>
-            <a:r>
-              <a:rPr lang="en-GB" dirty="0" smtClean="0"/>
-              <a:t>manual </a:t>
-            </a:r>
-            <a:r>
-              <a:rPr lang="en-GB" dirty="0" smtClean="0"/>
-              <a:t>operations, </a:t>
-            </a:r>
-            <a:r>
-              <a:rPr lang="en-GB" dirty="0" smtClean="0"/>
-              <a:t>communication with stakeholders, a lack of </a:t>
-            </a:r>
-            <a:r>
-              <a:rPr lang="en-GB" dirty="0" smtClean="0"/>
-              <a:t>an </a:t>
-            </a:r>
-            <a:r>
-              <a:rPr lang="en-GB" dirty="0" smtClean="0"/>
-              <a:t>unique e-form application and risk of manual mistakes.</a:t>
+              <a:t>Currently the biggest problems they are facing are massive manual operations, communication with stakeholders, a lack of an unique e-form application and risk of manual mistakes.</a:t>
             </a:r>
             <a:endParaRPr lang="en-GB" dirty="0"/>
           </a:p>
@@ -964,11 +940,7 @@
           <a:p>
             <a:r>
               <a:rPr lang="en-GB" baseline="0" dirty="0" smtClean="0"/>
-              <a:t>The current process is that AO(Accounting Operation) staff receives paper invoices from vendors who need reimbursement, and </a:t>
-            </a:r>
-            <a:r>
-              <a:rPr lang="en-GB" baseline="0" dirty="0" smtClean="0"/>
-              <a:t>then </a:t>
+              <a:t>The current process is that AO(Accounting Operation) staff receives paper invoices from vendors who need reimbursement, and then </a:t>
             </a:r>
             <a:r>
               <a:rPr lang="en-GB" altLang="zh-CN" baseline="0" dirty="0" smtClean="0"/>
@@ -976,32 +948,16 @@
             </a:r>
             <a:r>
               <a:rPr lang="en-GB" baseline="0" dirty="0" smtClean="0"/>
-              <a:t>need </a:t>
-            </a:r>
+              <a:t>need to input invoice information into registration tables to track and verify their correctness. </a:t>
+            </a:r>
+          </a:p>
+          <a:p>
+            <a:endParaRPr lang="en-GB" baseline="0" dirty="0" smtClean="0"/>
+          </a:p>
+          <a:p>
             <a:r>
               <a:rPr lang="en-GB" baseline="0" dirty="0" smtClean="0"/>
-              <a:t>to </a:t>
-            </a:r>
-            <a:r>
-              <a:rPr lang="en-GB" baseline="0" dirty="0" smtClean="0"/>
-              <a:t>input invoice </a:t>
-            </a:r>
-            <a:r>
-              <a:rPr lang="en-GB" baseline="0" dirty="0" smtClean="0"/>
-              <a:t>information into registration tables to track and verify their correctness. </a:t>
-            </a:r>
-          </a:p>
-          <a:p>
-            <a:endParaRPr lang="en-GB" baseline="0" dirty="0" smtClean="0"/>
-          </a:p>
-          <a:p>
-            <a:r>
-              <a:rPr lang="en-GB" baseline="0" dirty="0" smtClean="0"/>
-              <a:t>Then they need </a:t>
-            </a:r>
-            <a:r>
-              <a:rPr lang="en-GB" baseline="0" dirty="0" smtClean="0"/>
-              <a:t>to reject incorrect invoice requests and communicate with related stakeholders via email or the phone.</a:t>
+              <a:t>Then they need to reject incorrect invoice requests and communicate with related stakeholders via email or the phone.</a:t>
             </a:r>
           </a:p>
           <a:p>
@@ -1019,15 +975,7 @@
           <a:p>
             <a:r>
               <a:rPr lang="en-GB" baseline="0" dirty="0" smtClean="0"/>
-              <a:t>During the whole process, AO staff </a:t>
-            </a:r>
-            <a:r>
-              <a:rPr lang="en-GB" baseline="0" dirty="0" smtClean="0"/>
-              <a:t>is working </a:t>
-            </a:r>
-            <a:r>
-              <a:rPr lang="en-GB" baseline="0" dirty="0" smtClean="0"/>
-              <a:t>manually within low efficiency and always facing the risk of manual mistakes and </a:t>
+              <a:t>During the whole process, AO staff is working manually within low efficiency and always facing the risk of manual mistakes and </a:t>
             </a:r>
           </a:p>
           <a:p>
@@ -1037,7 +985,7 @@
                   <a:schemeClr val="bg1"/>
                 </a:solidFill>
               </a:rPr>
-              <a:t>information isolation. It means what you think is not the same as I think, the information is not matched between us.</a:t>
+              <a:t>information isolation. It means  the information what you think is not the same as I think, the information is not matched between us.</a:t>
             </a:r>
             <a:endParaRPr lang="en-GB" baseline="0" dirty="0" smtClean="0"/>
           </a:p>
@@ -1295,19 +1243,7 @@
           <a:p>
             <a:r>
               <a:rPr lang="en-GB" dirty="0" smtClean="0"/>
-              <a:t>After applying our new process, the requestor will use a website or mobile app to submit their reimbursement </a:t>
-            </a:r>
-            <a:r>
-              <a:rPr lang="en-GB" dirty="0" smtClean="0"/>
-              <a:t>request. </a:t>
-            </a:r>
-            <a:r>
-              <a:rPr lang="en-GB" dirty="0" smtClean="0"/>
-              <a:t>AO staff can use this scanner to scan their invoice QR Code instead of manually typing it and then the invoice information will </a:t>
-            </a:r>
-            <a:r>
-              <a:rPr lang="en-GB" dirty="0" smtClean="0"/>
-              <a:t>be</a:t>
+              <a:t>After applying our new process, the requestor will use a website or mobile app to submit their reimbursement request. AO staff can use this scanner to scan their invoice QR Code instead of manually typing it and then the invoice information will be</a:t>
             </a:r>
             <a:r>
               <a:rPr lang="en-GB" baseline="0" dirty="0" smtClean="0"/>
@@ -1315,19 +1251,7 @@
             </a:r>
             <a:r>
               <a:rPr lang="en-GB" dirty="0" smtClean="0"/>
-              <a:t>auto-imported </a:t>
-            </a:r>
-            <a:r>
-              <a:rPr lang="en-GB" dirty="0" smtClean="0"/>
-              <a:t>into our system. The system will auto-match with </a:t>
-            </a:r>
-            <a:r>
-              <a:rPr lang="en-GB" dirty="0" smtClean="0"/>
-              <a:t>Chinese </a:t>
-            </a:r>
-            <a:r>
-              <a:rPr lang="en-GB" dirty="0" smtClean="0"/>
-              <a:t>Tax Golden Source to do invoice verification. After determining Whether the invoice is effective or not, the system will trigger an email </a:t>
+              <a:t>auto-imported into our system. The system will auto-match with Chinese Tax Golden Source to do invoice verification. After determining Whether the invoice is effective or not, the system will trigger an email </a:t>
             </a:r>
             <a:r>
               <a:rPr lang="en-GB" altLang="zh-CN" dirty="0" smtClean="0"/>
@@ -1335,11 +1259,7 @@
             </a:r>
             <a:r>
               <a:rPr lang="en-GB" dirty="0" smtClean="0"/>
-              <a:t>to be </a:t>
-            </a:r>
-            <a:r>
-              <a:rPr lang="en-GB" dirty="0" smtClean="0"/>
-              <a:t>sent to the relevant stakeholders.</a:t>
+              <a:t>to be sent to the relevant stakeholders.</a:t>
             </a:r>
             <a:endParaRPr lang="en-GB" dirty="0"/>
           </a:p>
@@ -1681,8 +1601,19 @@
                 <a:ea typeface="굴림" charset="-127"/>
                 <a:cs typeface="Arial" charset="0"/>
               </a:rPr>
-              <a:t>It is very short presentation, if you are interesting in our project, please OC us for free. For any technique question, please contact Victor. Business question, that is Barbara . </a:t>
-            </a:r>
+              <a:t>It is very short presentation, if you are interesting in our project, please OC us for free. For any technique question, please contact Victor. Business question, that is </a:t>
+            </a:r>
+            <a:r>
+              <a:rPr lang="en-US" altLang="ko-KR" dirty="0" smtClean="0">
+                <a:ea typeface="굴림" charset="-127"/>
+                <a:cs typeface="Arial" charset="0"/>
+              </a:rPr>
+              <a:t>Barbara. </a:t>
+            </a:r>
+            <a:endParaRPr lang="en-US" altLang="ko-KR" dirty="0" smtClean="0">
+              <a:ea typeface="굴림" charset="-127"/>
+              <a:cs typeface="Arial" charset="0"/>
+            </a:endParaRPr>
           </a:p>
           <a:p>
             <a:endParaRPr lang="zh-CN" altLang="en-US" dirty="0"/>
@@ -1716,7 +1647,7 @@
     </p:spTree>
     <p:extLst>
       <p:ext uri="{BB962C8B-B14F-4D97-AF65-F5344CB8AC3E}">
-        <p14:creationId xmlns:p14="http://schemas.microsoft.com/office/powerpoint/2010/main" val="2336671035"/>
+        <p14:creationId xmlns="" xmlns:p14="http://schemas.microsoft.com/office/powerpoint/2010/main" val="2336671035"/>
       </p:ext>
     </p:extLst>
   </p:cSld>
@@ -1908,7 +1839,7 @@
             <a:fld id="{1D8BD707-D9CF-40AE-B4C6-C98DA3205C09}" type="datetimeFigureOut">
               <a:rPr lang="en-US" smtClean="0"/>
               <a:pPr/>
-              <a:t>1/4/2018</a:t>
+              <a:t>01/05/2018</a:t>
             </a:fld>
             <a:endParaRPr lang="en-US"/>
           </a:p>
@@ -2075,7 +2006,7 @@
             <a:fld id="{1D8BD707-D9CF-40AE-B4C6-C98DA3205C09}" type="datetimeFigureOut">
               <a:rPr lang="en-US" smtClean="0"/>
               <a:pPr/>
-              <a:t>1/4/2018</a:t>
+              <a:t>01/05/2018</a:t>
             </a:fld>
             <a:endParaRPr lang="en-US"/>
           </a:p>
@@ -2252,7 +2183,7 @@
             <a:fld id="{1D8BD707-D9CF-40AE-B4C6-C98DA3205C09}" type="datetimeFigureOut">
               <a:rPr lang="en-US" smtClean="0"/>
               <a:pPr/>
-              <a:t>1/4/2018</a:t>
+              <a:t>01/05/2018</a:t>
             </a:fld>
             <a:endParaRPr lang="en-US"/>
           </a:p>
@@ -2419,7 +2350,7 @@
             <a:fld id="{1D8BD707-D9CF-40AE-B4C6-C98DA3205C09}" type="datetimeFigureOut">
               <a:rPr lang="en-US" smtClean="0"/>
               <a:pPr/>
-              <a:t>1/4/2018</a:t>
+              <a:t>01/05/2018</a:t>
             </a:fld>
             <a:endParaRPr lang="en-US"/>
           </a:p>
@@ -2662,7 +2593,7 @@
             <a:fld id="{1D8BD707-D9CF-40AE-B4C6-C98DA3205C09}" type="datetimeFigureOut">
               <a:rPr lang="en-US" smtClean="0"/>
               <a:pPr/>
-              <a:t>1/4/2018</a:t>
+              <a:t>01/05/2018</a:t>
             </a:fld>
             <a:endParaRPr lang="en-US"/>
           </a:p>
@@ -2947,7 +2878,7 @@
             <a:fld id="{1D8BD707-D9CF-40AE-B4C6-C98DA3205C09}" type="datetimeFigureOut">
               <a:rPr lang="en-US" smtClean="0"/>
               <a:pPr/>
-              <a:t>1/4/2018</a:t>
+              <a:t>01/05/2018</a:t>
             </a:fld>
             <a:endParaRPr lang="en-US"/>
           </a:p>
@@ -3366,7 +3297,7 @@
             <a:fld id="{1D8BD707-D9CF-40AE-B4C6-C98DA3205C09}" type="datetimeFigureOut">
               <a:rPr lang="en-US" smtClean="0"/>
               <a:pPr/>
-              <a:t>1/4/2018</a:t>
+              <a:t>01/05/2018</a:t>
             </a:fld>
             <a:endParaRPr lang="en-US"/>
           </a:p>
@@ -3481,7 +3412,7 @@
             <a:fld id="{1D8BD707-D9CF-40AE-B4C6-C98DA3205C09}" type="datetimeFigureOut">
               <a:rPr lang="en-US" smtClean="0"/>
               <a:pPr/>
-              <a:t>1/4/2018</a:t>
+              <a:t>01/05/2018</a:t>
             </a:fld>
             <a:endParaRPr lang="en-US"/>
           </a:p>
@@ -3573,7 +3504,7 @@
             <a:fld id="{1D8BD707-D9CF-40AE-B4C6-C98DA3205C09}" type="datetimeFigureOut">
               <a:rPr lang="en-US" smtClean="0"/>
               <a:pPr/>
-              <a:t>1/4/2018</a:t>
+              <a:t>01/05/2018</a:t>
             </a:fld>
             <a:endParaRPr lang="en-US"/>
           </a:p>
@@ -3847,7 +3778,7 @@
             <a:fld id="{1D8BD707-D9CF-40AE-B4C6-C98DA3205C09}" type="datetimeFigureOut">
               <a:rPr lang="en-US" smtClean="0"/>
               <a:pPr/>
-              <a:t>1/4/2018</a:t>
+              <a:t>01/05/2018</a:t>
             </a:fld>
             <a:endParaRPr lang="en-US"/>
           </a:p>
@@ -4097,7 +4028,7 @@
             <a:fld id="{1D8BD707-D9CF-40AE-B4C6-C98DA3205C09}" type="datetimeFigureOut">
               <a:rPr lang="en-US" smtClean="0"/>
               <a:pPr/>
-              <a:t>1/4/2018</a:t>
+              <a:t>01/05/2018</a:t>
             </a:fld>
             <a:endParaRPr lang="en-US"/>
           </a:p>
@@ -4307,7 +4238,7 @@
             <a:fld id="{1D8BD707-D9CF-40AE-B4C6-C98DA3205C09}" type="datetimeFigureOut">
               <a:rPr lang="en-US" smtClean="0"/>
               <a:pPr/>
-              <a:t>1/4/2018</a:t>
+              <a:t>01/05/2018</a:t>
             </a:fld>
             <a:endParaRPr lang="en-US"/>
           </a:p>
@@ -5158,7 +5089,7 @@
           <a:blip r:embed="rId4" cstate="screen">
             <a:extLst>
               <a:ext uri="{28A0092B-C50C-407E-A947-70E740481C1C}">
-                <a14:useLocalDpi xmlns:a14="http://schemas.microsoft.com/office/drawing/2010/main" val="0"/>
+                <a14:useLocalDpi xmlns="" xmlns:a14="http://schemas.microsoft.com/office/drawing/2010/main" val="0"/>
               </a:ext>
             </a:extLst>
           </a:blip>
@@ -5182,14 +5113,14 @@
           <a:effectLst/>
           <a:extLst>
             <a:ext uri="{909E8E84-426E-40DD-AFC4-6F175D3DCCD1}">
-              <a14:hiddenFill xmlns:a14="http://schemas.microsoft.com/office/drawing/2010/main">
+              <a14:hiddenFill xmlns="" xmlns:a14="http://schemas.microsoft.com/office/drawing/2010/main">
                 <a:solidFill>
                   <a:schemeClr val="accent1"/>
                 </a:solidFill>
               </a14:hiddenFill>
             </a:ext>
             <a:ext uri="{91240B29-F687-4F45-9708-019B960494DF}">
-              <a14:hiddenLine xmlns:a14="http://schemas.microsoft.com/office/drawing/2010/main" w="9525">
+              <a14:hiddenLine xmlns="" xmlns:a14="http://schemas.microsoft.com/office/drawing/2010/main" w="9525">
                 <a:solidFill>
                   <a:schemeClr val="tx1"/>
                 </a:solidFill>
@@ -5199,7 +5130,7 @@
               </a14:hiddenLine>
             </a:ext>
             <a:ext uri="{AF507438-7753-43E0-B8FC-AC1667EBCBE1}">
-              <a14:hiddenEffects xmlns:a14="http://schemas.microsoft.com/office/drawing/2010/main">
+              <a14:hiddenEffects xmlns="" xmlns:a14="http://schemas.microsoft.com/office/drawing/2010/main">
                 <a:effectLst>
                   <a:outerShdw dist="35921" dir="2700000" algn="ctr" rotWithShape="0">
                     <a:schemeClr val="bg2"/>
@@ -5306,27 +5237,7 @@
                 <a:ea typeface="굴림" charset="-127"/>
                 <a:cs typeface="Arial" charset="0"/>
               </a:rPr>
-              <a:t> to present </a:t>
-            </a:r>
-            <a:r>
-              <a:rPr lang="en-GB" altLang="ko-KR" dirty="0" smtClean="0">
-                <a:solidFill>
-                  <a:schemeClr val="bg1"/>
-                </a:solidFill>
-                <a:ea typeface="굴림" charset="-127"/>
-                <a:cs typeface="Arial" charset="0"/>
-              </a:rPr>
-              <a:t>this project </a:t>
-            </a:r>
-            <a:r>
-              <a:rPr lang="en-GB" altLang="ko-KR" dirty="0" smtClean="0">
-                <a:solidFill>
-                  <a:schemeClr val="bg1"/>
-                </a:solidFill>
-                <a:ea typeface="굴림" charset="-127"/>
-                <a:cs typeface="Arial" charset="0"/>
-              </a:rPr>
-              <a:t>here. My team is called </a:t>
+              <a:t> to present this project here. My team is called </a:t>
             </a:r>
             <a:r>
               <a:rPr lang="en-GB" altLang="ko-KR" dirty="0" err="1" smtClean="0">
@@ -5346,7 +5257,47 @@
                 <a:ea typeface="굴림" charset="-127"/>
                 <a:cs typeface="Arial" charset="0"/>
               </a:rPr>
-              <a:t>, I would tell you what’s the </a:t>
+              <a:t>, I </a:t>
+            </a:r>
+            <a:r>
+              <a:rPr lang="en-GB" altLang="ko-KR" dirty="0" smtClean="0">
+                <a:solidFill>
+                  <a:schemeClr val="bg1"/>
+                </a:solidFill>
+                <a:ea typeface="굴림" charset="-127"/>
+                <a:cs typeface="Arial" charset="0"/>
+              </a:rPr>
+              <a:t>will </a:t>
+            </a:r>
+            <a:r>
+              <a:rPr lang="en-GB" altLang="ko-KR" dirty="0" smtClean="0">
+                <a:solidFill>
+                  <a:schemeClr val="bg1"/>
+                </a:solidFill>
+                <a:ea typeface="굴림" charset="-127"/>
+                <a:cs typeface="Arial" charset="0"/>
+              </a:rPr>
+              <a:t>explain </a:t>
+            </a:r>
+            <a:r>
+              <a:rPr lang="en-GB" altLang="ko-KR" dirty="0" smtClean="0">
+                <a:solidFill>
+                  <a:schemeClr val="bg1"/>
+                </a:solidFill>
+                <a:ea typeface="굴림" charset="-127"/>
+                <a:cs typeface="Arial" charset="0"/>
+              </a:rPr>
+              <a:t>what’s </a:t>
+            </a:r>
+            <a:r>
+              <a:rPr lang="en-GB" altLang="ko-KR" dirty="0" smtClean="0">
+                <a:solidFill>
+                  <a:schemeClr val="bg1"/>
+                </a:solidFill>
+                <a:ea typeface="굴림" charset="-127"/>
+                <a:cs typeface="Arial" charset="0"/>
+              </a:rPr>
+              <a:t>the </a:t>
             </a:r>
             <a:r>
               <a:rPr lang="en-GB" altLang="ko-KR" dirty="0" err="1" smtClean="0">
@@ -5436,11 +5387,11 @@
   <p:clrMapOvr>
     <a:masterClrMapping/>
   </p:clrMapOvr>
-  <mc:AlternateContent xmlns:mc="http://schemas.openxmlformats.org/markup-compatibility/2006" xmlns:p14="http://schemas.microsoft.com/office/powerpoint/2010/main">
-    <mc:Choice Requires="p14">
+  <mc:AlternateContent xmlns:mc="http://schemas.openxmlformats.org/markup-compatibility/2006">
+    <mc:Choice xmlns="" xmlns:p14="http://schemas.microsoft.com/office/powerpoint/2010/main" Requires="p14">
       <p:transition p14:dur="0"/>
     </mc:Choice>
-    <mc:Fallback xmlns="">
+    <mc:Fallback>
       <p:transition/>
     </mc:Fallback>
   </mc:AlternateContent>
@@ -5678,6 +5629,16 @@
               <a:rPr lang="en-US" altLang="zh-CN" sz="2800" dirty="0" smtClean="0"/>
               <a:t>Link : </a:t>
             </a:r>
+            <a:r>
+              <a:rPr lang="en-US" altLang="zh-CN" sz="2800" dirty="0" smtClean="0">
+                <a:hlinkClick r:id="rId3"/>
+              </a:rPr>
+              <a:t>http://sopdevdb1.uk:9866/index.html</a:t>
+            </a:r>
+            <a:r>
+              <a:rPr lang="en-US" altLang="zh-CN" sz="2800" dirty="0" smtClean="0"/>
+              <a:t> </a:t>
+            </a:r>
           </a:p>
           <a:p>
             <a:pPr marL="0" indent="0">
@@ -5714,7 +5675,7 @@
             </a:r>
             <a:r>
               <a:rPr lang="en-US" altLang="zh-CN" sz="2400" dirty="0" smtClean="0"/>
-              <a:t>role : </a:t>
+              <a:t> role : </a:t>
             </a:r>
             <a:r>
               <a:rPr lang="en-US" altLang="zh-CN" sz="2400" dirty="0"/>
@@ -5726,16 +5687,12 @@
               <a:buNone/>
             </a:pPr>
             <a:r>
-              <a:rPr lang="en-US" altLang="zh-CN" sz="2400" dirty="0" err="1" smtClean="0"/>
-              <a:t>Accouting</a:t>
-            </a:r>
-            <a:r>
               <a:rPr lang="en-US" altLang="zh-CN" sz="2400" dirty="0" smtClean="0"/>
-              <a:t> role: </a:t>
+              <a:t>Accounting role: 1441180 </a:t>
             </a:r>
             <a:r>
               <a:rPr lang="en-US" altLang="zh-CN" sz="2400" dirty="0"/>
-              <a:t>1441180 / </a:t>
+              <a:t>/ </a:t>
             </a:r>
             <a:r>
               <a:rPr lang="en-US" altLang="zh-CN" sz="2400" dirty="0" smtClean="0"/>
@@ -5772,7 +5729,7 @@
     </p:spTree>
     <p:extLst>
       <p:ext uri="{BB962C8B-B14F-4D97-AF65-F5344CB8AC3E}">
-        <p14:creationId xmlns:p14="http://schemas.microsoft.com/office/powerpoint/2010/main" val="3365493312"/>
+        <p14:creationId xmlns="" xmlns:p14="http://schemas.microsoft.com/office/powerpoint/2010/main" val="3365493312"/>
       </p:ext>
     </p:extLst>
   </p:cSld>
@@ -5818,7 +5775,7 @@
           <a:blip r:embed="rId3" cstate="screen">
             <a:extLst>
               <a:ext uri="{28A0092B-C50C-407E-A947-70E740481C1C}">
-                <a14:useLocalDpi xmlns:a14="http://schemas.microsoft.com/office/drawing/2010/main" val="0"/>
+                <a14:useLocalDpi xmlns="" xmlns:a14="http://schemas.microsoft.com/office/drawing/2010/main" val="0"/>
               </a:ext>
             </a:extLst>
           </a:blip>
@@ -5842,14 +5799,14 @@
           <a:effectLst/>
           <a:extLst>
             <a:ext uri="{909E8E84-426E-40DD-AFC4-6F175D3DCCD1}">
-              <a14:hiddenFill xmlns:a14="http://schemas.microsoft.com/office/drawing/2010/main">
+              <a14:hiddenFill xmlns="" xmlns:a14="http://schemas.microsoft.com/office/drawing/2010/main">
                 <a:solidFill>
                   <a:schemeClr val="accent1"/>
                 </a:solidFill>
               </a14:hiddenFill>
             </a:ext>
             <a:ext uri="{91240B29-F687-4F45-9708-019B960494DF}">
-              <a14:hiddenLine xmlns:a14="http://schemas.microsoft.com/office/drawing/2010/main" w="9525">
+              <a14:hiddenLine xmlns="" xmlns:a14="http://schemas.microsoft.com/office/drawing/2010/main" w="9525">
                 <a:solidFill>
                   <a:schemeClr val="tx1"/>
                 </a:solidFill>
@@ -5859,7 +5816,7 @@
               </a14:hiddenLine>
             </a:ext>
             <a:ext uri="{AF507438-7753-43E0-B8FC-AC1667EBCBE1}">
-              <a14:hiddenEffects xmlns:a14="http://schemas.microsoft.com/office/drawing/2010/main">
+              <a14:hiddenEffects xmlns="" xmlns:a14="http://schemas.microsoft.com/office/drawing/2010/main">
                 <a:effectLst>
                   <a:outerShdw dist="35921" dir="2700000" algn="ctr" rotWithShape="0">
                     <a:schemeClr val="bg2"/>
@@ -5930,47 +5887,7 @@
                   <a:schemeClr val="bg1"/>
                 </a:solidFill>
               </a:rPr>
-              <a:t>, </a:t>
-            </a:r>
-            <a:r>
-              <a:rPr lang="en-GB" dirty="0" smtClean="0">
-                <a:solidFill>
-                  <a:schemeClr val="bg1"/>
-                </a:solidFill>
-              </a:rPr>
-              <a:t>communication with stakeholders, a lack of </a:t>
-            </a:r>
-            <a:r>
-              <a:rPr lang="en-GB" dirty="0" smtClean="0">
-                <a:solidFill>
-                  <a:schemeClr val="bg1"/>
-                </a:solidFill>
-              </a:rPr>
-              <a:t>an </a:t>
-            </a:r>
-            <a:r>
-              <a:rPr lang="en-GB" dirty="0" smtClean="0">
-                <a:solidFill>
-                  <a:schemeClr val="bg1"/>
-                </a:solidFill>
-              </a:rPr>
-              <a:t>unique e-form application and </a:t>
-            </a:r>
-            <a:r>
-              <a:rPr lang="en-GB" dirty="0" smtClean="0">
-                <a:solidFill>
-                  <a:schemeClr val="bg1"/>
-                </a:solidFill>
-              </a:rPr>
-              <a:t>risk </a:t>
-            </a:r>
-            <a:r>
-              <a:rPr lang="en-GB" dirty="0" smtClean="0">
-                <a:solidFill>
-                  <a:schemeClr val="bg1"/>
-                </a:solidFill>
-              </a:rPr>
-              <a:t>of manual mistakes.</a:t>
+              <a:t>, communication with stakeholders, a lack of an unique e-form application and risk of manual mistakes.</a:t>
             </a:r>
             <a:endParaRPr lang="en-GB" dirty="0">
               <a:solidFill>
@@ -6006,7 +5923,7 @@
             <a:blip r:embed="rId4" cstate="screen">
               <a:extLst>
                 <a:ext uri="{28A0092B-C50C-407E-A947-70E740481C1C}">
-                  <a14:useLocalDpi xmlns:a14="http://schemas.microsoft.com/office/drawing/2010/main" val="0"/>
+                  <a14:useLocalDpi xmlns="" xmlns:a14="http://schemas.microsoft.com/office/drawing/2010/main" val="0"/>
                 </a:ext>
               </a:extLst>
             </a:blip>
@@ -6030,14 +5947,14 @@
             <a:effectLst/>
             <a:extLst>
               <a:ext uri="{909E8E84-426E-40DD-AFC4-6F175D3DCCD1}">
-                <a14:hiddenFill xmlns:a14="http://schemas.microsoft.com/office/drawing/2010/main">
+                <a14:hiddenFill xmlns="" xmlns:a14="http://schemas.microsoft.com/office/drawing/2010/main">
                   <a:solidFill>
                     <a:schemeClr val="accent1"/>
                   </a:solidFill>
                 </a14:hiddenFill>
               </a:ext>
               <a:ext uri="{91240B29-F687-4F45-9708-019B960494DF}">
-                <a14:hiddenLine xmlns:a14="http://schemas.microsoft.com/office/drawing/2010/main" w="9525">
+                <a14:hiddenLine xmlns="" xmlns:a14="http://schemas.microsoft.com/office/drawing/2010/main" w="9525">
                   <a:solidFill>
                     <a:schemeClr val="tx1"/>
                   </a:solidFill>
@@ -6047,7 +5964,7 @@
                 </a14:hiddenLine>
               </a:ext>
               <a:ext uri="{AF507438-7753-43E0-B8FC-AC1667EBCBE1}">
-                <a14:hiddenEffects xmlns:a14="http://schemas.microsoft.com/office/drawing/2010/main">
+                <a14:hiddenEffects xmlns="" xmlns:a14="http://schemas.microsoft.com/office/drawing/2010/main">
                   <a:effectLst>
                     <a:outerShdw dist="35921" dir="2700000" algn="ctr" rotWithShape="0">
                       <a:schemeClr val="bg2"/>
@@ -6157,7 +6074,7 @@
             <a:blip r:embed="rId5" cstate="screen">
               <a:extLst>
                 <a:ext uri="{28A0092B-C50C-407E-A947-70E740481C1C}">
-                  <a14:useLocalDpi xmlns:a14="http://schemas.microsoft.com/office/drawing/2010/main" val="0"/>
+                  <a14:useLocalDpi xmlns="" xmlns:a14="http://schemas.microsoft.com/office/drawing/2010/main" val="0"/>
                 </a:ext>
               </a:extLst>
             </a:blip>
@@ -6181,14 +6098,14 @@
             <a:effectLst/>
             <a:extLst>
               <a:ext uri="{909E8E84-426E-40DD-AFC4-6F175D3DCCD1}">
-                <a14:hiddenFill xmlns:a14="http://schemas.microsoft.com/office/drawing/2010/main">
+                <a14:hiddenFill xmlns="" xmlns:a14="http://schemas.microsoft.com/office/drawing/2010/main">
                   <a:solidFill>
                     <a:schemeClr val="accent1"/>
                   </a:solidFill>
                 </a14:hiddenFill>
               </a:ext>
               <a:ext uri="{91240B29-F687-4F45-9708-019B960494DF}">
-                <a14:hiddenLine xmlns:a14="http://schemas.microsoft.com/office/drawing/2010/main" w="9525">
+                <a14:hiddenLine xmlns="" xmlns:a14="http://schemas.microsoft.com/office/drawing/2010/main" w="9525">
                   <a:solidFill>
                     <a:schemeClr val="tx1"/>
                   </a:solidFill>
@@ -6198,7 +6115,7 @@
                 </a14:hiddenLine>
               </a:ext>
               <a:ext uri="{AF507438-7753-43E0-B8FC-AC1667EBCBE1}">
-                <a14:hiddenEffects xmlns:a14="http://schemas.microsoft.com/office/drawing/2010/main">
+                <a14:hiddenEffects xmlns="" xmlns:a14="http://schemas.microsoft.com/office/drawing/2010/main">
                   <a:effectLst>
                     <a:outerShdw dist="35921" dir="2700000" algn="ctr" rotWithShape="0">
                       <a:schemeClr val="bg2"/>
@@ -6316,7 +6233,7 @@
             <a:blip r:embed="rId6" cstate="screen">
               <a:extLst>
                 <a:ext uri="{28A0092B-C50C-407E-A947-70E740481C1C}">
-                  <a14:useLocalDpi xmlns:a14="http://schemas.microsoft.com/office/drawing/2010/main" val="0"/>
+                  <a14:useLocalDpi xmlns="" xmlns:a14="http://schemas.microsoft.com/office/drawing/2010/main" val="0"/>
                 </a:ext>
               </a:extLst>
             </a:blip>
@@ -6340,14 +6257,14 @@
             <a:effectLst/>
             <a:extLst>
               <a:ext uri="{909E8E84-426E-40DD-AFC4-6F175D3DCCD1}">
-                <a14:hiddenFill xmlns:a14="http://schemas.microsoft.com/office/drawing/2010/main">
+                <a14:hiddenFill xmlns="" xmlns:a14="http://schemas.microsoft.com/office/drawing/2010/main">
                   <a:solidFill>
                     <a:schemeClr val="accent1"/>
                   </a:solidFill>
                 </a14:hiddenFill>
               </a:ext>
               <a:ext uri="{91240B29-F687-4F45-9708-019B960494DF}">
-                <a14:hiddenLine xmlns:a14="http://schemas.microsoft.com/office/drawing/2010/main" w="9525">
+                <a14:hiddenLine xmlns="" xmlns:a14="http://schemas.microsoft.com/office/drawing/2010/main" w="9525">
                   <a:solidFill>
                     <a:schemeClr val="tx1"/>
                   </a:solidFill>
@@ -6357,7 +6274,7 @@
                 </a14:hiddenLine>
               </a:ext>
               <a:ext uri="{AF507438-7753-43E0-B8FC-AC1667EBCBE1}">
-                <a14:hiddenEffects xmlns:a14="http://schemas.microsoft.com/office/drawing/2010/main">
+                <a14:hiddenEffects xmlns="" xmlns:a14="http://schemas.microsoft.com/office/drawing/2010/main">
                   <a:effectLst>
                     <a:outerShdw dist="35921" dir="2700000" algn="ctr" rotWithShape="0">
                       <a:schemeClr val="bg2"/>
@@ -6468,7 +6385,7 @@
             <a:blip r:embed="rId7" cstate="screen">
               <a:extLst>
                 <a:ext uri="{28A0092B-C50C-407E-A947-70E740481C1C}">
-                  <a14:useLocalDpi xmlns:a14="http://schemas.microsoft.com/office/drawing/2010/main" val="0"/>
+                  <a14:useLocalDpi xmlns="" xmlns:a14="http://schemas.microsoft.com/office/drawing/2010/main" val="0"/>
                 </a:ext>
               </a:extLst>
             </a:blip>
@@ -6492,14 +6409,14 @@
             <a:effectLst/>
             <a:extLst>
               <a:ext uri="{909E8E84-426E-40DD-AFC4-6F175D3DCCD1}">
-                <a14:hiddenFill xmlns:a14="http://schemas.microsoft.com/office/drawing/2010/main">
+                <a14:hiddenFill xmlns="" xmlns:a14="http://schemas.microsoft.com/office/drawing/2010/main">
                   <a:solidFill>
                     <a:schemeClr val="accent1"/>
                   </a:solidFill>
                 </a14:hiddenFill>
               </a:ext>
               <a:ext uri="{91240B29-F687-4F45-9708-019B960494DF}">
-                <a14:hiddenLine xmlns:a14="http://schemas.microsoft.com/office/drawing/2010/main" w="9525">
+                <a14:hiddenLine xmlns="" xmlns:a14="http://schemas.microsoft.com/office/drawing/2010/main" w="9525">
                   <a:solidFill>
                     <a:schemeClr val="tx1"/>
                   </a:solidFill>
@@ -6509,7 +6426,7 @@
                 </a14:hiddenLine>
               </a:ext>
               <a:ext uri="{AF507438-7753-43E0-B8FC-AC1667EBCBE1}">
-                <a14:hiddenEffects xmlns:a14="http://schemas.microsoft.com/office/drawing/2010/main">
+                <a14:hiddenEffects xmlns="" xmlns:a14="http://schemas.microsoft.com/office/drawing/2010/main">
                   <a:effectLst>
                     <a:outerShdw dist="35921" dir="2700000" algn="ctr" rotWithShape="0">
                       <a:schemeClr val="bg2"/>
@@ -6619,11 +6536,11 @@
   <p:clrMapOvr>
     <a:masterClrMapping/>
   </p:clrMapOvr>
-  <mc:AlternateContent xmlns:mc="http://schemas.openxmlformats.org/markup-compatibility/2006" xmlns:p14="http://schemas.microsoft.com/office/powerpoint/2010/main">
-    <mc:Choice Requires="p14">
+  <mc:AlternateContent xmlns:mc="http://schemas.openxmlformats.org/markup-compatibility/2006">
+    <mc:Choice xmlns="" xmlns:p14="http://schemas.microsoft.com/office/powerpoint/2010/main" Requires="p14">
       <p:transition spd="slow" p14:dur="2000"/>
     </mc:Choice>
-    <mc:Fallback xmlns="">
+    <mc:Fallback>
       <p:transition spd="slow"/>
     </mc:Fallback>
   </mc:AlternateContent>
@@ -7022,7 +6939,7 @@
           <a:blip r:embed="rId3" cstate="screen">
             <a:extLst>
               <a:ext uri="{28A0092B-C50C-407E-A947-70E740481C1C}">
-                <a14:useLocalDpi xmlns:a14="http://schemas.microsoft.com/office/drawing/2010/main" val="0"/>
+                <a14:useLocalDpi xmlns="" xmlns:a14="http://schemas.microsoft.com/office/drawing/2010/main" val="0"/>
               </a:ext>
             </a:extLst>
           </a:blip>
@@ -7042,7 +6959,7 @@
           <a:noFill/>
           <a:extLst>
             <a:ext uri="{909E8E84-426E-40DD-AFC4-6F175D3DCCD1}">
-              <a14:hiddenFill xmlns:a14="http://schemas.microsoft.com/office/drawing/2010/main">
+              <a14:hiddenFill xmlns="" xmlns:a14="http://schemas.microsoft.com/office/drawing/2010/main">
                 <a:solidFill>
                   <a:srgbClr val="FFFFFF"/>
                 </a:solidFill>
@@ -7116,7 +7033,7 @@
           <a:blip r:embed="rId4" cstate="screen">
             <a:extLst>
               <a:ext uri="{28A0092B-C50C-407E-A947-70E740481C1C}">
-                <a14:useLocalDpi xmlns:a14="http://schemas.microsoft.com/office/drawing/2010/main" val="0"/>
+                <a14:useLocalDpi xmlns="" xmlns:a14="http://schemas.microsoft.com/office/drawing/2010/main" val="0"/>
               </a:ext>
             </a:extLst>
           </a:blip>
@@ -7136,7 +7053,7 @@
           <a:noFill/>
           <a:extLst>
             <a:ext uri="{909E8E84-426E-40DD-AFC4-6F175D3DCCD1}">
-              <a14:hiddenFill xmlns:a14="http://schemas.microsoft.com/office/drawing/2010/main">
+              <a14:hiddenFill xmlns="" xmlns:a14="http://schemas.microsoft.com/office/drawing/2010/main">
                 <a:solidFill>
                   <a:srgbClr val="FFFFFF"/>
                 </a:solidFill>
@@ -7180,15 +7097,7 @@
                   <a:schemeClr val="bg1"/>
                 </a:solidFill>
               </a:rPr>
-              <a:t>hey need </a:t>
-            </a:r>
-            <a:r>
-              <a:rPr lang="en-GB" altLang="zh-CN" dirty="0" smtClean="0">
-                <a:solidFill>
-                  <a:schemeClr val="bg1"/>
-                </a:solidFill>
-              </a:rPr>
-              <a:t>to reject incorrect invoice requests and communicate with related stakeholders via email or the phone.</a:t>
+              <a:t>hey need to reject incorrect invoice requests and communicate with related stakeholders via email or the phone.</a:t>
             </a:r>
             <a:endParaRPr lang="zh-CN" altLang="en-US" dirty="0">
               <a:solidFill>
@@ -7224,7 +7133,7 @@
             <a:blip r:embed="rId5" cstate="screen">
               <a:extLst>
                 <a:ext uri="{28A0092B-C50C-407E-A947-70E740481C1C}">
-                  <a14:useLocalDpi xmlns:a14="http://schemas.microsoft.com/office/drawing/2010/main" val="0"/>
+                  <a14:useLocalDpi xmlns="" xmlns:a14="http://schemas.microsoft.com/office/drawing/2010/main" val="0"/>
                 </a:ext>
               </a:extLst>
             </a:blip>
@@ -7244,7 +7153,7 @@
             <a:noFill/>
             <a:extLst>
               <a:ext uri="{909E8E84-426E-40DD-AFC4-6F175D3DCCD1}">
-                <a14:hiddenFill xmlns:a14="http://schemas.microsoft.com/office/drawing/2010/main">
+                <a14:hiddenFill xmlns="" xmlns:a14="http://schemas.microsoft.com/office/drawing/2010/main">
                   <a:solidFill>
                     <a:srgbClr val="FFFFFF"/>
                   </a:solidFill>
@@ -7265,7 +7174,7 @@
             <a:blip r:embed="rId6" cstate="screen">
               <a:extLst>
                 <a:ext uri="{28A0092B-C50C-407E-A947-70E740481C1C}">
-                  <a14:useLocalDpi xmlns:a14="http://schemas.microsoft.com/office/drawing/2010/main" val="0"/>
+                  <a14:useLocalDpi xmlns="" xmlns:a14="http://schemas.microsoft.com/office/drawing/2010/main" val="0"/>
                 </a:ext>
               </a:extLst>
             </a:blip>
@@ -7285,7 +7194,7 @@
             <a:noFill/>
             <a:extLst>
               <a:ext uri="{909E8E84-426E-40DD-AFC4-6F175D3DCCD1}">
-                <a14:hiddenFill xmlns:a14="http://schemas.microsoft.com/office/drawing/2010/main">
+                <a14:hiddenFill xmlns="" xmlns:a14="http://schemas.microsoft.com/office/drawing/2010/main">
                   <a:solidFill>
                     <a:srgbClr val="FFFFFF"/>
                   </a:solidFill>
@@ -7346,7 +7255,7 @@
             <a:blip r:embed="rId7" cstate="screen">
               <a:extLst>
                 <a:ext uri="{28A0092B-C50C-407E-A947-70E740481C1C}">
-                  <a14:useLocalDpi xmlns:a14="http://schemas.microsoft.com/office/drawing/2010/main" val="0"/>
+                  <a14:useLocalDpi xmlns="" xmlns:a14="http://schemas.microsoft.com/office/drawing/2010/main" val="0"/>
                 </a:ext>
               </a:extLst>
             </a:blip>
@@ -7366,7 +7275,7 @@
             <a:noFill/>
             <a:extLst>
               <a:ext uri="{909E8E84-426E-40DD-AFC4-6F175D3DCCD1}">
-                <a14:hiddenFill xmlns:a14="http://schemas.microsoft.com/office/drawing/2010/main">
+                <a14:hiddenFill xmlns="" xmlns:a14="http://schemas.microsoft.com/office/drawing/2010/main">
                   <a:solidFill>
                     <a:srgbClr val="FFFFFF"/>
                   </a:solidFill>
@@ -7428,7 +7337,7 @@
           <a:blip r:embed="rId3" cstate="screen">
             <a:extLst>
               <a:ext uri="{28A0092B-C50C-407E-A947-70E740481C1C}">
-                <a14:useLocalDpi xmlns:a14="http://schemas.microsoft.com/office/drawing/2010/main" val="0"/>
+                <a14:useLocalDpi xmlns="" xmlns:a14="http://schemas.microsoft.com/office/drawing/2010/main" val="0"/>
               </a:ext>
             </a:extLst>
           </a:blip>
@@ -7448,7 +7357,7 @@
           <a:noFill/>
           <a:extLst>
             <a:ext uri="{909E8E84-426E-40DD-AFC4-6F175D3DCCD1}">
-              <a14:hiddenFill xmlns:a14="http://schemas.microsoft.com/office/drawing/2010/main">
+              <a14:hiddenFill xmlns="" xmlns:a14="http://schemas.microsoft.com/office/drawing/2010/main">
                 <a:solidFill>
                   <a:srgbClr val="FFFFFF"/>
                 </a:solidFill>
@@ -7521,15 +7430,7 @@
                   <a:schemeClr val="bg1"/>
                 </a:solidFill>
               </a:rPr>
-              <a:t>During the whole process, AO staff is working manually within low efficiency and always facing the risk of manual mistakes and </a:t>
-            </a:r>
-            <a:r>
-              <a:rPr lang="en-GB" altLang="zh-CN" dirty="0" smtClean="0">
-                <a:solidFill>
-                  <a:schemeClr val="bg1"/>
-                </a:solidFill>
-              </a:rPr>
-              <a:t>information isolation. It means what you think is not the same as I think, the information is not matched between us.</a:t>
+              <a:t>During the whole process, AO staff is working manually within low efficiency and always facing the risk of manual mistakes and information isolation. It means the information what you think is not the same as I think, the information is not matched between us.</a:t>
             </a:r>
             <a:endParaRPr lang="zh-CN" altLang="en-US" dirty="0">
               <a:solidFill>
@@ -7765,18 +7666,18 @@
     </p:spTree>
     <p:extLst>
       <p:ext uri="{BB962C8B-B14F-4D97-AF65-F5344CB8AC3E}">
-        <p14:creationId xmlns:p14="http://schemas.microsoft.com/office/powerpoint/2010/main" val="1598486284"/>
+        <p14:creationId xmlns="" xmlns:p14="http://schemas.microsoft.com/office/powerpoint/2010/main" val="1598486284"/>
       </p:ext>
     </p:extLst>
   </p:cSld>
   <p:clrMapOvr>
     <a:masterClrMapping/>
   </p:clrMapOvr>
-  <mc:AlternateContent xmlns:mc="http://schemas.openxmlformats.org/markup-compatibility/2006" xmlns:p14="http://schemas.microsoft.com/office/powerpoint/2010/main">
-    <mc:Choice Requires="p14">
+  <mc:AlternateContent xmlns:mc="http://schemas.openxmlformats.org/markup-compatibility/2006">
+    <mc:Choice xmlns="" xmlns:p14="http://schemas.microsoft.com/office/powerpoint/2010/main" Requires="p14">
       <p:transition spd="slow" p14:dur="2000"/>
     </mc:Choice>
-    <mc:Fallback xmlns="">
+    <mc:Fallback>
       <p:transition spd="slow"/>
     </mc:Fallback>
   </mc:AlternateContent>
@@ -8775,18 +8676,18 @@
     </p:spTree>
     <p:extLst>
       <p:ext uri="{BB962C8B-B14F-4D97-AF65-F5344CB8AC3E}">
-        <p14:creationId xmlns:p14="http://schemas.microsoft.com/office/powerpoint/2010/main" val="3577936536"/>
+        <p14:creationId xmlns="" xmlns:p14="http://schemas.microsoft.com/office/powerpoint/2010/main" val="3577936536"/>
       </p:ext>
     </p:extLst>
   </p:cSld>
   <p:clrMapOvr>
     <a:masterClrMapping/>
   </p:clrMapOvr>
-  <mc:AlternateContent xmlns:mc="http://schemas.openxmlformats.org/markup-compatibility/2006" xmlns:p14="http://schemas.microsoft.com/office/powerpoint/2010/main">
-    <mc:Choice Requires="p14">
+  <mc:AlternateContent xmlns:mc="http://schemas.openxmlformats.org/markup-compatibility/2006">
+    <mc:Choice xmlns="" xmlns:p14="http://schemas.microsoft.com/office/powerpoint/2010/main" Requires="p14">
       <p:transition spd="slow" p14:dur="2000"/>
     </mc:Choice>
-    <mc:Fallback xmlns="">
+    <mc:Fallback>
       <p:transition spd="slow"/>
     </mc:Fallback>
   </mc:AlternateContent>
@@ -8874,7 +8775,7 @@
           <a:blip r:embed="rId3" cstate="screen">
             <a:extLst>
               <a:ext uri="{28A0092B-C50C-407E-A947-70E740481C1C}">
-                <a14:useLocalDpi xmlns:a14="http://schemas.microsoft.com/office/drawing/2010/main" val="0"/>
+                <a14:useLocalDpi xmlns="" xmlns:a14="http://schemas.microsoft.com/office/drawing/2010/main" val="0"/>
               </a:ext>
             </a:extLst>
           </a:blip>
@@ -8898,14 +8799,14 @@
           <a:effectLst/>
           <a:extLst>
             <a:ext uri="{909E8E84-426E-40DD-AFC4-6F175D3DCCD1}">
-              <a14:hiddenFill xmlns:a14="http://schemas.microsoft.com/office/drawing/2010/main">
+              <a14:hiddenFill xmlns="" xmlns:a14="http://schemas.microsoft.com/office/drawing/2010/main">
                 <a:solidFill>
                   <a:schemeClr val="accent1"/>
                 </a:solidFill>
               </a14:hiddenFill>
             </a:ext>
             <a:ext uri="{91240B29-F687-4F45-9708-019B960494DF}">
-              <a14:hiddenLine xmlns:a14="http://schemas.microsoft.com/office/drawing/2010/main" w="9525">
+              <a14:hiddenLine xmlns="" xmlns:a14="http://schemas.microsoft.com/office/drawing/2010/main" w="9525">
                 <a:solidFill>
                   <a:schemeClr val="tx1"/>
                 </a:solidFill>
@@ -8915,7 +8816,7 @@
               </a14:hiddenLine>
             </a:ext>
             <a:ext uri="{AF507438-7753-43E0-B8FC-AC1667EBCBE1}">
-              <a14:hiddenEffects xmlns:a14="http://schemas.microsoft.com/office/drawing/2010/main">
+              <a14:hiddenEffects xmlns="" xmlns:a14="http://schemas.microsoft.com/office/drawing/2010/main">
                 <a:effectLst>
                   <a:outerShdw dist="35921" dir="2700000" algn="ctr" rotWithShape="0">
                     <a:schemeClr val="bg2"/>
@@ -9115,18 +9016,18 @@
     </p:spTree>
     <p:extLst>
       <p:ext uri="{BB962C8B-B14F-4D97-AF65-F5344CB8AC3E}">
-        <p14:creationId xmlns:p14="http://schemas.microsoft.com/office/powerpoint/2010/main" val="4154159414"/>
+        <p14:creationId xmlns="" xmlns:p14="http://schemas.microsoft.com/office/powerpoint/2010/main" val="4154159414"/>
       </p:ext>
     </p:extLst>
   </p:cSld>
   <p:clrMapOvr>
     <a:masterClrMapping/>
   </p:clrMapOvr>
-  <mc:AlternateContent xmlns:mc="http://schemas.openxmlformats.org/markup-compatibility/2006" xmlns:p14="http://schemas.microsoft.com/office/powerpoint/2010/main">
-    <mc:Choice Requires="p14">
+  <mc:AlternateContent xmlns:mc="http://schemas.openxmlformats.org/markup-compatibility/2006">
+    <mc:Choice xmlns="" xmlns:p14="http://schemas.microsoft.com/office/powerpoint/2010/main" Requires="p14">
       <p:transition spd="slow" p14:dur="2000"/>
     </mc:Choice>
-    <mc:Fallback xmlns="">
+    <mc:Fallback>
       <p:transition spd="slow"/>
     </mc:Fallback>
   </mc:AlternateContent>
@@ -9482,15 +9383,7 @@
                   <a:schemeClr val="bg1"/>
                 </a:solidFill>
               </a:rPr>
-              <a:t>After applying our new process, the requestor will use a website or mobile app to submit their reimbursement </a:t>
-            </a:r>
-            <a:r>
-              <a:rPr lang="en-GB" altLang="zh-CN" dirty="0" smtClean="0">
-                <a:solidFill>
-                  <a:schemeClr val="bg1"/>
-                </a:solidFill>
-              </a:rPr>
-              <a:t>request.</a:t>
+              <a:t>After applying our new process, the requestor will use a website or mobile app to submit their reimbursement request.</a:t>
             </a:r>
             <a:endParaRPr lang="zh-CN" altLang="en-US" dirty="0">
               <a:solidFill>
@@ -9631,23 +9524,7 @@
                   <a:schemeClr val="bg1"/>
                 </a:solidFill>
               </a:rPr>
-              <a:t>AO staff can use this scanner to scan their invoice QR Code instead of manually typing it and then the invoice information will </a:t>
-            </a:r>
-            <a:r>
-              <a:rPr lang="en-GB" dirty="0" smtClean="0">
-                <a:solidFill>
-                  <a:schemeClr val="bg1"/>
-                </a:solidFill>
-              </a:rPr>
-              <a:t>be auto-imported </a:t>
-            </a:r>
-            <a:r>
-              <a:rPr lang="en-GB" dirty="0" smtClean="0">
-                <a:solidFill>
-                  <a:schemeClr val="bg1"/>
-                </a:solidFill>
-              </a:rPr>
-              <a:t>into our system.</a:t>
+              <a:t>AO staff can use this scanner to scan their invoice QR Code instead of manually typing it and then the invoice information will be auto-imported into our system.</a:t>
             </a:r>
             <a:endParaRPr lang="en-GB" dirty="0">
               <a:solidFill>
@@ -9872,23 +9749,7 @@
                   <a:schemeClr val="bg1"/>
                 </a:solidFill>
               </a:rPr>
-              <a:t>After determining Whether the invoice is effective or not, the system will trigger an email </a:t>
-            </a:r>
-            <a:r>
-              <a:rPr lang="en-GB" dirty="0" smtClean="0">
-                <a:solidFill>
-                  <a:schemeClr val="bg1"/>
-                </a:solidFill>
-              </a:rPr>
-              <a:t> automatically  to be </a:t>
-            </a:r>
-            <a:r>
-              <a:rPr lang="en-GB" dirty="0" smtClean="0">
-                <a:solidFill>
-                  <a:schemeClr val="bg1"/>
-                </a:solidFill>
-              </a:rPr>
-              <a:t>sent to the relevant stakeholders.</a:t>
+              <a:t>After determining Whether the invoice is effective or not, the system will trigger an email  automatically  to be sent to the relevant stakeholders.</a:t>
             </a:r>
             <a:endParaRPr lang="en-GB" dirty="0">
               <a:solidFill>
@@ -9901,18 +9762,18 @@
     </p:spTree>
     <p:extLst>
       <p:ext uri="{BB962C8B-B14F-4D97-AF65-F5344CB8AC3E}">
-        <p14:creationId xmlns:p14="http://schemas.microsoft.com/office/powerpoint/2010/main" val="3164977768"/>
+        <p14:creationId xmlns="" xmlns:p14="http://schemas.microsoft.com/office/powerpoint/2010/main" val="3164977768"/>
       </p:ext>
     </p:extLst>
   </p:cSld>
   <p:clrMapOvr>
     <a:masterClrMapping/>
   </p:clrMapOvr>
-  <mc:AlternateContent xmlns:mc="http://schemas.openxmlformats.org/markup-compatibility/2006" xmlns:p14="http://schemas.microsoft.com/office/powerpoint/2010/main">
-    <mc:Choice Requires="p14">
+  <mc:AlternateContent xmlns:mc="http://schemas.openxmlformats.org/markup-compatibility/2006">
+    <mc:Choice xmlns="" xmlns:p14="http://schemas.microsoft.com/office/powerpoint/2010/main" Requires="p14">
       <p:transition spd="slow" p14:dur="2000"/>
     </mc:Choice>
-    <mc:Fallback xmlns="">
+    <mc:Fallback>
       <p:transition spd="slow"/>
     </mc:Fallback>
   </mc:AlternateContent>
@@ -10011,10 +9872,17 @@
                             </p:stCondLst>
                             <p:childTnLst>
                               <p:par>
-                                <p:cTn id="11" presetID="42" presetClass="path" presetSubtype="0" repeatCount="5000" accel="50000" decel="50000" fill="hold" nodeType="clickEffect">
+                                <p:cTn id="11" presetID="42" presetClass="path" presetSubtype="0" repeatCount="indefinite" accel="50000" decel="50000" fill="hold" nodeType="clickEffect">
                                   <p:stCondLst>
                                     <p:cond delay="0"/>
                                   </p:stCondLst>
+                                  <p:endCondLst>
+                                    <p:cond evt="onNext" delay="0">
+                                      <p:tgtEl>
+                                        <p:sldTgt/>
+                                      </p:tgtEl>
+                                    </p:cond>
+                                  </p:endCondLst>
                                   <p:childTnLst>
                                     <p:animMotion origin="layout" path="M -4.39923E-6 -3.32213E-6 L -0.00014 0.28602 " pathEditMode="relative" rAng="0" ptsTypes="AA">
                                       <p:cBhvr>
@@ -10124,50 +9992,52 @@
                             </p:childTnLst>
                           </p:cTn>
                         </p:par>
+                      </p:childTnLst>
+                    </p:cTn>
+                  </p:par>
+                  <p:par>
+                    <p:cTn id="20" fill="hold">
+                      <p:stCondLst>
+                        <p:cond delay="indefinite"/>
+                      </p:stCondLst>
+                      <p:childTnLst>
                         <p:par>
-                          <p:cTn id="20" fill="hold">
+                          <p:cTn id="21" fill="hold">
                             <p:stCondLst>
-                              <p:cond delay="10000"/>
+                              <p:cond delay="0"/>
                             </p:stCondLst>
                             <p:childTnLst>
                               <p:par>
-                                <p:cTn id="21" presetID="1" presetClass="exit" presetSubtype="0" fill="hold" grpId="1" nodeType="afterEffect">
+                                <p:cTn id="22" presetID="63" presetClass="path" presetSubtype="0" repeatCount="indefinite" accel="50000" decel="50000" fill="hold" nodeType="clickEffect">
                                   <p:stCondLst>
                                     <p:cond delay="0"/>
                                   </p:stCondLst>
+                                  <p:endCondLst>
+                                    <p:cond evt="onNext" delay="0">
+                                      <p:tgtEl>
+                                        <p:sldTgt/>
+                                      </p:tgtEl>
+                                    </p:cond>
+                                  </p:endCondLst>
                                   <p:childTnLst>
-                                    <p:set>
+                                    <p:animMotion origin="layout" path="M -0.00014 0.00168 L 0.31933 -0.00504 " pathEditMode="relative" rAng="0" ptsTypes="AA">
                                       <p:cBhvr>
-                                        <p:cTn id="22" dur="1" fill="hold">
-                                          <p:stCondLst>
-                                            <p:cond delay="0"/>
-                                          </p:stCondLst>
-                                        </p:cTn>
+                                        <p:cTn id="23" dur="2000" fill="hold"/>
                                         <p:tgtEl>
-                                          <p:spTgt spid="9"/>
+                                          <p:spTgt spid="1030"/>
                                         </p:tgtEl>
                                         <p:attrNameLst>
-                                          <p:attrName>style.visibility</p:attrName>
+                                          <p:attrName>ppt_x</p:attrName>
+                                          <p:attrName>ppt_y</p:attrName>
                                         </p:attrNameLst>
                                       </p:cBhvr>
-                                      <p:to>
-                                        <p:strVal val="hidden"/>
-                                      </p:to>
-                                    </p:set>
+                                      <p:rCtr x="160" y="-3"/>
+                                    </p:animMotion>
                                   </p:childTnLst>
                                 </p:cTn>
                               </p:par>
-                            </p:childTnLst>
-                          </p:cTn>
-                        </p:par>
-                        <p:par>
-                          <p:cTn id="23" fill="hold">
-                            <p:stCondLst>
-                              <p:cond delay="10000"/>
-                            </p:stCondLst>
-                            <p:childTnLst>
                               <p:par>
-                                <p:cTn id="24" presetID="3" presetClass="entr" presetSubtype="10" fill="hold" grpId="0" nodeType="afterEffect">
+                                <p:cTn id="24" presetID="3" presetClass="entr" presetSubtype="10" fill="hold" grpId="0" nodeType="withEffect">
                                   <p:stCondLst>
                                     <p:cond delay="0"/>
                                   </p:stCondLst>
@@ -10201,55 +10071,35 @@
                                   </p:childTnLst>
                                 </p:cTn>
                               </p:par>
-                            </p:childTnLst>
-                          </p:cTn>
-                        </p:par>
-                      </p:childTnLst>
-                    </p:cTn>
-                  </p:par>
-                  <p:par>
-                    <p:cTn id="27" fill="hold">
-                      <p:stCondLst>
-                        <p:cond delay="indefinite"/>
-                      </p:stCondLst>
-                      <p:childTnLst>
-                        <p:par>
-                          <p:cTn id="28" fill="hold">
-                            <p:stCondLst>
-                              <p:cond delay="0"/>
-                            </p:stCondLst>
-                            <p:childTnLst>
                               <p:par>
-                                <p:cTn id="29" presetID="63" presetClass="path" presetSubtype="0" repeatCount="indefinite" accel="50000" decel="50000" fill="hold" nodeType="clickEffect">
+                                <p:cTn id="27" presetID="1" presetClass="exit" presetSubtype="0" fill="hold" grpId="1" nodeType="withEffect">
                                   <p:stCondLst>
                                     <p:cond delay="0"/>
                                   </p:stCondLst>
-                                  <p:endCondLst>
-                                    <p:cond evt="onNext" delay="0">
-                                      <p:tgtEl>
-                                        <p:sldTgt/>
-                                      </p:tgtEl>
-                                    </p:cond>
-                                  </p:endCondLst>
                                   <p:childTnLst>
-                                    <p:animMotion origin="layout" path="M -0.00014 0.00168 L 0.31933 -0.00504 " pathEditMode="relative" rAng="0" ptsTypes="AA">
+                                    <p:set>
                                       <p:cBhvr>
-                                        <p:cTn id="30" dur="2000" fill="hold"/>
+                                        <p:cTn id="28" dur="1" fill="hold">
+                                          <p:stCondLst>
+                                            <p:cond delay="0"/>
+                                          </p:stCondLst>
+                                        </p:cTn>
                                         <p:tgtEl>
-                                          <p:spTgt spid="1030"/>
+                                          <p:spTgt spid="9"/>
                                         </p:tgtEl>
                                         <p:attrNameLst>
-                                          <p:attrName>ppt_x</p:attrName>
-                                          <p:attrName>ppt_y</p:attrName>
+                                          <p:attrName>style.visibility</p:attrName>
                                         </p:attrNameLst>
                                       </p:cBhvr>
-                                      <p:rCtr x="160" y="-3"/>
-                                    </p:animMotion>
+                                      <p:to>
+                                        <p:strVal val="hidden"/>
+                                      </p:to>
+                                    </p:set>
                                   </p:childTnLst>
                                 </p:cTn>
                               </p:par>
                               <p:par>
-                                <p:cTn id="31" presetID="42" presetClass="path" presetSubtype="0" repeatCount="indefinite" accel="50000" decel="50000" fill="hold" nodeType="withEffect">
+                                <p:cTn id="29" presetID="42" presetClass="path" presetSubtype="0" repeatCount="indefinite" accel="50000" decel="50000" fill="hold" nodeType="withEffect">
                                   <p:stCondLst>
                                     <p:cond delay="0"/>
                                   </p:stCondLst>
@@ -10263,7 +10113,7 @@
                                   <p:childTnLst>
                                     <p:animMotion origin="layout" path="M -1.42581E-6 -4.73331E-6 L -1.42581E-6 0.38829 " pathEditMode="relative" rAng="0" ptsTypes="AA">
                                       <p:cBhvr>
-                                        <p:cTn id="32" dur="2000" fill="hold"/>
+                                        <p:cTn id="30" dur="2000" fill="hold"/>
                                         <p:tgtEl>
                                           <p:spTgt spid="1031"/>
                                         </p:tgtEl>
@@ -10278,14 +10128,14 @@
                                 </p:cTn>
                               </p:par>
                               <p:par>
-                                <p:cTn id="33" presetID="1" presetClass="exit" presetSubtype="0" fill="hold" nodeType="withEffect">
+                                <p:cTn id="31" presetID="1" presetClass="exit" presetSubtype="0" fill="hold" nodeType="withEffect">
                                   <p:stCondLst>
                                     <p:cond delay="0"/>
                                   </p:stCondLst>
                                   <p:childTnLst>
                                     <p:set>
                                       <p:cBhvr>
-                                        <p:cTn id="34" dur="1" fill="hold">
+                                        <p:cTn id="32" dur="1" fill="hold">
                                           <p:stCondLst>
                                             <p:cond delay="0"/>
                                           </p:stCondLst>
@@ -10311,19 +10161,46 @@
                     </p:cTn>
                   </p:par>
                   <p:par>
-                    <p:cTn id="35" fill="hold">
+                    <p:cTn id="33" fill="hold">
                       <p:stCondLst>
                         <p:cond delay="indefinite"/>
                       </p:stCondLst>
                       <p:childTnLst>
                         <p:par>
-                          <p:cTn id="36" fill="hold">
+                          <p:cTn id="34" fill="hold">
                             <p:stCondLst>
                               <p:cond delay="0"/>
                             </p:stCondLst>
                             <p:childTnLst>
                               <p:par>
-                                <p:cTn id="37" presetID="1" presetClass="exit" presetSubtype="0" fill="hold" grpId="1" nodeType="clickEffect">
+                                <p:cTn id="35" presetID="1" presetClass="exit" presetSubtype="0" fill="hold" grpId="1" nodeType="clickEffect">
+                                  <p:stCondLst>
+                                    <p:cond delay="0"/>
+                                  </p:stCondLst>
+                                  <p:childTnLst>
+                                    <p:set>
+                                      <p:cBhvr>
+                                        <p:cTn id="36" dur="1" fill="hold">
+                                          <p:stCondLst>
+                                            <p:cond delay="0"/>
+                                          </p:stCondLst>
+                                        </p:cTn>
+                                        <p:tgtEl>
+                                          <p:spTgt spid="15"/>
+                                        </p:tgtEl>
+                                        <p:attrNameLst>
+                                          <p:attrName>style.visibility</p:attrName>
+                                        </p:attrNameLst>
+                                      </p:cBhvr>
+                                      <p:to>
+                                        <p:strVal val="hidden"/>
+                                      </p:to>
+                                    </p:set>
+                                  </p:childTnLst>
+                                </p:cTn>
+                              </p:par>
+                              <p:par>
+                                <p:cTn id="37" presetID="1" presetClass="exit" presetSubtype="0" fill="hold" nodeType="withEffect">
                                   <p:stCondLst>
                                     <p:cond delay="0"/>
                                   </p:stCondLst>
@@ -10336,7 +10213,7 @@
                                           </p:stCondLst>
                                         </p:cTn>
                                         <p:tgtEl>
-                                          <p:spTgt spid="15"/>
+                                          <p:spTgt spid="1030"/>
                                         </p:tgtEl>
                                         <p:attrNameLst>
                                           <p:attrName>style.visibility</p:attrName>
@@ -10363,33 +10240,6 @@
                                           </p:stCondLst>
                                         </p:cTn>
                                         <p:tgtEl>
-                                          <p:spTgt spid="1030"/>
-                                        </p:tgtEl>
-                                        <p:attrNameLst>
-                                          <p:attrName>style.visibility</p:attrName>
-                                        </p:attrNameLst>
-                                      </p:cBhvr>
-                                      <p:to>
-                                        <p:strVal val="hidden"/>
-                                      </p:to>
-                                    </p:set>
-                                  </p:childTnLst>
-                                </p:cTn>
-                              </p:par>
-                              <p:par>
-                                <p:cTn id="41" presetID="1" presetClass="exit" presetSubtype="0" fill="hold" nodeType="withEffect">
-                                  <p:stCondLst>
-                                    <p:cond delay="0"/>
-                                  </p:stCondLst>
-                                  <p:childTnLst>
-                                    <p:set>
-                                      <p:cBhvr>
-                                        <p:cTn id="42" dur="1" fill="hold">
-                                          <p:stCondLst>
-                                            <p:cond delay="0"/>
-                                          </p:stCondLst>
-                                        </p:cTn>
-                                        <p:tgtEl>
                                           <p:spTgt spid="1031"/>
                                         </p:tgtEl>
                                         <p:attrNameLst>
@@ -10404,14 +10254,14 @@
                                 </p:cTn>
                               </p:par>
                               <p:par>
-                                <p:cTn id="43" presetID="1" presetClass="entr" presetSubtype="0" fill="hold" nodeType="withEffect">
+                                <p:cTn id="41" presetID="1" presetClass="entr" presetSubtype="0" fill="hold" nodeType="withEffect">
                                   <p:stCondLst>
                                     <p:cond delay="0"/>
                                   </p:stCondLst>
                                   <p:childTnLst>
                                     <p:set>
                                       <p:cBhvr>
-                                        <p:cTn id="44" dur="1" fill="hold">
+                                        <p:cTn id="42" dur="1" fill="hold">
                                           <p:stCondLst>
                                             <p:cond delay="0"/>
                                           </p:stCondLst>
@@ -10431,14 +10281,14 @@
                                 </p:cTn>
                               </p:par>
                               <p:par>
-                                <p:cTn id="45" presetID="3" presetClass="entr" presetSubtype="10" fill="hold" nodeType="withEffect">
+                                <p:cTn id="43" presetID="3" presetClass="entr" presetSubtype="10" fill="hold" nodeType="withEffect">
                                   <p:stCondLst>
                                     <p:cond delay="0"/>
                                   </p:stCondLst>
                                   <p:childTnLst>
                                     <p:set>
                                       <p:cBhvr>
-                                        <p:cTn id="46" dur="1" fill="hold">
+                                        <p:cTn id="44" dur="1" fill="hold">
                                           <p:stCondLst>
                                             <p:cond delay="0"/>
                                           </p:stCondLst>
@@ -10460,7 +10310,7 @@
                                     </p:set>
                                     <p:animEffect transition="in" filter="blinds(horizontal)">
                                       <p:cBhvr>
-                                        <p:cTn id="47" dur="500"/>
+                                        <p:cTn id="45" dur="500"/>
                                         <p:tgtEl>
                                           <p:spTgt spid="16">
                                             <p:txEl>
@@ -10477,13 +10327,13 @@
                           </p:cTn>
                         </p:par>
                         <p:par>
-                          <p:cTn id="48" fill="hold">
+                          <p:cTn id="46" fill="hold">
                             <p:stCondLst>
                               <p:cond delay="500"/>
                             </p:stCondLst>
                             <p:childTnLst>
                               <p:par>
-                                <p:cTn id="49" presetID="0" presetClass="path" presetSubtype="0" repeatCount="indefinite" accel="50000" decel="50000" fill="hold" nodeType="afterEffect">
+                                <p:cTn id="47" presetID="0" presetClass="path" presetSubtype="0" repeatCount="indefinite" accel="50000" decel="50000" fill="hold" nodeType="afterEffect">
                                   <p:stCondLst>
                                     <p:cond delay="0"/>
                                   </p:stCondLst>
@@ -10497,7 +10347,7 @@
                                   <p:childTnLst>
                                     <p:animMotion origin="layout" path="M -0.00564 -0.00168 C -0.12966 0.00819 -0.25323 0.01953 -0.3162 -0.03969 C -0.37888 -0.09786 -0.38007 -0.22428 -0.38126 -0.35049 " pathEditMode="relative" rAng="454581" ptsTypes="aaA">
                                       <p:cBhvr>
-                                        <p:cTn id="50" dur="3000" fill="hold"/>
+                                        <p:cTn id="48" dur="3000" fill="hold"/>
                                         <p:tgtEl>
                                           <p:spTgt spid="1032"/>
                                         </p:tgtEl>
@@ -10637,7 +10487,7 @@
             <a:blip r:embed="rId3" cstate="screen">
               <a:extLst>
                 <a:ext uri="{28A0092B-C50C-407E-A947-70E740481C1C}">
-                  <a14:useLocalDpi xmlns:a14="http://schemas.microsoft.com/office/drawing/2010/main" val="0"/>
+                  <a14:useLocalDpi xmlns="" xmlns:a14="http://schemas.microsoft.com/office/drawing/2010/main" val="0"/>
                 </a:ext>
               </a:extLst>
             </a:blip>
@@ -10657,7 +10507,7 @@
             <a:noFill/>
             <a:extLst>
               <a:ext uri="{909E8E84-426E-40DD-AFC4-6F175D3DCCD1}">
-                <a14:hiddenFill xmlns:a14="http://schemas.microsoft.com/office/drawing/2010/main">
+                <a14:hiddenFill xmlns="" xmlns:a14="http://schemas.microsoft.com/office/drawing/2010/main">
                   <a:solidFill>
                     <a:srgbClr val="FFFFFF"/>
                   </a:solidFill>
@@ -10778,7 +10628,7 @@
         <p:spPr>
           <a:xfrm>
             <a:off x="238919" y="6600825"/>
-            <a:ext cx="10214425" cy="1015663"/>
+            <a:ext cx="10214425" cy="707886"/>
           </a:xfrm>
           <a:prstGeom prst="rect">
             <a:avLst/>
@@ -10837,7 +10687,7 @@
                   <a:schemeClr val="bg1"/>
                 </a:solidFill>
               </a:rPr>
-              <a:t>information at </a:t>
+              <a:t>information. </a:t>
             </a:r>
             <a:r>
               <a:rPr lang="en-US" altLang="zh-CN" dirty="0">
@@ -10845,7 +10695,7 @@
                   <a:schemeClr val="bg1"/>
                 </a:solidFill>
               </a:rPr>
-              <a:t>least. After using our </a:t>
+              <a:t>After using our </a:t>
             </a:r>
             <a:r>
               <a:rPr lang="en-US" altLang="zh-CN" dirty="0" smtClean="0">
@@ -10954,7 +10804,7 @@
             <a:blip r:embed="rId4" cstate="screen">
               <a:extLst>
                 <a:ext uri="{28A0092B-C50C-407E-A947-70E740481C1C}">
-                  <a14:useLocalDpi xmlns:a14="http://schemas.microsoft.com/office/drawing/2010/main" val="0"/>
+                  <a14:useLocalDpi xmlns="" xmlns:a14="http://schemas.microsoft.com/office/drawing/2010/main" val="0"/>
                 </a:ext>
               </a:extLst>
             </a:blip>
@@ -10974,7 +10824,7 @@
             <a:noFill/>
             <a:extLst>
               <a:ext uri="{909E8E84-426E-40DD-AFC4-6F175D3DCCD1}">
-                <a14:hiddenFill xmlns:a14="http://schemas.microsoft.com/office/drawing/2010/main">
+                <a14:hiddenFill xmlns="" xmlns:a14="http://schemas.microsoft.com/office/drawing/2010/main">
                   <a:solidFill>
                     <a:srgbClr val="FFFFFF"/>
                   </a:solidFill>
@@ -11100,7 +10950,7 @@
             <a:blip r:embed="rId5" cstate="screen">
               <a:extLst>
                 <a:ext uri="{28A0092B-C50C-407E-A947-70E740481C1C}">
-                  <a14:useLocalDpi xmlns:a14="http://schemas.microsoft.com/office/drawing/2010/main" val="0"/>
+                  <a14:useLocalDpi xmlns="" xmlns:a14="http://schemas.microsoft.com/office/drawing/2010/main" val="0"/>
                 </a:ext>
               </a:extLst>
             </a:blip>
@@ -11120,7 +10970,7 @@
             <a:noFill/>
             <a:extLst>
               <a:ext uri="{909E8E84-426E-40DD-AFC4-6F175D3DCCD1}">
-                <a14:hiddenFill xmlns:a14="http://schemas.microsoft.com/office/drawing/2010/main">
+                <a14:hiddenFill xmlns="" xmlns:a14="http://schemas.microsoft.com/office/drawing/2010/main">
                   <a:solidFill>
                     <a:srgbClr val="FFFFFF"/>
                   </a:solidFill>
@@ -11319,7 +11169,7 @@
             <a:blip r:embed="rId6" cstate="screen">
               <a:extLst>
                 <a:ext uri="{28A0092B-C50C-407E-A947-70E740481C1C}">
-                  <a14:useLocalDpi xmlns:a14="http://schemas.microsoft.com/office/drawing/2010/main" val="0"/>
+                  <a14:useLocalDpi xmlns="" xmlns:a14="http://schemas.microsoft.com/office/drawing/2010/main" val="0"/>
                 </a:ext>
               </a:extLst>
             </a:blip>
@@ -11339,7 +11189,7 @@
             <a:noFill/>
             <a:extLst>
               <a:ext uri="{909E8E84-426E-40DD-AFC4-6F175D3DCCD1}">
-                <a14:hiddenFill xmlns:a14="http://schemas.microsoft.com/office/drawing/2010/main">
+                <a14:hiddenFill xmlns="" xmlns:a14="http://schemas.microsoft.com/office/drawing/2010/main">
                   <a:solidFill>
                     <a:srgbClr val="FFFFFF"/>
                   </a:solidFill>
@@ -11428,7 +11278,7 @@
         <p:spPr>
           <a:xfrm>
             <a:off x="410" y="6547187"/>
-            <a:ext cx="10601709" cy="1015663"/>
+            <a:ext cx="10688228" cy="1015663"/>
           </a:xfrm>
           <a:prstGeom prst="rect">
             <a:avLst/>
@@ -11470,7 +11320,7 @@
                   <a:schemeClr val="bg1"/>
                 </a:solidFill>
               </a:rPr>
-              <a:t> one </a:t>
+              <a:t>one </a:t>
             </a:r>
             <a:r>
               <a:rPr lang="en-US" altLang="zh-CN" dirty="0">
@@ -11489,12 +11339,20 @@
               <a:t>thousands </a:t>
             </a:r>
             <a:r>
+              <a:rPr lang="en-US" altLang="zh-CN" dirty="0" smtClean="0">
+                <a:solidFill>
+                  <a:schemeClr val="bg1"/>
+                </a:solidFill>
+              </a:rPr>
+              <a:t>those are </a:t>
+            </a:r>
+            <a:r>
               <a:rPr lang="en-US" altLang="zh-CN" dirty="0">
                 <a:solidFill>
                   <a:schemeClr val="bg1"/>
                 </a:solidFill>
               </a:rPr>
-              <a:t>that are periodically received.</a:t>
+              <a:t>periodically received.</a:t>
             </a:r>
             <a:endParaRPr lang="zh-CN" altLang="en-US" dirty="0">
               <a:solidFill>
@@ -11507,18 +11365,18 @@
     </p:spTree>
     <p:extLst>
       <p:ext uri="{BB962C8B-B14F-4D97-AF65-F5344CB8AC3E}">
-        <p14:creationId xmlns:p14="http://schemas.microsoft.com/office/powerpoint/2010/main" val="750072324"/>
+        <p14:creationId xmlns="" xmlns:p14="http://schemas.microsoft.com/office/powerpoint/2010/main" val="750072324"/>
       </p:ext>
     </p:extLst>
   </p:cSld>
   <p:clrMapOvr>
     <a:masterClrMapping/>
   </p:clrMapOvr>
-  <mc:AlternateContent xmlns:mc="http://schemas.openxmlformats.org/markup-compatibility/2006" xmlns:p14="http://schemas.microsoft.com/office/powerpoint/2010/main">
-    <mc:Choice Requires="p14">
+  <mc:AlternateContent xmlns:mc="http://schemas.openxmlformats.org/markup-compatibility/2006">
+    <mc:Choice xmlns="" xmlns:p14="http://schemas.microsoft.com/office/powerpoint/2010/main" Requires="p14">
       <p:transition spd="slow" p14:dur="2000"/>
     </mc:Choice>
-    <mc:Fallback xmlns="">
+    <mc:Fallback>
       <p:transition spd="slow"/>
     </mc:Fallback>
   </mc:AlternateContent>
@@ -12236,51 +12094,6 @@
       </p:sp>
       <p:sp>
         <p:nvSpPr>
-          <p:cNvPr id="6" name="Rectangle 5"/>
-          <p:cNvSpPr/>
-          <p:nvPr/>
-        </p:nvSpPr>
-        <p:spPr>
-          <a:xfrm>
-            <a:off x="244312" y="7008851"/>
-            <a:ext cx="8915400" cy="400110"/>
-          </a:xfrm>
-          <a:prstGeom prst="rect">
-            <a:avLst/>
-          </a:prstGeom>
-        </p:spPr>
-        <p:txBody>
-          <a:bodyPr wrap="square">
-            <a:spAutoFit/>
-          </a:bodyPr>
-          <a:lstStyle/>
-          <a:p>
-            <a:r>
-              <a:rPr lang="en-US" altLang="zh-CN" dirty="0" smtClean="0">
-                <a:solidFill>
-                  <a:schemeClr val="bg1"/>
-                </a:solidFill>
-              </a:rPr>
-              <a:t>Our </a:t>
-            </a:r>
-            <a:r>
-              <a:rPr lang="en-US" altLang="zh-CN" dirty="0">
-                <a:solidFill>
-                  <a:schemeClr val="bg1"/>
-                </a:solidFill>
-              </a:rPr>
-              <a:t>team target is to make Financial operation Simpler, Faster and Better.</a:t>
-            </a:r>
-            <a:endParaRPr lang="zh-CN" altLang="en-US" dirty="0">
-              <a:solidFill>
-                <a:schemeClr val="bg1"/>
-              </a:solidFill>
-            </a:endParaRPr>
-          </a:p>
-        </p:txBody>
-      </p:sp>
-      <p:sp>
-        <p:nvSpPr>
           <p:cNvPr id="8" name="Rectangle 7"/>
           <p:cNvSpPr/>
           <p:nvPr/>
@@ -12669,18 +12482,18 @@
     </p:spTree>
     <p:extLst>
       <p:ext uri="{BB962C8B-B14F-4D97-AF65-F5344CB8AC3E}">
-        <p14:creationId xmlns:p14="http://schemas.microsoft.com/office/powerpoint/2010/main" val="1614935249"/>
+        <p14:creationId xmlns="" xmlns:p14="http://schemas.microsoft.com/office/powerpoint/2010/main" val="1614935249"/>
       </p:ext>
     </p:extLst>
   </p:cSld>
   <p:clrMapOvr>
     <a:masterClrMapping/>
   </p:clrMapOvr>
-  <mc:AlternateContent xmlns:mc="http://schemas.openxmlformats.org/markup-compatibility/2006" xmlns:p14="http://schemas.microsoft.com/office/powerpoint/2010/main">
-    <mc:Choice Requires="p14">
+  <mc:AlternateContent xmlns:mc="http://schemas.openxmlformats.org/markup-compatibility/2006">
+    <mc:Choice xmlns="" xmlns:p14="http://schemas.microsoft.com/office/powerpoint/2010/main" Requires="p14">
       <p:transition spd="slow" p14:dur="2000"/>
     </mc:Choice>
-    <mc:Fallback xmlns="">
+    <mc:Fallback>
       <p:transition spd="slow"/>
     </mc:Fallback>
   </mc:AlternateContent>
@@ -12751,74 +12564,30 @@
                             </p:childTnLst>
                           </p:cTn>
                         </p:par>
+                      </p:childTnLst>
+                    </p:cTn>
+                  </p:par>
+                  <p:par>
+                    <p:cTn id="9" fill="hold">
+                      <p:stCondLst>
+                        <p:cond delay="indefinite"/>
+                      </p:stCondLst>
+                      <p:childTnLst>
                         <p:par>
-                          <p:cTn id="9" fill="hold">
+                          <p:cTn id="10" fill="hold">
                             <p:stCondLst>
-                              <p:cond delay="2000"/>
+                              <p:cond delay="0"/>
                             </p:stCondLst>
                             <p:childTnLst>
                               <p:par>
-                                <p:cTn id="10" presetID="10" presetClass="entr" presetSubtype="0" fill="hold" grpId="0" nodeType="afterEffect">
+                                <p:cTn id="11" presetID="53" presetClass="entr" presetSubtype="16" fill="hold" grpId="0" nodeType="clickEffect">
                                   <p:stCondLst>
                                     <p:cond delay="0"/>
                                   </p:stCondLst>
                                   <p:childTnLst>
                                     <p:set>
                                       <p:cBhvr>
-                                        <p:cTn id="11" dur="1" fill="hold">
-                                          <p:stCondLst>
-                                            <p:cond delay="0"/>
-                                          </p:stCondLst>
-                                        </p:cTn>
-                                        <p:tgtEl>
-                                          <p:spTgt spid="6"/>
-                                        </p:tgtEl>
-                                        <p:attrNameLst>
-                                          <p:attrName>style.visibility</p:attrName>
-                                        </p:attrNameLst>
-                                      </p:cBhvr>
-                                      <p:to>
-                                        <p:strVal val="visible"/>
-                                      </p:to>
-                                    </p:set>
-                                    <p:animEffect transition="in" filter="fade">
-                                      <p:cBhvr>
-                                        <p:cTn id="12" dur="500"/>
-                                        <p:tgtEl>
-                                          <p:spTgt spid="6"/>
-                                        </p:tgtEl>
-                                      </p:cBhvr>
-                                    </p:animEffect>
-                                  </p:childTnLst>
-                                </p:cTn>
-                              </p:par>
-                            </p:childTnLst>
-                          </p:cTn>
-                        </p:par>
-                      </p:childTnLst>
-                    </p:cTn>
-                  </p:par>
-                  <p:par>
-                    <p:cTn id="13" fill="hold">
-                      <p:stCondLst>
-                        <p:cond delay="indefinite"/>
-                      </p:stCondLst>
-                      <p:childTnLst>
-                        <p:par>
-                          <p:cTn id="14" fill="hold">
-                            <p:stCondLst>
-                              <p:cond delay="0"/>
-                            </p:stCondLst>
-                            <p:childTnLst>
-                              <p:par>
-                                <p:cTn id="15" presetID="53" presetClass="entr" presetSubtype="16" fill="hold" grpId="0" nodeType="clickEffect">
-                                  <p:stCondLst>
-                                    <p:cond delay="0"/>
-                                  </p:stCondLst>
-                                  <p:childTnLst>
-                                    <p:set>
-                                      <p:cBhvr>
-                                        <p:cTn id="16" dur="1" fill="hold">
+                                        <p:cTn id="12" dur="1" fill="hold">
                                           <p:stCondLst>
                                             <p:cond delay="0"/>
                                           </p:stCondLst>
@@ -12836,7 +12605,7 @@
                                     </p:set>
                                     <p:anim calcmode="lin" valueType="num">
                                       <p:cBhvr>
-                                        <p:cTn id="17" dur="500" fill="hold"/>
+                                        <p:cTn id="13" dur="500" fill="hold"/>
                                         <p:tgtEl>
                                           <p:spTgt spid="8"/>
                                         </p:tgtEl>
@@ -12859,7 +12628,7 @@
                                     </p:anim>
                                     <p:anim calcmode="lin" valueType="num">
                                       <p:cBhvr>
-                                        <p:cTn id="18" dur="500" fill="hold"/>
+                                        <p:cTn id="14" dur="500" fill="hold"/>
                                         <p:tgtEl>
                                           <p:spTgt spid="8"/>
                                         </p:tgtEl>
@@ -12882,7 +12651,7 @@
                                     </p:anim>
                                     <p:animEffect transition="in" filter="fade">
                                       <p:cBhvr>
-                                        <p:cTn id="19" dur="500"/>
+                                        <p:cTn id="15" dur="500"/>
                                         <p:tgtEl>
                                           <p:spTgt spid="8"/>
                                         </p:tgtEl>
@@ -12898,26 +12667,26 @@
                     </p:cTn>
                   </p:par>
                   <p:par>
-                    <p:cTn id="20" fill="hold">
+                    <p:cTn id="16" fill="hold">
                       <p:stCondLst>
                         <p:cond delay="indefinite"/>
                       </p:stCondLst>
                       <p:childTnLst>
                         <p:par>
-                          <p:cTn id="21" fill="hold">
+                          <p:cTn id="17" fill="hold">
                             <p:stCondLst>
                               <p:cond delay="0"/>
                             </p:stCondLst>
                             <p:childTnLst>
                               <p:par>
-                                <p:cTn id="22" presetID="31" presetClass="entr" presetSubtype="0" fill="hold" grpId="0" nodeType="clickEffect">
+                                <p:cTn id="18" presetID="31" presetClass="entr" presetSubtype="0" fill="hold" grpId="0" nodeType="clickEffect">
                                   <p:stCondLst>
                                     <p:cond delay="0"/>
                                   </p:stCondLst>
                                   <p:childTnLst>
                                     <p:set>
                                       <p:cBhvr>
-                                        <p:cTn id="23" dur="1" fill="hold">
+                                        <p:cTn id="19" dur="1" fill="hold">
                                           <p:stCondLst>
                                             <p:cond delay="0"/>
                                           </p:stCondLst>
@@ -12935,7 +12704,7 @@
                                     </p:set>
                                     <p:anim calcmode="lin" valueType="num">
                                       <p:cBhvr>
-                                        <p:cTn id="24" dur="1000" fill="hold"/>
+                                        <p:cTn id="20" dur="1000" fill="hold"/>
                                         <p:tgtEl>
                                           <p:spTgt spid="10"/>
                                         </p:tgtEl>
@@ -12958,7 +12727,7 @@
                                     </p:anim>
                                     <p:anim calcmode="lin" valueType="num">
                                       <p:cBhvr>
-                                        <p:cTn id="25" dur="1000" fill="hold"/>
+                                        <p:cTn id="21" dur="1000" fill="hold"/>
                                         <p:tgtEl>
                                           <p:spTgt spid="10"/>
                                         </p:tgtEl>
@@ -12981,7 +12750,7 @@
                                     </p:anim>
                                     <p:anim calcmode="lin" valueType="num">
                                       <p:cBhvr>
-                                        <p:cTn id="26" dur="1000" fill="hold"/>
+                                        <p:cTn id="22" dur="1000" fill="hold"/>
                                         <p:tgtEl>
                                           <p:spTgt spid="10"/>
                                         </p:tgtEl>
@@ -13004,7 +12773,7 @@
                                     </p:anim>
                                     <p:animEffect transition="in" filter="fade">
                                       <p:cBhvr>
-                                        <p:cTn id="27" dur="1000"/>
+                                        <p:cTn id="23" dur="1000"/>
                                         <p:tgtEl>
                                           <p:spTgt spid="10"/>
                                         </p:tgtEl>
@@ -13020,26 +12789,26 @@
                     </p:cTn>
                   </p:par>
                   <p:par>
-                    <p:cTn id="28" fill="hold">
+                    <p:cTn id="24" fill="hold">
                       <p:stCondLst>
                         <p:cond delay="indefinite"/>
                       </p:stCondLst>
                       <p:childTnLst>
                         <p:par>
-                          <p:cTn id="29" fill="hold">
+                          <p:cTn id="25" fill="hold">
                             <p:stCondLst>
                               <p:cond delay="0"/>
                             </p:stCondLst>
                             <p:childTnLst>
                               <p:par>
-                                <p:cTn id="30" presetID="45" presetClass="entr" presetSubtype="0" fill="hold" grpId="0" nodeType="clickEffect">
+                                <p:cTn id="26" presetID="45" presetClass="entr" presetSubtype="0" fill="hold" grpId="0" nodeType="clickEffect">
                                   <p:stCondLst>
                                     <p:cond delay="0"/>
                                   </p:stCondLst>
                                   <p:childTnLst>
                                     <p:set>
                                       <p:cBhvr>
-                                        <p:cTn id="31" dur="1" fill="hold">
+                                        <p:cTn id="27" dur="1" fill="hold">
                                           <p:stCondLst>
                                             <p:cond delay="0"/>
                                           </p:stCondLst>
@@ -13057,7 +12826,7 @@
                                     </p:set>
                                     <p:animEffect transition="in" filter="fade">
                                       <p:cBhvr>
-                                        <p:cTn id="32" dur="2000"/>
+                                        <p:cTn id="28" dur="2000"/>
                                         <p:tgtEl>
                                           <p:spTgt spid="11"/>
                                         </p:tgtEl>
@@ -13065,7 +12834,7 @@
                                     </p:animEffect>
                                     <p:anim calcmode="lin" valueType="num">
                                       <p:cBhvr>
-                                        <p:cTn id="33" dur="2000" fill="hold"/>
+                                        <p:cTn id="29" dur="2000" fill="hold"/>
                                         <p:tgtEl>
                                           <p:spTgt spid="11"/>
                                         </p:tgtEl>
@@ -13088,7 +12857,7 @@
                                     </p:anim>
                                     <p:anim calcmode="lin" valueType="num">
                                       <p:cBhvr>
-                                        <p:cTn id="34" dur="2000" fill="hold"/>
+                                        <p:cTn id="30" dur="2000" fill="hold"/>
                                         <p:tgtEl>
                                           <p:spTgt spid="11"/>
                                         </p:tgtEl>
@@ -13140,7 +12909,6 @@
       </p:par>
     </p:tnLst>
     <p:bldLst>
-      <p:bldP spid="6" grpId="0"/>
       <p:bldP spid="8" grpId="0" animBg="1"/>
       <p:bldP spid="10" grpId="0" animBg="1"/>
       <p:bldP spid="11" grpId="0" animBg="1"/>
@@ -13304,7 +13072,25 @@
                 <a:ea typeface="굴림" charset="-127"/>
                 <a:cs typeface="Arial" charset="0"/>
               </a:rPr>
-              <a:t>It is very short presentation, if you are interesting in our project, please OC us for free. For any technique question, please contact Victor. Business question, that is Barbara . </a:t>
+              <a:t>It is very short presentation, if you are interesting in our project, please OC us for free. For any </a:t>
+            </a:r>
+            <a:r>
+              <a:rPr lang="en-US" dirty="0" smtClean="0"/>
+              <a:t>technology </a:t>
+            </a:r>
+            <a:r>
+              <a:rPr lang="en-US" altLang="ko-KR" dirty="0" smtClean="0">
+                <a:ea typeface="굴림" charset="-127"/>
+                <a:cs typeface="Arial" charset="0"/>
+              </a:rPr>
+              <a:t>question</a:t>
+            </a:r>
+            <a:r>
+              <a:rPr lang="en-US" altLang="ko-KR" dirty="0" smtClean="0">
+                <a:ea typeface="굴림" charset="-127"/>
+                <a:cs typeface="Arial" charset="0"/>
+              </a:rPr>
+              <a:t>, please contact Victor. Business question, that is Barbara . </a:t>
             </a:r>
             <a:endParaRPr lang="en-US" altLang="ko-KR" dirty="0">
               <a:ea typeface="굴림" charset="-127"/>
